--- a/Data_Lake_Construction_and_Querying_With_PySpark.pptx
+++ b/Data_Lake_Construction_and_Querying_With_PySpark.pptx
@@ -2,7 +2,7 @@
 <file path=ppt/presentation.xml><?xml version="1.0" encoding="utf-8"?>
 <p:presentation xmlns:a="http://schemas.openxmlformats.org/drawingml/2006/main" xmlns:r="http://schemas.openxmlformats.org/officeDocument/2006/relationships" xmlns:p="http://schemas.openxmlformats.org/presentationml/2006/main" saveSubsetFonts="1">
   <p:sldMasterIdLst>
-    <p:sldMasterId id="2147483660" r:id="rId1"/>
+    <p:sldMasterId id="2147483694" r:id="rId1"/>
   </p:sldMasterIdLst>
   <p:sldIdLst>
     <p:sldId id="256" r:id="rId2"/>
@@ -10,7 +10,12 @@
     <p:sldId id="259" r:id="rId4"/>
     <p:sldId id="260" r:id="rId5"/>
     <p:sldId id="261" r:id="rId6"/>
-    <p:sldId id="257" r:id="rId7"/>
+    <p:sldId id="262" r:id="rId7"/>
+    <p:sldId id="263" r:id="rId8"/>
+    <p:sldId id="264" r:id="rId9"/>
+    <p:sldId id="266" r:id="rId10"/>
+    <p:sldId id="265" r:id="rId11"/>
+    <p:sldId id="257" r:id="rId12"/>
   </p:sldIdLst>
   <p:sldSz cx="12192000" cy="6858000"/>
   <p:notesSz cx="6858000" cy="9144000"/>
@@ -136,7 +141,7 @@
       </p:grpSpPr>
       <p:grpSp>
         <p:nvGrpSpPr>
-          <p:cNvPr id="7" name="Group 6"/>
+          <p:cNvPr id="16" name="Group 15"/>
           <p:cNvGrpSpPr/>
           <p:nvPr/>
         </p:nvGrpSpPr>
@@ -148,9 +153,72 @@
             <a:chExt cx="12192000" cy="6866467"/>
           </a:xfrm>
         </p:grpSpPr>
+        <p:sp>
+          <p:nvSpPr>
+            <p:cNvPr id="15" name="Freeform 14"/>
+            <p:cNvSpPr/>
+            <p:nvPr/>
+          </p:nvSpPr>
+          <p:spPr>
+            <a:xfrm>
+              <a:off x="0" y="-7862"/>
+              <a:ext cx="863600" cy="5698067"/>
+            </a:xfrm>
+            <a:custGeom>
+              <a:avLst/>
+              <a:gdLst/>
+              <a:ahLst/>
+              <a:cxnLst/>
+              <a:rect l="l" t="t" r="r" b="b"/>
+              <a:pathLst>
+                <a:path w="863600" h="5698067">
+                  <a:moveTo>
+                    <a:pt x="0" y="8467"/>
+                  </a:moveTo>
+                  <a:lnTo>
+                    <a:pt x="863600" y="0"/>
+                  </a:lnTo>
+                  <a:lnTo>
+                    <a:pt x="863600" y="16934"/>
+                  </a:lnTo>
+                  <a:lnTo>
+                    <a:pt x="0" y="5698067"/>
+                  </a:lnTo>
+                  <a:lnTo>
+                    <a:pt x="0" y="8467"/>
+                  </a:lnTo>
+                  <a:close/>
+                </a:path>
+              </a:pathLst>
+            </a:custGeom>
+            <a:solidFill>
+              <a:schemeClr val="accent1">
+                <a:alpha val="70000"/>
+              </a:schemeClr>
+            </a:solidFill>
+            <a:ln>
+              <a:noFill/>
+            </a:ln>
+            <a:effectLst/>
+          </p:spPr>
+          <p:style>
+            <a:lnRef idx="1">
+              <a:schemeClr val="accent1"/>
+            </a:lnRef>
+            <a:fillRef idx="3">
+              <a:schemeClr val="accent1"/>
+            </a:fillRef>
+            <a:effectRef idx="2">
+              <a:schemeClr val="accent1"/>
+            </a:effectRef>
+            <a:fontRef idx="minor">
+              <a:schemeClr val="lt1"/>
+            </a:fontRef>
+          </p:style>
+        </p:sp>
         <p:cxnSp>
           <p:nvCxnSpPr>
-            <p:cNvPr id="32" name="Straight Connector 31"/>
+            <p:cNvPr id="19" name="Straight Connector 18"/>
             <p:cNvCxnSpPr/>
             <p:nvPr/>
           </p:nvCxnSpPr>
@@ -164,8 +232,8 @@
             </a:prstGeom>
             <a:ln w="9525">
               <a:solidFill>
-                <a:schemeClr val="bg1">
-                  <a:lumMod val="75000"/>
+                <a:schemeClr val="accent1">
+                  <a:alpha val="70000"/>
                 </a:schemeClr>
               </a:solidFill>
             </a:ln>
@@ -187,7 +255,7 @@
         </p:cxnSp>
         <p:cxnSp>
           <p:nvCxnSpPr>
-            <p:cNvPr id="21" name="Straight Connector 20"/>
+            <p:cNvPr id="20" name="Straight Connector 19"/>
             <p:cNvCxnSpPr/>
             <p:nvPr/>
           </p:nvCxnSpPr>
@@ -201,8 +269,8 @@
             </a:prstGeom>
             <a:ln w="9525">
               <a:solidFill>
-                <a:schemeClr val="bg1">
-                  <a:lumMod val="85000"/>
+                <a:schemeClr val="accent1">
+                  <a:alpha val="70000"/>
                 </a:schemeClr>
               </a:solidFill>
             </a:ln>
@@ -224,7 +292,7 @@
         </p:cxnSp>
         <p:sp>
           <p:nvSpPr>
-            <p:cNvPr id="24" name="Rectangle 23"/>
+            <p:cNvPr id="21" name="Rectangle 23"/>
             <p:cNvSpPr/>
             <p:nvPr/>
           </p:nvSpPr>
@@ -262,7 +330,7 @@
             </a:custGeom>
             <a:solidFill>
               <a:schemeClr val="accent1">
-                <a:alpha val="30000"/>
+                <a:alpha val="36000"/>
               </a:schemeClr>
             </a:solidFill>
             <a:ln>
@@ -287,7 +355,7 @@
         </p:sp>
         <p:sp>
           <p:nvSpPr>
-            <p:cNvPr id="26" name="Rectangle 25"/>
+            <p:cNvPr id="22" name="Rectangle 25"/>
             <p:cNvSpPr/>
             <p:nvPr/>
           </p:nvSpPr>
@@ -350,7 +418,7 @@
         </p:sp>
         <p:sp>
           <p:nvSpPr>
-            <p:cNvPr id="27" name="Isosceles Triangle 26"/>
+            <p:cNvPr id="23" name="Isosceles Triangle 22"/>
             <p:cNvSpPr/>
             <p:nvPr/>
           </p:nvSpPr>
@@ -365,8 +433,9 @@
               </a:avLst>
             </a:prstGeom>
             <a:solidFill>
-              <a:schemeClr val="accent2">
-                <a:alpha val="72000"/>
+              <a:schemeClr val="accent1">
+                <a:lumMod val="75000"/>
+                <a:alpha val="66000"/>
               </a:schemeClr>
             </a:solidFill>
             <a:ln>
@@ -391,7 +460,7 @@
         </p:sp>
         <p:sp>
           <p:nvSpPr>
-            <p:cNvPr id="28" name="Rectangle 27"/>
+            <p:cNvPr id="24" name="Rectangle 27"/>
             <p:cNvSpPr/>
             <p:nvPr/>
           </p:nvSpPr>
@@ -428,9 +497,9 @@
               </a:pathLst>
             </a:custGeom>
             <a:solidFill>
-              <a:schemeClr val="accent2">
+              <a:schemeClr val="accent1">
                 <a:lumMod val="75000"/>
-                <a:alpha val="70000"/>
+                <a:alpha val="50000"/>
               </a:schemeClr>
             </a:solidFill>
             <a:ln>
@@ -455,7 +524,7 @@
         </p:sp>
         <p:sp>
           <p:nvSpPr>
-            <p:cNvPr id="29" name="Rectangle 28"/>
+            <p:cNvPr id="25" name="Rectangle 28"/>
             <p:cNvSpPr/>
             <p:nvPr/>
           </p:nvSpPr>
@@ -492,9 +561,7 @@
               </a:pathLst>
             </a:custGeom>
             <a:solidFill>
-              <a:schemeClr val="accent1">
-                <a:lumMod val="60000"/>
-                <a:lumOff val="40000"/>
+              <a:schemeClr val="accent2">
                 <a:alpha val="70000"/>
               </a:schemeClr>
             </a:solidFill>
@@ -520,7 +587,7 @@
         </p:sp>
         <p:sp>
           <p:nvSpPr>
-            <p:cNvPr id="30" name="Rectangle 29"/>
+            <p:cNvPr id="26" name="Rectangle 29"/>
             <p:cNvSpPr/>
             <p:nvPr/>
           </p:nvSpPr>
@@ -557,48 +624,8 @@
               </a:pathLst>
             </a:custGeom>
             <a:solidFill>
-              <a:schemeClr val="accent1">
-                <a:alpha val="65000"/>
-              </a:schemeClr>
-            </a:solidFill>
-            <a:ln>
-              <a:noFill/>
-            </a:ln>
-            <a:effectLst/>
-          </p:spPr>
-          <p:style>
-            <a:lnRef idx="1">
-              <a:schemeClr val="accent1"/>
-            </a:lnRef>
-            <a:fillRef idx="3">
-              <a:schemeClr val="accent1"/>
-            </a:fillRef>
-            <a:effectRef idx="2">
-              <a:schemeClr val="accent1"/>
-            </a:effectRef>
-            <a:fontRef idx="minor">
-              <a:schemeClr val="lt1"/>
-            </a:fontRef>
-          </p:style>
-        </p:sp>
-        <p:sp>
-          <p:nvSpPr>
-            <p:cNvPr id="31" name="Isosceles Triangle 30"/>
-            <p:cNvSpPr/>
-            <p:nvPr/>
-          </p:nvSpPr>
-          <p:spPr>
-            <a:xfrm>
-              <a:off x="10371666" y="3589867"/>
-              <a:ext cx="1817159" cy="3268133"/>
-            </a:xfrm>
-            <a:prstGeom prst="triangle">
-              <a:avLst>
-                <a:gd name="adj" fmla="val 100000"/>
-              </a:avLst>
-            </a:prstGeom>
-            <a:solidFill>
-              <a:schemeClr val="accent1">
+              <a:schemeClr val="accent2">
+                <a:lumMod val="75000"/>
                 <a:alpha val="80000"/>
               </a:schemeClr>
             </a:solidFill>
@@ -624,14 +651,14 @@
         </p:sp>
         <p:sp>
           <p:nvSpPr>
-            <p:cNvPr id="19" name="Isosceles Triangle 18"/>
+            <p:cNvPr id="27" name="Isosceles Triangle 26"/>
             <p:cNvSpPr/>
             <p:nvPr/>
           </p:nvSpPr>
           <p:spPr>
-            <a:xfrm rot="10800000">
-              <a:off x="0" y="0"/>
-              <a:ext cx="842596" cy="5666154"/>
+            <a:xfrm>
+              <a:off x="10371666" y="3589867"/>
+              <a:ext cx="1817159" cy="3268133"/>
             </a:xfrm>
             <a:prstGeom prst="triangle">
               <a:avLst>
@@ -640,7 +667,8 @@
             </a:prstGeom>
             <a:solidFill>
               <a:schemeClr val="accent1">
-                <a:alpha val="85000"/>
+                <a:lumMod val="75000"/>
+                <a:alpha val="66000"/>
               </a:schemeClr>
             </a:solidFill>
             <a:ln>
@@ -890,7 +918,7 @@
     </p:spTree>
     <p:extLst>
       <p:ext uri="{BB962C8B-B14F-4D97-AF65-F5344CB8AC3E}">
-        <p14:creationId xmlns:p14="http://schemas.microsoft.com/office/powerpoint/2010/main" val="2464351533"/>
+        <p14:creationId xmlns:p14="http://schemas.microsoft.com/office/powerpoint/2010/main" val="3307491555"/>
       </p:ext>
     </p:extLst>
   </p:cSld>
@@ -1141,7 +1169,7 @@
     </p:spTree>
     <p:extLst>
       <p:ext uri="{BB962C8B-B14F-4D97-AF65-F5344CB8AC3E}">
-        <p14:creationId xmlns:p14="http://schemas.microsoft.com/office/powerpoint/2010/main" val="708664665"/>
+        <p14:creationId xmlns:p14="http://schemas.microsoft.com/office/powerpoint/2010/main" val="3119629940"/>
       </p:ext>
     </p:extLst>
   </p:cSld>
@@ -1454,7 +1482,7 @@
       </p:sp>
       <p:sp>
         <p:nvSpPr>
-          <p:cNvPr id="20" name="TextBox 19"/>
+          <p:cNvPr id="24" name="TextBox 23"/>
           <p:cNvSpPr txBox="1"/>
           <p:nvPr/>
         </p:nvSpPr>
@@ -1495,7 +1523,7 @@
       </p:sp>
       <p:sp>
         <p:nvSpPr>
-          <p:cNvPr id="22" name="TextBox 21"/>
+          <p:cNvPr id="25" name="TextBox 24"/>
           <p:cNvSpPr txBox="1"/>
           <p:nvPr/>
         </p:nvSpPr>
@@ -1526,26 +1554,18 @@
                     <a:lumOff val="40000"/>
                   </a:schemeClr>
                 </a:solidFill>
+                <a:effectLst/>
                 <a:latin typeface="Arial"/>
               </a:rPr>
               <a:t>”</a:t>
             </a:r>
-            <a:endParaRPr lang="en-US" dirty="0">
-              <a:solidFill>
-                <a:schemeClr val="accent1">
-                  <a:lumMod val="60000"/>
-                  <a:lumOff val="40000"/>
-                </a:schemeClr>
-              </a:solidFill>
-              <a:latin typeface="Arial"/>
-            </a:endParaRPr>
           </a:p>
         </p:txBody>
       </p:sp>
     </p:spTree>
     <p:extLst>
       <p:ext uri="{BB962C8B-B14F-4D97-AF65-F5344CB8AC3E}">
-        <p14:creationId xmlns:p14="http://schemas.microsoft.com/office/powerpoint/2010/main" val="1856112684"/>
+        <p14:creationId xmlns:p14="http://schemas.microsoft.com/office/powerpoint/2010/main" val="2909287674"/>
       </p:ext>
     </p:extLst>
   </p:cSld>
@@ -1796,7 +1816,7 @@
     </p:spTree>
     <p:extLst>
       <p:ext uri="{BB962C8B-B14F-4D97-AF65-F5344CB8AC3E}">
-        <p14:creationId xmlns:p14="http://schemas.microsoft.com/office/powerpoint/2010/main" val="3575845534"/>
+        <p14:creationId xmlns:p14="http://schemas.microsoft.com/office/powerpoint/2010/main" val="1190972646"/>
       </p:ext>
     </p:extLst>
   </p:cSld>
@@ -2192,7 +2212,7 @@
     </p:spTree>
     <p:extLst>
       <p:ext uri="{BB962C8B-B14F-4D97-AF65-F5344CB8AC3E}">
-        <p14:creationId xmlns:p14="http://schemas.microsoft.com/office/powerpoint/2010/main" val="3232530308"/>
+        <p14:creationId xmlns:p14="http://schemas.microsoft.com/office/powerpoint/2010/main" val="3541650886"/>
       </p:ext>
     </p:extLst>
   </p:cSld>
@@ -2503,7 +2523,7 @@
     </p:spTree>
     <p:extLst>
       <p:ext uri="{BB962C8B-B14F-4D97-AF65-F5344CB8AC3E}">
-        <p14:creationId xmlns:p14="http://schemas.microsoft.com/office/powerpoint/2010/main" val="3706202154"/>
+        <p14:creationId xmlns:p14="http://schemas.microsoft.com/office/powerpoint/2010/main" val="301810665"/>
       </p:ext>
     </p:extLst>
   </p:cSld>
@@ -2673,7 +2693,7 @@
     </p:spTree>
     <p:extLst>
       <p:ext uri="{BB962C8B-B14F-4D97-AF65-F5344CB8AC3E}">
-        <p14:creationId xmlns:p14="http://schemas.microsoft.com/office/powerpoint/2010/main" val="330051901"/>
+        <p14:creationId xmlns:p14="http://schemas.microsoft.com/office/powerpoint/2010/main" val="866217123"/>
       </p:ext>
     </p:extLst>
   </p:cSld>
@@ -2853,7 +2873,7 @@
     </p:spTree>
     <p:extLst>
       <p:ext uri="{BB962C8B-B14F-4D97-AF65-F5344CB8AC3E}">
-        <p14:creationId xmlns:p14="http://schemas.microsoft.com/office/powerpoint/2010/main" val="514436830"/>
+        <p14:creationId xmlns:p14="http://schemas.microsoft.com/office/powerpoint/2010/main" val="757979945"/>
       </p:ext>
     </p:extLst>
   </p:cSld>
@@ -2892,14 +2912,8 @@
         </p:nvSpPr>
         <p:spPr/>
         <p:txBody>
-          <a:bodyPr>
-            <a:normAutofit/>
-          </a:bodyPr>
-          <a:lstStyle>
-            <a:lvl1pPr>
-              <a:defRPr sz="3600"/>
-            </a:lvl1pPr>
-          </a:lstStyle>
+          <a:bodyPr/>
+          <a:lstStyle/>
           <a:p>
             <a:r>
               <a:rPr lang="en-US"/>
@@ -3029,7 +3043,7 @@
     </p:spTree>
     <p:extLst>
       <p:ext uri="{BB962C8B-B14F-4D97-AF65-F5344CB8AC3E}">
-        <p14:creationId xmlns:p14="http://schemas.microsoft.com/office/powerpoint/2010/main" val="1548916888"/>
+        <p14:creationId xmlns:p14="http://schemas.microsoft.com/office/powerpoint/2010/main" val="2869181728"/>
       </p:ext>
     </p:extLst>
   </p:cSld>
@@ -3276,7 +3290,7 @@
     </p:spTree>
     <p:extLst>
       <p:ext uri="{BB962C8B-B14F-4D97-AF65-F5344CB8AC3E}">
-        <p14:creationId xmlns:p14="http://schemas.microsoft.com/office/powerpoint/2010/main" val="1542346636"/>
+        <p14:creationId xmlns:p14="http://schemas.microsoft.com/office/powerpoint/2010/main" val="3949218477"/>
       </p:ext>
     </p:extLst>
   </p:cSld>
@@ -3508,7 +3522,7 @@
     </p:spTree>
     <p:extLst>
       <p:ext uri="{BB962C8B-B14F-4D97-AF65-F5344CB8AC3E}">
-        <p14:creationId xmlns:p14="http://schemas.microsoft.com/office/powerpoint/2010/main" val="108936838"/>
+        <p14:creationId xmlns:p14="http://schemas.microsoft.com/office/powerpoint/2010/main" val="2565202838"/>
       </p:ext>
     </p:extLst>
   </p:cSld>
@@ -3882,7 +3896,7 @@
     </p:spTree>
     <p:extLst>
       <p:ext uri="{BB962C8B-B14F-4D97-AF65-F5344CB8AC3E}">
-        <p14:creationId xmlns:p14="http://schemas.microsoft.com/office/powerpoint/2010/main" val="532925068"/>
+        <p14:creationId xmlns:p14="http://schemas.microsoft.com/office/powerpoint/2010/main" val="2115652731"/>
       </p:ext>
     </p:extLst>
   </p:cSld>
@@ -4005,7 +4019,7 @@
     </p:spTree>
     <p:extLst>
       <p:ext uri="{BB962C8B-B14F-4D97-AF65-F5344CB8AC3E}">
-        <p14:creationId xmlns:p14="http://schemas.microsoft.com/office/powerpoint/2010/main" val="3214174443"/>
+        <p14:creationId xmlns:p14="http://schemas.microsoft.com/office/powerpoint/2010/main" val="4282706047"/>
       </p:ext>
     </p:extLst>
   </p:cSld>
@@ -4100,7 +4114,7 @@
     </p:spTree>
     <p:extLst>
       <p:ext uri="{BB962C8B-B14F-4D97-AF65-F5344CB8AC3E}">
-        <p14:creationId xmlns:p14="http://schemas.microsoft.com/office/powerpoint/2010/main" val="1932882649"/>
+        <p14:creationId xmlns:p14="http://schemas.microsoft.com/office/powerpoint/2010/main" val="913623232"/>
       </p:ext>
     </p:extLst>
   </p:cSld>
@@ -4355,7 +4369,7 @@
     </p:spTree>
     <p:extLst>
       <p:ext uri="{BB962C8B-B14F-4D97-AF65-F5344CB8AC3E}">
-        <p14:creationId xmlns:p14="http://schemas.microsoft.com/office/powerpoint/2010/main" val="2557695341"/>
+        <p14:creationId xmlns:p14="http://schemas.microsoft.com/office/powerpoint/2010/main" val="142742839"/>
       </p:ext>
     </p:extLst>
   </p:cSld>
@@ -4552,6 +4566,48 @@
       </p:sp>
       <p:sp>
         <p:nvSpPr>
+          <p:cNvPr id="6" name="Footer Placeholder 5"/>
+          <p:cNvSpPr>
+            <a:spLocks noGrp="1"/>
+          </p:cNvSpPr>
+          <p:nvPr>
+            <p:ph type="ftr" sz="quarter" idx="11"/>
+          </p:nvPr>
+        </p:nvSpPr>
+        <p:spPr/>
+        <p:txBody>
+          <a:bodyPr/>
+          <a:lstStyle/>
+          <a:p>
+            <a:endParaRPr lang="en-IN"/>
+          </a:p>
+        </p:txBody>
+      </p:sp>
+      <p:sp>
+        <p:nvSpPr>
+          <p:cNvPr id="7" name="Slide Number Placeholder 6"/>
+          <p:cNvSpPr>
+            <a:spLocks noGrp="1"/>
+          </p:cNvSpPr>
+          <p:nvPr>
+            <p:ph type="sldNum" sz="quarter" idx="12"/>
+          </p:nvPr>
+        </p:nvSpPr>
+        <p:spPr/>
+        <p:txBody>
+          <a:bodyPr/>
+          <a:lstStyle/>
+          <a:p>
+            <a:fld id="{6C6BE833-6D6A-4F54-909F-2619D67136CF}" type="slidenum">
+              <a:rPr lang="en-IN" smtClean="0"/>
+              <a:t>‹#›</a:t>
+            </a:fld>
+            <a:endParaRPr lang="en-IN"/>
+          </a:p>
+        </p:txBody>
+      </p:sp>
+      <p:sp>
+        <p:nvSpPr>
           <p:cNvPr id="5" name="Date Placeholder 4"/>
           <p:cNvSpPr>
             <a:spLocks noGrp="1"/>
@@ -4573,52 +4629,10 @@
           </a:p>
         </p:txBody>
       </p:sp>
-      <p:sp>
-        <p:nvSpPr>
-          <p:cNvPr id="6" name="Footer Placeholder 5"/>
-          <p:cNvSpPr>
-            <a:spLocks noGrp="1"/>
-          </p:cNvSpPr>
-          <p:nvPr>
-            <p:ph type="ftr" sz="quarter" idx="11"/>
-          </p:nvPr>
-        </p:nvSpPr>
-        <p:spPr/>
-        <p:txBody>
-          <a:bodyPr/>
-          <a:lstStyle/>
-          <a:p>
-            <a:endParaRPr lang="en-IN"/>
-          </a:p>
-        </p:txBody>
-      </p:sp>
-      <p:sp>
-        <p:nvSpPr>
-          <p:cNvPr id="7" name="Slide Number Placeholder 6"/>
-          <p:cNvSpPr>
-            <a:spLocks noGrp="1"/>
-          </p:cNvSpPr>
-          <p:nvPr>
-            <p:ph type="sldNum" sz="quarter" idx="12"/>
-          </p:nvPr>
-        </p:nvSpPr>
-        <p:spPr/>
-        <p:txBody>
-          <a:bodyPr/>
-          <a:lstStyle/>
-          <a:p>
-            <a:fld id="{6C6BE833-6D6A-4F54-909F-2619D67136CF}" type="slidenum">
-              <a:rPr lang="en-IN" smtClean="0"/>
-              <a:t>‹#›</a:t>
-            </a:fld>
-            <a:endParaRPr lang="en-IN"/>
-          </a:p>
-        </p:txBody>
-      </p:sp>
     </p:spTree>
     <p:extLst>
       <p:ext uri="{BB962C8B-B14F-4D97-AF65-F5344CB8AC3E}">
-        <p14:creationId xmlns:p14="http://schemas.microsoft.com/office/powerpoint/2010/main" val="3371420052"/>
+        <p14:creationId xmlns:p14="http://schemas.microsoft.com/office/powerpoint/2010/main" val="2017533403"/>
       </p:ext>
     </p:extLst>
   </p:cSld>
@@ -4652,7 +4666,7 @@
       </p:grpSpPr>
       <p:grpSp>
         <p:nvGrpSpPr>
-          <p:cNvPr id="7" name="Group 6"/>
+          <p:cNvPr id="44" name="Group 43"/>
           <p:cNvGrpSpPr/>
           <p:nvPr/>
         </p:nvGrpSpPr>
@@ -4680,8 +4694,8 @@
             </a:prstGeom>
             <a:ln w="9525">
               <a:solidFill>
-                <a:schemeClr val="bg1">
-                  <a:lumMod val="75000"/>
+                <a:schemeClr val="accent1">
+                  <a:alpha val="70000"/>
                 </a:schemeClr>
               </a:solidFill>
             </a:ln>
@@ -4717,8 +4731,8 @@
             </a:prstGeom>
             <a:ln w="9525">
               <a:solidFill>
-                <a:schemeClr val="bg1">
-                  <a:lumMod val="85000"/>
+                <a:schemeClr val="accent1">
+                  <a:alpha val="70000"/>
                 </a:schemeClr>
               </a:solidFill>
             </a:ln>
@@ -4778,7 +4792,7 @@
             </a:custGeom>
             <a:solidFill>
               <a:schemeClr val="accent1">
-                <a:alpha val="30000"/>
+                <a:alpha val="36000"/>
               </a:schemeClr>
             </a:solidFill>
             <a:ln>
@@ -4881,8 +4895,9 @@
               </a:avLst>
             </a:prstGeom>
             <a:solidFill>
-              <a:schemeClr val="accent2">
-                <a:alpha val="72000"/>
+              <a:schemeClr val="accent1">
+                <a:lumMod val="75000"/>
+                <a:alpha val="66000"/>
               </a:schemeClr>
             </a:solidFill>
             <a:ln>
@@ -4944,9 +4959,9 @@
               </a:pathLst>
             </a:custGeom>
             <a:solidFill>
-              <a:schemeClr val="accent2">
+              <a:schemeClr val="accent1">
                 <a:lumMod val="75000"/>
-                <a:alpha val="70000"/>
+                <a:alpha val="50000"/>
               </a:schemeClr>
             </a:solidFill>
             <a:ln>
@@ -5008,9 +5023,7 @@
               </a:pathLst>
             </a:custGeom>
             <a:solidFill>
-              <a:schemeClr val="accent1">
-                <a:lumMod val="60000"/>
-                <a:lumOff val="40000"/>
+              <a:schemeClr val="accent2">
                 <a:alpha val="70000"/>
               </a:schemeClr>
             </a:solidFill>
@@ -5073,8 +5086,9 @@
               </a:pathLst>
             </a:custGeom>
             <a:solidFill>
-              <a:schemeClr val="accent1">
-                <a:alpha val="65000"/>
+              <a:schemeClr val="accent2">
+                <a:lumMod val="75000"/>
+                <a:alpha val="80000"/>
               </a:schemeClr>
             </a:solidFill>
             <a:ln>
@@ -5115,7 +5129,8 @@
             </a:prstGeom>
             <a:solidFill>
               <a:schemeClr val="accent1">
-                <a:alpha val="80000"/>
+                <a:lumMod val="75000"/>
+                <a:alpha val="66000"/>
               </a:schemeClr>
             </a:solidFill>
             <a:ln>
@@ -5140,7 +5155,7 @@
         </p:sp>
         <p:sp>
           <p:nvSpPr>
-            <p:cNvPr id="29" name="Isosceles Triangle 28"/>
+            <p:cNvPr id="19" name="Isosceles Triangle 18"/>
             <p:cNvSpPr/>
             <p:nvPr/>
           </p:nvSpPr>
@@ -5156,7 +5171,7 @@
             </a:prstGeom>
             <a:solidFill>
               <a:schemeClr val="accent1">
-                <a:alpha val="85000"/>
+                <a:alpha val="70000"/>
               </a:schemeClr>
             </a:solidFill>
             <a:ln>
@@ -5395,28 +5410,28 @@
     </p:spTree>
     <p:extLst>
       <p:ext uri="{BB962C8B-B14F-4D97-AF65-F5344CB8AC3E}">
-        <p14:creationId xmlns:p14="http://schemas.microsoft.com/office/powerpoint/2010/main" val="3113262648"/>
+        <p14:creationId xmlns:p14="http://schemas.microsoft.com/office/powerpoint/2010/main" val="3869163535"/>
       </p:ext>
     </p:extLst>
   </p:cSld>
   <p:clrMap bg1="lt1" tx1="dk1" bg2="lt2" tx2="dk2" accent1="accent1" accent2="accent2" accent3="accent3" accent4="accent4" accent5="accent5" accent6="accent6" hlink="hlink" folHlink="folHlink"/>
   <p:sldLayoutIdLst>
-    <p:sldLayoutId id="2147483661" r:id="rId1"/>
-    <p:sldLayoutId id="2147483662" r:id="rId2"/>
-    <p:sldLayoutId id="2147483663" r:id="rId3"/>
-    <p:sldLayoutId id="2147483664" r:id="rId4"/>
-    <p:sldLayoutId id="2147483665" r:id="rId5"/>
-    <p:sldLayoutId id="2147483666" r:id="rId6"/>
-    <p:sldLayoutId id="2147483667" r:id="rId7"/>
-    <p:sldLayoutId id="2147483668" r:id="rId8"/>
-    <p:sldLayoutId id="2147483669" r:id="rId9"/>
-    <p:sldLayoutId id="2147483670" r:id="rId10"/>
-    <p:sldLayoutId id="2147483671" r:id="rId11"/>
-    <p:sldLayoutId id="2147483672" r:id="rId12"/>
-    <p:sldLayoutId id="2147483673" r:id="rId13"/>
-    <p:sldLayoutId id="2147483674" r:id="rId14"/>
-    <p:sldLayoutId id="2147483675" r:id="rId15"/>
-    <p:sldLayoutId id="2147483676" r:id="rId16"/>
+    <p:sldLayoutId id="2147483695" r:id="rId1"/>
+    <p:sldLayoutId id="2147483696" r:id="rId2"/>
+    <p:sldLayoutId id="2147483697" r:id="rId3"/>
+    <p:sldLayoutId id="2147483698" r:id="rId4"/>
+    <p:sldLayoutId id="2147483699" r:id="rId5"/>
+    <p:sldLayoutId id="2147483700" r:id="rId6"/>
+    <p:sldLayoutId id="2147483701" r:id="rId7"/>
+    <p:sldLayoutId id="2147483702" r:id="rId8"/>
+    <p:sldLayoutId id="2147483703" r:id="rId9"/>
+    <p:sldLayoutId id="2147483704" r:id="rId10"/>
+    <p:sldLayoutId id="2147483705" r:id="rId11"/>
+    <p:sldLayoutId id="2147483706" r:id="rId12"/>
+    <p:sldLayoutId id="2147483707" r:id="rId13"/>
+    <p:sldLayoutId id="2147483708" r:id="rId14"/>
+    <p:sldLayoutId id="2147483709" r:id="rId15"/>
+    <p:sldLayoutId id="2147483710" r:id="rId16"/>
   </p:sldLayoutIdLst>
   <p:txStyles>
     <p:titleStyle>
@@ -5900,38 +5915,7 @@
           </a:bodyPr>
           <a:lstStyle/>
           <a:p>
-            <a:pPr algn="l">
-              <a:buFont typeface="Arial" panose="020B0604020202020204" pitchFamily="34" charset="0"/>
-              <a:buChar char="•"/>
-            </a:pPr>
-            <a:r>
-              <a:rPr lang="en-US" sz="2000" b="1" dirty="0">
-                <a:solidFill>
-                  <a:schemeClr val="tx1"/>
-                </a:solidFill>
-                <a:latin typeface="Calibri" panose="020F0502020204030204" pitchFamily="34" charset="0"/>
-                <a:ea typeface="Calibri" panose="020F0502020204030204" pitchFamily="34" charset="0"/>
-                <a:cs typeface="Calibri" panose="020F0502020204030204" pitchFamily="34" charset="0"/>
-              </a:rPr>
-              <a:t>Team Name</a:t>
-            </a:r>
-            <a:r>
-              <a:rPr lang="en-US" sz="2000" dirty="0">
-                <a:solidFill>
-                  <a:schemeClr val="tx1"/>
-                </a:solidFill>
-                <a:latin typeface="Calibri" panose="020F0502020204030204" pitchFamily="34" charset="0"/>
-                <a:ea typeface="Calibri" panose="020F0502020204030204" pitchFamily="34" charset="0"/>
-                <a:cs typeface="Calibri" panose="020F0502020204030204" pitchFamily="34" charset="0"/>
-              </a:rPr>
-              <a:t>: PySpark Pioneers</a:t>
-            </a:r>
-          </a:p>
-          <a:p>
-            <a:pPr algn="l">
-              <a:buFont typeface="Arial" panose="020B0604020202020204" pitchFamily="34" charset="0"/>
-              <a:buChar char="•"/>
-            </a:pPr>
+            <a:pPr algn="l"/>
             <a:r>
               <a:rPr lang="en-US" sz="2000" b="1" dirty="0">
                 <a:solidFill>
@@ -5952,10 +5936,16 @@
                 <a:ea typeface="Calibri" panose="020F0502020204030204" pitchFamily="34" charset="0"/>
                 <a:cs typeface="Calibri" panose="020F0502020204030204" pitchFamily="34" charset="0"/>
               </a:rPr>
-              <a:t>: Anitha </a:t>
-            </a:r>
-            <a:r>
-              <a:rPr lang="en-US" sz="2000" dirty="0" err="1">
+              <a:t>: </a:t>
+            </a:r>
+          </a:p>
+          <a:p>
+            <a:pPr marL="742950" lvl="1" indent="-285750" algn="l">
+              <a:buFont typeface="Arial" panose="020B0604020202020204" pitchFamily="34" charset="0"/>
+              <a:buChar char="•"/>
+            </a:pPr>
+            <a:r>
+              <a:rPr lang="en-US" sz="1800" dirty="0">
                 <a:solidFill>
                   <a:schemeClr val="tx1"/>
                 </a:solidFill>
@@ -5963,21 +5953,16 @@
                 <a:ea typeface="Calibri" panose="020F0502020204030204" pitchFamily="34" charset="0"/>
                 <a:cs typeface="Calibri" panose="020F0502020204030204" pitchFamily="34" charset="0"/>
               </a:rPr>
-              <a:t>Dhanekula</a:t>
-            </a:r>
-            <a:endParaRPr lang="en-US" sz="2000" dirty="0">
-              <a:solidFill>
-                <a:schemeClr val="tx1"/>
-              </a:solidFill>
-              <a:latin typeface="Calibri" panose="020F0502020204030204" pitchFamily="34" charset="0"/>
-              <a:ea typeface="Calibri" panose="020F0502020204030204" pitchFamily="34" charset="0"/>
-              <a:cs typeface="Calibri" panose="020F0502020204030204" pitchFamily="34" charset="0"/>
-            </a:endParaRPr>
-          </a:p>
-          <a:p>
-            <a:pPr lvl="3" algn="l"/>
-            <a:r>
-              <a:rPr lang="en-US" sz="2000" dirty="0">
+              <a:t>Anitha Dhanekula</a:t>
+            </a:r>
+          </a:p>
+          <a:p>
+            <a:pPr marL="742950" lvl="1" indent="-285750" algn="l">
+              <a:buFont typeface="Arial" panose="020B0604020202020204" pitchFamily="34" charset="0"/>
+              <a:buChar char="•"/>
+            </a:pPr>
+            <a:r>
+              <a:rPr lang="en-US" sz="1800" dirty="0">
                 <a:solidFill>
                   <a:schemeClr val="tx1"/>
                 </a:solidFill>
@@ -5985,10 +5970,16 @@
                 <a:ea typeface="Calibri" panose="020F0502020204030204" pitchFamily="34" charset="0"/>
                 <a:cs typeface="Calibri" panose="020F0502020204030204" pitchFamily="34" charset="0"/>
               </a:rPr>
-              <a:t>	</a:t>
-            </a:r>
-            <a:r>
-              <a:rPr lang="en-US" sz="2000" dirty="0" err="1">
+              <a:t>Sravya Micheeti</a:t>
+            </a:r>
+          </a:p>
+          <a:p>
+            <a:pPr marL="742950" lvl="1" indent="-285750" algn="l">
+              <a:buFont typeface="Arial" panose="020B0604020202020204" pitchFamily="34" charset="0"/>
+              <a:buChar char="•"/>
+            </a:pPr>
+            <a:r>
+              <a:rPr lang="en-US" sz="1800" dirty="0">
                 <a:solidFill>
                   <a:schemeClr val="tx1"/>
                 </a:solidFill>
@@ -5996,59 +5987,396 @@
                 <a:ea typeface="Calibri" panose="020F0502020204030204" pitchFamily="34" charset="0"/>
                 <a:cs typeface="Calibri" panose="020F0502020204030204" pitchFamily="34" charset="0"/>
               </a:rPr>
-              <a:t>Sravya</a:t>
-            </a:r>
-            <a:r>
-              <a:rPr lang="en-US" sz="2000" dirty="0">
-                <a:solidFill>
-                  <a:schemeClr val="tx1"/>
-                </a:solidFill>
+              <a:t>Dinesh Rajamanickam</a:t>
+            </a:r>
+          </a:p>
+        </p:txBody>
+      </p:sp>
+    </p:spTree>
+    <p:extLst>
+      <p:ext uri="{BB962C8B-B14F-4D97-AF65-F5344CB8AC3E}">
+        <p14:creationId xmlns:p14="http://schemas.microsoft.com/office/powerpoint/2010/main" val="2437773784"/>
+      </p:ext>
+    </p:extLst>
+  </p:cSld>
+  <p:clrMapOvr>
+    <a:masterClrMapping/>
+  </p:clrMapOvr>
+</p:sld>
+</file>
+
+<file path=ppt/slides/slide10.xml><?xml version="1.0" encoding="utf-8"?>
+<p:sld xmlns:a="http://schemas.openxmlformats.org/drawingml/2006/main" xmlns:r="http://schemas.openxmlformats.org/officeDocument/2006/relationships" xmlns:p="http://schemas.openxmlformats.org/presentationml/2006/main">
+  <p:cSld>
+    <p:spTree>
+      <p:nvGrpSpPr>
+        <p:cNvPr id="1" name=""/>
+        <p:cNvGrpSpPr/>
+        <p:nvPr/>
+      </p:nvGrpSpPr>
+      <p:grpSpPr>
+        <a:xfrm>
+          <a:off x="0" y="0"/>
+          <a:ext cx="0" cy="0"/>
+          <a:chOff x="0" y="0"/>
+          <a:chExt cx="0" cy="0"/>
+        </a:xfrm>
+      </p:grpSpPr>
+      <p:sp>
+        <p:nvSpPr>
+          <p:cNvPr id="2" name="Title 1">
+            <a:extLst>
+              <a:ext uri="{FF2B5EF4-FFF2-40B4-BE49-F238E27FC236}">
+                <a16:creationId xmlns:a16="http://schemas.microsoft.com/office/drawing/2014/main" id="{36868CD9-C12C-4E39-6730-E703D9DD7F19}"/>
+              </a:ext>
+            </a:extLst>
+          </p:cNvPr>
+          <p:cNvSpPr>
+            <a:spLocks noGrp="1"/>
+          </p:cNvSpPr>
+          <p:nvPr>
+            <p:ph type="title"/>
+          </p:nvPr>
+        </p:nvSpPr>
+        <p:spPr>
+          <a:xfrm>
+            <a:off x="677334" y="609600"/>
+            <a:ext cx="8596668" cy="625311"/>
+          </a:xfrm>
+        </p:spPr>
+        <p:txBody>
+          <a:bodyPr>
+            <a:normAutofit/>
+          </a:bodyPr>
+          <a:lstStyle/>
+          <a:p>
+            <a:r>
+              <a:rPr lang="en-IN" sz="3200" dirty="0">
                 <a:latin typeface="Calibri" panose="020F0502020204030204" pitchFamily="34" charset="0"/>
                 <a:ea typeface="Calibri" panose="020F0502020204030204" pitchFamily="34" charset="0"/>
                 <a:cs typeface="Calibri" panose="020F0502020204030204" pitchFamily="34" charset="0"/>
               </a:rPr>
-              <a:t> </a:t>
-            </a:r>
-            <a:r>
-              <a:rPr lang="en-US" sz="2000" dirty="0" err="1">
-                <a:solidFill>
-                  <a:schemeClr val="tx1"/>
-                </a:solidFill>
+              <a:t>Total Estimated Monthly Cost</a:t>
+            </a:r>
+          </a:p>
+        </p:txBody>
+      </p:sp>
+      <p:sp>
+        <p:nvSpPr>
+          <p:cNvPr id="3" name="Content Placeholder 2">
+            <a:extLst>
+              <a:ext uri="{FF2B5EF4-FFF2-40B4-BE49-F238E27FC236}">
+                <a16:creationId xmlns:a16="http://schemas.microsoft.com/office/drawing/2014/main" id="{FFE1A1D4-70D8-4804-0261-403009652D22}"/>
+              </a:ext>
+            </a:extLst>
+          </p:cNvPr>
+          <p:cNvSpPr>
+            <a:spLocks noGrp="1"/>
+          </p:cNvSpPr>
+          <p:nvPr>
+            <p:ph idx="1"/>
+          </p:nvPr>
+        </p:nvSpPr>
+        <p:spPr>
+          <a:xfrm>
+            <a:off x="677334" y="1366887"/>
+            <a:ext cx="8596668" cy="3742441"/>
+          </a:xfrm>
+        </p:spPr>
+        <p:txBody>
+          <a:bodyPr>
+            <a:normAutofit lnSpcReduction="10000"/>
+          </a:bodyPr>
+          <a:lstStyle/>
+          <a:p>
+            <a:pPr>
+              <a:buFont typeface="Arial" panose="020B0604020202020204" pitchFamily="34" charset="0"/>
+              <a:buChar char="•"/>
+            </a:pPr>
+            <a:r>
+              <a:rPr lang="en-US" sz="2000" b="1" dirty="0">
                 <a:latin typeface="Calibri" panose="020F0502020204030204" pitchFamily="34" charset="0"/>
                 <a:ea typeface="Calibri" panose="020F0502020204030204" pitchFamily="34" charset="0"/>
                 <a:cs typeface="Calibri" panose="020F0502020204030204" pitchFamily="34" charset="0"/>
               </a:rPr>
-              <a:t>Micheeti</a:t>
-            </a:r>
+              <a:t>AWS Glue: </a:t>
+            </a:r>
+            <a:r>
+              <a:rPr lang="en-US" sz="2000" dirty="0">
+                <a:latin typeface="Calibri" panose="020F0502020204030204" pitchFamily="34" charset="0"/>
+                <a:ea typeface="Calibri" panose="020F0502020204030204" pitchFamily="34" charset="0"/>
+                <a:cs typeface="Calibri" panose="020F0502020204030204" pitchFamily="34" charset="0"/>
+              </a:rPr>
+              <a:t>$5.00</a:t>
+            </a:r>
+          </a:p>
+          <a:p>
+            <a:pPr>
+              <a:buFont typeface="Arial" panose="020B0604020202020204" pitchFamily="34" charset="0"/>
+              <a:buChar char="•"/>
+            </a:pPr>
+            <a:r>
+              <a:rPr lang="en-US" sz="2000" b="1" dirty="0">
+                <a:latin typeface="Calibri" panose="020F0502020204030204" pitchFamily="34" charset="0"/>
+                <a:ea typeface="Calibri" panose="020F0502020204030204" pitchFamily="34" charset="0"/>
+                <a:cs typeface="Calibri" panose="020F0502020204030204" pitchFamily="34" charset="0"/>
+              </a:rPr>
+              <a:t>Glue Crawlers: </a:t>
+            </a:r>
+            <a:r>
+              <a:rPr lang="en-US" sz="2000" dirty="0">
+                <a:latin typeface="Calibri" panose="020F0502020204030204" pitchFamily="34" charset="0"/>
+                <a:ea typeface="Calibri" panose="020F0502020204030204" pitchFamily="34" charset="0"/>
+                <a:cs typeface="Calibri" panose="020F0502020204030204" pitchFamily="34" charset="0"/>
+              </a:rPr>
+              <a:t>$1.00</a:t>
+            </a:r>
+          </a:p>
+          <a:p>
+            <a:pPr>
+              <a:buFont typeface="Arial" panose="020B0604020202020204" pitchFamily="34" charset="0"/>
+              <a:buChar char="•"/>
+            </a:pPr>
+            <a:r>
+              <a:rPr lang="en-US" sz="2000" b="1" dirty="0">
+                <a:latin typeface="Calibri" panose="020F0502020204030204" pitchFamily="34" charset="0"/>
+                <a:ea typeface="Calibri" panose="020F0502020204030204" pitchFamily="34" charset="0"/>
+                <a:cs typeface="Calibri" panose="020F0502020204030204" pitchFamily="34" charset="0"/>
+              </a:rPr>
+              <a:t>Athena: </a:t>
+            </a:r>
+            <a:r>
+              <a:rPr lang="en-US" sz="2000" dirty="0">
+                <a:latin typeface="Calibri" panose="020F0502020204030204" pitchFamily="34" charset="0"/>
+                <a:ea typeface="Calibri" panose="020F0502020204030204" pitchFamily="34" charset="0"/>
+                <a:cs typeface="Calibri" panose="020F0502020204030204" pitchFamily="34" charset="0"/>
+              </a:rPr>
+              <a:t>$0.50</a:t>
+            </a:r>
+          </a:p>
+          <a:p>
+            <a:pPr>
+              <a:buFont typeface="Arial" panose="020B0604020202020204" pitchFamily="34" charset="0"/>
+              <a:buChar char="•"/>
+            </a:pPr>
+            <a:r>
+              <a:rPr lang="en-US" sz="2000" b="1" dirty="0">
+                <a:latin typeface="Calibri" panose="020F0502020204030204" pitchFamily="34" charset="0"/>
+                <a:ea typeface="Calibri" panose="020F0502020204030204" pitchFamily="34" charset="0"/>
+                <a:cs typeface="Calibri" panose="020F0502020204030204" pitchFamily="34" charset="0"/>
+              </a:rPr>
+              <a:t>Lambda: </a:t>
+            </a:r>
+            <a:r>
+              <a:rPr lang="en-US" sz="2000" dirty="0">
+                <a:latin typeface="Calibri" panose="020F0502020204030204" pitchFamily="34" charset="0"/>
+                <a:ea typeface="Calibri" panose="020F0502020204030204" pitchFamily="34" charset="0"/>
+                <a:cs typeface="Calibri" panose="020F0502020204030204" pitchFamily="34" charset="0"/>
+              </a:rPr>
+              <a:t>$0.90</a:t>
+            </a:r>
+          </a:p>
+          <a:p>
+            <a:pPr>
+              <a:buFont typeface="Arial" panose="020B0604020202020204" pitchFamily="34" charset="0"/>
+              <a:buChar char="•"/>
+            </a:pPr>
+            <a:r>
+              <a:rPr lang="en-US" sz="2000" b="1" dirty="0">
+                <a:latin typeface="Calibri" panose="020F0502020204030204" pitchFamily="34" charset="0"/>
+                <a:ea typeface="Calibri" panose="020F0502020204030204" pitchFamily="34" charset="0"/>
+                <a:cs typeface="Calibri" panose="020F0502020204030204" pitchFamily="34" charset="0"/>
+              </a:rPr>
+              <a:t>S3: </a:t>
+            </a:r>
+            <a:r>
+              <a:rPr lang="en-US" sz="2000" dirty="0">
+                <a:latin typeface="Calibri" panose="020F0502020204030204" pitchFamily="34" charset="0"/>
+                <a:ea typeface="Calibri" panose="020F0502020204030204" pitchFamily="34" charset="0"/>
+                <a:cs typeface="Calibri" panose="020F0502020204030204" pitchFamily="34" charset="0"/>
+              </a:rPr>
+              <a:t>$5.00</a:t>
+            </a:r>
+          </a:p>
+          <a:p>
+            <a:pPr>
+              <a:buFont typeface="Arial" panose="020B0604020202020204" pitchFamily="34" charset="0"/>
+              <a:buChar char="•"/>
+            </a:pPr>
+            <a:r>
+              <a:rPr lang="en-US" sz="2000" b="1" dirty="0">
+                <a:latin typeface="Calibri" panose="020F0502020204030204" pitchFamily="34" charset="0"/>
+                <a:ea typeface="Calibri" panose="020F0502020204030204" pitchFamily="34" charset="0"/>
+                <a:cs typeface="Calibri" panose="020F0502020204030204" pitchFamily="34" charset="0"/>
+              </a:rPr>
+              <a:t>CloudWatch: </a:t>
+            </a:r>
+            <a:r>
+              <a:rPr lang="en-US" sz="2000" dirty="0">
+                <a:latin typeface="Calibri" panose="020F0502020204030204" pitchFamily="34" charset="0"/>
+                <a:ea typeface="Calibri" panose="020F0502020204030204" pitchFamily="34" charset="0"/>
+                <a:cs typeface="Calibri" panose="020F0502020204030204" pitchFamily="34" charset="0"/>
+              </a:rPr>
+              <a:t>$2.00</a:t>
+            </a:r>
+          </a:p>
+          <a:p>
+            <a:pPr>
+              <a:buFont typeface="Arial" panose="020B0604020202020204" pitchFamily="34" charset="0"/>
+              <a:buChar char="•"/>
+            </a:pPr>
+            <a:r>
+              <a:rPr lang="en-US" sz="2000" b="1" dirty="0">
+                <a:latin typeface="Calibri" panose="020F0502020204030204" pitchFamily="34" charset="0"/>
+                <a:ea typeface="Calibri" panose="020F0502020204030204" pitchFamily="34" charset="0"/>
+                <a:cs typeface="Calibri" panose="020F0502020204030204" pitchFamily="34" charset="0"/>
+              </a:rPr>
+              <a:t>SNS: </a:t>
+            </a:r>
+            <a:r>
+              <a:rPr lang="en-US" sz="2000" dirty="0">
+                <a:latin typeface="Calibri" panose="020F0502020204030204" pitchFamily="34" charset="0"/>
+                <a:ea typeface="Calibri" panose="020F0502020204030204" pitchFamily="34" charset="0"/>
+                <a:cs typeface="Calibri" panose="020F0502020204030204" pitchFamily="34" charset="0"/>
+              </a:rPr>
+              <a:t>$0.10</a:t>
+            </a:r>
+          </a:p>
+          <a:p>
+            <a:pPr marL="0" indent="0">
+              <a:buNone/>
+            </a:pPr>
             <a:endParaRPr lang="en-US" sz="2000" dirty="0">
-              <a:solidFill>
-                <a:schemeClr val="tx1"/>
-              </a:solidFill>
               <a:latin typeface="Calibri" panose="020F0502020204030204" pitchFamily="34" charset="0"/>
               <a:ea typeface="Calibri" panose="020F0502020204030204" pitchFamily="34" charset="0"/>
               <a:cs typeface="Calibri" panose="020F0502020204030204" pitchFamily="34" charset="0"/>
             </a:endParaRPr>
           </a:p>
           <a:p>
-            <a:pPr lvl="3" algn="l"/>
-            <a:r>
-              <a:rPr lang="en-US" sz="2000" dirty="0">
-                <a:solidFill>
-                  <a:schemeClr val="tx1"/>
-                </a:solidFill>
+            <a:pPr marL="0" indent="0">
+              <a:buNone/>
+            </a:pPr>
+            <a:r>
+              <a:rPr lang="en-US" sz="2000" b="1" dirty="0">
                 <a:latin typeface="Calibri" panose="020F0502020204030204" pitchFamily="34" charset="0"/>
                 <a:ea typeface="Calibri" panose="020F0502020204030204" pitchFamily="34" charset="0"/>
                 <a:cs typeface="Calibri" panose="020F0502020204030204" pitchFamily="34" charset="0"/>
               </a:rPr>
-              <a:t>        Dinesh Rajamanickam</a:t>
-            </a:r>
+              <a:t>Total Estimated Monthly Cost: ~$14.50</a:t>
+            </a:r>
+          </a:p>
+          <a:p>
+            <a:endParaRPr lang="en-IN" sz="2000" dirty="0">
+              <a:latin typeface="Calibri" panose="020F0502020204030204" pitchFamily="34" charset="0"/>
+              <a:ea typeface="Calibri" panose="020F0502020204030204" pitchFamily="34" charset="0"/>
+              <a:cs typeface="Calibri" panose="020F0502020204030204" pitchFamily="34" charset="0"/>
+            </a:endParaRPr>
           </a:p>
         </p:txBody>
       </p:sp>
     </p:spTree>
     <p:extLst>
       <p:ext uri="{BB962C8B-B14F-4D97-AF65-F5344CB8AC3E}">
-        <p14:creationId xmlns:p14="http://schemas.microsoft.com/office/powerpoint/2010/main" val="2437773784"/>
+        <p14:creationId xmlns:p14="http://schemas.microsoft.com/office/powerpoint/2010/main" val="527070894"/>
+      </p:ext>
+    </p:extLst>
+  </p:cSld>
+  <p:clrMapOvr>
+    <a:masterClrMapping/>
+  </p:clrMapOvr>
+</p:sld>
+</file>
+
+<file path=ppt/slides/slide11.xml><?xml version="1.0" encoding="utf-8"?>
+<p:sld xmlns:a="http://schemas.openxmlformats.org/drawingml/2006/main" xmlns:r="http://schemas.openxmlformats.org/officeDocument/2006/relationships" xmlns:p="http://schemas.openxmlformats.org/presentationml/2006/main">
+  <p:cSld>
+    <p:spTree>
+      <p:nvGrpSpPr>
+        <p:cNvPr id="1" name=""/>
+        <p:cNvGrpSpPr/>
+        <p:nvPr/>
+      </p:nvGrpSpPr>
+      <p:grpSpPr>
+        <a:xfrm>
+          <a:off x="0" y="0"/>
+          <a:ext cx="0" cy="0"/>
+          <a:chOff x="0" y="0"/>
+          <a:chExt cx="0" cy="0"/>
+        </a:xfrm>
+      </p:grpSpPr>
+      <p:sp>
+        <p:nvSpPr>
+          <p:cNvPr id="4" name="Title 3">
+            <a:extLst>
+              <a:ext uri="{FF2B5EF4-FFF2-40B4-BE49-F238E27FC236}">
+                <a16:creationId xmlns:a16="http://schemas.microsoft.com/office/drawing/2014/main" id="{DF39BF77-A67B-BCCB-742D-428977F55A43}"/>
+              </a:ext>
+            </a:extLst>
+          </p:cNvPr>
+          <p:cNvSpPr>
+            <a:spLocks noGrp="1"/>
+          </p:cNvSpPr>
+          <p:nvPr>
+            <p:ph type="title"/>
+          </p:nvPr>
+        </p:nvSpPr>
+        <p:spPr>
+          <a:xfrm>
+            <a:off x="677334" y="609600"/>
+            <a:ext cx="8596668" cy="5857188"/>
+          </a:xfrm>
+        </p:spPr>
+        <p:txBody>
+          <a:bodyPr>
+            <a:normAutofit/>
+          </a:bodyPr>
+          <a:lstStyle/>
+          <a:p>
+            <a:pPr algn="ctr"/>
+            <a:r>
+              <a:rPr lang="en-IN" sz="4400" dirty="0">
+                <a:latin typeface="Calibri" panose="020F0502020204030204" pitchFamily="34" charset="0"/>
+                <a:ea typeface="Calibri" panose="020F0502020204030204" pitchFamily="34" charset="0"/>
+                <a:cs typeface="Calibri" panose="020F0502020204030204" pitchFamily="34" charset="0"/>
+              </a:rPr>
+              <a:t>			</a:t>
+            </a:r>
+            <a:br>
+              <a:rPr lang="en-IN" sz="4400" dirty="0">
+                <a:latin typeface="Calibri" panose="020F0502020204030204" pitchFamily="34" charset="0"/>
+                <a:ea typeface="Calibri" panose="020F0502020204030204" pitchFamily="34" charset="0"/>
+                <a:cs typeface="Calibri" panose="020F0502020204030204" pitchFamily="34" charset="0"/>
+              </a:rPr>
+            </a:br>
+            <a:br>
+              <a:rPr lang="en-IN" sz="4400" dirty="0">
+                <a:latin typeface="Calibri" panose="020F0502020204030204" pitchFamily="34" charset="0"/>
+                <a:ea typeface="Calibri" panose="020F0502020204030204" pitchFamily="34" charset="0"/>
+                <a:cs typeface="Calibri" panose="020F0502020204030204" pitchFamily="34" charset="0"/>
+              </a:rPr>
+            </a:br>
+            <a:br>
+              <a:rPr lang="en-IN" sz="4400" dirty="0">
+                <a:latin typeface="Calibri" panose="020F0502020204030204" pitchFamily="34" charset="0"/>
+                <a:ea typeface="Calibri" panose="020F0502020204030204" pitchFamily="34" charset="0"/>
+                <a:cs typeface="Calibri" panose="020F0502020204030204" pitchFamily="34" charset="0"/>
+              </a:rPr>
+            </a:br>
+            <a:r>
+              <a:rPr lang="en-IN" sz="4400" dirty="0">
+                <a:latin typeface="Calibri" panose="020F0502020204030204" pitchFamily="34" charset="0"/>
+                <a:ea typeface="Calibri" panose="020F0502020204030204" pitchFamily="34" charset="0"/>
+                <a:cs typeface="Calibri" panose="020F0502020204030204" pitchFamily="34" charset="0"/>
+              </a:rPr>
+              <a:t>THANK YOU</a:t>
+            </a:r>
+          </a:p>
+        </p:txBody>
+      </p:sp>
+    </p:spTree>
+    <p:extLst>
+      <p:ext uri="{BB962C8B-B14F-4D97-AF65-F5344CB8AC3E}">
+        <p14:creationId xmlns:p14="http://schemas.microsoft.com/office/powerpoint/2010/main" val="3177192593"/>
       </p:ext>
     </p:extLst>
   </p:cSld>
@@ -6099,18 +6427,13 @@
           <a:lstStyle/>
           <a:p>
             <a:r>
-              <a:rPr lang="en-IN" sz="3200" b="1" dirty="0">
+              <a:rPr lang="en-IN" sz="3200" dirty="0">
                 <a:latin typeface="Calibri" panose="020F0502020204030204" pitchFamily="34" charset="0"/>
                 <a:ea typeface="Calibri" panose="020F0502020204030204" pitchFamily="34" charset="0"/>
                 <a:cs typeface="Calibri" panose="020F0502020204030204" pitchFamily="34" charset="0"/>
               </a:rPr>
               <a:t>Project Overview</a:t>
             </a:r>
-            <a:endParaRPr lang="en-IN" sz="3200" dirty="0">
-              <a:latin typeface="Calibri" panose="020F0502020204030204" pitchFamily="34" charset="0"/>
-              <a:ea typeface="Calibri" panose="020F0502020204030204" pitchFamily="34" charset="0"/>
-              <a:cs typeface="Calibri" panose="020F0502020204030204" pitchFamily="34" charset="0"/>
-            </a:endParaRPr>
           </a:p>
         </p:txBody>
       </p:sp>
@@ -6454,18 +6777,13 @@
           <a:lstStyle/>
           <a:p>
             <a:r>
-              <a:rPr lang="en-IN" sz="3200" b="1" dirty="0">
+              <a:rPr lang="en-IN" sz="3200" dirty="0">
                 <a:latin typeface="Calibri" panose="020F0502020204030204" pitchFamily="34" charset="0"/>
                 <a:ea typeface="Calibri" panose="020F0502020204030204" pitchFamily="34" charset="0"/>
                 <a:cs typeface="Calibri" panose="020F0502020204030204" pitchFamily="34" charset="0"/>
               </a:rPr>
               <a:t>Technology Stack</a:t>
             </a:r>
-            <a:endParaRPr lang="en-IN" sz="3200" dirty="0">
-              <a:latin typeface="Calibri" panose="020F0502020204030204" pitchFamily="34" charset="0"/>
-              <a:ea typeface="Calibri" panose="020F0502020204030204" pitchFamily="34" charset="0"/>
-              <a:cs typeface="Calibri" panose="020F0502020204030204" pitchFamily="34" charset="0"/>
-            </a:endParaRPr>
           </a:p>
         </p:txBody>
       </p:sp>
@@ -6737,17 +7055,20 @@
         </p:nvSpPr>
         <p:spPr/>
         <p:txBody>
-          <a:bodyPr/>
+          <a:bodyPr>
+            <a:normAutofit/>
+          </a:bodyPr>
           <a:lstStyle/>
           <a:p>
             <a:r>
-              <a:rPr lang="en-IN" dirty="0">
-                <a:latin typeface="Calibri" panose="020F0502020204030204" pitchFamily="34" charset="0"/>
-                <a:ea typeface="Calibri" panose="020F0502020204030204" pitchFamily="34" charset="0"/>
-                <a:cs typeface="Calibri" panose="020F0502020204030204" pitchFamily="34" charset="0"/>
-              </a:rPr>
-              <a:t>GitHub</a:t>
-            </a:r>
+              <a:rPr lang="en-IN" sz="3200" dirty="0"/>
+              <a:t>GitHub Repository Overview</a:t>
+            </a:r>
+            <a:endParaRPr lang="en-IN" sz="3200" dirty="0">
+              <a:latin typeface="Calibri" panose="020F0502020204030204" pitchFamily="34" charset="0"/>
+              <a:ea typeface="Calibri" panose="020F0502020204030204" pitchFamily="34" charset="0"/>
+              <a:cs typeface="Calibri" panose="020F0502020204030204" pitchFamily="34" charset="0"/>
+            </a:endParaRPr>
           </a:p>
         </p:txBody>
       </p:sp>
@@ -6772,7 +7093,77 @@
           <a:bodyPr/>
           <a:lstStyle/>
           <a:p>
-            <a:endParaRPr lang="en-IN"/>
+            <a:endParaRPr lang="en-IN" dirty="0">
+              <a:solidFill>
+                <a:srgbClr val="99CA3C"/>
+              </a:solidFill>
+              <a:latin typeface="Calibri" panose="020F0502020204030204" pitchFamily="34" charset="0"/>
+              <a:ea typeface="Calibri" panose="020F0502020204030204" pitchFamily="34" charset="0"/>
+              <a:cs typeface="Calibri" panose="020F0502020204030204" pitchFamily="34" charset="0"/>
+              <a:hlinkClick r:id="rId2" action="ppaction://hlinkpres?slideindex=1&amp;slidetitle=">
+                <a:extLst>
+                  <a:ext uri="{A12FA001-AC4F-418D-AE19-62706E023703}">
+                    <ahyp:hlinkClr xmlns:ahyp="http://schemas.microsoft.com/office/drawing/2018/hyperlinkcolor" val="tx"/>
+                  </a:ext>
+                </a:extLst>
+              </a:hlinkClick>
+            </a:endParaRPr>
+          </a:p>
+          <a:p>
+            <a:r>
+              <a:rPr lang="en-US" b="1" dirty="0">
+                <a:latin typeface="Calibri" panose="020F0502020204030204" pitchFamily="34" charset="0"/>
+                <a:ea typeface="Calibri" panose="020F0502020204030204" pitchFamily="34" charset="0"/>
+                <a:cs typeface="Calibri" panose="020F0502020204030204" pitchFamily="34" charset="0"/>
+              </a:rPr>
+              <a:t>Repository Title: </a:t>
+            </a:r>
+            <a:r>
+              <a:rPr lang="en-US" dirty="0">
+                <a:latin typeface="-apple-system"/>
+              </a:rPr>
+              <a:t>Data_Lake_Construction_and_Querying_With_PySpark</a:t>
+            </a:r>
+          </a:p>
+          <a:p>
+            <a:r>
+              <a:rPr lang="en-US" b="1" dirty="0">
+                <a:latin typeface="Calibri" panose="020F0502020204030204" pitchFamily="34" charset="0"/>
+                <a:ea typeface="Calibri" panose="020F0502020204030204" pitchFamily="34" charset="0"/>
+                <a:cs typeface="Calibri" panose="020F0502020204030204" pitchFamily="34" charset="0"/>
+              </a:rPr>
+              <a:t>Repository URL: </a:t>
+            </a:r>
+            <a:r>
+              <a:rPr lang="en-US" dirty="0">
+                <a:solidFill>
+                  <a:schemeClr val="tx1"/>
+                </a:solidFill>
+                <a:latin typeface="-apple-system"/>
+                <a:hlinkClick r:id="rId3">
+                  <a:extLst>
+                    <a:ext uri="{A12FA001-AC4F-418D-AE19-62706E023703}">
+                      <ahyp:hlinkClr xmlns:ahyp="http://schemas.microsoft.com/office/drawing/2018/hyperlinkcolor" val="tx"/>
+                    </a:ext>
+                  </a:extLst>
+                </a:hlinkClick>
+              </a:rPr>
+              <a:t>https://github.com/rdinesh808/data_lake_construction_and_querying_with_pyspark</a:t>
+            </a:r>
+            <a:endParaRPr lang="en-US" dirty="0">
+              <a:solidFill>
+                <a:schemeClr val="tx1"/>
+              </a:solidFill>
+              <a:latin typeface="-apple-system"/>
+            </a:endParaRPr>
+          </a:p>
+          <a:p>
+            <a:r>
+              <a:rPr lang="en-US" dirty="0">
+                <a:latin typeface="-apple-system"/>
+              </a:rPr>
+              <a:t>Branch: master</a:t>
+            </a:r>
           </a:p>
         </p:txBody>
       </p:sp>
@@ -6808,10 +7199,10 @@
       </p:grpSpPr>
       <p:sp>
         <p:nvSpPr>
-          <p:cNvPr id="4" name="Title 3">
+          <p:cNvPr id="2" name="Title 1">
             <a:extLst>
               <a:ext uri="{FF2B5EF4-FFF2-40B4-BE49-F238E27FC236}">
-                <a16:creationId xmlns:a16="http://schemas.microsoft.com/office/drawing/2014/main" id="{DF39BF77-A67B-BCCB-742D-428977F55A43}"/>
+                <a16:creationId xmlns:a16="http://schemas.microsoft.com/office/drawing/2014/main" id="{214E0964-50E7-E3AB-072A-2FEAE5CB78C5}"/>
               </a:ext>
             </a:extLst>
           </p:cNvPr>
@@ -6825,7 +7216,7 @@
         <p:spPr>
           <a:xfrm>
             <a:off x="677334" y="609600"/>
-            <a:ext cx="8596668" cy="5857188"/>
+            <a:ext cx="8596668" cy="719579"/>
           </a:xfrm>
         </p:spPr>
         <p:txBody>
@@ -6834,51 +7225,2696 @@
           </a:bodyPr>
           <a:lstStyle/>
           <a:p>
-            <a:pPr algn="ctr"/>
-            <a:r>
-              <a:rPr lang="en-IN" sz="4400" dirty="0">
+            <a:r>
+              <a:rPr lang="en-IN" sz="3200" dirty="0">
                 <a:latin typeface="Calibri" panose="020F0502020204030204" pitchFamily="34" charset="0"/>
                 <a:ea typeface="Calibri" panose="020F0502020204030204" pitchFamily="34" charset="0"/>
                 <a:cs typeface="Calibri" panose="020F0502020204030204" pitchFamily="34" charset="0"/>
               </a:rPr>
-              <a:t>			</a:t>
-            </a:r>
-            <a:br>
-              <a:rPr lang="en-IN" sz="4400" dirty="0">
+              <a:t>Performance Analysis Metrics (CSV to Parquet)</a:t>
+            </a:r>
+          </a:p>
+        </p:txBody>
+      </p:sp>
+      <p:graphicFrame>
+        <p:nvGraphicFramePr>
+          <p:cNvPr id="10" name="Content Placeholder 9">
+            <a:extLst>
+              <a:ext uri="{FF2B5EF4-FFF2-40B4-BE49-F238E27FC236}">
+                <a16:creationId xmlns:a16="http://schemas.microsoft.com/office/drawing/2014/main" id="{E29AE73A-75C7-9390-1C49-9A9704FDC92E}"/>
+              </a:ext>
+            </a:extLst>
+          </p:cNvPr>
+          <p:cNvGraphicFramePr>
+            <a:graphicFrameLocks noGrp="1"/>
+          </p:cNvGraphicFramePr>
+          <p:nvPr>
+            <p:ph idx="1"/>
+            <p:extLst>
+              <p:ext uri="{D42A27DB-BD31-4B8C-83A1-F6EECF244321}">
+                <p14:modId xmlns:p14="http://schemas.microsoft.com/office/powerpoint/2010/main" val="1611373294"/>
+              </p:ext>
+            </p:extLst>
+          </p:nvPr>
+        </p:nvGraphicFramePr>
+        <p:xfrm>
+          <a:off x="791852" y="1583705"/>
+          <a:ext cx="6876567" cy="1131217"/>
+        </p:xfrm>
+        <a:graphic>
+          <a:graphicData uri="http://schemas.openxmlformats.org/drawingml/2006/table">
+            <a:tbl>
+              <a:tblPr>
+                <a:tableStyleId>{5C22544A-7EE6-4342-B048-85BDC9FD1C3A}</a:tableStyleId>
+              </a:tblPr>
+              <a:tblGrid>
+                <a:gridCol w="1378557">
+                  <a:extLst>
+                    <a:ext uri="{9D8B030D-6E8A-4147-A177-3AD203B41FA5}">
+                      <a16:colId xmlns:a16="http://schemas.microsoft.com/office/drawing/2014/main" val="1668887411"/>
+                    </a:ext>
+                  </a:extLst>
+                </a:gridCol>
+                <a:gridCol w="1135282">
+                  <a:extLst>
+                    <a:ext uri="{9D8B030D-6E8A-4147-A177-3AD203B41FA5}">
+                      <a16:colId xmlns:a16="http://schemas.microsoft.com/office/drawing/2014/main" val="2159134185"/>
+                    </a:ext>
+                  </a:extLst>
+                </a:gridCol>
+                <a:gridCol w="1346120">
+                  <a:extLst>
+                    <a:ext uri="{9D8B030D-6E8A-4147-A177-3AD203B41FA5}">
+                      <a16:colId xmlns:a16="http://schemas.microsoft.com/office/drawing/2014/main" val="4114458175"/>
+                    </a:ext>
+                  </a:extLst>
+                </a:gridCol>
+                <a:gridCol w="1200156">
+                  <a:extLst>
+                    <a:ext uri="{9D8B030D-6E8A-4147-A177-3AD203B41FA5}">
+                      <a16:colId xmlns:a16="http://schemas.microsoft.com/office/drawing/2014/main" val="3874847685"/>
+                    </a:ext>
+                  </a:extLst>
+                </a:gridCol>
+                <a:gridCol w="1816452">
+                  <a:extLst>
+                    <a:ext uri="{9D8B030D-6E8A-4147-A177-3AD203B41FA5}">
+                      <a16:colId xmlns:a16="http://schemas.microsoft.com/office/drawing/2014/main" val="1284797830"/>
+                    </a:ext>
+                  </a:extLst>
+                </a:gridCol>
+              </a:tblGrid>
+              <a:tr h="446533">
+                <a:tc>
+                  <a:txBody>
+                    <a:bodyPr/>
+                    <a:lstStyle/>
+                    <a:p>
+                      <a:pPr algn="l" fontAlgn="b"/>
+                      <a:r>
+                        <a:rPr lang="en-US" sz="1200" b="0" i="0" u="none" strike="noStrike" dirty="0">
+                          <a:solidFill>
+                            <a:srgbClr val="000000"/>
+                          </a:solidFill>
+                          <a:effectLst/>
+                          <a:latin typeface="Calibri" panose="020F0502020204030204" pitchFamily="34" charset="0"/>
+                          <a:ea typeface="Calibri" panose="020F0502020204030204" pitchFamily="34" charset="0"/>
+                          <a:cs typeface="Calibri" panose="020F0502020204030204" pitchFamily="34" charset="0"/>
+                        </a:rPr>
+                        <a:t>S</a:t>
+                      </a:r>
+                      <a:r>
+                        <a:rPr lang="en-IN" sz="1200" b="0" i="0" u="none" strike="noStrike" dirty="0">
+                          <a:solidFill>
+                            <a:srgbClr val="000000"/>
+                          </a:solidFill>
+                          <a:effectLst/>
+                          <a:latin typeface="Calibri" panose="020F0502020204030204" pitchFamily="34" charset="0"/>
+                          <a:ea typeface="Calibri" panose="020F0502020204030204" pitchFamily="34" charset="0"/>
+                          <a:cs typeface="Calibri" panose="020F0502020204030204" pitchFamily="34" charset="0"/>
+                        </a:rPr>
+                        <a:t>ervice Name</a:t>
+                      </a:r>
+                    </a:p>
+                  </a:txBody>
+                  <a:tcPr marL="7620" marR="7620" marT="7620" marB="0" anchor="b"/>
+                </a:tc>
+                <a:tc>
+                  <a:txBody>
+                    <a:bodyPr/>
+                    <a:lstStyle/>
+                    <a:p>
+                      <a:pPr algn="l" fontAlgn="b"/>
+                      <a:r>
+                        <a:rPr lang="en-IN" sz="1200" u="none" strike="noStrike" dirty="0">
+                          <a:effectLst/>
+                          <a:latin typeface="Calibri" panose="020F0502020204030204" pitchFamily="34" charset="0"/>
+                          <a:ea typeface="Calibri" panose="020F0502020204030204" pitchFamily="34" charset="0"/>
+                          <a:cs typeface="Calibri" panose="020F0502020204030204" pitchFamily="34" charset="0"/>
+                        </a:rPr>
+                        <a:t>First Execution</a:t>
+                      </a:r>
+                      <a:endParaRPr lang="en-IN" sz="1200" b="0" i="0" u="none" strike="noStrike" dirty="0">
+                        <a:solidFill>
+                          <a:srgbClr val="000000"/>
+                        </a:solidFill>
+                        <a:effectLst/>
+                        <a:latin typeface="Calibri" panose="020F0502020204030204" pitchFamily="34" charset="0"/>
+                        <a:ea typeface="Calibri" panose="020F0502020204030204" pitchFamily="34" charset="0"/>
+                        <a:cs typeface="Calibri" panose="020F0502020204030204" pitchFamily="34" charset="0"/>
+                      </a:endParaRPr>
+                    </a:p>
+                  </a:txBody>
+                  <a:tcPr marL="7620" marR="7620" marT="7620" marB="0" anchor="b"/>
+                </a:tc>
+                <a:tc>
+                  <a:txBody>
+                    <a:bodyPr/>
+                    <a:lstStyle/>
+                    <a:p>
+                      <a:pPr algn="l" fontAlgn="b"/>
+                      <a:r>
+                        <a:rPr lang="en-IN" sz="1200" u="none" strike="noStrike">
+                          <a:effectLst/>
+                          <a:latin typeface="Calibri" panose="020F0502020204030204" pitchFamily="34" charset="0"/>
+                          <a:ea typeface="Calibri" panose="020F0502020204030204" pitchFamily="34" charset="0"/>
+                          <a:cs typeface="Calibri" panose="020F0502020204030204" pitchFamily="34" charset="0"/>
+                        </a:rPr>
+                        <a:t>Second Execution</a:t>
+                      </a:r>
+                      <a:endParaRPr lang="en-IN" sz="1200" b="0" i="0" u="none" strike="noStrike">
+                        <a:solidFill>
+                          <a:srgbClr val="000000"/>
+                        </a:solidFill>
+                        <a:effectLst/>
+                        <a:latin typeface="Calibri" panose="020F0502020204030204" pitchFamily="34" charset="0"/>
+                        <a:ea typeface="Calibri" panose="020F0502020204030204" pitchFamily="34" charset="0"/>
+                        <a:cs typeface="Calibri" panose="020F0502020204030204" pitchFamily="34" charset="0"/>
+                      </a:endParaRPr>
+                    </a:p>
+                  </a:txBody>
+                  <a:tcPr marL="7620" marR="7620" marT="7620" marB="0" anchor="b"/>
+                </a:tc>
+                <a:tc>
+                  <a:txBody>
+                    <a:bodyPr/>
+                    <a:lstStyle/>
+                    <a:p>
+                      <a:pPr algn="l" fontAlgn="b"/>
+                      <a:r>
+                        <a:rPr lang="en-IN" sz="1200" u="none" strike="noStrike" dirty="0">
+                          <a:effectLst/>
+                          <a:latin typeface="Calibri" panose="020F0502020204030204" pitchFamily="34" charset="0"/>
+                          <a:ea typeface="Calibri" panose="020F0502020204030204" pitchFamily="34" charset="0"/>
+                          <a:cs typeface="Calibri" panose="020F0502020204030204" pitchFamily="34" charset="0"/>
+                        </a:rPr>
+                        <a:t>Third Execution</a:t>
+                      </a:r>
+                      <a:endParaRPr lang="en-IN" sz="1200" b="0" i="0" u="none" strike="noStrike" dirty="0">
+                        <a:solidFill>
+                          <a:srgbClr val="000000"/>
+                        </a:solidFill>
+                        <a:effectLst/>
+                        <a:latin typeface="Calibri" panose="020F0502020204030204" pitchFamily="34" charset="0"/>
+                        <a:ea typeface="Calibri" panose="020F0502020204030204" pitchFamily="34" charset="0"/>
+                        <a:cs typeface="Calibri" panose="020F0502020204030204" pitchFamily="34" charset="0"/>
+                      </a:endParaRPr>
+                    </a:p>
+                  </a:txBody>
+                  <a:tcPr marL="7620" marR="7620" marT="7620" marB="0" anchor="b"/>
+                </a:tc>
+                <a:tc>
+                  <a:txBody>
+                    <a:bodyPr/>
+                    <a:lstStyle/>
+                    <a:p>
+                      <a:pPr algn="l" fontAlgn="b"/>
+                      <a:r>
+                        <a:rPr lang="en-IN" sz="1200" u="none" strike="noStrike" dirty="0">
+                          <a:effectLst/>
+                          <a:latin typeface="Calibri" panose="020F0502020204030204" pitchFamily="34" charset="0"/>
+                          <a:ea typeface="Calibri" panose="020F0502020204030204" pitchFamily="34" charset="0"/>
+                          <a:cs typeface="Calibri" panose="020F0502020204030204" pitchFamily="34" charset="0"/>
+                        </a:rPr>
+                        <a:t>Average Execution Time</a:t>
+                      </a:r>
+                      <a:endParaRPr lang="en-IN" sz="1200" b="0" i="0" u="none" strike="noStrike" dirty="0">
+                        <a:solidFill>
+                          <a:srgbClr val="000000"/>
+                        </a:solidFill>
+                        <a:effectLst/>
+                        <a:latin typeface="Calibri" panose="020F0502020204030204" pitchFamily="34" charset="0"/>
+                        <a:ea typeface="Calibri" panose="020F0502020204030204" pitchFamily="34" charset="0"/>
+                        <a:cs typeface="Calibri" panose="020F0502020204030204" pitchFamily="34" charset="0"/>
+                      </a:endParaRPr>
+                    </a:p>
+                  </a:txBody>
+                  <a:tcPr marL="7620" marR="7620" marT="7620" marB="0" anchor="b"/>
+                </a:tc>
+                <a:extLst>
+                  <a:ext uri="{0D108BD9-81ED-4DB2-BD59-A6C34878D82A}">
+                    <a16:rowId xmlns:a16="http://schemas.microsoft.com/office/drawing/2014/main" val="1233713201"/>
+                  </a:ext>
+                </a:extLst>
+              </a:tr>
+              <a:tr h="238151">
+                <a:tc>
+                  <a:txBody>
+                    <a:bodyPr/>
+                    <a:lstStyle/>
+                    <a:p>
+                      <a:pPr algn="l" fontAlgn="b"/>
+                      <a:r>
+                        <a:rPr lang="en-IN" sz="1200" u="none" strike="noStrike">
+                          <a:effectLst/>
+                          <a:latin typeface="Calibri" panose="020F0502020204030204" pitchFamily="34" charset="0"/>
+                          <a:ea typeface="Calibri" panose="020F0502020204030204" pitchFamily="34" charset="0"/>
+                          <a:cs typeface="Calibri" panose="020F0502020204030204" pitchFamily="34" charset="0"/>
+                        </a:rPr>
+                        <a:t>AWS Glue</a:t>
+                      </a:r>
+                      <a:endParaRPr lang="en-IN" sz="1200" b="0" i="0" u="none" strike="noStrike">
+                        <a:solidFill>
+                          <a:srgbClr val="000000"/>
+                        </a:solidFill>
+                        <a:effectLst/>
+                        <a:latin typeface="Calibri" panose="020F0502020204030204" pitchFamily="34" charset="0"/>
+                        <a:ea typeface="Calibri" panose="020F0502020204030204" pitchFamily="34" charset="0"/>
+                        <a:cs typeface="Calibri" panose="020F0502020204030204" pitchFamily="34" charset="0"/>
+                      </a:endParaRPr>
+                    </a:p>
+                  </a:txBody>
+                  <a:tcPr marL="7620" marR="7620" marT="7620" marB="0" anchor="b"/>
+                </a:tc>
+                <a:tc>
+                  <a:txBody>
+                    <a:bodyPr/>
+                    <a:lstStyle/>
+                    <a:p>
+                      <a:pPr algn="l" fontAlgn="ctr"/>
+                      <a:r>
+                        <a:rPr lang="en-IN" sz="1200" u="none" strike="noStrike" dirty="0">
+                          <a:effectLst/>
+                          <a:latin typeface="Calibri" panose="020F0502020204030204" pitchFamily="34" charset="0"/>
+                          <a:ea typeface="Calibri" panose="020F0502020204030204" pitchFamily="34" charset="0"/>
+                          <a:cs typeface="Calibri" panose="020F0502020204030204" pitchFamily="34" charset="0"/>
+                        </a:rPr>
+                        <a:t>1 min 41 sec</a:t>
+                      </a:r>
+                      <a:endParaRPr lang="en-IN" sz="1200" b="0" i="0" u="none" strike="noStrike" dirty="0">
+                        <a:solidFill>
+                          <a:srgbClr val="000000"/>
+                        </a:solidFill>
+                        <a:effectLst/>
+                        <a:latin typeface="Calibri" panose="020F0502020204030204" pitchFamily="34" charset="0"/>
+                        <a:ea typeface="Calibri" panose="020F0502020204030204" pitchFamily="34" charset="0"/>
+                        <a:cs typeface="Calibri" panose="020F0502020204030204" pitchFamily="34" charset="0"/>
+                      </a:endParaRPr>
+                    </a:p>
+                  </a:txBody>
+                  <a:tcPr marL="7620" marR="7620" marT="7620" marB="0" anchor="ctr"/>
+                </a:tc>
+                <a:tc>
+                  <a:txBody>
+                    <a:bodyPr/>
+                    <a:lstStyle/>
+                    <a:p>
+                      <a:pPr algn="l" fontAlgn="ctr"/>
+                      <a:r>
+                        <a:rPr lang="en-IN" sz="1200" u="none" strike="noStrike" dirty="0">
+                          <a:effectLst/>
+                          <a:latin typeface="Calibri" panose="020F0502020204030204" pitchFamily="34" charset="0"/>
+                          <a:ea typeface="Calibri" panose="020F0502020204030204" pitchFamily="34" charset="0"/>
+                          <a:cs typeface="Calibri" panose="020F0502020204030204" pitchFamily="34" charset="0"/>
+                        </a:rPr>
+                        <a:t>1 min 40 sec</a:t>
+                      </a:r>
+                      <a:endParaRPr lang="en-IN" sz="1200" b="0" i="0" u="none" strike="noStrike" dirty="0">
+                        <a:solidFill>
+                          <a:srgbClr val="000000"/>
+                        </a:solidFill>
+                        <a:effectLst/>
+                        <a:latin typeface="Calibri" panose="020F0502020204030204" pitchFamily="34" charset="0"/>
+                        <a:ea typeface="Calibri" panose="020F0502020204030204" pitchFamily="34" charset="0"/>
+                        <a:cs typeface="Calibri" panose="020F0502020204030204" pitchFamily="34" charset="0"/>
+                      </a:endParaRPr>
+                    </a:p>
+                  </a:txBody>
+                  <a:tcPr marL="7620" marR="7620" marT="7620" marB="0" anchor="ctr"/>
+                </a:tc>
+                <a:tc>
+                  <a:txBody>
+                    <a:bodyPr/>
+                    <a:lstStyle/>
+                    <a:p>
+                      <a:pPr algn="l" fontAlgn="ctr"/>
+                      <a:r>
+                        <a:rPr lang="en-IN" sz="1200" u="none" strike="noStrike" dirty="0">
+                          <a:effectLst/>
+                          <a:latin typeface="Calibri" panose="020F0502020204030204" pitchFamily="34" charset="0"/>
+                          <a:ea typeface="Calibri" panose="020F0502020204030204" pitchFamily="34" charset="0"/>
+                          <a:cs typeface="Calibri" panose="020F0502020204030204" pitchFamily="34" charset="0"/>
+                        </a:rPr>
+                        <a:t>1 min 38 sec</a:t>
+                      </a:r>
+                      <a:endParaRPr lang="en-IN" sz="1200" b="0" i="0" u="none" strike="noStrike" dirty="0">
+                        <a:solidFill>
+                          <a:srgbClr val="000000"/>
+                        </a:solidFill>
+                        <a:effectLst/>
+                        <a:latin typeface="Calibri" panose="020F0502020204030204" pitchFamily="34" charset="0"/>
+                        <a:ea typeface="Calibri" panose="020F0502020204030204" pitchFamily="34" charset="0"/>
+                        <a:cs typeface="Calibri" panose="020F0502020204030204" pitchFamily="34" charset="0"/>
+                      </a:endParaRPr>
+                    </a:p>
+                  </a:txBody>
+                  <a:tcPr marL="7620" marR="7620" marT="7620" marB="0" anchor="ctr"/>
+                </a:tc>
+                <a:tc>
+                  <a:txBody>
+                    <a:bodyPr/>
+                    <a:lstStyle/>
+                    <a:p>
+                      <a:pPr algn="l" fontAlgn="b"/>
+                      <a:r>
+                        <a:rPr lang="en-IN" sz="1200" u="none" strike="noStrike">
+                          <a:effectLst/>
+                          <a:latin typeface="Calibri" panose="020F0502020204030204" pitchFamily="34" charset="0"/>
+                          <a:ea typeface="Calibri" panose="020F0502020204030204" pitchFamily="34" charset="0"/>
+                          <a:cs typeface="Calibri" panose="020F0502020204030204" pitchFamily="34" charset="0"/>
+                        </a:rPr>
+                        <a:t>1 min 39.67 sec</a:t>
+                      </a:r>
+                      <a:endParaRPr lang="en-IN" sz="1200" b="0" i="0" u="none" strike="noStrike">
+                        <a:solidFill>
+                          <a:srgbClr val="000000"/>
+                        </a:solidFill>
+                        <a:effectLst/>
+                        <a:latin typeface="Calibri" panose="020F0502020204030204" pitchFamily="34" charset="0"/>
+                        <a:ea typeface="Calibri" panose="020F0502020204030204" pitchFamily="34" charset="0"/>
+                        <a:cs typeface="Calibri" panose="020F0502020204030204" pitchFamily="34" charset="0"/>
+                      </a:endParaRPr>
+                    </a:p>
+                  </a:txBody>
+                  <a:tcPr marL="7620" marR="7620" marT="7620" marB="0" anchor="b"/>
+                </a:tc>
+                <a:extLst>
+                  <a:ext uri="{0D108BD9-81ED-4DB2-BD59-A6C34878D82A}">
+                    <a16:rowId xmlns:a16="http://schemas.microsoft.com/office/drawing/2014/main" val="3749510087"/>
+                  </a:ext>
+                </a:extLst>
+              </a:tr>
+              <a:tr h="446533">
+                <a:tc>
+                  <a:txBody>
+                    <a:bodyPr/>
+                    <a:lstStyle/>
+                    <a:p>
+                      <a:pPr algn="l" fontAlgn="b"/>
+                      <a:r>
+                        <a:rPr lang="en-IN" sz="1200" u="none" strike="noStrike">
+                          <a:effectLst/>
+                          <a:latin typeface="Calibri" panose="020F0502020204030204" pitchFamily="34" charset="0"/>
+                          <a:ea typeface="Calibri" panose="020F0502020204030204" pitchFamily="34" charset="0"/>
+                          <a:cs typeface="Calibri" panose="020F0502020204030204" pitchFamily="34" charset="0"/>
+                        </a:rPr>
+                        <a:t>AWS Glue Crawler</a:t>
+                      </a:r>
+                      <a:endParaRPr lang="en-IN" sz="1200" b="0" i="0" u="none" strike="noStrike">
+                        <a:solidFill>
+                          <a:srgbClr val="000000"/>
+                        </a:solidFill>
+                        <a:effectLst/>
+                        <a:latin typeface="Calibri" panose="020F0502020204030204" pitchFamily="34" charset="0"/>
+                        <a:ea typeface="Calibri" panose="020F0502020204030204" pitchFamily="34" charset="0"/>
+                        <a:cs typeface="Calibri" panose="020F0502020204030204" pitchFamily="34" charset="0"/>
+                      </a:endParaRPr>
+                    </a:p>
+                  </a:txBody>
+                  <a:tcPr marL="7620" marR="7620" marT="7620" marB="0" anchor="b"/>
+                </a:tc>
+                <a:tc>
+                  <a:txBody>
+                    <a:bodyPr/>
+                    <a:lstStyle/>
+                    <a:p>
+                      <a:pPr algn="l" fontAlgn="b"/>
+                      <a:r>
+                        <a:rPr lang="en-IN" sz="1200" u="none" strike="noStrike" dirty="0">
+                          <a:effectLst/>
+                          <a:latin typeface="Calibri" panose="020F0502020204030204" pitchFamily="34" charset="0"/>
+                          <a:ea typeface="Calibri" panose="020F0502020204030204" pitchFamily="34" charset="0"/>
+                          <a:cs typeface="Calibri" panose="020F0502020204030204" pitchFamily="34" charset="0"/>
+                        </a:rPr>
+                        <a:t>1 min 17 sec</a:t>
+                      </a:r>
+                      <a:endParaRPr lang="en-IN" sz="1200" b="0" i="0" u="none" strike="noStrike" dirty="0">
+                        <a:solidFill>
+                          <a:srgbClr val="000000"/>
+                        </a:solidFill>
+                        <a:effectLst/>
+                        <a:latin typeface="Calibri" panose="020F0502020204030204" pitchFamily="34" charset="0"/>
+                        <a:ea typeface="Calibri" panose="020F0502020204030204" pitchFamily="34" charset="0"/>
+                        <a:cs typeface="Calibri" panose="020F0502020204030204" pitchFamily="34" charset="0"/>
+                      </a:endParaRPr>
+                    </a:p>
+                  </a:txBody>
+                  <a:tcPr marL="7620" marR="7620" marT="7620" marB="0" anchor="b"/>
+                </a:tc>
+                <a:tc>
+                  <a:txBody>
+                    <a:bodyPr/>
+                    <a:lstStyle/>
+                    <a:p>
+                      <a:pPr algn="l" fontAlgn="b"/>
+                      <a:r>
+                        <a:rPr lang="en-IN" sz="1200" u="none" strike="noStrike" dirty="0">
+                          <a:effectLst/>
+                          <a:latin typeface="Calibri" panose="020F0502020204030204" pitchFamily="34" charset="0"/>
+                          <a:ea typeface="Calibri" panose="020F0502020204030204" pitchFamily="34" charset="0"/>
+                          <a:cs typeface="Calibri" panose="020F0502020204030204" pitchFamily="34" charset="0"/>
+                        </a:rPr>
+                        <a:t>1 min 07 sec</a:t>
+                      </a:r>
+                      <a:endParaRPr lang="en-IN" sz="1200" b="0" i="0" u="none" strike="noStrike" dirty="0">
+                        <a:solidFill>
+                          <a:srgbClr val="000000"/>
+                        </a:solidFill>
+                        <a:effectLst/>
+                        <a:latin typeface="Calibri" panose="020F0502020204030204" pitchFamily="34" charset="0"/>
+                        <a:ea typeface="Calibri" panose="020F0502020204030204" pitchFamily="34" charset="0"/>
+                        <a:cs typeface="Calibri" panose="020F0502020204030204" pitchFamily="34" charset="0"/>
+                      </a:endParaRPr>
+                    </a:p>
+                  </a:txBody>
+                  <a:tcPr marL="7620" marR="7620" marT="7620" marB="0" anchor="b"/>
+                </a:tc>
+                <a:tc>
+                  <a:txBody>
+                    <a:bodyPr/>
+                    <a:lstStyle/>
+                    <a:p>
+                      <a:pPr algn="l" fontAlgn="b"/>
+                      <a:r>
+                        <a:rPr lang="en-IN" sz="1200" u="none" strike="noStrike" dirty="0">
+                          <a:effectLst/>
+                          <a:latin typeface="Calibri" panose="020F0502020204030204" pitchFamily="34" charset="0"/>
+                          <a:ea typeface="Calibri" panose="020F0502020204030204" pitchFamily="34" charset="0"/>
+                          <a:cs typeface="Calibri" panose="020F0502020204030204" pitchFamily="34" charset="0"/>
+                        </a:rPr>
+                        <a:t>1 min 10 sec</a:t>
+                      </a:r>
+                      <a:endParaRPr lang="en-IN" sz="1200" b="0" i="0" u="none" strike="noStrike" dirty="0">
+                        <a:solidFill>
+                          <a:srgbClr val="000000"/>
+                        </a:solidFill>
+                        <a:effectLst/>
+                        <a:latin typeface="Calibri" panose="020F0502020204030204" pitchFamily="34" charset="0"/>
+                        <a:ea typeface="Calibri" panose="020F0502020204030204" pitchFamily="34" charset="0"/>
+                        <a:cs typeface="Calibri" panose="020F0502020204030204" pitchFamily="34" charset="0"/>
+                      </a:endParaRPr>
+                    </a:p>
+                  </a:txBody>
+                  <a:tcPr marL="7620" marR="7620" marT="7620" marB="0" anchor="b"/>
+                </a:tc>
+                <a:tc>
+                  <a:txBody>
+                    <a:bodyPr/>
+                    <a:lstStyle/>
+                    <a:p>
+                      <a:pPr algn="l" fontAlgn="b"/>
+                      <a:r>
+                        <a:rPr lang="en-IN" sz="1200" u="none" strike="noStrike" dirty="0">
+                          <a:effectLst/>
+                          <a:latin typeface="Calibri" panose="020F0502020204030204" pitchFamily="34" charset="0"/>
+                          <a:ea typeface="Calibri" panose="020F0502020204030204" pitchFamily="34" charset="0"/>
+                          <a:cs typeface="Calibri" panose="020F0502020204030204" pitchFamily="34" charset="0"/>
+                        </a:rPr>
+                        <a:t>1 min 11.33 sec</a:t>
+                      </a:r>
+                      <a:endParaRPr lang="en-IN" sz="1200" b="0" i="0" u="none" strike="noStrike" dirty="0">
+                        <a:solidFill>
+                          <a:srgbClr val="000000"/>
+                        </a:solidFill>
+                        <a:effectLst/>
+                        <a:latin typeface="Calibri" panose="020F0502020204030204" pitchFamily="34" charset="0"/>
+                        <a:ea typeface="Calibri" panose="020F0502020204030204" pitchFamily="34" charset="0"/>
+                        <a:cs typeface="Calibri" panose="020F0502020204030204" pitchFamily="34" charset="0"/>
+                      </a:endParaRPr>
+                    </a:p>
+                  </a:txBody>
+                  <a:tcPr marL="7620" marR="7620" marT="7620" marB="0" anchor="b"/>
+                </a:tc>
+                <a:extLst>
+                  <a:ext uri="{0D108BD9-81ED-4DB2-BD59-A6C34878D82A}">
+                    <a16:rowId xmlns:a16="http://schemas.microsoft.com/office/drawing/2014/main" val="3337297304"/>
+                  </a:ext>
+                </a:extLst>
+              </a:tr>
+            </a:tbl>
+          </a:graphicData>
+        </a:graphic>
+      </p:graphicFrame>
+      <p:graphicFrame>
+        <p:nvGraphicFramePr>
+          <p:cNvPr id="16" name="Table 15">
+            <a:extLst>
+              <a:ext uri="{FF2B5EF4-FFF2-40B4-BE49-F238E27FC236}">
+                <a16:creationId xmlns:a16="http://schemas.microsoft.com/office/drawing/2014/main" id="{4205AD77-0C0A-4B6D-FD3D-872EFE7BEA8D}"/>
+              </a:ext>
+            </a:extLst>
+          </p:cNvPr>
+          <p:cNvGraphicFramePr>
+            <a:graphicFrameLocks noGrp="1"/>
+          </p:cNvGraphicFramePr>
+          <p:nvPr>
+            <p:extLst>
+              <p:ext uri="{D42A27DB-BD31-4B8C-83A1-F6EECF244321}">
+                <p14:modId xmlns:p14="http://schemas.microsoft.com/office/powerpoint/2010/main" val="3490102269"/>
+              </p:ext>
+            </p:extLst>
+          </p:nvPr>
+        </p:nvGraphicFramePr>
+        <p:xfrm>
+          <a:off x="791851" y="3429000"/>
+          <a:ext cx="8663235" cy="1406950"/>
+        </p:xfrm>
+        <a:graphic>
+          <a:graphicData uri="http://schemas.openxmlformats.org/drawingml/2006/table">
+            <a:tbl>
+              <a:tblPr>
+                <a:tableStyleId>{5C22544A-7EE6-4342-B048-85BDC9FD1C3A}</a:tableStyleId>
+              </a:tblPr>
+              <a:tblGrid>
+                <a:gridCol w="1119478">
+                  <a:extLst>
+                    <a:ext uri="{9D8B030D-6E8A-4147-A177-3AD203B41FA5}">
+                      <a16:colId xmlns:a16="http://schemas.microsoft.com/office/drawing/2014/main" val="2366857193"/>
+                    </a:ext>
+                  </a:extLst>
+                </a:gridCol>
+                <a:gridCol w="1119478">
+                  <a:extLst>
+                    <a:ext uri="{9D8B030D-6E8A-4147-A177-3AD203B41FA5}">
+                      <a16:colId xmlns:a16="http://schemas.microsoft.com/office/drawing/2014/main" val="2954010600"/>
+                    </a:ext>
+                  </a:extLst>
+                </a:gridCol>
+                <a:gridCol w="1055872">
+                  <a:extLst>
+                    <a:ext uri="{9D8B030D-6E8A-4147-A177-3AD203B41FA5}">
+                      <a16:colId xmlns:a16="http://schemas.microsoft.com/office/drawing/2014/main" val="2279645877"/>
+                    </a:ext>
+                  </a:extLst>
+                </a:gridCol>
+                <a:gridCol w="1424791">
+                  <a:extLst>
+                    <a:ext uri="{9D8B030D-6E8A-4147-A177-3AD203B41FA5}">
+                      <a16:colId xmlns:a16="http://schemas.microsoft.com/office/drawing/2014/main" val="3543043927"/>
+                    </a:ext>
+                  </a:extLst>
+                </a:gridCol>
+                <a:gridCol w="1747169">
+                  <a:extLst>
+                    <a:ext uri="{9D8B030D-6E8A-4147-A177-3AD203B41FA5}">
+                      <a16:colId xmlns:a16="http://schemas.microsoft.com/office/drawing/2014/main" val="3504402642"/>
+                    </a:ext>
+                  </a:extLst>
+                </a:gridCol>
+                <a:gridCol w="2196447">
+                  <a:extLst>
+                    <a:ext uri="{9D8B030D-6E8A-4147-A177-3AD203B41FA5}">
+                      <a16:colId xmlns:a16="http://schemas.microsoft.com/office/drawing/2014/main" val="3873807251"/>
+                    </a:ext>
+                  </a:extLst>
+                </a:gridCol>
+              </a:tblGrid>
+              <a:tr h="354271">
+                <a:tc rowSpan="4">
+                  <a:txBody>
+                    <a:bodyPr/>
+                    <a:lstStyle/>
+                    <a:p>
+                      <a:pPr algn="ctr" fontAlgn="ctr"/>
+                      <a:r>
+                        <a:rPr lang="en-IN" sz="1100" u="none" strike="noStrike">
+                          <a:effectLst/>
+                        </a:rPr>
+                        <a:t>Amazon Athena</a:t>
+                      </a:r>
+                      <a:endParaRPr lang="en-IN" sz="1100" b="0" i="0" u="none" strike="noStrike">
+                        <a:solidFill>
+                          <a:srgbClr val="000000"/>
+                        </a:solidFill>
+                        <a:effectLst/>
+                        <a:latin typeface="Calibri" panose="020F0502020204030204" pitchFamily="34" charset="0"/>
+                      </a:endParaRPr>
+                    </a:p>
+                  </a:txBody>
+                  <a:tcPr marL="7620" marR="7620" marT="7620" marB="0" anchor="ctr"/>
+                </a:tc>
+                <a:tc>
+                  <a:txBody>
+                    <a:bodyPr/>
+                    <a:lstStyle/>
+                    <a:p>
+                      <a:pPr algn="ctr" fontAlgn="ctr"/>
+                      <a:r>
+                        <a:rPr lang="en-IN" sz="1100" u="none" strike="noStrike">
+                          <a:effectLst/>
+                        </a:rPr>
+                        <a:t>Run</a:t>
+                      </a:r>
+                      <a:endParaRPr lang="en-IN" sz="1100" b="0" i="0" u="none" strike="noStrike">
+                        <a:solidFill>
+                          <a:srgbClr val="000000"/>
+                        </a:solidFill>
+                        <a:effectLst/>
+                        <a:latin typeface="Calibri" panose="020F0502020204030204" pitchFamily="34" charset="0"/>
+                      </a:endParaRPr>
+                    </a:p>
+                  </a:txBody>
+                  <a:tcPr marL="7620" marR="7620" marT="7620" marB="0" anchor="ctr"/>
+                </a:tc>
+                <a:tc>
+                  <a:txBody>
+                    <a:bodyPr/>
+                    <a:lstStyle/>
+                    <a:p>
+                      <a:pPr algn="ctr" fontAlgn="ctr"/>
+                      <a:r>
+                        <a:rPr lang="en-IN" sz="1100" u="none" strike="noStrike">
+                          <a:effectLst/>
+                        </a:rPr>
+                        <a:t>Time in Queue</a:t>
+                      </a:r>
+                      <a:endParaRPr lang="en-IN" sz="1100" b="0" i="0" u="none" strike="noStrike">
+                        <a:solidFill>
+                          <a:srgbClr val="000000"/>
+                        </a:solidFill>
+                        <a:effectLst/>
+                        <a:latin typeface="Calibri" panose="020F0502020204030204" pitchFamily="34" charset="0"/>
+                      </a:endParaRPr>
+                    </a:p>
+                  </a:txBody>
+                  <a:tcPr marL="7620" marR="7620" marT="7620" marB="0" anchor="ctr"/>
+                </a:tc>
+                <a:tc>
+                  <a:txBody>
+                    <a:bodyPr/>
+                    <a:lstStyle/>
+                    <a:p>
+                      <a:pPr algn="ctr" fontAlgn="ctr"/>
+                      <a:r>
+                        <a:rPr lang="en-IN" sz="1100" u="none" strike="noStrike" dirty="0">
+                          <a:effectLst/>
+                        </a:rPr>
+                        <a:t>Run Time</a:t>
+                      </a:r>
+                      <a:endParaRPr lang="en-IN" sz="1100" b="0" i="0" u="none" strike="noStrike" dirty="0">
+                        <a:solidFill>
+                          <a:srgbClr val="000000"/>
+                        </a:solidFill>
+                        <a:effectLst/>
+                        <a:latin typeface="Calibri" panose="020F0502020204030204" pitchFamily="34" charset="0"/>
+                      </a:endParaRPr>
+                    </a:p>
+                  </a:txBody>
+                  <a:tcPr marL="7620" marR="7620" marT="7620" marB="0" anchor="ctr"/>
+                </a:tc>
+                <a:tc>
+                  <a:txBody>
+                    <a:bodyPr/>
+                    <a:lstStyle/>
+                    <a:p>
+                      <a:pPr algn="ctr" fontAlgn="ctr"/>
+                      <a:r>
+                        <a:rPr lang="en-IN" sz="1100" u="none" strike="noStrike">
+                          <a:effectLst/>
+                        </a:rPr>
+                        <a:t>Data Scanned</a:t>
+                      </a:r>
+                      <a:endParaRPr lang="en-IN" sz="1100" b="0" i="0" u="none" strike="noStrike">
+                        <a:solidFill>
+                          <a:srgbClr val="000000"/>
+                        </a:solidFill>
+                        <a:effectLst/>
+                        <a:latin typeface="Calibri" panose="020F0502020204030204" pitchFamily="34" charset="0"/>
+                      </a:endParaRPr>
+                    </a:p>
+                  </a:txBody>
+                  <a:tcPr marL="7620" marR="7620" marT="7620" marB="0" anchor="ctr"/>
+                </a:tc>
+                <a:tc>
+                  <a:txBody>
+                    <a:bodyPr/>
+                    <a:lstStyle/>
+                    <a:p>
+                      <a:pPr algn="l" fontAlgn="b"/>
+                      <a:r>
+                        <a:rPr lang="en-IN" sz="1100" u="none" strike="noStrike">
+                          <a:effectLst/>
+                        </a:rPr>
+                        <a:t>Average Execution Time</a:t>
+                      </a:r>
+                      <a:endParaRPr lang="en-IN" sz="1100" b="0" i="0" u="none" strike="noStrike">
+                        <a:solidFill>
+                          <a:srgbClr val="000000"/>
+                        </a:solidFill>
+                        <a:effectLst/>
+                        <a:latin typeface="Calibri" panose="020F0502020204030204" pitchFamily="34" charset="0"/>
+                      </a:endParaRPr>
+                    </a:p>
+                  </a:txBody>
+                  <a:tcPr marL="7620" marR="7620" marT="7620" marB="0" anchor="b"/>
+                </a:tc>
+                <a:extLst>
+                  <a:ext uri="{0D108BD9-81ED-4DB2-BD59-A6C34878D82A}">
+                    <a16:rowId xmlns:a16="http://schemas.microsoft.com/office/drawing/2014/main" val="4191147868"/>
+                  </a:ext>
+                </a:extLst>
+              </a:tr>
+              <a:tr h="194556">
+                <a:tc vMerge="1">
+                  <a:txBody>
+                    <a:bodyPr/>
+                    <a:lstStyle/>
+                    <a:p>
+                      <a:endParaRPr lang="en-IN"/>
+                    </a:p>
+                  </a:txBody>
+                  <a:tcPr/>
+                </a:tc>
+                <a:tc>
+                  <a:txBody>
+                    <a:bodyPr/>
+                    <a:lstStyle/>
+                    <a:p>
+                      <a:pPr algn="l" fontAlgn="ctr"/>
+                      <a:r>
+                        <a:rPr lang="en-IN" sz="1100" u="none" strike="noStrike">
+                          <a:effectLst/>
+                        </a:rPr>
+                        <a:t>First Execution</a:t>
+                      </a:r>
+                      <a:endParaRPr lang="en-IN" sz="1100" b="0" i="0" u="none" strike="noStrike">
+                        <a:solidFill>
+                          <a:srgbClr val="000000"/>
+                        </a:solidFill>
+                        <a:effectLst/>
+                        <a:latin typeface="Calibri" panose="020F0502020204030204" pitchFamily="34" charset="0"/>
+                      </a:endParaRPr>
+                    </a:p>
+                  </a:txBody>
+                  <a:tcPr marL="7620" marR="7620" marT="7620" marB="0" anchor="ctr"/>
+                </a:tc>
+                <a:tc>
+                  <a:txBody>
+                    <a:bodyPr/>
+                    <a:lstStyle/>
+                    <a:p>
+                      <a:pPr algn="l" fontAlgn="ctr"/>
+                      <a:r>
+                        <a:rPr lang="en-IN" sz="1100" u="none" strike="noStrike" dirty="0">
+                          <a:effectLst/>
+                        </a:rPr>
+                        <a:t>78 ms</a:t>
+                      </a:r>
+                      <a:endParaRPr lang="en-IN" sz="1100" b="0" i="0" u="none" strike="noStrike" dirty="0">
+                        <a:solidFill>
+                          <a:srgbClr val="000000"/>
+                        </a:solidFill>
+                        <a:effectLst/>
+                        <a:latin typeface="Calibri" panose="020F0502020204030204" pitchFamily="34" charset="0"/>
+                      </a:endParaRPr>
+                    </a:p>
+                  </a:txBody>
+                  <a:tcPr marL="7620" marR="7620" marT="7620" marB="0" anchor="ctr"/>
+                </a:tc>
+                <a:tc>
+                  <a:txBody>
+                    <a:bodyPr/>
+                    <a:lstStyle/>
+                    <a:p>
+                      <a:pPr algn="l" fontAlgn="ctr"/>
+                      <a:r>
+                        <a:rPr lang="en-IN" sz="1100" u="none" strike="noStrike" dirty="0">
+                          <a:effectLst/>
+                        </a:rPr>
+                        <a:t>769 ms</a:t>
+                      </a:r>
+                      <a:endParaRPr lang="en-IN" sz="1100" b="0" i="0" u="none" strike="noStrike" dirty="0">
+                        <a:solidFill>
+                          <a:srgbClr val="000000"/>
+                        </a:solidFill>
+                        <a:effectLst/>
+                        <a:latin typeface="Calibri" panose="020F0502020204030204" pitchFamily="34" charset="0"/>
+                      </a:endParaRPr>
+                    </a:p>
+                  </a:txBody>
+                  <a:tcPr marL="7620" marR="7620" marT="7620" marB="0" anchor="ctr"/>
+                </a:tc>
+                <a:tc>
+                  <a:txBody>
+                    <a:bodyPr/>
+                    <a:lstStyle/>
+                    <a:p>
+                      <a:pPr algn="l" fontAlgn="ctr"/>
+                      <a:r>
+                        <a:rPr lang="en-IN" sz="1100" u="none" strike="noStrike">
+                          <a:effectLst/>
+                        </a:rPr>
+                        <a:t>29.15 KB</a:t>
+                      </a:r>
+                      <a:endParaRPr lang="en-IN" sz="1100" b="0" i="0" u="none" strike="noStrike">
+                        <a:solidFill>
+                          <a:srgbClr val="000000"/>
+                        </a:solidFill>
+                        <a:effectLst/>
+                        <a:latin typeface="Calibri" panose="020F0502020204030204" pitchFamily="34" charset="0"/>
+                      </a:endParaRPr>
+                    </a:p>
+                  </a:txBody>
+                  <a:tcPr marL="7620" marR="7620" marT="7620" marB="0" anchor="ctr"/>
+                </a:tc>
+                <a:tc rowSpan="3">
+                  <a:txBody>
+                    <a:bodyPr/>
+                    <a:lstStyle/>
+                    <a:p>
+                      <a:pPr algn="l" fontAlgn="ctr"/>
+                      <a:r>
+                        <a:rPr lang="en-US" sz="1100" u="none" strike="noStrike">
+                          <a:effectLst/>
+                        </a:rPr>
+                        <a:t>Average Run Time: 582.5 ms</a:t>
+                      </a:r>
+                      <a:br>
+                        <a:rPr lang="en-US" sz="1100" u="none" strike="noStrike">
+                          <a:effectLst/>
+                        </a:rPr>
+                      </a:br>
+                      <a:r>
+                        <a:rPr lang="en-US" sz="1100" u="none" strike="noStrike">
+                          <a:effectLst/>
+                        </a:rPr>
+                        <a:t>Average Time in Queue: 95 ms</a:t>
+                      </a:r>
+                      <a:br>
+                        <a:rPr lang="en-US" sz="1100" u="none" strike="noStrike">
+                          <a:effectLst/>
+                        </a:rPr>
+                      </a:br>
+                      <a:r>
+                        <a:rPr lang="en-US" sz="1100" u="none" strike="noStrike">
+                          <a:effectLst/>
+                        </a:rPr>
+                        <a:t>Total Data Scanned: 58.3 KB</a:t>
+                      </a:r>
+                      <a:endParaRPr lang="en-US" sz="1100" b="0" i="0" u="none" strike="noStrike">
+                        <a:solidFill>
+                          <a:srgbClr val="000000"/>
+                        </a:solidFill>
+                        <a:effectLst/>
+                        <a:latin typeface="Calibri" panose="020F0502020204030204" pitchFamily="34" charset="0"/>
+                      </a:endParaRPr>
+                    </a:p>
+                  </a:txBody>
+                  <a:tcPr marL="7620" marR="7620" marT="7620" marB="0" anchor="ctr"/>
+                </a:tc>
+                <a:extLst>
+                  <a:ext uri="{0D108BD9-81ED-4DB2-BD59-A6C34878D82A}">
+                    <a16:rowId xmlns:a16="http://schemas.microsoft.com/office/drawing/2014/main" val="1696431138"/>
+                  </a:ext>
+                </a:extLst>
+              </a:tr>
+              <a:tr h="377889">
+                <a:tc vMerge="1">
+                  <a:txBody>
+                    <a:bodyPr/>
+                    <a:lstStyle/>
+                    <a:p>
+                      <a:endParaRPr lang="en-IN"/>
+                    </a:p>
+                  </a:txBody>
+                  <a:tcPr/>
+                </a:tc>
+                <a:tc>
+                  <a:txBody>
+                    <a:bodyPr/>
+                    <a:lstStyle/>
+                    <a:p>
+                      <a:pPr algn="l" fontAlgn="ctr"/>
+                      <a:r>
+                        <a:rPr lang="en-IN" sz="1100" u="none" strike="noStrike">
+                          <a:effectLst/>
+                        </a:rPr>
+                        <a:t>Second Execution</a:t>
+                      </a:r>
+                      <a:endParaRPr lang="en-IN" sz="1100" b="0" i="0" u="none" strike="noStrike">
+                        <a:solidFill>
+                          <a:srgbClr val="000000"/>
+                        </a:solidFill>
+                        <a:effectLst/>
+                        <a:latin typeface="Calibri" panose="020F0502020204030204" pitchFamily="34" charset="0"/>
+                      </a:endParaRPr>
+                    </a:p>
+                  </a:txBody>
+                  <a:tcPr marL="7620" marR="7620" marT="7620" marB="0" anchor="ctr"/>
+                </a:tc>
+                <a:tc>
+                  <a:txBody>
+                    <a:bodyPr/>
+                    <a:lstStyle/>
+                    <a:p>
+                      <a:pPr algn="l" fontAlgn="ctr"/>
+                      <a:r>
+                        <a:rPr lang="en-IN" sz="1100" u="none" strike="noStrike" dirty="0">
+                          <a:effectLst/>
+                        </a:rPr>
+                        <a:t>112 ms</a:t>
+                      </a:r>
+                      <a:endParaRPr lang="en-IN" sz="1100" b="0" i="0" u="none" strike="noStrike" dirty="0">
+                        <a:solidFill>
+                          <a:srgbClr val="000000"/>
+                        </a:solidFill>
+                        <a:effectLst/>
+                        <a:latin typeface="Calibri" panose="020F0502020204030204" pitchFamily="34" charset="0"/>
+                      </a:endParaRPr>
+                    </a:p>
+                  </a:txBody>
+                  <a:tcPr marL="7620" marR="7620" marT="7620" marB="0" anchor="ctr"/>
+                </a:tc>
+                <a:tc>
+                  <a:txBody>
+                    <a:bodyPr/>
+                    <a:lstStyle/>
+                    <a:p>
+                      <a:pPr algn="l" fontAlgn="ctr"/>
+                      <a:r>
+                        <a:rPr lang="en-IN" sz="1100" u="none" strike="noStrike" dirty="0">
+                          <a:effectLst/>
+                        </a:rPr>
+                        <a:t>396 ms</a:t>
+                      </a:r>
+                      <a:endParaRPr lang="en-IN" sz="1100" b="0" i="0" u="none" strike="noStrike" dirty="0">
+                        <a:solidFill>
+                          <a:srgbClr val="000000"/>
+                        </a:solidFill>
+                        <a:effectLst/>
+                        <a:latin typeface="Calibri" panose="020F0502020204030204" pitchFamily="34" charset="0"/>
+                      </a:endParaRPr>
+                    </a:p>
+                  </a:txBody>
+                  <a:tcPr marL="7620" marR="7620" marT="7620" marB="0" anchor="ctr"/>
+                </a:tc>
+                <a:tc>
+                  <a:txBody>
+                    <a:bodyPr/>
+                    <a:lstStyle/>
+                    <a:p>
+                      <a:pPr algn="l" fontAlgn="ctr"/>
+                      <a:r>
+                        <a:rPr lang="en-IN" sz="1100" u="none" strike="noStrike">
+                          <a:effectLst/>
+                        </a:rPr>
+                        <a:t>29.15 KB</a:t>
+                      </a:r>
+                      <a:endParaRPr lang="en-IN" sz="1100" b="0" i="0" u="none" strike="noStrike">
+                        <a:solidFill>
+                          <a:srgbClr val="000000"/>
+                        </a:solidFill>
+                        <a:effectLst/>
+                        <a:latin typeface="Calibri" panose="020F0502020204030204" pitchFamily="34" charset="0"/>
+                      </a:endParaRPr>
+                    </a:p>
+                  </a:txBody>
+                  <a:tcPr marL="7620" marR="7620" marT="7620" marB="0" anchor="ctr"/>
+                </a:tc>
+                <a:tc vMerge="1">
+                  <a:txBody>
+                    <a:bodyPr/>
+                    <a:lstStyle/>
+                    <a:p>
+                      <a:endParaRPr lang="en-IN"/>
+                    </a:p>
+                  </a:txBody>
+                  <a:tcPr/>
+                </a:tc>
+                <a:extLst>
+                  <a:ext uri="{0D108BD9-81ED-4DB2-BD59-A6C34878D82A}">
+                    <a16:rowId xmlns:a16="http://schemas.microsoft.com/office/drawing/2014/main" val="2795863028"/>
+                  </a:ext>
+                </a:extLst>
+              </a:tr>
+              <a:tr h="480234">
+                <a:tc vMerge="1">
+                  <a:txBody>
+                    <a:bodyPr/>
+                    <a:lstStyle/>
+                    <a:p>
+                      <a:endParaRPr lang="en-IN"/>
+                    </a:p>
+                  </a:txBody>
+                  <a:tcPr/>
+                </a:tc>
+                <a:tc>
+                  <a:txBody>
+                    <a:bodyPr/>
+                    <a:lstStyle/>
+                    <a:p>
+                      <a:pPr algn="l" fontAlgn="ctr"/>
+                      <a:r>
+                        <a:rPr lang="en-IN" sz="1100" u="none" strike="noStrike">
+                          <a:effectLst/>
+                        </a:rPr>
+                        <a:t>Third Execution</a:t>
+                      </a:r>
+                      <a:endParaRPr lang="en-IN" sz="1100" b="0" i="0" u="none" strike="noStrike">
+                        <a:solidFill>
+                          <a:srgbClr val="000000"/>
+                        </a:solidFill>
+                        <a:effectLst/>
+                        <a:latin typeface="Calibri" panose="020F0502020204030204" pitchFamily="34" charset="0"/>
+                      </a:endParaRPr>
+                    </a:p>
+                  </a:txBody>
+                  <a:tcPr marL="7620" marR="7620" marT="7620" marB="0" anchor="ctr"/>
+                </a:tc>
+                <a:tc>
+                  <a:txBody>
+                    <a:bodyPr/>
+                    <a:lstStyle/>
+                    <a:p>
+                      <a:pPr algn="l" fontAlgn="b"/>
+                      <a:r>
+                        <a:rPr lang="en-IN" sz="1100" u="none" strike="noStrike" dirty="0">
+                          <a:effectLst/>
+                        </a:rPr>
+                        <a:t>74 ms</a:t>
+                      </a:r>
+                      <a:endParaRPr lang="en-IN" sz="1100" b="0" i="0" u="none" strike="noStrike" dirty="0">
+                        <a:solidFill>
+                          <a:srgbClr val="000000"/>
+                        </a:solidFill>
+                        <a:effectLst/>
+                        <a:latin typeface="Calibri" panose="020F0502020204030204" pitchFamily="34" charset="0"/>
+                      </a:endParaRPr>
+                    </a:p>
+                  </a:txBody>
+                  <a:tcPr marL="7620" marR="7620" marT="7620" marB="0" anchor="b"/>
+                </a:tc>
+                <a:tc>
+                  <a:txBody>
+                    <a:bodyPr/>
+                    <a:lstStyle/>
+                    <a:p>
+                      <a:pPr algn="l" fontAlgn="b"/>
+                      <a:r>
+                        <a:rPr lang="en-IN" sz="1100" u="none" strike="noStrike" dirty="0">
+                          <a:effectLst/>
+                        </a:rPr>
+                        <a:t>423 ms</a:t>
+                      </a:r>
+                      <a:endParaRPr lang="en-IN" sz="1100" b="0" i="0" u="none" strike="noStrike" dirty="0">
+                        <a:solidFill>
+                          <a:srgbClr val="000000"/>
+                        </a:solidFill>
+                        <a:effectLst/>
+                        <a:latin typeface="Calibri" panose="020F0502020204030204" pitchFamily="34" charset="0"/>
+                      </a:endParaRPr>
+                    </a:p>
+                  </a:txBody>
+                  <a:tcPr marL="7620" marR="7620" marT="7620" marB="0" anchor="b"/>
+                </a:tc>
+                <a:tc>
+                  <a:txBody>
+                    <a:bodyPr/>
+                    <a:lstStyle/>
+                    <a:p>
+                      <a:pPr algn="l" fontAlgn="b"/>
+                      <a:r>
+                        <a:rPr lang="en-IN" sz="1100" u="none" strike="noStrike" dirty="0">
+                          <a:effectLst/>
+                        </a:rPr>
+                        <a:t>29.15 KB</a:t>
+                      </a:r>
+                      <a:endParaRPr lang="en-IN" sz="1100" b="0" i="0" u="none" strike="noStrike" dirty="0">
+                        <a:solidFill>
+                          <a:srgbClr val="000000"/>
+                        </a:solidFill>
+                        <a:effectLst/>
+                        <a:latin typeface="Calibri" panose="020F0502020204030204" pitchFamily="34" charset="0"/>
+                      </a:endParaRPr>
+                    </a:p>
+                  </a:txBody>
+                  <a:tcPr marL="7620" marR="7620" marT="7620" marB="0" anchor="b"/>
+                </a:tc>
+                <a:tc vMerge="1">
+                  <a:txBody>
+                    <a:bodyPr/>
+                    <a:lstStyle/>
+                    <a:p>
+                      <a:endParaRPr lang="en-IN"/>
+                    </a:p>
+                  </a:txBody>
+                  <a:tcPr/>
+                </a:tc>
+                <a:extLst>
+                  <a:ext uri="{0D108BD9-81ED-4DB2-BD59-A6C34878D82A}">
+                    <a16:rowId xmlns:a16="http://schemas.microsoft.com/office/drawing/2014/main" val="685092106"/>
+                  </a:ext>
+                </a:extLst>
+              </a:tr>
+            </a:tbl>
+          </a:graphicData>
+        </a:graphic>
+      </p:graphicFrame>
+      <p:sp>
+        <p:nvSpPr>
+          <p:cNvPr id="18" name="TextBox 17">
+            <a:extLst>
+              <a:ext uri="{FF2B5EF4-FFF2-40B4-BE49-F238E27FC236}">
+                <a16:creationId xmlns:a16="http://schemas.microsoft.com/office/drawing/2014/main" id="{AAA47FB6-FD8F-6346-32A3-6A252D76E88C}"/>
+              </a:ext>
+            </a:extLst>
+          </p:cNvPr>
+          <p:cNvSpPr txBox="1"/>
+          <p:nvPr/>
+        </p:nvSpPr>
+        <p:spPr>
+          <a:xfrm>
+            <a:off x="791851" y="1225485"/>
+            <a:ext cx="5486401" cy="369332"/>
+          </a:xfrm>
+          <a:prstGeom prst="rect">
+            <a:avLst/>
+          </a:prstGeom>
+          <a:noFill/>
+        </p:spPr>
+        <p:txBody>
+          <a:bodyPr wrap="square" rtlCol="0">
+            <a:spAutoFit/>
+          </a:bodyPr>
+          <a:lstStyle/>
+          <a:p>
+            <a:r>
+              <a:rPr lang="en-US" dirty="0"/>
+              <a:t>AWS Glue and Crawler Execution Average Time</a:t>
+            </a:r>
+            <a:endParaRPr lang="en-IN" dirty="0"/>
+          </a:p>
+        </p:txBody>
+      </p:sp>
+      <p:sp>
+        <p:nvSpPr>
+          <p:cNvPr id="19" name="TextBox 18">
+            <a:extLst>
+              <a:ext uri="{FF2B5EF4-FFF2-40B4-BE49-F238E27FC236}">
+                <a16:creationId xmlns:a16="http://schemas.microsoft.com/office/drawing/2014/main" id="{8C8E7E69-F149-9BA4-CA7F-5B5378A10B84}"/>
+              </a:ext>
+            </a:extLst>
+          </p:cNvPr>
+          <p:cNvSpPr txBox="1"/>
+          <p:nvPr/>
+        </p:nvSpPr>
+        <p:spPr>
+          <a:xfrm>
+            <a:off x="886120" y="3120272"/>
+            <a:ext cx="4685121" cy="369332"/>
+          </a:xfrm>
+          <a:prstGeom prst="rect">
+            <a:avLst/>
+          </a:prstGeom>
+          <a:noFill/>
+        </p:spPr>
+        <p:txBody>
+          <a:bodyPr wrap="square" rtlCol="0">
+            <a:spAutoFit/>
+          </a:bodyPr>
+          <a:lstStyle/>
+          <a:p>
+            <a:r>
+              <a:rPr lang="en-US" dirty="0"/>
+              <a:t>Athena Execution Average Time</a:t>
+            </a:r>
+            <a:endParaRPr lang="en-IN" dirty="0"/>
+          </a:p>
+        </p:txBody>
+      </p:sp>
+    </p:spTree>
+    <p:extLst>
+      <p:ext uri="{BB962C8B-B14F-4D97-AF65-F5344CB8AC3E}">
+        <p14:creationId xmlns:p14="http://schemas.microsoft.com/office/powerpoint/2010/main" val="2819015403"/>
+      </p:ext>
+    </p:extLst>
+  </p:cSld>
+  <p:clrMapOvr>
+    <a:masterClrMapping/>
+  </p:clrMapOvr>
+</p:sld>
+</file>
+
+<file path=ppt/slides/slide7.xml><?xml version="1.0" encoding="utf-8"?>
+<p:sld xmlns:a="http://schemas.openxmlformats.org/drawingml/2006/main" xmlns:r="http://schemas.openxmlformats.org/officeDocument/2006/relationships" xmlns:p="http://schemas.openxmlformats.org/presentationml/2006/main">
+  <p:cSld>
+    <p:spTree>
+      <p:nvGrpSpPr>
+        <p:cNvPr id="1" name=""/>
+        <p:cNvGrpSpPr/>
+        <p:nvPr/>
+      </p:nvGrpSpPr>
+      <p:grpSpPr>
+        <a:xfrm>
+          <a:off x="0" y="0"/>
+          <a:ext cx="0" cy="0"/>
+          <a:chOff x="0" y="0"/>
+          <a:chExt cx="0" cy="0"/>
+        </a:xfrm>
+      </p:grpSpPr>
+      <p:sp>
+        <p:nvSpPr>
+          <p:cNvPr id="2" name="Title 1">
+            <a:extLst>
+              <a:ext uri="{FF2B5EF4-FFF2-40B4-BE49-F238E27FC236}">
+                <a16:creationId xmlns:a16="http://schemas.microsoft.com/office/drawing/2014/main" id="{202372BA-4924-A17B-4731-B68825F00B23}"/>
+              </a:ext>
+            </a:extLst>
+          </p:cNvPr>
+          <p:cNvSpPr>
+            <a:spLocks noGrp="1"/>
+          </p:cNvSpPr>
+          <p:nvPr>
+            <p:ph type="title"/>
+          </p:nvPr>
+        </p:nvSpPr>
+        <p:spPr/>
+        <p:txBody>
+          <a:bodyPr>
+            <a:normAutofit/>
+          </a:bodyPr>
+          <a:lstStyle/>
+          <a:p>
+            <a:r>
+              <a:rPr lang="en-IN" sz="3200" dirty="0">
                 <a:latin typeface="Calibri" panose="020F0502020204030204" pitchFamily="34" charset="0"/>
                 <a:ea typeface="Calibri" panose="020F0502020204030204" pitchFamily="34" charset="0"/>
                 <a:cs typeface="Calibri" panose="020F0502020204030204" pitchFamily="34" charset="0"/>
               </a:rPr>
-            </a:br>
-            <a:br>
-              <a:rPr lang="en-IN" sz="4400" dirty="0">
+              <a:t>Performance Analysis Metrics (Parquet to CSV)</a:t>
+            </a:r>
+            <a:endParaRPr lang="en-IN" sz="3200" dirty="0"/>
+          </a:p>
+        </p:txBody>
+      </p:sp>
+      <p:graphicFrame>
+        <p:nvGraphicFramePr>
+          <p:cNvPr id="4" name="Content Placeholder 3">
+            <a:extLst>
+              <a:ext uri="{FF2B5EF4-FFF2-40B4-BE49-F238E27FC236}">
+                <a16:creationId xmlns:a16="http://schemas.microsoft.com/office/drawing/2014/main" id="{380E63BB-B598-51C3-D8A0-C61246532A9C}"/>
+              </a:ext>
+            </a:extLst>
+          </p:cNvPr>
+          <p:cNvGraphicFramePr>
+            <a:graphicFrameLocks noGrp="1"/>
+          </p:cNvGraphicFramePr>
+          <p:nvPr>
+            <p:ph idx="1"/>
+            <p:extLst>
+              <p:ext uri="{D42A27DB-BD31-4B8C-83A1-F6EECF244321}">
+                <p14:modId xmlns:p14="http://schemas.microsoft.com/office/powerpoint/2010/main" val="1741300838"/>
+              </p:ext>
+            </p:extLst>
+          </p:nvPr>
+        </p:nvGraphicFramePr>
+        <p:xfrm>
+          <a:off x="791853" y="1753387"/>
+          <a:ext cx="6990866" cy="1178350"/>
+        </p:xfrm>
+        <a:graphic>
+          <a:graphicData uri="http://schemas.openxmlformats.org/drawingml/2006/table">
+            <a:tbl>
+              <a:tblPr>
+                <a:tableStyleId>{5C22544A-7EE6-4342-B048-85BDC9FD1C3A}</a:tableStyleId>
+              </a:tblPr>
+              <a:tblGrid>
+                <a:gridCol w="1344397">
+                  <a:extLst>
+                    <a:ext uri="{9D8B030D-6E8A-4147-A177-3AD203B41FA5}">
+                      <a16:colId xmlns:a16="http://schemas.microsoft.com/office/drawing/2014/main" val="3332452887"/>
+                    </a:ext>
+                  </a:extLst>
+                </a:gridCol>
+                <a:gridCol w="1391847">
+                  <a:extLst>
+                    <a:ext uri="{9D8B030D-6E8A-4147-A177-3AD203B41FA5}">
+                      <a16:colId xmlns:a16="http://schemas.microsoft.com/office/drawing/2014/main" val="3324721340"/>
+                    </a:ext>
+                  </a:extLst>
+                </a:gridCol>
+                <a:gridCol w="1312764">
+                  <a:extLst>
+                    <a:ext uri="{9D8B030D-6E8A-4147-A177-3AD203B41FA5}">
+                      <a16:colId xmlns:a16="http://schemas.microsoft.com/office/drawing/2014/main" val="2734792313"/>
+                    </a:ext>
+                  </a:extLst>
+                </a:gridCol>
+                <a:gridCol w="1170417">
+                  <a:extLst>
+                    <a:ext uri="{9D8B030D-6E8A-4147-A177-3AD203B41FA5}">
+                      <a16:colId xmlns:a16="http://schemas.microsoft.com/office/drawing/2014/main" val="2301702541"/>
+                    </a:ext>
+                  </a:extLst>
+                </a:gridCol>
+                <a:gridCol w="1771441">
+                  <a:extLst>
+                    <a:ext uri="{9D8B030D-6E8A-4147-A177-3AD203B41FA5}">
+                      <a16:colId xmlns:a16="http://schemas.microsoft.com/office/drawing/2014/main" val="725660783"/>
+                    </a:ext>
+                  </a:extLst>
+                </a:gridCol>
+              </a:tblGrid>
+              <a:tr h="465138">
+                <a:tc>
+                  <a:txBody>
+                    <a:bodyPr/>
+                    <a:lstStyle/>
+                    <a:p>
+                      <a:pPr algn="l" fontAlgn="b"/>
+                      <a:r>
+                        <a:rPr lang="en-IN" sz="1100" u="none" strike="noStrike">
+                          <a:effectLst/>
+                        </a:rPr>
+                        <a:t>Execution</a:t>
+                      </a:r>
+                      <a:endParaRPr lang="en-IN" sz="1100" b="0" i="0" u="none" strike="noStrike">
+                        <a:solidFill>
+                          <a:srgbClr val="000000"/>
+                        </a:solidFill>
+                        <a:effectLst/>
+                        <a:latin typeface="Calibri" panose="020F0502020204030204" pitchFamily="34" charset="0"/>
+                      </a:endParaRPr>
+                    </a:p>
+                  </a:txBody>
+                  <a:tcPr marL="7620" marR="7620" marT="7620" marB="0" anchor="b"/>
+                </a:tc>
+                <a:tc>
+                  <a:txBody>
+                    <a:bodyPr/>
+                    <a:lstStyle/>
+                    <a:p>
+                      <a:pPr algn="l" fontAlgn="b"/>
+                      <a:r>
+                        <a:rPr lang="en-IN" sz="1100" u="none" strike="noStrike">
+                          <a:effectLst/>
+                        </a:rPr>
+                        <a:t>First Execution</a:t>
+                      </a:r>
+                      <a:endParaRPr lang="en-IN" sz="1100" b="0" i="0" u="none" strike="noStrike">
+                        <a:solidFill>
+                          <a:srgbClr val="000000"/>
+                        </a:solidFill>
+                        <a:effectLst/>
+                        <a:latin typeface="Calibri" panose="020F0502020204030204" pitchFamily="34" charset="0"/>
+                      </a:endParaRPr>
+                    </a:p>
+                  </a:txBody>
+                  <a:tcPr marL="7620" marR="7620" marT="7620" marB="0" anchor="b"/>
+                </a:tc>
+                <a:tc>
+                  <a:txBody>
+                    <a:bodyPr/>
+                    <a:lstStyle/>
+                    <a:p>
+                      <a:pPr algn="l" fontAlgn="b"/>
+                      <a:r>
+                        <a:rPr lang="en-IN" sz="1100" u="none" strike="noStrike">
+                          <a:effectLst/>
+                        </a:rPr>
+                        <a:t>Second Execution</a:t>
+                      </a:r>
+                      <a:endParaRPr lang="en-IN" sz="1100" b="0" i="0" u="none" strike="noStrike">
+                        <a:solidFill>
+                          <a:srgbClr val="000000"/>
+                        </a:solidFill>
+                        <a:effectLst/>
+                        <a:latin typeface="Calibri" panose="020F0502020204030204" pitchFamily="34" charset="0"/>
+                      </a:endParaRPr>
+                    </a:p>
+                  </a:txBody>
+                  <a:tcPr marL="7620" marR="7620" marT="7620" marB="0" anchor="b"/>
+                </a:tc>
+                <a:tc>
+                  <a:txBody>
+                    <a:bodyPr/>
+                    <a:lstStyle/>
+                    <a:p>
+                      <a:pPr algn="l" fontAlgn="b"/>
+                      <a:r>
+                        <a:rPr lang="en-IN" sz="1100" u="none" strike="noStrike">
+                          <a:effectLst/>
+                        </a:rPr>
+                        <a:t>Third Execution</a:t>
+                      </a:r>
+                      <a:endParaRPr lang="en-IN" sz="1100" b="0" i="0" u="none" strike="noStrike">
+                        <a:solidFill>
+                          <a:srgbClr val="000000"/>
+                        </a:solidFill>
+                        <a:effectLst/>
+                        <a:latin typeface="Calibri" panose="020F0502020204030204" pitchFamily="34" charset="0"/>
+                      </a:endParaRPr>
+                    </a:p>
+                  </a:txBody>
+                  <a:tcPr marL="7620" marR="7620" marT="7620" marB="0" anchor="b"/>
+                </a:tc>
+                <a:tc>
+                  <a:txBody>
+                    <a:bodyPr/>
+                    <a:lstStyle/>
+                    <a:p>
+                      <a:pPr algn="l" fontAlgn="b"/>
+                      <a:r>
+                        <a:rPr lang="en-IN" sz="1100" u="none" strike="noStrike">
+                          <a:effectLst/>
+                        </a:rPr>
+                        <a:t>Average Execution Time</a:t>
+                      </a:r>
+                      <a:endParaRPr lang="en-IN" sz="1100" b="0" i="0" u="none" strike="noStrike">
+                        <a:solidFill>
+                          <a:srgbClr val="000000"/>
+                        </a:solidFill>
+                        <a:effectLst/>
+                        <a:latin typeface="Calibri" panose="020F0502020204030204" pitchFamily="34" charset="0"/>
+                      </a:endParaRPr>
+                    </a:p>
+                  </a:txBody>
+                  <a:tcPr marL="7620" marR="7620" marT="7620" marB="0" anchor="b"/>
+                </a:tc>
+                <a:extLst>
+                  <a:ext uri="{0D108BD9-81ED-4DB2-BD59-A6C34878D82A}">
+                    <a16:rowId xmlns:a16="http://schemas.microsoft.com/office/drawing/2014/main" val="2319787915"/>
+                  </a:ext>
+                </a:extLst>
+              </a:tr>
+              <a:tr h="248074">
+                <a:tc>
+                  <a:txBody>
+                    <a:bodyPr/>
+                    <a:lstStyle/>
+                    <a:p>
+                      <a:pPr algn="l" fontAlgn="b"/>
+                      <a:r>
+                        <a:rPr lang="en-IN" sz="1100" u="none" strike="noStrike" dirty="0">
+                          <a:effectLst/>
+                        </a:rPr>
+                        <a:t>AWS Glue</a:t>
+                      </a:r>
+                      <a:endParaRPr lang="en-IN" sz="1100" b="0" i="0" u="none" strike="noStrike" dirty="0">
+                        <a:solidFill>
+                          <a:srgbClr val="000000"/>
+                        </a:solidFill>
+                        <a:effectLst/>
+                        <a:latin typeface="Calibri" panose="020F0502020204030204" pitchFamily="34" charset="0"/>
+                      </a:endParaRPr>
+                    </a:p>
+                  </a:txBody>
+                  <a:tcPr marL="7620" marR="7620" marT="7620" marB="0" anchor="b"/>
+                </a:tc>
+                <a:tc>
+                  <a:txBody>
+                    <a:bodyPr/>
+                    <a:lstStyle/>
+                    <a:p>
+                      <a:pPr algn="l" fontAlgn="b"/>
+                      <a:r>
+                        <a:rPr lang="en-IN" sz="1100" u="none" strike="noStrike">
+                          <a:effectLst/>
+                        </a:rPr>
+                        <a:t>1 min 48 sec</a:t>
+                      </a:r>
+                      <a:endParaRPr lang="en-IN" sz="1100" b="0" i="0" u="none" strike="noStrike">
+                        <a:solidFill>
+                          <a:srgbClr val="000000"/>
+                        </a:solidFill>
+                        <a:effectLst/>
+                        <a:latin typeface="Calibri" panose="020F0502020204030204" pitchFamily="34" charset="0"/>
+                      </a:endParaRPr>
+                    </a:p>
+                  </a:txBody>
+                  <a:tcPr marL="7620" marR="7620" marT="7620" marB="0" anchor="b"/>
+                </a:tc>
+                <a:tc>
+                  <a:txBody>
+                    <a:bodyPr/>
+                    <a:lstStyle/>
+                    <a:p>
+                      <a:pPr algn="l" fontAlgn="b"/>
+                      <a:r>
+                        <a:rPr lang="en-IN" sz="1100" u="none" strike="noStrike">
+                          <a:effectLst/>
+                        </a:rPr>
+                        <a:t>1 min 42 sec</a:t>
+                      </a:r>
+                      <a:endParaRPr lang="en-IN" sz="1100" b="0" i="0" u="none" strike="noStrike">
+                        <a:solidFill>
+                          <a:srgbClr val="000000"/>
+                        </a:solidFill>
+                        <a:effectLst/>
+                        <a:latin typeface="Calibri" panose="020F0502020204030204" pitchFamily="34" charset="0"/>
+                      </a:endParaRPr>
+                    </a:p>
+                  </a:txBody>
+                  <a:tcPr marL="7620" marR="7620" marT="7620" marB="0" anchor="b"/>
+                </a:tc>
+                <a:tc>
+                  <a:txBody>
+                    <a:bodyPr/>
+                    <a:lstStyle/>
+                    <a:p>
+                      <a:pPr algn="l" fontAlgn="b"/>
+                      <a:r>
+                        <a:rPr lang="en-IN" sz="1100" u="none" strike="noStrike">
+                          <a:effectLst/>
+                        </a:rPr>
+                        <a:t>1 min 38 sec</a:t>
+                      </a:r>
+                      <a:endParaRPr lang="en-IN" sz="1100" b="0" i="0" u="none" strike="noStrike">
+                        <a:solidFill>
+                          <a:srgbClr val="000000"/>
+                        </a:solidFill>
+                        <a:effectLst/>
+                        <a:latin typeface="Calibri" panose="020F0502020204030204" pitchFamily="34" charset="0"/>
+                      </a:endParaRPr>
+                    </a:p>
+                  </a:txBody>
+                  <a:tcPr marL="7620" marR="7620" marT="7620" marB="0" anchor="b"/>
+                </a:tc>
+                <a:tc>
+                  <a:txBody>
+                    <a:bodyPr/>
+                    <a:lstStyle/>
+                    <a:p>
+                      <a:pPr algn="l" fontAlgn="b"/>
+                      <a:r>
+                        <a:rPr lang="en-IN" sz="1100" u="none" strike="noStrike">
+                          <a:effectLst/>
+                        </a:rPr>
+                        <a:t>1 min 42.67 sec</a:t>
+                      </a:r>
+                      <a:endParaRPr lang="en-IN" sz="1100" b="0" i="0" u="none" strike="noStrike">
+                        <a:solidFill>
+                          <a:srgbClr val="000000"/>
+                        </a:solidFill>
+                        <a:effectLst/>
+                        <a:latin typeface="Calibri" panose="020F0502020204030204" pitchFamily="34" charset="0"/>
+                      </a:endParaRPr>
+                    </a:p>
+                  </a:txBody>
+                  <a:tcPr marL="7620" marR="7620" marT="7620" marB="0" anchor="b"/>
+                </a:tc>
+                <a:extLst>
+                  <a:ext uri="{0D108BD9-81ED-4DB2-BD59-A6C34878D82A}">
+                    <a16:rowId xmlns:a16="http://schemas.microsoft.com/office/drawing/2014/main" val="1516860126"/>
+                  </a:ext>
+                </a:extLst>
+              </a:tr>
+              <a:tr h="465138">
+                <a:tc>
+                  <a:txBody>
+                    <a:bodyPr/>
+                    <a:lstStyle/>
+                    <a:p>
+                      <a:pPr algn="l" fontAlgn="b"/>
+                      <a:r>
+                        <a:rPr lang="en-IN" sz="1100" u="none" strike="noStrike">
+                          <a:effectLst/>
+                        </a:rPr>
+                        <a:t>AWS Glue Crawler</a:t>
+                      </a:r>
+                      <a:endParaRPr lang="en-IN" sz="1100" b="0" i="0" u="none" strike="noStrike">
+                        <a:solidFill>
+                          <a:srgbClr val="000000"/>
+                        </a:solidFill>
+                        <a:effectLst/>
+                        <a:latin typeface="Calibri" panose="020F0502020204030204" pitchFamily="34" charset="0"/>
+                      </a:endParaRPr>
+                    </a:p>
+                  </a:txBody>
+                  <a:tcPr marL="7620" marR="7620" marT="7620" marB="0" anchor="b"/>
+                </a:tc>
+                <a:tc>
+                  <a:txBody>
+                    <a:bodyPr/>
+                    <a:lstStyle/>
+                    <a:p>
+                      <a:pPr algn="l" fontAlgn="b"/>
+                      <a:r>
+                        <a:rPr lang="en-IN" sz="1100" u="none" strike="noStrike" dirty="0">
+                          <a:effectLst/>
+                        </a:rPr>
+                        <a:t>1 min 09 sec</a:t>
+                      </a:r>
+                      <a:endParaRPr lang="en-IN" sz="1100" b="0" i="0" u="none" strike="noStrike" dirty="0">
+                        <a:solidFill>
+                          <a:srgbClr val="000000"/>
+                        </a:solidFill>
+                        <a:effectLst/>
+                        <a:latin typeface="Calibri" panose="020F0502020204030204" pitchFamily="34" charset="0"/>
+                      </a:endParaRPr>
+                    </a:p>
+                  </a:txBody>
+                  <a:tcPr marL="7620" marR="7620" marT="7620" marB="0" anchor="b"/>
+                </a:tc>
+                <a:tc>
+                  <a:txBody>
+                    <a:bodyPr/>
+                    <a:lstStyle/>
+                    <a:p>
+                      <a:pPr algn="l" fontAlgn="b"/>
+                      <a:r>
+                        <a:rPr lang="en-IN" sz="1100" u="none" strike="noStrike">
+                          <a:effectLst/>
+                        </a:rPr>
+                        <a:t>1 min 16 sec</a:t>
+                      </a:r>
+                      <a:endParaRPr lang="en-IN" sz="1100" b="0" i="0" u="none" strike="noStrike">
+                        <a:solidFill>
+                          <a:srgbClr val="000000"/>
+                        </a:solidFill>
+                        <a:effectLst/>
+                        <a:latin typeface="Calibri" panose="020F0502020204030204" pitchFamily="34" charset="0"/>
+                      </a:endParaRPr>
+                    </a:p>
+                  </a:txBody>
+                  <a:tcPr marL="7620" marR="7620" marT="7620" marB="0" anchor="b"/>
+                </a:tc>
+                <a:tc>
+                  <a:txBody>
+                    <a:bodyPr/>
+                    <a:lstStyle/>
+                    <a:p>
+                      <a:pPr algn="l" fontAlgn="b"/>
+                      <a:r>
+                        <a:rPr lang="en-IN" sz="1100" u="none" strike="noStrike">
+                          <a:effectLst/>
+                        </a:rPr>
+                        <a:t>1 min 23 sec</a:t>
+                      </a:r>
+                      <a:endParaRPr lang="en-IN" sz="1100" b="0" i="0" u="none" strike="noStrike">
+                        <a:solidFill>
+                          <a:srgbClr val="000000"/>
+                        </a:solidFill>
+                        <a:effectLst/>
+                        <a:latin typeface="Calibri" panose="020F0502020204030204" pitchFamily="34" charset="0"/>
+                      </a:endParaRPr>
+                    </a:p>
+                  </a:txBody>
+                  <a:tcPr marL="7620" marR="7620" marT="7620" marB="0" anchor="b"/>
+                </a:tc>
+                <a:tc>
+                  <a:txBody>
+                    <a:bodyPr/>
+                    <a:lstStyle/>
+                    <a:p>
+                      <a:pPr algn="l" fontAlgn="b"/>
+                      <a:r>
+                        <a:rPr lang="en-IN" sz="1100" u="none" strike="noStrike" dirty="0">
+                          <a:effectLst/>
+                        </a:rPr>
+                        <a:t>1 min 16 sec</a:t>
+                      </a:r>
+                      <a:endParaRPr lang="en-IN" sz="1100" b="0" i="0" u="none" strike="noStrike" dirty="0">
+                        <a:solidFill>
+                          <a:srgbClr val="000000"/>
+                        </a:solidFill>
+                        <a:effectLst/>
+                        <a:latin typeface="Calibri" panose="020F0502020204030204" pitchFamily="34" charset="0"/>
+                      </a:endParaRPr>
+                    </a:p>
+                  </a:txBody>
+                  <a:tcPr marL="7620" marR="7620" marT="7620" marB="0" anchor="b"/>
+                </a:tc>
+                <a:extLst>
+                  <a:ext uri="{0D108BD9-81ED-4DB2-BD59-A6C34878D82A}">
+                    <a16:rowId xmlns:a16="http://schemas.microsoft.com/office/drawing/2014/main" val="1853425981"/>
+                  </a:ext>
+                </a:extLst>
+              </a:tr>
+            </a:tbl>
+          </a:graphicData>
+        </a:graphic>
+      </p:graphicFrame>
+      <p:sp>
+        <p:nvSpPr>
+          <p:cNvPr id="6" name="TextBox 5">
+            <a:extLst>
+              <a:ext uri="{FF2B5EF4-FFF2-40B4-BE49-F238E27FC236}">
+                <a16:creationId xmlns:a16="http://schemas.microsoft.com/office/drawing/2014/main" id="{93176573-4724-AE8C-4E60-AE8FDA50F254}"/>
+              </a:ext>
+            </a:extLst>
+          </p:cNvPr>
+          <p:cNvSpPr txBox="1"/>
+          <p:nvPr/>
+        </p:nvSpPr>
+        <p:spPr>
+          <a:xfrm>
+            <a:off x="791853" y="1348033"/>
+            <a:ext cx="5448691" cy="646331"/>
+          </a:xfrm>
+          <a:prstGeom prst="rect">
+            <a:avLst/>
+          </a:prstGeom>
+          <a:noFill/>
+        </p:spPr>
+        <p:txBody>
+          <a:bodyPr wrap="square" rtlCol="0">
+            <a:spAutoFit/>
+          </a:bodyPr>
+          <a:lstStyle/>
+          <a:p>
+            <a:r>
+              <a:rPr lang="en-US" dirty="0"/>
+              <a:t>AWS Glue and Crawler Execution Average Time</a:t>
+            </a:r>
+            <a:endParaRPr lang="en-IN" dirty="0"/>
+          </a:p>
+          <a:p>
+            <a:endParaRPr lang="en-IN" dirty="0"/>
+          </a:p>
+        </p:txBody>
+      </p:sp>
+      <p:graphicFrame>
+        <p:nvGraphicFramePr>
+          <p:cNvPr id="8" name="Table 7">
+            <a:extLst>
+              <a:ext uri="{FF2B5EF4-FFF2-40B4-BE49-F238E27FC236}">
+                <a16:creationId xmlns:a16="http://schemas.microsoft.com/office/drawing/2014/main" id="{1F44FCEC-BA29-2FA4-1F0B-3260C97A4E8E}"/>
+              </a:ext>
+            </a:extLst>
+          </p:cNvPr>
+          <p:cNvGraphicFramePr>
+            <a:graphicFrameLocks noGrp="1"/>
+          </p:cNvGraphicFramePr>
+          <p:nvPr>
+            <p:extLst>
+              <p:ext uri="{D42A27DB-BD31-4B8C-83A1-F6EECF244321}">
+                <p14:modId xmlns:p14="http://schemas.microsoft.com/office/powerpoint/2010/main" val="1671199070"/>
+              </p:ext>
+            </p:extLst>
+          </p:nvPr>
+        </p:nvGraphicFramePr>
+        <p:xfrm>
+          <a:off x="791852" y="3553905"/>
+          <a:ext cx="8276733" cy="1706252"/>
+        </p:xfrm>
+        <a:graphic>
+          <a:graphicData uri="http://schemas.openxmlformats.org/drawingml/2006/table">
+            <a:tbl>
+              <a:tblPr>
+                <a:tableStyleId>{5C22544A-7EE6-4342-B048-85BDC9FD1C3A}</a:tableStyleId>
+              </a:tblPr>
+              <a:tblGrid>
+                <a:gridCol w="1132741">
+                  <a:extLst>
+                    <a:ext uri="{9D8B030D-6E8A-4147-A177-3AD203B41FA5}">
+                      <a16:colId xmlns:a16="http://schemas.microsoft.com/office/drawing/2014/main" val="1688817875"/>
+                    </a:ext>
+                  </a:extLst>
+                </a:gridCol>
+                <a:gridCol w="1132741">
+                  <a:extLst>
+                    <a:ext uri="{9D8B030D-6E8A-4147-A177-3AD203B41FA5}">
+                      <a16:colId xmlns:a16="http://schemas.microsoft.com/office/drawing/2014/main" val="1743271368"/>
+                    </a:ext>
+                  </a:extLst>
+                </a:gridCol>
+                <a:gridCol w="1068381">
+                  <a:extLst>
+                    <a:ext uri="{9D8B030D-6E8A-4147-A177-3AD203B41FA5}">
+                      <a16:colId xmlns:a16="http://schemas.microsoft.com/office/drawing/2014/main" val="1250884764"/>
+                    </a:ext>
+                  </a:extLst>
+                </a:gridCol>
+                <a:gridCol w="952532">
+                  <a:extLst>
+                    <a:ext uri="{9D8B030D-6E8A-4147-A177-3AD203B41FA5}">
+                      <a16:colId xmlns:a16="http://schemas.microsoft.com/office/drawing/2014/main" val="536963613"/>
+                    </a:ext>
+                  </a:extLst>
+                </a:gridCol>
+                <a:gridCol w="1995169">
+                  <a:extLst>
+                    <a:ext uri="{9D8B030D-6E8A-4147-A177-3AD203B41FA5}">
+                      <a16:colId xmlns:a16="http://schemas.microsoft.com/office/drawing/2014/main" val="4167909100"/>
+                    </a:ext>
+                  </a:extLst>
+                </a:gridCol>
+                <a:gridCol w="1995169">
+                  <a:extLst>
+                    <a:ext uri="{9D8B030D-6E8A-4147-A177-3AD203B41FA5}">
+                      <a16:colId xmlns:a16="http://schemas.microsoft.com/office/drawing/2014/main" val="3087364274"/>
+                    </a:ext>
+                  </a:extLst>
+                </a:gridCol>
+              </a:tblGrid>
+              <a:tr h="284375">
+                <a:tc rowSpan="4">
+                  <a:txBody>
+                    <a:bodyPr/>
+                    <a:lstStyle/>
+                    <a:p>
+                      <a:pPr algn="ctr" fontAlgn="ctr"/>
+                      <a:r>
+                        <a:rPr lang="en-IN" sz="1100" u="none" strike="noStrike">
+                          <a:effectLst/>
+                        </a:rPr>
+                        <a:t>Amazon Athena</a:t>
+                      </a:r>
+                      <a:endParaRPr lang="en-IN" sz="1100" b="0" i="0" u="none" strike="noStrike">
+                        <a:solidFill>
+                          <a:srgbClr val="000000"/>
+                        </a:solidFill>
+                        <a:effectLst/>
+                        <a:latin typeface="Calibri" panose="020F0502020204030204" pitchFamily="34" charset="0"/>
+                      </a:endParaRPr>
+                    </a:p>
+                  </a:txBody>
+                  <a:tcPr marL="7620" marR="7620" marT="7620" marB="0" anchor="ctr"/>
+                </a:tc>
+                <a:tc>
+                  <a:txBody>
+                    <a:bodyPr/>
+                    <a:lstStyle/>
+                    <a:p>
+                      <a:pPr algn="ctr" fontAlgn="ctr"/>
+                      <a:r>
+                        <a:rPr lang="en-IN" sz="1100" u="none" strike="noStrike">
+                          <a:effectLst/>
+                        </a:rPr>
+                        <a:t>Run</a:t>
+                      </a:r>
+                      <a:endParaRPr lang="en-IN" sz="1100" b="0" i="0" u="none" strike="noStrike">
+                        <a:solidFill>
+                          <a:srgbClr val="000000"/>
+                        </a:solidFill>
+                        <a:effectLst/>
+                        <a:latin typeface="Calibri" panose="020F0502020204030204" pitchFamily="34" charset="0"/>
+                      </a:endParaRPr>
+                    </a:p>
+                  </a:txBody>
+                  <a:tcPr marL="7620" marR="7620" marT="7620" marB="0" anchor="ctr"/>
+                </a:tc>
+                <a:tc>
+                  <a:txBody>
+                    <a:bodyPr/>
+                    <a:lstStyle/>
+                    <a:p>
+                      <a:pPr algn="ctr" fontAlgn="ctr"/>
+                      <a:r>
+                        <a:rPr lang="en-IN" sz="1100" u="none" strike="noStrike">
+                          <a:effectLst/>
+                        </a:rPr>
+                        <a:t>Time in Queue</a:t>
+                      </a:r>
+                      <a:endParaRPr lang="en-IN" sz="1100" b="0" i="0" u="none" strike="noStrike">
+                        <a:solidFill>
+                          <a:srgbClr val="000000"/>
+                        </a:solidFill>
+                        <a:effectLst/>
+                        <a:latin typeface="Calibri" panose="020F0502020204030204" pitchFamily="34" charset="0"/>
+                      </a:endParaRPr>
+                    </a:p>
+                  </a:txBody>
+                  <a:tcPr marL="7620" marR="7620" marT="7620" marB="0" anchor="ctr"/>
+                </a:tc>
+                <a:tc>
+                  <a:txBody>
+                    <a:bodyPr/>
+                    <a:lstStyle/>
+                    <a:p>
+                      <a:pPr algn="ctr" fontAlgn="ctr"/>
+                      <a:r>
+                        <a:rPr lang="en-IN" sz="1100" u="none" strike="noStrike">
+                          <a:effectLst/>
+                        </a:rPr>
+                        <a:t>Run Time</a:t>
+                      </a:r>
+                      <a:endParaRPr lang="en-IN" sz="1100" b="0" i="0" u="none" strike="noStrike">
+                        <a:solidFill>
+                          <a:srgbClr val="000000"/>
+                        </a:solidFill>
+                        <a:effectLst/>
+                        <a:latin typeface="Calibri" panose="020F0502020204030204" pitchFamily="34" charset="0"/>
+                      </a:endParaRPr>
+                    </a:p>
+                  </a:txBody>
+                  <a:tcPr marL="7620" marR="7620" marT="7620" marB="0" anchor="ctr"/>
+                </a:tc>
+                <a:tc>
+                  <a:txBody>
+                    <a:bodyPr/>
+                    <a:lstStyle/>
+                    <a:p>
+                      <a:pPr algn="ctr" fontAlgn="ctr"/>
+                      <a:r>
+                        <a:rPr lang="en-IN" sz="1100" u="none" strike="noStrike">
+                          <a:effectLst/>
+                        </a:rPr>
+                        <a:t>Data Scanned</a:t>
+                      </a:r>
+                      <a:endParaRPr lang="en-IN" sz="1100" b="0" i="0" u="none" strike="noStrike">
+                        <a:solidFill>
+                          <a:srgbClr val="000000"/>
+                        </a:solidFill>
+                        <a:effectLst/>
+                        <a:latin typeface="Calibri" panose="020F0502020204030204" pitchFamily="34" charset="0"/>
+                      </a:endParaRPr>
+                    </a:p>
+                  </a:txBody>
+                  <a:tcPr marL="7620" marR="7620" marT="7620" marB="0" anchor="ctr"/>
+                </a:tc>
+                <a:tc>
+                  <a:txBody>
+                    <a:bodyPr/>
+                    <a:lstStyle/>
+                    <a:p>
+                      <a:pPr algn="l" fontAlgn="b"/>
+                      <a:r>
+                        <a:rPr lang="en-IN" sz="1100" u="none" strike="noStrike">
+                          <a:effectLst/>
+                        </a:rPr>
+                        <a:t>Average Execution Time</a:t>
+                      </a:r>
+                      <a:endParaRPr lang="en-IN" sz="1100" b="0" i="0" u="none" strike="noStrike">
+                        <a:solidFill>
+                          <a:srgbClr val="000000"/>
+                        </a:solidFill>
+                        <a:effectLst/>
+                        <a:latin typeface="Calibri" panose="020F0502020204030204" pitchFamily="34" charset="0"/>
+                      </a:endParaRPr>
+                    </a:p>
+                  </a:txBody>
+                  <a:tcPr marL="7620" marR="7620" marT="7620" marB="0" anchor="b"/>
+                </a:tc>
+                <a:extLst>
+                  <a:ext uri="{0D108BD9-81ED-4DB2-BD59-A6C34878D82A}">
+                    <a16:rowId xmlns:a16="http://schemas.microsoft.com/office/drawing/2014/main" val="1956724580"/>
+                  </a:ext>
+                </a:extLst>
+              </a:tr>
+              <a:tr h="284375">
+                <a:tc vMerge="1">
+                  <a:txBody>
+                    <a:bodyPr/>
+                    <a:lstStyle/>
+                    <a:p>
+                      <a:endParaRPr lang="en-IN"/>
+                    </a:p>
+                  </a:txBody>
+                  <a:tcPr/>
+                </a:tc>
+                <a:tc>
+                  <a:txBody>
+                    <a:bodyPr/>
+                    <a:lstStyle/>
+                    <a:p>
+                      <a:pPr algn="l" fontAlgn="ctr"/>
+                      <a:r>
+                        <a:rPr lang="en-IN" sz="1100" u="none" strike="noStrike">
+                          <a:effectLst/>
+                        </a:rPr>
+                        <a:t>First Execution</a:t>
+                      </a:r>
+                      <a:endParaRPr lang="en-IN" sz="1100" b="0" i="0" u="none" strike="noStrike">
+                        <a:solidFill>
+                          <a:srgbClr val="000000"/>
+                        </a:solidFill>
+                        <a:effectLst/>
+                        <a:latin typeface="Calibri" panose="020F0502020204030204" pitchFamily="34" charset="0"/>
+                      </a:endParaRPr>
+                    </a:p>
+                  </a:txBody>
+                  <a:tcPr marL="7620" marR="7620" marT="7620" marB="0" anchor="ctr"/>
+                </a:tc>
+                <a:tc>
+                  <a:txBody>
+                    <a:bodyPr/>
+                    <a:lstStyle/>
+                    <a:p>
+                      <a:pPr algn="l" fontAlgn="b"/>
+                      <a:r>
+                        <a:rPr lang="en-IN" sz="1100" u="none" strike="noStrike">
+                          <a:effectLst/>
+                        </a:rPr>
+                        <a:t>105 ms</a:t>
+                      </a:r>
+                      <a:endParaRPr lang="en-IN" sz="1100" b="0" i="0" u="none" strike="noStrike">
+                        <a:solidFill>
+                          <a:srgbClr val="000000"/>
+                        </a:solidFill>
+                        <a:effectLst/>
+                        <a:latin typeface="Calibri" panose="020F0502020204030204" pitchFamily="34" charset="0"/>
+                      </a:endParaRPr>
+                    </a:p>
+                  </a:txBody>
+                  <a:tcPr marL="7620" marR="7620" marT="7620" marB="0" anchor="b"/>
+                </a:tc>
+                <a:tc>
+                  <a:txBody>
+                    <a:bodyPr/>
+                    <a:lstStyle/>
+                    <a:p>
+                      <a:pPr algn="l" fontAlgn="b"/>
+                      <a:r>
+                        <a:rPr lang="en-IN" sz="1100" u="none" strike="noStrike">
+                          <a:effectLst/>
+                        </a:rPr>
+                        <a:t>423 ms</a:t>
+                      </a:r>
+                      <a:endParaRPr lang="en-IN" sz="1100" b="0" i="0" u="none" strike="noStrike">
+                        <a:solidFill>
+                          <a:srgbClr val="000000"/>
+                        </a:solidFill>
+                        <a:effectLst/>
+                        <a:latin typeface="Calibri" panose="020F0502020204030204" pitchFamily="34" charset="0"/>
+                      </a:endParaRPr>
+                    </a:p>
+                  </a:txBody>
+                  <a:tcPr marL="7620" marR="7620" marT="7620" marB="0" anchor="b"/>
+                </a:tc>
+                <a:tc>
+                  <a:txBody>
+                    <a:bodyPr/>
+                    <a:lstStyle/>
+                    <a:p>
+                      <a:pPr algn="l" fontAlgn="b"/>
+                      <a:r>
+                        <a:rPr lang="en-IN" sz="1100" u="none" strike="noStrike">
+                          <a:effectLst/>
+                        </a:rPr>
+                        <a:t>41.26 KB</a:t>
+                      </a:r>
+                      <a:endParaRPr lang="en-IN" sz="1100" b="0" i="0" u="none" strike="noStrike">
+                        <a:solidFill>
+                          <a:srgbClr val="000000"/>
+                        </a:solidFill>
+                        <a:effectLst/>
+                        <a:latin typeface="Calibri" panose="020F0502020204030204" pitchFamily="34" charset="0"/>
+                      </a:endParaRPr>
+                    </a:p>
+                  </a:txBody>
+                  <a:tcPr marL="7620" marR="7620" marT="7620" marB="0" anchor="b"/>
+                </a:tc>
+                <a:tc rowSpan="3">
+                  <a:txBody>
+                    <a:bodyPr/>
+                    <a:lstStyle/>
+                    <a:p>
+                      <a:pPr algn="l" fontAlgn="ctr"/>
+                      <a:r>
+                        <a:rPr lang="en-US" sz="1100" u="none" strike="noStrike">
+                          <a:effectLst/>
+                        </a:rPr>
+                        <a:t>Average Run Time: 432 ms</a:t>
+                      </a:r>
+                      <a:br>
+                        <a:rPr lang="en-US" sz="1100" u="none" strike="noStrike">
+                          <a:effectLst/>
+                        </a:rPr>
+                      </a:br>
+                      <a:r>
+                        <a:rPr lang="en-US" sz="1100" u="none" strike="noStrike">
+                          <a:effectLst/>
+                        </a:rPr>
+                        <a:t>Average Time in Queue: 99 ms</a:t>
+                      </a:r>
+                      <a:br>
+                        <a:rPr lang="en-US" sz="1100" u="none" strike="noStrike">
+                          <a:effectLst/>
+                        </a:rPr>
+                      </a:br>
+                      <a:r>
+                        <a:rPr lang="en-US" sz="1100" u="none" strike="noStrike">
+                          <a:effectLst/>
+                        </a:rPr>
+                        <a:t>Total Data Scanned: 123.78 KB</a:t>
+                      </a:r>
+                      <a:endParaRPr lang="en-US" sz="1100" b="0" i="0" u="none" strike="noStrike">
+                        <a:solidFill>
+                          <a:srgbClr val="000000"/>
+                        </a:solidFill>
+                        <a:effectLst/>
+                        <a:latin typeface="Calibri" panose="020F0502020204030204" pitchFamily="34" charset="0"/>
+                      </a:endParaRPr>
+                    </a:p>
+                  </a:txBody>
+                  <a:tcPr marL="7620" marR="7620" marT="7620" marB="0" anchor="ctr"/>
+                </a:tc>
+                <a:extLst>
+                  <a:ext uri="{0D108BD9-81ED-4DB2-BD59-A6C34878D82A}">
+                    <a16:rowId xmlns:a16="http://schemas.microsoft.com/office/drawing/2014/main" val="2314797471"/>
+                  </a:ext>
+                </a:extLst>
+              </a:tr>
+              <a:tr h="568751">
+                <a:tc vMerge="1">
+                  <a:txBody>
+                    <a:bodyPr/>
+                    <a:lstStyle/>
+                    <a:p>
+                      <a:endParaRPr lang="en-IN"/>
+                    </a:p>
+                  </a:txBody>
+                  <a:tcPr/>
+                </a:tc>
+                <a:tc>
+                  <a:txBody>
+                    <a:bodyPr/>
+                    <a:lstStyle/>
+                    <a:p>
+                      <a:pPr algn="l" fontAlgn="ctr"/>
+                      <a:r>
+                        <a:rPr lang="en-IN" sz="1100" u="none" strike="noStrike">
+                          <a:effectLst/>
+                        </a:rPr>
+                        <a:t>Second Execution</a:t>
+                      </a:r>
+                      <a:endParaRPr lang="en-IN" sz="1100" b="0" i="0" u="none" strike="noStrike">
+                        <a:solidFill>
+                          <a:srgbClr val="000000"/>
+                        </a:solidFill>
+                        <a:effectLst/>
+                        <a:latin typeface="Calibri" panose="020F0502020204030204" pitchFamily="34" charset="0"/>
+                      </a:endParaRPr>
+                    </a:p>
+                  </a:txBody>
+                  <a:tcPr marL="7620" marR="7620" marT="7620" marB="0" anchor="ctr"/>
+                </a:tc>
+                <a:tc>
+                  <a:txBody>
+                    <a:bodyPr/>
+                    <a:lstStyle/>
+                    <a:p>
+                      <a:pPr algn="l" fontAlgn="b"/>
+                      <a:r>
+                        <a:rPr lang="en-IN" sz="1100" u="none" strike="noStrike">
+                          <a:effectLst/>
+                        </a:rPr>
+                        <a:t>72 ms</a:t>
+                      </a:r>
+                      <a:endParaRPr lang="en-IN" sz="1100" b="0" i="0" u="none" strike="noStrike">
+                        <a:solidFill>
+                          <a:srgbClr val="000000"/>
+                        </a:solidFill>
+                        <a:effectLst/>
+                        <a:latin typeface="Calibri" panose="020F0502020204030204" pitchFamily="34" charset="0"/>
+                      </a:endParaRPr>
+                    </a:p>
+                  </a:txBody>
+                  <a:tcPr marL="7620" marR="7620" marT="7620" marB="0" anchor="b"/>
+                </a:tc>
+                <a:tc>
+                  <a:txBody>
+                    <a:bodyPr/>
+                    <a:lstStyle/>
+                    <a:p>
+                      <a:pPr algn="l" fontAlgn="b"/>
+                      <a:r>
+                        <a:rPr lang="en-IN" sz="1100" u="none" strike="noStrike" dirty="0">
+                          <a:effectLst/>
+                        </a:rPr>
+                        <a:t>446 ms</a:t>
+                      </a:r>
+                      <a:endParaRPr lang="en-IN" sz="1100" b="0" i="0" u="none" strike="noStrike" dirty="0">
+                        <a:solidFill>
+                          <a:srgbClr val="000000"/>
+                        </a:solidFill>
+                        <a:effectLst/>
+                        <a:latin typeface="Calibri" panose="020F0502020204030204" pitchFamily="34" charset="0"/>
+                      </a:endParaRPr>
+                    </a:p>
+                  </a:txBody>
+                  <a:tcPr marL="7620" marR="7620" marT="7620" marB="0" anchor="b"/>
+                </a:tc>
+                <a:tc>
+                  <a:txBody>
+                    <a:bodyPr/>
+                    <a:lstStyle/>
+                    <a:p>
+                      <a:pPr algn="l" fontAlgn="b"/>
+                      <a:r>
+                        <a:rPr lang="en-IN" sz="1100" u="none" strike="noStrike">
+                          <a:effectLst/>
+                        </a:rPr>
+                        <a:t>41.26 KB</a:t>
+                      </a:r>
+                      <a:endParaRPr lang="en-IN" sz="1100" b="0" i="0" u="none" strike="noStrike">
+                        <a:solidFill>
+                          <a:srgbClr val="000000"/>
+                        </a:solidFill>
+                        <a:effectLst/>
+                        <a:latin typeface="Calibri" panose="020F0502020204030204" pitchFamily="34" charset="0"/>
+                      </a:endParaRPr>
+                    </a:p>
+                  </a:txBody>
+                  <a:tcPr marL="7620" marR="7620" marT="7620" marB="0" anchor="b"/>
+                </a:tc>
+                <a:tc vMerge="1">
+                  <a:txBody>
+                    <a:bodyPr/>
+                    <a:lstStyle/>
+                    <a:p>
+                      <a:endParaRPr lang="en-IN"/>
+                    </a:p>
+                  </a:txBody>
+                  <a:tcPr/>
+                </a:tc>
+                <a:extLst>
+                  <a:ext uri="{0D108BD9-81ED-4DB2-BD59-A6C34878D82A}">
+                    <a16:rowId xmlns:a16="http://schemas.microsoft.com/office/drawing/2014/main" val="287291885"/>
+                  </a:ext>
+                </a:extLst>
+              </a:tr>
+              <a:tr h="568751">
+                <a:tc vMerge="1">
+                  <a:txBody>
+                    <a:bodyPr/>
+                    <a:lstStyle/>
+                    <a:p>
+                      <a:endParaRPr lang="en-IN"/>
+                    </a:p>
+                  </a:txBody>
+                  <a:tcPr/>
+                </a:tc>
+                <a:tc>
+                  <a:txBody>
+                    <a:bodyPr/>
+                    <a:lstStyle/>
+                    <a:p>
+                      <a:pPr algn="l" fontAlgn="ctr"/>
+                      <a:r>
+                        <a:rPr lang="en-IN" sz="1100" u="none" strike="noStrike">
+                          <a:effectLst/>
+                        </a:rPr>
+                        <a:t>Third Execution</a:t>
+                      </a:r>
+                      <a:endParaRPr lang="en-IN" sz="1100" b="0" i="0" u="none" strike="noStrike">
+                        <a:solidFill>
+                          <a:srgbClr val="000000"/>
+                        </a:solidFill>
+                        <a:effectLst/>
+                        <a:latin typeface="Calibri" panose="020F0502020204030204" pitchFamily="34" charset="0"/>
+                      </a:endParaRPr>
+                    </a:p>
+                  </a:txBody>
+                  <a:tcPr marL="7620" marR="7620" marT="7620" marB="0" anchor="ctr"/>
+                </a:tc>
+                <a:tc>
+                  <a:txBody>
+                    <a:bodyPr/>
+                    <a:lstStyle/>
+                    <a:p>
+                      <a:pPr algn="l" fontAlgn="b"/>
+                      <a:r>
+                        <a:rPr lang="en-IN" sz="1100" u="none" strike="noStrike">
+                          <a:effectLst/>
+                        </a:rPr>
+                        <a:t>120 ms</a:t>
+                      </a:r>
+                      <a:endParaRPr lang="en-IN" sz="1100" b="0" i="0" u="none" strike="noStrike">
+                        <a:solidFill>
+                          <a:srgbClr val="000000"/>
+                        </a:solidFill>
+                        <a:effectLst/>
+                        <a:latin typeface="Calibri" panose="020F0502020204030204" pitchFamily="34" charset="0"/>
+                      </a:endParaRPr>
+                    </a:p>
+                  </a:txBody>
+                  <a:tcPr marL="7620" marR="7620" marT="7620" marB="0" anchor="b"/>
+                </a:tc>
+                <a:tc>
+                  <a:txBody>
+                    <a:bodyPr/>
+                    <a:lstStyle/>
+                    <a:p>
+                      <a:pPr algn="l" fontAlgn="b"/>
+                      <a:r>
+                        <a:rPr lang="en-IN" sz="1100" u="none" strike="noStrike">
+                          <a:effectLst/>
+                        </a:rPr>
+                        <a:t>427 ms</a:t>
+                      </a:r>
+                      <a:endParaRPr lang="en-IN" sz="1100" b="0" i="0" u="none" strike="noStrike">
+                        <a:solidFill>
+                          <a:srgbClr val="000000"/>
+                        </a:solidFill>
+                        <a:effectLst/>
+                        <a:latin typeface="Calibri" panose="020F0502020204030204" pitchFamily="34" charset="0"/>
+                      </a:endParaRPr>
+                    </a:p>
+                  </a:txBody>
+                  <a:tcPr marL="7620" marR="7620" marT="7620" marB="0" anchor="b"/>
+                </a:tc>
+                <a:tc>
+                  <a:txBody>
+                    <a:bodyPr/>
+                    <a:lstStyle/>
+                    <a:p>
+                      <a:pPr algn="l" fontAlgn="b"/>
+                      <a:r>
+                        <a:rPr lang="en-IN" sz="1100" u="none" strike="noStrike" dirty="0">
+                          <a:effectLst/>
+                        </a:rPr>
+                        <a:t>41.26 KB</a:t>
+                      </a:r>
+                      <a:endParaRPr lang="en-IN" sz="1100" b="0" i="0" u="none" strike="noStrike" dirty="0">
+                        <a:solidFill>
+                          <a:srgbClr val="000000"/>
+                        </a:solidFill>
+                        <a:effectLst/>
+                        <a:latin typeface="Calibri" panose="020F0502020204030204" pitchFamily="34" charset="0"/>
+                      </a:endParaRPr>
+                    </a:p>
+                  </a:txBody>
+                  <a:tcPr marL="7620" marR="7620" marT="7620" marB="0" anchor="b"/>
+                </a:tc>
+                <a:tc vMerge="1">
+                  <a:txBody>
+                    <a:bodyPr/>
+                    <a:lstStyle/>
+                    <a:p>
+                      <a:endParaRPr lang="en-IN"/>
+                    </a:p>
+                  </a:txBody>
+                  <a:tcPr/>
+                </a:tc>
+                <a:extLst>
+                  <a:ext uri="{0D108BD9-81ED-4DB2-BD59-A6C34878D82A}">
+                    <a16:rowId xmlns:a16="http://schemas.microsoft.com/office/drawing/2014/main" val="831490022"/>
+                  </a:ext>
+                </a:extLst>
+              </a:tr>
+            </a:tbl>
+          </a:graphicData>
+        </a:graphic>
+      </p:graphicFrame>
+      <p:sp>
+        <p:nvSpPr>
+          <p:cNvPr id="11" name="TextBox 10">
+            <a:extLst>
+              <a:ext uri="{FF2B5EF4-FFF2-40B4-BE49-F238E27FC236}">
+                <a16:creationId xmlns:a16="http://schemas.microsoft.com/office/drawing/2014/main" id="{5B377ABF-52F9-5B53-7A47-14EC5716AC88}"/>
+              </a:ext>
+            </a:extLst>
+          </p:cNvPr>
+          <p:cNvSpPr txBox="1"/>
+          <p:nvPr/>
+        </p:nvSpPr>
+        <p:spPr>
+          <a:xfrm>
+            <a:off x="876693" y="3214540"/>
+            <a:ext cx="4769963" cy="646331"/>
+          </a:xfrm>
+          <a:prstGeom prst="rect">
+            <a:avLst/>
+          </a:prstGeom>
+          <a:noFill/>
+        </p:spPr>
+        <p:txBody>
+          <a:bodyPr wrap="square" rtlCol="0">
+            <a:spAutoFit/>
+          </a:bodyPr>
+          <a:lstStyle/>
+          <a:p>
+            <a:r>
+              <a:rPr lang="en-US" dirty="0"/>
+              <a:t>Athena Execution Average Time</a:t>
+            </a:r>
+            <a:endParaRPr lang="en-IN" dirty="0"/>
+          </a:p>
+          <a:p>
+            <a:endParaRPr lang="en-IN" dirty="0"/>
+          </a:p>
+        </p:txBody>
+      </p:sp>
+    </p:spTree>
+    <p:extLst>
+      <p:ext uri="{BB962C8B-B14F-4D97-AF65-F5344CB8AC3E}">
+        <p14:creationId xmlns:p14="http://schemas.microsoft.com/office/powerpoint/2010/main" val="3768399157"/>
+      </p:ext>
+    </p:extLst>
+  </p:cSld>
+  <p:clrMapOvr>
+    <a:masterClrMapping/>
+  </p:clrMapOvr>
+</p:sld>
+</file>
+
+<file path=ppt/slides/slide8.xml><?xml version="1.0" encoding="utf-8"?>
+<p:sld xmlns:a="http://schemas.openxmlformats.org/drawingml/2006/main" xmlns:r="http://schemas.openxmlformats.org/officeDocument/2006/relationships" xmlns:p="http://schemas.openxmlformats.org/presentationml/2006/main">
+  <p:cSld>
+    <p:spTree>
+      <p:nvGrpSpPr>
+        <p:cNvPr id="1" name=""/>
+        <p:cNvGrpSpPr/>
+        <p:nvPr/>
+      </p:nvGrpSpPr>
+      <p:grpSpPr>
+        <a:xfrm>
+          <a:off x="0" y="0"/>
+          <a:ext cx="0" cy="0"/>
+          <a:chOff x="0" y="0"/>
+          <a:chExt cx="0" cy="0"/>
+        </a:xfrm>
+      </p:grpSpPr>
+      <p:sp>
+        <p:nvSpPr>
+          <p:cNvPr id="2" name="Title 1">
+            <a:extLst>
+              <a:ext uri="{FF2B5EF4-FFF2-40B4-BE49-F238E27FC236}">
+                <a16:creationId xmlns:a16="http://schemas.microsoft.com/office/drawing/2014/main" id="{8E13A5A8-5984-FB18-61E4-B4E88019455D}"/>
+              </a:ext>
+            </a:extLst>
+          </p:cNvPr>
+          <p:cNvSpPr>
+            <a:spLocks noGrp="1"/>
+          </p:cNvSpPr>
+          <p:nvPr>
+            <p:ph type="title"/>
+          </p:nvPr>
+        </p:nvSpPr>
+        <p:spPr>
+          <a:xfrm>
+            <a:off x="677334" y="367646"/>
+            <a:ext cx="8596668" cy="603315"/>
+          </a:xfrm>
+        </p:spPr>
+        <p:txBody>
+          <a:bodyPr>
+            <a:normAutofit/>
+          </a:bodyPr>
+          <a:lstStyle/>
+          <a:p>
+            <a:r>
+              <a:rPr lang="en-US" sz="3200" dirty="0">
                 <a:latin typeface="Calibri" panose="020F0502020204030204" pitchFamily="34" charset="0"/>
                 <a:ea typeface="Calibri" panose="020F0502020204030204" pitchFamily="34" charset="0"/>
                 <a:cs typeface="Calibri" panose="020F0502020204030204" pitchFamily="34" charset="0"/>
               </a:rPr>
-            </a:br>
-            <a:br>
-              <a:rPr lang="en-IN" sz="4400" dirty="0">
+              <a:t>Logs and Notification</a:t>
+            </a:r>
+            <a:endParaRPr lang="en-IN" sz="3200" dirty="0">
+              <a:latin typeface="Calibri" panose="020F0502020204030204" pitchFamily="34" charset="0"/>
+              <a:ea typeface="Calibri" panose="020F0502020204030204" pitchFamily="34" charset="0"/>
+              <a:cs typeface="Calibri" panose="020F0502020204030204" pitchFamily="34" charset="0"/>
+            </a:endParaRPr>
+          </a:p>
+        </p:txBody>
+      </p:sp>
+      <p:pic>
+        <p:nvPicPr>
+          <p:cNvPr id="5" name="Content Placeholder 4">
+            <a:extLst>
+              <a:ext uri="{FF2B5EF4-FFF2-40B4-BE49-F238E27FC236}">
+                <a16:creationId xmlns:a16="http://schemas.microsoft.com/office/drawing/2014/main" id="{9E1021ED-AA92-D048-B26F-0378C33C4754}"/>
+              </a:ext>
+            </a:extLst>
+          </p:cNvPr>
+          <p:cNvPicPr>
+            <a:picLocks noGrp="1" noChangeAspect="1"/>
+          </p:cNvPicPr>
+          <p:nvPr>
+            <p:ph idx="1"/>
+          </p:nvPr>
+        </p:nvPicPr>
+        <p:blipFill>
+          <a:blip r:embed="rId2"/>
+          <a:stretch>
+            <a:fillRect/>
+          </a:stretch>
+        </p:blipFill>
+        <p:spPr>
+          <a:xfrm>
+            <a:off x="677334" y="970961"/>
+            <a:ext cx="5344972" cy="2581094"/>
+          </a:xfrm>
+        </p:spPr>
+      </p:pic>
+      <p:pic>
+        <p:nvPicPr>
+          <p:cNvPr id="7" name="Picture 6">
+            <a:extLst>
+              <a:ext uri="{FF2B5EF4-FFF2-40B4-BE49-F238E27FC236}">
+                <a16:creationId xmlns:a16="http://schemas.microsoft.com/office/drawing/2014/main" id="{865B1AEA-12B9-6FEC-2F32-F82CEC5EDED7}"/>
+              </a:ext>
+            </a:extLst>
+          </p:cNvPr>
+          <p:cNvPicPr>
+            <a:picLocks noChangeAspect="1"/>
+          </p:cNvPicPr>
+          <p:nvPr/>
+        </p:nvPicPr>
+        <p:blipFill>
+          <a:blip r:embed="rId3"/>
+          <a:stretch>
+            <a:fillRect/>
+          </a:stretch>
+        </p:blipFill>
+        <p:spPr>
+          <a:xfrm>
+            <a:off x="2896619" y="3552055"/>
+            <a:ext cx="6019164" cy="3028361"/>
+          </a:xfrm>
+          <a:prstGeom prst="rect">
+            <a:avLst/>
+          </a:prstGeom>
+        </p:spPr>
+      </p:pic>
+    </p:spTree>
+    <p:extLst>
+      <p:ext uri="{BB962C8B-B14F-4D97-AF65-F5344CB8AC3E}">
+        <p14:creationId xmlns:p14="http://schemas.microsoft.com/office/powerpoint/2010/main" val="1750000674"/>
+      </p:ext>
+    </p:extLst>
+  </p:cSld>
+  <p:clrMapOvr>
+    <a:masterClrMapping/>
+  </p:clrMapOvr>
+</p:sld>
+</file>
+
+<file path=ppt/slides/slide9.xml><?xml version="1.0" encoding="utf-8"?>
+<p:sld xmlns:a="http://schemas.openxmlformats.org/drawingml/2006/main" xmlns:r="http://schemas.openxmlformats.org/officeDocument/2006/relationships" xmlns:p="http://schemas.openxmlformats.org/presentationml/2006/main">
+  <p:cSld>
+    <p:spTree>
+      <p:nvGrpSpPr>
+        <p:cNvPr id="1" name=""/>
+        <p:cNvGrpSpPr/>
+        <p:nvPr/>
+      </p:nvGrpSpPr>
+      <p:grpSpPr>
+        <a:xfrm>
+          <a:off x="0" y="0"/>
+          <a:ext cx="0" cy="0"/>
+          <a:chOff x="0" y="0"/>
+          <a:chExt cx="0" cy="0"/>
+        </a:xfrm>
+      </p:grpSpPr>
+      <p:sp>
+        <p:nvSpPr>
+          <p:cNvPr id="2" name="Title 1">
+            <a:extLst>
+              <a:ext uri="{FF2B5EF4-FFF2-40B4-BE49-F238E27FC236}">
+                <a16:creationId xmlns:a16="http://schemas.microsoft.com/office/drawing/2014/main" id="{C655A70D-3B6B-FDAD-0FD7-F4CEBCC68A7D}"/>
+              </a:ext>
+            </a:extLst>
+          </p:cNvPr>
+          <p:cNvSpPr>
+            <a:spLocks noGrp="1"/>
+          </p:cNvSpPr>
+          <p:nvPr>
+            <p:ph type="title"/>
+          </p:nvPr>
+        </p:nvSpPr>
+        <p:spPr>
+          <a:xfrm>
+            <a:off x="677334" y="609600"/>
+            <a:ext cx="8596668" cy="832701"/>
+          </a:xfrm>
+        </p:spPr>
+        <p:txBody>
+          <a:bodyPr>
+            <a:normAutofit/>
+          </a:bodyPr>
+          <a:lstStyle/>
+          <a:p>
+            <a:r>
+              <a:rPr lang="en-US" sz="3200" dirty="0">
                 <a:latin typeface="Calibri" panose="020F0502020204030204" pitchFamily="34" charset="0"/>
                 <a:ea typeface="Calibri" panose="020F0502020204030204" pitchFamily="34" charset="0"/>
                 <a:cs typeface="Calibri" panose="020F0502020204030204" pitchFamily="34" charset="0"/>
               </a:rPr>
-            </a:br>
-            <a:r>
-              <a:rPr lang="en-IN" sz="4400" dirty="0">
-                <a:latin typeface="Calibri" panose="020F0502020204030204" pitchFamily="34" charset="0"/>
-                <a:ea typeface="Calibri" panose="020F0502020204030204" pitchFamily="34" charset="0"/>
-                <a:cs typeface="Calibri" panose="020F0502020204030204" pitchFamily="34" charset="0"/>
-              </a:rPr>
-              <a:t>THANK YOU</a:t>
-            </a:r>
-          </a:p>
-        </p:txBody>
-      </p:sp>
+              <a:t>Result view in Athena Table</a:t>
+            </a:r>
+            <a:endParaRPr lang="en-IN" sz="3200" dirty="0">
+              <a:latin typeface="Calibri" panose="020F0502020204030204" pitchFamily="34" charset="0"/>
+              <a:ea typeface="Calibri" panose="020F0502020204030204" pitchFamily="34" charset="0"/>
+              <a:cs typeface="Calibri" panose="020F0502020204030204" pitchFamily="34" charset="0"/>
+            </a:endParaRPr>
+          </a:p>
+        </p:txBody>
+      </p:sp>
+      <p:sp>
+        <p:nvSpPr>
+          <p:cNvPr id="3" name="Content Placeholder 2">
+            <a:extLst>
+              <a:ext uri="{FF2B5EF4-FFF2-40B4-BE49-F238E27FC236}">
+                <a16:creationId xmlns:a16="http://schemas.microsoft.com/office/drawing/2014/main" id="{8ED445A4-E1CA-63C4-CEAF-9E46F4117119}"/>
+              </a:ext>
+            </a:extLst>
+          </p:cNvPr>
+          <p:cNvSpPr>
+            <a:spLocks noGrp="1"/>
+          </p:cNvSpPr>
+          <p:nvPr>
+            <p:ph idx="1"/>
+          </p:nvPr>
+        </p:nvSpPr>
+        <p:spPr>
+          <a:xfrm>
+            <a:off x="677334" y="2205872"/>
+            <a:ext cx="8596668" cy="3835490"/>
+          </a:xfrm>
+        </p:spPr>
+        <p:txBody>
+          <a:bodyPr/>
+          <a:lstStyle/>
+          <a:p>
+            <a:endParaRPr lang="en-US" dirty="0"/>
+          </a:p>
+          <a:p>
+            <a:endParaRPr lang="en-IN" dirty="0"/>
+          </a:p>
+          <a:p>
+            <a:endParaRPr lang="en-IN" dirty="0"/>
+          </a:p>
+        </p:txBody>
+      </p:sp>
+      <p:pic>
+        <p:nvPicPr>
+          <p:cNvPr id="5" name="Picture 4">
+            <a:extLst>
+              <a:ext uri="{FF2B5EF4-FFF2-40B4-BE49-F238E27FC236}">
+                <a16:creationId xmlns:a16="http://schemas.microsoft.com/office/drawing/2014/main" id="{C98BFDC1-41F3-0775-AA0F-1C0CCA8114B9}"/>
+              </a:ext>
+            </a:extLst>
+          </p:cNvPr>
+          <p:cNvPicPr>
+            <a:picLocks noChangeAspect="1"/>
+          </p:cNvPicPr>
+          <p:nvPr/>
+        </p:nvPicPr>
+        <p:blipFill>
+          <a:blip r:embed="rId2"/>
+          <a:stretch>
+            <a:fillRect/>
+          </a:stretch>
+        </p:blipFill>
+        <p:spPr>
+          <a:xfrm>
+            <a:off x="712004" y="2130458"/>
+            <a:ext cx="8695948" cy="3992446"/>
+          </a:xfrm>
+          <a:prstGeom prst="rect">
+            <a:avLst/>
+          </a:prstGeom>
+        </p:spPr>
+      </p:pic>
     </p:spTree>
     <p:extLst>
       <p:ext uri="{BB962C8B-B14F-4D97-AF65-F5344CB8AC3E}">
-        <p14:creationId xmlns:p14="http://schemas.microsoft.com/office/powerpoint/2010/main" val="3177192593"/>
+        <p14:creationId xmlns:p14="http://schemas.microsoft.com/office/powerpoint/2010/main" val="2641932730"/>
       </p:ext>
     </p:extLst>
   </p:cSld>
@@ -6905,28 +9941,28 @@
         <a:srgbClr val="EBEBEB"/>
       </a:lt2>
       <a:accent1>
-        <a:srgbClr val="90C226"/>
+        <a:srgbClr val="5FCBEF"/>
       </a:accent1>
       <a:accent2>
-        <a:srgbClr val="54A021"/>
+        <a:srgbClr val="2E83C3"/>
       </a:accent2>
       <a:accent3>
-        <a:srgbClr val="E6B91E"/>
+        <a:srgbClr val="42D0A2"/>
       </a:accent3>
       <a:accent4>
-        <a:srgbClr val="E76618"/>
+        <a:srgbClr val="2E946B"/>
       </a:accent4>
       <a:accent5>
-        <a:srgbClr val="C42F1A"/>
+        <a:srgbClr val="42B051"/>
       </a:accent5>
       <a:accent6>
-        <a:srgbClr val="918655"/>
+        <a:srgbClr val="96D141"/>
       </a:accent6>
       <a:hlink>
-        <a:srgbClr val="99CA3C"/>
+        <a:srgbClr val="3FCDE7"/>
       </a:hlink>
       <a:folHlink>
-        <a:srgbClr val="B9D181"/>
+        <a:srgbClr val="A9D3E1"/>
       </a:folHlink>
     </a:clrScheme>
     <a:fontScheme name="Facet">
@@ -7139,7 +10175,7 @@
   <a:extraClrSchemeLst/>
   <a:extLst>
     <a:ext uri="{05A4C25C-085E-4340-85A3-A5531E510DB2}">
-      <thm15:themeFamily xmlns:thm15="http://schemas.microsoft.com/office/thememl/2012/main" name="Facet" id="{C0C680CD-088A-49FC-A102-D699147F32B2}" vid="{CFBC31BA-B70F-4F30-BCAA-4F3011E16C4D}"/>
+      <thm15:themeFamily xmlns:thm15="http://schemas.microsoft.com/office/thememl/2012/main" name="Facet" id="{C0C680CD-088A-49FC-A102-D699147F32B2}" vid="{0B5AB586-D108-4FC1-8368-649FE654B894}"/>
     </a:ext>
   </a:extLst>
 </a:theme>

--- a/Data_Lake_Construction_and_Querying_With_PySpark.pptx
+++ b/Data_Lake_Construction_and_Querying_With_PySpark.pptx
@@ -2,7 +2,7 @@
 <file path=ppt/presentation.xml><?xml version="1.0" encoding="utf-8"?>
 <p:presentation xmlns:a="http://schemas.openxmlformats.org/drawingml/2006/main" xmlns:r="http://schemas.openxmlformats.org/officeDocument/2006/relationships" xmlns:p="http://schemas.openxmlformats.org/presentationml/2006/main" saveSubsetFonts="1">
   <p:sldMasterIdLst>
-    <p:sldMasterId id="2147483694" r:id="rId1"/>
+    <p:sldMasterId id="2147484060" r:id="rId1"/>
   </p:sldMasterIdLst>
   <p:sldIdLst>
     <p:sldId id="256" r:id="rId2"/>
@@ -867,7 +867,7 @@
           <a:p>
             <a:fld id="{6C75944D-E021-42A1-842E-4A047290AC38}" type="datetimeFigureOut">
               <a:rPr lang="en-IN" smtClean="0"/>
-              <a:t>26-11-2024</a:t>
+              <a:t>27-11-2024</a:t>
             </a:fld>
             <a:endParaRPr lang="en-IN"/>
           </a:p>
@@ -918,7 +918,7 @@
     </p:spTree>
     <p:extLst>
       <p:ext uri="{BB962C8B-B14F-4D97-AF65-F5344CB8AC3E}">
-        <p14:creationId xmlns:p14="http://schemas.microsoft.com/office/powerpoint/2010/main" val="3307491555"/>
+        <p14:creationId xmlns:p14="http://schemas.microsoft.com/office/powerpoint/2010/main" val="2509076607"/>
       </p:ext>
     </p:extLst>
   </p:cSld>
@@ -1118,7 +1118,7 @@
           <a:p>
             <a:fld id="{6C75944D-E021-42A1-842E-4A047290AC38}" type="datetimeFigureOut">
               <a:rPr lang="en-IN" smtClean="0"/>
-              <a:t>26-11-2024</a:t>
+              <a:t>27-11-2024</a:t>
             </a:fld>
             <a:endParaRPr lang="en-IN"/>
           </a:p>
@@ -1169,7 +1169,7 @@
     </p:spTree>
     <p:extLst>
       <p:ext uri="{BB962C8B-B14F-4D97-AF65-F5344CB8AC3E}">
-        <p14:creationId xmlns:p14="http://schemas.microsoft.com/office/powerpoint/2010/main" val="3119629940"/>
+        <p14:creationId xmlns:p14="http://schemas.microsoft.com/office/powerpoint/2010/main" val="3592283835"/>
       </p:ext>
     </p:extLst>
   </p:cSld>
@@ -1432,7 +1432,7 @@
           <a:p>
             <a:fld id="{6C75944D-E021-42A1-842E-4A047290AC38}" type="datetimeFigureOut">
               <a:rPr lang="en-IN" smtClean="0"/>
-              <a:t>26-11-2024</a:t>
+              <a:t>27-11-2024</a:t>
             </a:fld>
             <a:endParaRPr lang="en-IN"/>
           </a:p>
@@ -1565,7 +1565,7 @@
     </p:spTree>
     <p:extLst>
       <p:ext uri="{BB962C8B-B14F-4D97-AF65-F5344CB8AC3E}">
-        <p14:creationId xmlns:p14="http://schemas.microsoft.com/office/powerpoint/2010/main" val="2909287674"/>
+        <p14:creationId xmlns:p14="http://schemas.microsoft.com/office/powerpoint/2010/main" val="939538719"/>
       </p:ext>
     </p:extLst>
   </p:cSld>
@@ -1765,7 +1765,7 @@
           <a:p>
             <a:fld id="{6C75944D-E021-42A1-842E-4A047290AC38}" type="datetimeFigureOut">
               <a:rPr lang="en-IN" smtClean="0"/>
-              <a:t>26-11-2024</a:t>
+              <a:t>27-11-2024</a:t>
             </a:fld>
             <a:endParaRPr lang="en-IN"/>
           </a:p>
@@ -1816,7 +1816,7 @@
     </p:spTree>
     <p:extLst>
       <p:ext uri="{BB962C8B-B14F-4D97-AF65-F5344CB8AC3E}">
-        <p14:creationId xmlns:p14="http://schemas.microsoft.com/office/powerpoint/2010/main" val="1190972646"/>
+        <p14:creationId xmlns:p14="http://schemas.microsoft.com/office/powerpoint/2010/main" val="4280059498"/>
       </p:ext>
     </p:extLst>
   </p:cSld>
@@ -2079,7 +2079,7 @@
           <a:p>
             <a:fld id="{6C75944D-E021-42A1-842E-4A047290AC38}" type="datetimeFigureOut">
               <a:rPr lang="en-IN" smtClean="0"/>
-              <a:t>26-11-2024</a:t>
+              <a:t>27-11-2024</a:t>
             </a:fld>
             <a:endParaRPr lang="en-IN"/>
           </a:p>
@@ -2212,7 +2212,7 @@
     </p:spTree>
     <p:extLst>
       <p:ext uri="{BB962C8B-B14F-4D97-AF65-F5344CB8AC3E}">
-        <p14:creationId xmlns:p14="http://schemas.microsoft.com/office/powerpoint/2010/main" val="3541650886"/>
+        <p14:creationId xmlns:p14="http://schemas.microsoft.com/office/powerpoint/2010/main" val="1693566192"/>
       </p:ext>
     </p:extLst>
   </p:cSld>
@@ -2472,7 +2472,7 @@
           <a:p>
             <a:fld id="{6C75944D-E021-42A1-842E-4A047290AC38}" type="datetimeFigureOut">
               <a:rPr lang="en-IN" smtClean="0"/>
-              <a:t>26-11-2024</a:t>
+              <a:t>27-11-2024</a:t>
             </a:fld>
             <a:endParaRPr lang="en-IN"/>
           </a:p>
@@ -2523,7 +2523,7 @@
     </p:spTree>
     <p:extLst>
       <p:ext uri="{BB962C8B-B14F-4D97-AF65-F5344CB8AC3E}">
-        <p14:creationId xmlns:p14="http://schemas.microsoft.com/office/powerpoint/2010/main" val="301810665"/>
+        <p14:creationId xmlns:p14="http://schemas.microsoft.com/office/powerpoint/2010/main" val="3176422800"/>
       </p:ext>
     </p:extLst>
   </p:cSld>
@@ -2642,7 +2642,7 @@
           <a:p>
             <a:fld id="{6C75944D-E021-42A1-842E-4A047290AC38}" type="datetimeFigureOut">
               <a:rPr lang="en-IN" smtClean="0"/>
-              <a:t>26-11-2024</a:t>
+              <a:t>27-11-2024</a:t>
             </a:fld>
             <a:endParaRPr lang="en-IN"/>
           </a:p>
@@ -2693,7 +2693,7 @@
     </p:spTree>
     <p:extLst>
       <p:ext uri="{BB962C8B-B14F-4D97-AF65-F5344CB8AC3E}">
-        <p14:creationId xmlns:p14="http://schemas.microsoft.com/office/powerpoint/2010/main" val="866217123"/>
+        <p14:creationId xmlns:p14="http://schemas.microsoft.com/office/powerpoint/2010/main" val="2198090856"/>
       </p:ext>
     </p:extLst>
   </p:cSld>
@@ -2822,7 +2822,7 @@
           <a:p>
             <a:fld id="{6C75944D-E021-42A1-842E-4A047290AC38}" type="datetimeFigureOut">
               <a:rPr lang="en-IN" smtClean="0"/>
-              <a:t>26-11-2024</a:t>
+              <a:t>27-11-2024</a:t>
             </a:fld>
             <a:endParaRPr lang="en-IN"/>
           </a:p>
@@ -2873,7 +2873,7 @@
     </p:spTree>
     <p:extLst>
       <p:ext uri="{BB962C8B-B14F-4D97-AF65-F5344CB8AC3E}">
-        <p14:creationId xmlns:p14="http://schemas.microsoft.com/office/powerpoint/2010/main" val="757979945"/>
+        <p14:creationId xmlns:p14="http://schemas.microsoft.com/office/powerpoint/2010/main" val="480454271"/>
       </p:ext>
     </p:extLst>
   </p:cSld>
@@ -2992,7 +2992,7 @@
           <a:p>
             <a:fld id="{6C75944D-E021-42A1-842E-4A047290AC38}" type="datetimeFigureOut">
               <a:rPr lang="en-IN" smtClean="0"/>
-              <a:t>26-11-2024</a:t>
+              <a:t>27-11-2024</a:t>
             </a:fld>
             <a:endParaRPr lang="en-IN"/>
           </a:p>
@@ -3043,7 +3043,7 @@
     </p:spTree>
     <p:extLst>
       <p:ext uri="{BB962C8B-B14F-4D97-AF65-F5344CB8AC3E}">
-        <p14:creationId xmlns:p14="http://schemas.microsoft.com/office/powerpoint/2010/main" val="2869181728"/>
+        <p14:creationId xmlns:p14="http://schemas.microsoft.com/office/powerpoint/2010/main" val="1311315960"/>
       </p:ext>
     </p:extLst>
   </p:cSld>
@@ -3239,7 +3239,7 @@
           <a:p>
             <a:fld id="{6C75944D-E021-42A1-842E-4A047290AC38}" type="datetimeFigureOut">
               <a:rPr lang="en-IN" smtClean="0"/>
-              <a:t>26-11-2024</a:t>
+              <a:t>27-11-2024</a:t>
             </a:fld>
             <a:endParaRPr lang="en-IN"/>
           </a:p>
@@ -3290,7 +3290,7 @@
     </p:spTree>
     <p:extLst>
       <p:ext uri="{BB962C8B-B14F-4D97-AF65-F5344CB8AC3E}">
-        <p14:creationId xmlns:p14="http://schemas.microsoft.com/office/powerpoint/2010/main" val="3949218477"/>
+        <p14:creationId xmlns:p14="http://schemas.microsoft.com/office/powerpoint/2010/main" val="835953698"/>
       </p:ext>
     </p:extLst>
   </p:cSld>
@@ -3471,7 +3471,7 @@
           <a:p>
             <a:fld id="{6C75944D-E021-42A1-842E-4A047290AC38}" type="datetimeFigureOut">
               <a:rPr lang="en-IN" smtClean="0"/>
-              <a:t>26-11-2024</a:t>
+              <a:t>27-11-2024</a:t>
             </a:fld>
             <a:endParaRPr lang="en-IN"/>
           </a:p>
@@ -3522,7 +3522,7 @@
     </p:spTree>
     <p:extLst>
       <p:ext uri="{BB962C8B-B14F-4D97-AF65-F5344CB8AC3E}">
-        <p14:creationId xmlns:p14="http://schemas.microsoft.com/office/powerpoint/2010/main" val="2565202838"/>
+        <p14:creationId xmlns:p14="http://schemas.microsoft.com/office/powerpoint/2010/main" val="4064461038"/>
       </p:ext>
     </p:extLst>
   </p:cSld>
@@ -3845,7 +3845,7 @@
           <a:p>
             <a:fld id="{6C75944D-E021-42A1-842E-4A047290AC38}" type="datetimeFigureOut">
               <a:rPr lang="en-IN" smtClean="0"/>
-              <a:t>26-11-2024</a:t>
+              <a:t>27-11-2024</a:t>
             </a:fld>
             <a:endParaRPr lang="en-IN"/>
           </a:p>
@@ -3896,7 +3896,7 @@
     </p:spTree>
     <p:extLst>
       <p:ext uri="{BB962C8B-B14F-4D97-AF65-F5344CB8AC3E}">
-        <p14:creationId xmlns:p14="http://schemas.microsoft.com/office/powerpoint/2010/main" val="2115652731"/>
+        <p14:creationId xmlns:p14="http://schemas.microsoft.com/office/powerpoint/2010/main" val="4035094344"/>
       </p:ext>
     </p:extLst>
   </p:cSld>
@@ -3968,7 +3968,7 @@
           <a:p>
             <a:fld id="{6C75944D-E021-42A1-842E-4A047290AC38}" type="datetimeFigureOut">
               <a:rPr lang="en-IN" smtClean="0"/>
-              <a:t>26-11-2024</a:t>
+              <a:t>27-11-2024</a:t>
             </a:fld>
             <a:endParaRPr lang="en-IN"/>
           </a:p>
@@ -4019,7 +4019,7 @@
     </p:spTree>
     <p:extLst>
       <p:ext uri="{BB962C8B-B14F-4D97-AF65-F5344CB8AC3E}">
-        <p14:creationId xmlns:p14="http://schemas.microsoft.com/office/powerpoint/2010/main" val="4282706047"/>
+        <p14:creationId xmlns:p14="http://schemas.microsoft.com/office/powerpoint/2010/main" val="1792504651"/>
       </p:ext>
     </p:extLst>
   </p:cSld>
@@ -4063,7 +4063,7 @@
           <a:p>
             <a:fld id="{6C75944D-E021-42A1-842E-4A047290AC38}" type="datetimeFigureOut">
               <a:rPr lang="en-IN" smtClean="0"/>
-              <a:t>26-11-2024</a:t>
+              <a:t>27-11-2024</a:t>
             </a:fld>
             <a:endParaRPr lang="en-IN"/>
           </a:p>
@@ -4114,7 +4114,7 @@
     </p:spTree>
     <p:extLst>
       <p:ext uri="{BB962C8B-B14F-4D97-AF65-F5344CB8AC3E}">
-        <p14:creationId xmlns:p14="http://schemas.microsoft.com/office/powerpoint/2010/main" val="913623232"/>
+        <p14:creationId xmlns:p14="http://schemas.microsoft.com/office/powerpoint/2010/main" val="604680291"/>
       </p:ext>
     </p:extLst>
   </p:cSld>
@@ -4318,7 +4318,7 @@
           <a:p>
             <a:fld id="{6C75944D-E021-42A1-842E-4A047290AC38}" type="datetimeFigureOut">
               <a:rPr lang="en-IN" smtClean="0"/>
-              <a:t>26-11-2024</a:t>
+              <a:t>27-11-2024</a:t>
             </a:fld>
             <a:endParaRPr lang="en-IN"/>
           </a:p>
@@ -4369,7 +4369,7 @@
     </p:spTree>
     <p:extLst>
       <p:ext uri="{BB962C8B-B14F-4D97-AF65-F5344CB8AC3E}">
-        <p14:creationId xmlns:p14="http://schemas.microsoft.com/office/powerpoint/2010/main" val="142742839"/>
+        <p14:creationId xmlns:p14="http://schemas.microsoft.com/office/powerpoint/2010/main" val="2754601109"/>
       </p:ext>
     </p:extLst>
   </p:cSld>
@@ -4579,7 +4579,7 @@
           <a:bodyPr/>
           <a:lstStyle/>
           <a:p>
-            <a:endParaRPr lang="en-IN"/>
+            <a:endParaRPr lang="en-US" dirty="0"/>
           </a:p>
         </p:txBody>
       </p:sp>
@@ -4623,7 +4623,7 @@
           <a:p>
             <a:fld id="{6C75944D-E021-42A1-842E-4A047290AC38}" type="datetimeFigureOut">
               <a:rPr lang="en-IN" smtClean="0"/>
-              <a:t>26-11-2024</a:t>
+              <a:t>27-11-2024</a:t>
             </a:fld>
             <a:endParaRPr lang="en-IN"/>
           </a:p>
@@ -4632,7 +4632,7 @@
     </p:spTree>
     <p:extLst>
       <p:ext uri="{BB962C8B-B14F-4D97-AF65-F5344CB8AC3E}">
-        <p14:creationId xmlns:p14="http://schemas.microsoft.com/office/powerpoint/2010/main" val="2017533403"/>
+        <p14:creationId xmlns:p14="http://schemas.microsoft.com/office/powerpoint/2010/main" val="1705757320"/>
       </p:ext>
     </p:extLst>
   </p:cSld>
@@ -5325,7 +5325,7 @@
           <a:p>
             <a:fld id="{6C75944D-E021-42A1-842E-4A047290AC38}" type="datetimeFigureOut">
               <a:rPr lang="en-IN" smtClean="0"/>
-              <a:t>26-11-2024</a:t>
+              <a:t>27-11-2024</a:t>
             </a:fld>
             <a:endParaRPr lang="en-IN"/>
           </a:p>
@@ -5410,28 +5410,28 @@
     </p:spTree>
     <p:extLst>
       <p:ext uri="{BB962C8B-B14F-4D97-AF65-F5344CB8AC3E}">
-        <p14:creationId xmlns:p14="http://schemas.microsoft.com/office/powerpoint/2010/main" val="3869163535"/>
+        <p14:creationId xmlns:p14="http://schemas.microsoft.com/office/powerpoint/2010/main" val="2750722551"/>
       </p:ext>
     </p:extLst>
   </p:cSld>
   <p:clrMap bg1="lt1" tx1="dk1" bg2="lt2" tx2="dk2" accent1="accent1" accent2="accent2" accent3="accent3" accent4="accent4" accent5="accent5" accent6="accent6" hlink="hlink" folHlink="folHlink"/>
   <p:sldLayoutIdLst>
-    <p:sldLayoutId id="2147483695" r:id="rId1"/>
-    <p:sldLayoutId id="2147483696" r:id="rId2"/>
-    <p:sldLayoutId id="2147483697" r:id="rId3"/>
-    <p:sldLayoutId id="2147483698" r:id="rId4"/>
-    <p:sldLayoutId id="2147483699" r:id="rId5"/>
-    <p:sldLayoutId id="2147483700" r:id="rId6"/>
-    <p:sldLayoutId id="2147483701" r:id="rId7"/>
-    <p:sldLayoutId id="2147483702" r:id="rId8"/>
-    <p:sldLayoutId id="2147483703" r:id="rId9"/>
-    <p:sldLayoutId id="2147483704" r:id="rId10"/>
-    <p:sldLayoutId id="2147483705" r:id="rId11"/>
-    <p:sldLayoutId id="2147483706" r:id="rId12"/>
-    <p:sldLayoutId id="2147483707" r:id="rId13"/>
-    <p:sldLayoutId id="2147483708" r:id="rId14"/>
-    <p:sldLayoutId id="2147483709" r:id="rId15"/>
-    <p:sldLayoutId id="2147483710" r:id="rId16"/>
+    <p:sldLayoutId id="2147484061" r:id="rId1"/>
+    <p:sldLayoutId id="2147484062" r:id="rId2"/>
+    <p:sldLayoutId id="2147484063" r:id="rId3"/>
+    <p:sldLayoutId id="2147484064" r:id="rId4"/>
+    <p:sldLayoutId id="2147484065" r:id="rId5"/>
+    <p:sldLayoutId id="2147484066" r:id="rId6"/>
+    <p:sldLayoutId id="2147484067" r:id="rId7"/>
+    <p:sldLayoutId id="2147484068" r:id="rId8"/>
+    <p:sldLayoutId id="2147484069" r:id="rId9"/>
+    <p:sldLayoutId id="2147484070" r:id="rId10"/>
+    <p:sldLayoutId id="2147484071" r:id="rId11"/>
+    <p:sldLayoutId id="2147484072" r:id="rId12"/>
+    <p:sldLayoutId id="2147484073" r:id="rId13"/>
+    <p:sldLayoutId id="2147484074" r:id="rId14"/>
+    <p:sldLayoutId id="2147484075" r:id="rId15"/>
+    <p:sldLayoutId id="2147484076" r:id="rId16"/>
   </p:sldLayoutIdLst>
   <p:txStyles>
     <p:titleStyle>
@@ -5915,9 +5915,9 @@
           </a:bodyPr>
           <a:lstStyle/>
           <a:p>
-            <a:pPr algn="l"/>
-            <a:r>
-              <a:rPr lang="en-US" sz="2000" b="1" dirty="0">
+            <a:pPr lvl="5" algn="l"/>
+            <a:r>
+              <a:rPr lang="en-US" sz="2400" b="1" dirty="0">
                 <a:solidFill>
                   <a:schemeClr val="tx1"/>
                 </a:solidFill>
@@ -5928,7 +5928,7 @@
               <a:t>Team Members</a:t>
             </a:r>
             <a:r>
-              <a:rPr lang="en-US" sz="2000" dirty="0">
+              <a:rPr lang="en-US" sz="2400" dirty="0">
                 <a:solidFill>
                   <a:schemeClr val="tx1"/>
                 </a:solidFill>
@@ -5940,12 +5940,12 @@
             </a:r>
           </a:p>
           <a:p>
-            <a:pPr marL="742950" lvl="1" indent="-285750" algn="l">
+            <a:pPr marL="3028950" lvl="6" indent="-285750" algn="l">
               <a:buFont typeface="Arial" panose="020B0604020202020204" pitchFamily="34" charset="0"/>
               <a:buChar char="•"/>
             </a:pPr>
             <a:r>
-              <a:rPr lang="en-US" sz="1800" dirty="0">
+              <a:rPr lang="en-US" sz="2400" dirty="0">
                 <a:solidFill>
                   <a:schemeClr val="tx1"/>
                 </a:solidFill>
@@ -5957,12 +5957,12 @@
             </a:r>
           </a:p>
           <a:p>
-            <a:pPr marL="742950" lvl="1" indent="-285750" algn="l">
+            <a:pPr marL="3028950" lvl="6" indent="-285750" algn="l">
               <a:buFont typeface="Arial" panose="020B0604020202020204" pitchFamily="34" charset="0"/>
               <a:buChar char="•"/>
             </a:pPr>
             <a:r>
-              <a:rPr lang="en-US" sz="1800" dirty="0">
+              <a:rPr lang="en-US" sz="2400" dirty="0">
                 <a:solidFill>
                   <a:schemeClr val="tx1"/>
                 </a:solidFill>
@@ -5974,12 +5974,12 @@
             </a:r>
           </a:p>
           <a:p>
-            <a:pPr marL="742950" lvl="1" indent="-285750" algn="l">
+            <a:pPr marL="3028950" lvl="6" indent="-285750" algn="l">
               <a:buFont typeface="Arial" panose="020B0604020202020204" pitchFamily="34" charset="0"/>
               <a:buChar char="•"/>
             </a:pPr>
             <a:r>
-              <a:rPr lang="en-US" sz="1800" dirty="0">
+              <a:rPr lang="en-US" sz="2400" dirty="0">
                 <a:solidFill>
                   <a:schemeClr val="tx1"/>
                 </a:solidFill>
@@ -7002,8 +7002,8 @@
         </p:blipFill>
         <p:spPr>
           <a:xfrm>
-            <a:off x="1084432" y="1594980"/>
-            <a:ext cx="7984154" cy="4334480"/>
+            <a:off x="1376663" y="2160588"/>
+            <a:ext cx="7198711" cy="3881437"/>
           </a:xfrm>
         </p:spPr>
       </p:pic>
@@ -7252,14 +7252,14 @@
             <p:ph idx="1"/>
             <p:extLst>
               <p:ext uri="{D42A27DB-BD31-4B8C-83A1-F6EECF244321}">
-                <p14:modId xmlns:p14="http://schemas.microsoft.com/office/powerpoint/2010/main" val="1611373294"/>
+                <p14:modId xmlns:p14="http://schemas.microsoft.com/office/powerpoint/2010/main" val="2423242492"/>
               </p:ext>
             </p:extLst>
           </p:nvPr>
         </p:nvGraphicFramePr>
         <p:xfrm>
           <a:off x="791852" y="1583705"/>
-          <a:ext cx="6876567" cy="1131217"/>
+          <a:ext cx="7456603" cy="1131217"/>
         </p:xfrm>
         <a:graphic>
           <a:graphicData uri="http://schemas.openxmlformats.org/drawingml/2006/table">
@@ -7268,35 +7268,35 @@
                 <a:tableStyleId>{5C22544A-7EE6-4342-B048-85BDC9FD1C3A}</a:tableStyleId>
               </a:tblPr>
               <a:tblGrid>
-                <a:gridCol w="1378557">
+                <a:gridCol w="1494838">
                   <a:extLst>
                     <a:ext uri="{9D8B030D-6E8A-4147-A177-3AD203B41FA5}">
                       <a16:colId xmlns:a16="http://schemas.microsoft.com/office/drawing/2014/main" val="1668887411"/>
                     </a:ext>
                   </a:extLst>
                 </a:gridCol>
-                <a:gridCol w="1135282">
+                <a:gridCol w="1231042">
                   <a:extLst>
                     <a:ext uri="{9D8B030D-6E8A-4147-A177-3AD203B41FA5}">
                       <a16:colId xmlns:a16="http://schemas.microsoft.com/office/drawing/2014/main" val="2159134185"/>
                     </a:ext>
                   </a:extLst>
                 </a:gridCol>
-                <a:gridCol w="1346120">
+                <a:gridCol w="1459665">
                   <a:extLst>
                     <a:ext uri="{9D8B030D-6E8A-4147-A177-3AD203B41FA5}">
                       <a16:colId xmlns:a16="http://schemas.microsoft.com/office/drawing/2014/main" val="4114458175"/>
                     </a:ext>
                   </a:extLst>
                 </a:gridCol>
-                <a:gridCol w="1200156">
+                <a:gridCol w="1301389">
                   <a:extLst>
                     <a:ext uri="{9D8B030D-6E8A-4147-A177-3AD203B41FA5}">
                       <a16:colId xmlns:a16="http://schemas.microsoft.com/office/drawing/2014/main" val="3874847685"/>
                     </a:ext>
                   </a:extLst>
                 </a:gridCol>
-                <a:gridCol w="1816452">
+                <a:gridCol w="1969669">
                   <a:extLst>
                     <a:ext uri="{9D8B030D-6E8A-4147-A177-3AD203B41FA5}">
                       <a16:colId xmlns:a16="http://schemas.microsoft.com/office/drawing/2014/main" val="1284797830"/>
@@ -7312,7 +7312,7 @@
                     <a:p>
                       <a:pPr algn="l" fontAlgn="b"/>
                       <a:r>
-                        <a:rPr lang="en-US" sz="1200" b="0" i="0" u="none" strike="noStrike" dirty="0">
+                        <a:rPr lang="en-US" sz="1400" b="0" i="0" u="none" strike="noStrike" dirty="0">
                           <a:solidFill>
                             <a:srgbClr val="000000"/>
                           </a:solidFill>
@@ -7324,7 +7324,7 @@
                         <a:t>S</a:t>
                       </a:r>
                       <a:r>
-                        <a:rPr lang="en-IN" sz="1200" b="0" i="0" u="none" strike="noStrike" dirty="0">
+                        <a:rPr lang="en-IN" sz="1400" b="0" i="0" u="none" strike="noStrike" dirty="0">
                           <a:solidFill>
                             <a:srgbClr val="000000"/>
                           </a:solidFill>
@@ -7346,7 +7346,7 @@
                     <a:p>
                       <a:pPr algn="l" fontAlgn="b"/>
                       <a:r>
-                        <a:rPr lang="en-IN" sz="1200" u="none" strike="noStrike" dirty="0">
+                        <a:rPr lang="en-IN" sz="1400" u="none" strike="noStrike" dirty="0">
                           <a:effectLst/>
                           <a:latin typeface="Calibri" panose="020F0502020204030204" pitchFamily="34" charset="0"/>
                           <a:ea typeface="Calibri" panose="020F0502020204030204" pitchFamily="34" charset="0"/>
@@ -7354,7 +7354,7 @@
                         </a:rPr>
                         <a:t>First Execution</a:t>
                       </a:r>
-                      <a:endParaRPr lang="en-IN" sz="1200" b="0" i="0" u="none" strike="noStrike" dirty="0">
+                      <a:endParaRPr lang="en-IN" sz="1400" b="0" i="0" u="none" strike="noStrike" dirty="0">
                         <a:solidFill>
                           <a:srgbClr val="000000"/>
                         </a:solidFill>
@@ -7374,7 +7374,7 @@
                     <a:p>
                       <a:pPr algn="l" fontAlgn="b"/>
                       <a:r>
-                        <a:rPr lang="en-IN" sz="1200" u="none" strike="noStrike">
+                        <a:rPr lang="en-IN" sz="1400" u="none" strike="noStrike">
                           <a:effectLst/>
                           <a:latin typeface="Calibri" panose="020F0502020204030204" pitchFamily="34" charset="0"/>
                           <a:ea typeface="Calibri" panose="020F0502020204030204" pitchFamily="34" charset="0"/>
@@ -7382,7 +7382,7 @@
                         </a:rPr>
                         <a:t>Second Execution</a:t>
                       </a:r>
-                      <a:endParaRPr lang="en-IN" sz="1200" b="0" i="0" u="none" strike="noStrike">
+                      <a:endParaRPr lang="en-IN" sz="1400" b="0" i="0" u="none" strike="noStrike">
                         <a:solidFill>
                           <a:srgbClr val="000000"/>
                         </a:solidFill>
@@ -7402,7 +7402,7 @@
                     <a:p>
                       <a:pPr algn="l" fontAlgn="b"/>
                       <a:r>
-                        <a:rPr lang="en-IN" sz="1200" u="none" strike="noStrike" dirty="0">
+                        <a:rPr lang="en-IN" sz="1400" u="none" strike="noStrike" dirty="0">
                           <a:effectLst/>
                           <a:latin typeface="Calibri" panose="020F0502020204030204" pitchFamily="34" charset="0"/>
                           <a:ea typeface="Calibri" panose="020F0502020204030204" pitchFamily="34" charset="0"/>
@@ -7410,7 +7410,7 @@
                         </a:rPr>
                         <a:t>Third Execution</a:t>
                       </a:r>
-                      <a:endParaRPr lang="en-IN" sz="1200" b="0" i="0" u="none" strike="noStrike" dirty="0">
+                      <a:endParaRPr lang="en-IN" sz="1400" b="0" i="0" u="none" strike="noStrike" dirty="0">
                         <a:solidFill>
                           <a:srgbClr val="000000"/>
                         </a:solidFill>
@@ -7430,7 +7430,7 @@
                     <a:p>
                       <a:pPr algn="l" fontAlgn="b"/>
                       <a:r>
-                        <a:rPr lang="en-IN" sz="1200" u="none" strike="noStrike" dirty="0">
+                        <a:rPr lang="en-IN" sz="1400" u="none" strike="noStrike" dirty="0">
                           <a:effectLst/>
                           <a:latin typeface="Calibri" panose="020F0502020204030204" pitchFamily="34" charset="0"/>
                           <a:ea typeface="Calibri" panose="020F0502020204030204" pitchFamily="34" charset="0"/>
@@ -7438,7 +7438,7 @@
                         </a:rPr>
                         <a:t>Average Execution Time</a:t>
                       </a:r>
-                      <a:endParaRPr lang="en-IN" sz="1200" b="0" i="0" u="none" strike="noStrike" dirty="0">
+                      <a:endParaRPr lang="en-IN" sz="1400" b="0" i="0" u="none" strike="noStrike" dirty="0">
                         <a:solidFill>
                           <a:srgbClr val="000000"/>
                         </a:solidFill>
@@ -7465,7 +7465,7 @@
                     <a:p>
                       <a:pPr algn="l" fontAlgn="b"/>
                       <a:r>
-                        <a:rPr lang="en-IN" sz="1200" u="none" strike="noStrike">
+                        <a:rPr lang="en-IN" sz="1400" u="none" strike="noStrike">
                           <a:effectLst/>
                           <a:latin typeface="Calibri" panose="020F0502020204030204" pitchFamily="34" charset="0"/>
                           <a:ea typeface="Calibri" panose="020F0502020204030204" pitchFamily="34" charset="0"/>
@@ -7473,7 +7473,7 @@
                         </a:rPr>
                         <a:t>AWS Glue</a:t>
                       </a:r>
-                      <a:endParaRPr lang="en-IN" sz="1200" b="0" i="0" u="none" strike="noStrike">
+                      <a:endParaRPr lang="en-IN" sz="1400" b="0" i="0" u="none" strike="noStrike">
                         <a:solidFill>
                           <a:srgbClr val="000000"/>
                         </a:solidFill>
@@ -7493,23 +7493,17 @@
                     <a:p>
                       <a:pPr algn="l" fontAlgn="ctr"/>
                       <a:r>
-                        <a:rPr lang="en-IN" sz="1200" u="none" strike="noStrike" dirty="0">
+                        <a:rPr lang="en-IN" sz="1400" b="0" i="0" u="none" strike="noStrike" dirty="0">
+                          <a:solidFill>
+                            <a:srgbClr val="000000"/>
+                          </a:solidFill>
                           <a:effectLst/>
                           <a:latin typeface="Calibri" panose="020F0502020204030204" pitchFamily="34" charset="0"/>
                           <a:ea typeface="Calibri" panose="020F0502020204030204" pitchFamily="34" charset="0"/>
                           <a:cs typeface="Calibri" panose="020F0502020204030204" pitchFamily="34" charset="0"/>
                         </a:rPr>
-                        <a:t>1 min 41 sec</a:t>
+                        <a:t>1 m 25 s</a:t>
                       </a:r>
-                      <a:endParaRPr lang="en-IN" sz="1200" b="0" i="0" u="none" strike="noStrike" dirty="0">
-                        <a:solidFill>
-                          <a:srgbClr val="000000"/>
-                        </a:solidFill>
-                        <a:effectLst/>
-                        <a:latin typeface="Calibri" panose="020F0502020204030204" pitchFamily="34" charset="0"/>
-                        <a:ea typeface="Calibri" panose="020F0502020204030204" pitchFamily="34" charset="0"/>
-                        <a:cs typeface="Calibri" panose="020F0502020204030204" pitchFamily="34" charset="0"/>
-                      </a:endParaRPr>
                     </a:p>
                   </a:txBody>
                   <a:tcPr marL="7620" marR="7620" marT="7620" marB="0" anchor="ctr"/>
@@ -7521,23 +7515,17 @@
                     <a:p>
                       <a:pPr algn="l" fontAlgn="ctr"/>
                       <a:r>
-                        <a:rPr lang="en-IN" sz="1200" u="none" strike="noStrike" dirty="0">
+                        <a:rPr lang="en-IN" sz="1400" b="0" i="0" u="none" strike="noStrike" dirty="0">
+                          <a:solidFill>
+                            <a:srgbClr val="000000"/>
+                          </a:solidFill>
                           <a:effectLst/>
                           <a:latin typeface="Calibri" panose="020F0502020204030204" pitchFamily="34" charset="0"/>
                           <a:ea typeface="Calibri" panose="020F0502020204030204" pitchFamily="34" charset="0"/>
                           <a:cs typeface="Calibri" panose="020F0502020204030204" pitchFamily="34" charset="0"/>
                         </a:rPr>
-                        <a:t>1 min 40 sec</a:t>
+                        <a:t>1 m 32 s</a:t>
                       </a:r>
-                      <a:endParaRPr lang="en-IN" sz="1200" b="0" i="0" u="none" strike="noStrike" dirty="0">
-                        <a:solidFill>
-                          <a:srgbClr val="000000"/>
-                        </a:solidFill>
-                        <a:effectLst/>
-                        <a:latin typeface="Calibri" panose="020F0502020204030204" pitchFamily="34" charset="0"/>
-                        <a:ea typeface="Calibri" panose="020F0502020204030204" pitchFamily="34" charset="0"/>
-                        <a:cs typeface="Calibri" panose="020F0502020204030204" pitchFamily="34" charset="0"/>
-                      </a:endParaRPr>
                     </a:p>
                   </a:txBody>
                   <a:tcPr marL="7620" marR="7620" marT="7620" marB="0" anchor="ctr"/>
@@ -7549,23 +7537,17 @@
                     <a:p>
                       <a:pPr algn="l" fontAlgn="ctr"/>
                       <a:r>
-                        <a:rPr lang="en-IN" sz="1200" u="none" strike="noStrike" dirty="0">
+                        <a:rPr lang="en-IN" sz="1400" b="0" i="0" u="none" strike="noStrike" dirty="0">
+                          <a:solidFill>
+                            <a:srgbClr val="000000"/>
+                          </a:solidFill>
                           <a:effectLst/>
                           <a:latin typeface="Calibri" panose="020F0502020204030204" pitchFamily="34" charset="0"/>
                           <a:ea typeface="Calibri" panose="020F0502020204030204" pitchFamily="34" charset="0"/>
                           <a:cs typeface="Calibri" panose="020F0502020204030204" pitchFamily="34" charset="0"/>
                         </a:rPr>
-                        <a:t>1 min 38 sec</a:t>
+                        <a:t>1 m 16 s</a:t>
                       </a:r>
-                      <a:endParaRPr lang="en-IN" sz="1200" b="0" i="0" u="none" strike="noStrike" dirty="0">
-                        <a:solidFill>
-                          <a:srgbClr val="000000"/>
-                        </a:solidFill>
-                        <a:effectLst/>
-                        <a:latin typeface="Calibri" panose="020F0502020204030204" pitchFamily="34" charset="0"/>
-                        <a:ea typeface="Calibri" panose="020F0502020204030204" pitchFamily="34" charset="0"/>
-                        <a:cs typeface="Calibri" panose="020F0502020204030204" pitchFamily="34" charset="0"/>
-                      </a:endParaRPr>
                     </a:p>
                   </a:txBody>
                   <a:tcPr marL="7620" marR="7620" marT="7620" marB="0" anchor="ctr"/>
@@ -7577,23 +7559,17 @@
                     <a:p>
                       <a:pPr algn="l" fontAlgn="b"/>
                       <a:r>
-                        <a:rPr lang="en-IN" sz="1200" u="none" strike="noStrike">
+                        <a:rPr lang="en-IN" sz="1400" b="0" i="0" u="none" strike="noStrike" dirty="0">
+                          <a:solidFill>
+                            <a:srgbClr val="000000"/>
+                          </a:solidFill>
                           <a:effectLst/>
                           <a:latin typeface="Calibri" panose="020F0502020204030204" pitchFamily="34" charset="0"/>
                           <a:ea typeface="Calibri" panose="020F0502020204030204" pitchFamily="34" charset="0"/>
                           <a:cs typeface="Calibri" panose="020F0502020204030204" pitchFamily="34" charset="0"/>
                         </a:rPr>
-                        <a:t>1 min 39.67 sec</a:t>
+                        <a:t>1 min 24.33 sec</a:t>
                       </a:r>
-                      <a:endParaRPr lang="en-IN" sz="1200" b="0" i="0" u="none" strike="noStrike">
-                        <a:solidFill>
-                          <a:srgbClr val="000000"/>
-                        </a:solidFill>
-                        <a:effectLst/>
-                        <a:latin typeface="Calibri" panose="020F0502020204030204" pitchFamily="34" charset="0"/>
-                        <a:ea typeface="Calibri" panose="020F0502020204030204" pitchFamily="34" charset="0"/>
-                        <a:cs typeface="Calibri" panose="020F0502020204030204" pitchFamily="34" charset="0"/>
-                      </a:endParaRPr>
                     </a:p>
                   </a:txBody>
                   <a:tcPr marL="7620" marR="7620" marT="7620" marB="0" anchor="b"/>
@@ -7612,7 +7588,7 @@
                     <a:p>
                       <a:pPr algn="l" fontAlgn="b"/>
                       <a:r>
-                        <a:rPr lang="en-IN" sz="1200" u="none" strike="noStrike">
+                        <a:rPr lang="en-IN" sz="1400" u="none" strike="noStrike">
                           <a:effectLst/>
                           <a:latin typeface="Calibri" panose="020F0502020204030204" pitchFamily="34" charset="0"/>
                           <a:ea typeface="Calibri" panose="020F0502020204030204" pitchFamily="34" charset="0"/>
@@ -7620,7 +7596,7 @@
                         </a:rPr>
                         <a:t>AWS Glue Crawler</a:t>
                       </a:r>
-                      <a:endParaRPr lang="en-IN" sz="1200" b="0" i="0" u="none" strike="noStrike">
+                      <a:endParaRPr lang="en-IN" sz="1400" b="0" i="0" u="none" strike="noStrike">
                         <a:solidFill>
                           <a:srgbClr val="000000"/>
                         </a:solidFill>
@@ -7640,15 +7616,37 @@
                     <a:p>
                       <a:pPr algn="l" fontAlgn="b"/>
                       <a:r>
-                        <a:rPr lang="en-IN" sz="1200" u="none" strike="noStrike" dirty="0">
+                        <a:rPr lang="en-IN" sz="1400" b="0" i="0" u="none" strike="noStrike" dirty="0">
+                          <a:solidFill>
+                            <a:srgbClr val="000000"/>
+                          </a:solidFill>
                           <a:effectLst/>
                           <a:latin typeface="Calibri" panose="020F0502020204030204" pitchFamily="34" charset="0"/>
                           <a:ea typeface="Calibri" panose="020F0502020204030204" pitchFamily="34" charset="0"/>
                           <a:cs typeface="Calibri" panose="020F0502020204030204" pitchFamily="34" charset="0"/>
                         </a:rPr>
-                        <a:t>1 min 17 sec</a:t>
+                        <a:t>01 min 18 s</a:t>
                       </a:r>
-                      <a:endParaRPr lang="en-IN" sz="1200" b="0" i="0" u="none" strike="noStrike" dirty="0">
+                    </a:p>
+                  </a:txBody>
+                  <a:tcPr marL="7620" marR="7620" marT="7620" marB="0" anchor="b"/>
+                </a:tc>
+                <a:tc>
+                  <a:txBody>
+                    <a:bodyPr/>
+                    <a:lstStyle/>
+                    <a:p>
+                      <a:pPr algn="l" fontAlgn="b"/>
+                      <a:r>
+                        <a:rPr lang="en-IN" sz="1400" u="none" strike="noStrike" dirty="0">
+                          <a:effectLst/>
+                          <a:latin typeface="Calibri" panose="020F0502020204030204" pitchFamily="34" charset="0"/>
+                          <a:ea typeface="Calibri" panose="020F0502020204030204" pitchFamily="34" charset="0"/>
+                          <a:cs typeface="Calibri" panose="020F0502020204030204" pitchFamily="34" charset="0"/>
+                        </a:rPr>
+                        <a:t>1 min 15 sec</a:t>
+                      </a:r>
+                      <a:endParaRPr lang="en-IN" sz="1400" b="0" i="0" u="none" strike="noStrike" dirty="0">
                         <a:solidFill>
                           <a:srgbClr val="000000"/>
                         </a:solidFill>
@@ -7668,15 +7666,15 @@
                     <a:p>
                       <a:pPr algn="l" fontAlgn="b"/>
                       <a:r>
-                        <a:rPr lang="en-IN" sz="1200" u="none" strike="noStrike" dirty="0">
+                        <a:rPr lang="en-IN" sz="1400" u="none" strike="noStrike" dirty="0">
                           <a:effectLst/>
                           <a:latin typeface="Calibri" panose="020F0502020204030204" pitchFamily="34" charset="0"/>
                           <a:ea typeface="Calibri" panose="020F0502020204030204" pitchFamily="34" charset="0"/>
                           <a:cs typeface="Calibri" panose="020F0502020204030204" pitchFamily="34" charset="0"/>
                         </a:rPr>
-                        <a:t>1 min 07 sec</a:t>
+                        <a:t>1 min 14 sec</a:t>
                       </a:r>
-                      <a:endParaRPr lang="en-IN" sz="1200" b="0" i="0" u="none" strike="noStrike" dirty="0">
+                      <a:endParaRPr lang="en-IN" sz="1400" b="0" i="0" u="none" strike="noStrike" dirty="0">
                         <a:solidFill>
                           <a:srgbClr val="000000"/>
                         </a:solidFill>
@@ -7696,43 +7694,15 @@
                     <a:p>
                       <a:pPr algn="l" fontAlgn="b"/>
                       <a:r>
-                        <a:rPr lang="en-IN" sz="1200" u="none" strike="noStrike" dirty="0">
+                        <a:rPr lang="en-IN" sz="1400" u="none" strike="noStrike" dirty="0">
                           <a:effectLst/>
                           <a:latin typeface="Calibri" panose="020F0502020204030204" pitchFamily="34" charset="0"/>
                           <a:ea typeface="Calibri" panose="020F0502020204030204" pitchFamily="34" charset="0"/>
                           <a:cs typeface="Calibri" panose="020F0502020204030204" pitchFamily="34" charset="0"/>
                         </a:rPr>
-                        <a:t>1 min 10 sec</a:t>
+                        <a:t>1 min 15.67 sec</a:t>
                       </a:r>
-                      <a:endParaRPr lang="en-IN" sz="1200" b="0" i="0" u="none" strike="noStrike" dirty="0">
-                        <a:solidFill>
-                          <a:srgbClr val="000000"/>
-                        </a:solidFill>
-                        <a:effectLst/>
-                        <a:latin typeface="Calibri" panose="020F0502020204030204" pitchFamily="34" charset="0"/>
-                        <a:ea typeface="Calibri" panose="020F0502020204030204" pitchFamily="34" charset="0"/>
-                        <a:cs typeface="Calibri" panose="020F0502020204030204" pitchFamily="34" charset="0"/>
-                      </a:endParaRPr>
-                    </a:p>
-                  </a:txBody>
-                  <a:tcPr marL="7620" marR="7620" marT="7620" marB="0" anchor="b"/>
-                </a:tc>
-                <a:tc>
-                  <a:txBody>
-                    <a:bodyPr/>
-                    <a:lstStyle/>
-                    <a:p>
-                      <a:pPr algn="l" fontAlgn="b"/>
-                      <a:r>
-                        <a:rPr lang="en-IN" sz="1200" u="none" strike="noStrike" dirty="0">
-                          <a:effectLst/>
-                          <a:latin typeface="Calibri" panose="020F0502020204030204" pitchFamily="34" charset="0"/>
-                          <a:ea typeface="Calibri" panose="020F0502020204030204" pitchFamily="34" charset="0"/>
-                          <a:cs typeface="Calibri" panose="020F0502020204030204" pitchFamily="34" charset="0"/>
-                        </a:rPr>
-                        <a:t>1 min 11.33 sec</a:t>
-                      </a:r>
-                      <a:endParaRPr lang="en-IN" sz="1200" b="0" i="0" u="none" strike="noStrike" dirty="0">
+                      <a:endParaRPr lang="en-IN" sz="1400" b="0" i="0" u="none" strike="noStrike" dirty="0">
                         <a:solidFill>
                           <a:srgbClr val="000000"/>
                         </a:solidFill>
@@ -7770,14 +7740,14 @@
           <p:nvPr>
             <p:extLst>
               <p:ext uri="{D42A27DB-BD31-4B8C-83A1-F6EECF244321}">
-                <p14:modId xmlns:p14="http://schemas.microsoft.com/office/powerpoint/2010/main" val="3490102269"/>
+                <p14:modId xmlns:p14="http://schemas.microsoft.com/office/powerpoint/2010/main" val="1257151872"/>
               </p:ext>
             </p:extLst>
           </p:nvPr>
         </p:nvGraphicFramePr>
         <p:xfrm>
           <a:off x="791851" y="3429000"/>
-          <a:ext cx="8663235" cy="1406950"/>
+          <a:ext cx="9012024" cy="1708782"/>
         </p:xfrm>
         <a:graphic>
           <a:graphicData uri="http://schemas.openxmlformats.org/drawingml/2006/table">
@@ -7786,42 +7756,42 @@
                 <a:tableStyleId>{5C22544A-7EE6-4342-B048-85BDC9FD1C3A}</a:tableStyleId>
               </a:tblPr>
               <a:tblGrid>
-                <a:gridCol w="1119478">
+                <a:gridCol w="1164549">
                   <a:extLst>
                     <a:ext uri="{9D8B030D-6E8A-4147-A177-3AD203B41FA5}">
                       <a16:colId xmlns:a16="http://schemas.microsoft.com/office/drawing/2014/main" val="2366857193"/>
                     </a:ext>
                   </a:extLst>
                 </a:gridCol>
-                <a:gridCol w="1119478">
+                <a:gridCol w="1164549">
                   <a:extLst>
                     <a:ext uri="{9D8B030D-6E8A-4147-A177-3AD203B41FA5}">
                       <a16:colId xmlns:a16="http://schemas.microsoft.com/office/drawing/2014/main" val="2954010600"/>
                     </a:ext>
                   </a:extLst>
                 </a:gridCol>
-                <a:gridCol w="1055872">
+                <a:gridCol w="1098382">
                   <a:extLst>
                     <a:ext uri="{9D8B030D-6E8A-4147-A177-3AD203B41FA5}">
                       <a16:colId xmlns:a16="http://schemas.microsoft.com/office/drawing/2014/main" val="2279645877"/>
                     </a:ext>
                   </a:extLst>
                 </a:gridCol>
-                <a:gridCol w="1424791">
+                <a:gridCol w="1482154">
                   <a:extLst>
                     <a:ext uri="{9D8B030D-6E8A-4147-A177-3AD203B41FA5}">
                       <a16:colId xmlns:a16="http://schemas.microsoft.com/office/drawing/2014/main" val="3543043927"/>
                     </a:ext>
                   </a:extLst>
                 </a:gridCol>
-                <a:gridCol w="1747169">
+                <a:gridCol w="1817512">
                   <a:extLst>
                     <a:ext uri="{9D8B030D-6E8A-4147-A177-3AD203B41FA5}">
                       <a16:colId xmlns:a16="http://schemas.microsoft.com/office/drawing/2014/main" val="3504402642"/>
                     </a:ext>
                   </a:extLst>
                 </a:gridCol>
-                <a:gridCol w="2196447">
+                <a:gridCol w="2284878">
                   <a:extLst>
                     <a:ext uri="{9D8B030D-6E8A-4147-A177-3AD203B41FA5}">
                       <a16:colId xmlns:a16="http://schemas.microsoft.com/office/drawing/2014/main" val="3873807251"/>
@@ -7837,17 +7807,22 @@
                     <a:p>
                       <a:pPr algn="ctr" fontAlgn="ctr"/>
                       <a:r>
-                        <a:rPr lang="en-IN" sz="1100" u="none" strike="noStrike">
+                        <a:rPr lang="en-IN" sz="1400" u="none" strike="noStrike">
                           <a:effectLst/>
+                          <a:latin typeface="Calibri" panose="020F0502020204030204" pitchFamily="34" charset="0"/>
+                          <a:ea typeface="Calibri" panose="020F0502020204030204" pitchFamily="34" charset="0"/>
+                          <a:cs typeface="Calibri" panose="020F0502020204030204" pitchFamily="34" charset="0"/>
                         </a:rPr>
                         <a:t>Amazon Athena</a:t>
                       </a:r>
-                      <a:endParaRPr lang="en-IN" sz="1100" b="0" i="0" u="none" strike="noStrike">
+                      <a:endParaRPr lang="en-IN" sz="1400" b="0" i="0" u="none" strike="noStrike">
                         <a:solidFill>
                           <a:srgbClr val="000000"/>
                         </a:solidFill>
                         <a:effectLst/>
                         <a:latin typeface="Calibri" panose="020F0502020204030204" pitchFamily="34" charset="0"/>
+                        <a:ea typeface="Calibri" panose="020F0502020204030204" pitchFamily="34" charset="0"/>
+                        <a:cs typeface="Calibri" panose="020F0502020204030204" pitchFamily="34" charset="0"/>
                       </a:endParaRPr>
                     </a:p>
                   </a:txBody>
@@ -7860,17 +7835,22 @@
                     <a:p>
                       <a:pPr algn="ctr" fontAlgn="ctr"/>
                       <a:r>
-                        <a:rPr lang="en-IN" sz="1100" u="none" strike="noStrike">
+                        <a:rPr lang="en-IN" sz="1400" u="none" strike="noStrike">
                           <a:effectLst/>
+                          <a:latin typeface="Calibri" panose="020F0502020204030204" pitchFamily="34" charset="0"/>
+                          <a:ea typeface="Calibri" panose="020F0502020204030204" pitchFamily="34" charset="0"/>
+                          <a:cs typeface="Calibri" panose="020F0502020204030204" pitchFamily="34" charset="0"/>
                         </a:rPr>
                         <a:t>Run</a:t>
                       </a:r>
-                      <a:endParaRPr lang="en-IN" sz="1100" b="0" i="0" u="none" strike="noStrike">
+                      <a:endParaRPr lang="en-IN" sz="1400" b="0" i="0" u="none" strike="noStrike">
                         <a:solidFill>
                           <a:srgbClr val="000000"/>
                         </a:solidFill>
                         <a:effectLst/>
                         <a:latin typeface="Calibri" panose="020F0502020204030204" pitchFamily="34" charset="0"/>
+                        <a:ea typeface="Calibri" panose="020F0502020204030204" pitchFamily="34" charset="0"/>
+                        <a:cs typeface="Calibri" panose="020F0502020204030204" pitchFamily="34" charset="0"/>
                       </a:endParaRPr>
                     </a:p>
                   </a:txBody>
@@ -7883,17 +7863,22 @@
                     <a:p>
                       <a:pPr algn="ctr" fontAlgn="ctr"/>
                       <a:r>
-                        <a:rPr lang="en-IN" sz="1100" u="none" strike="noStrike">
+                        <a:rPr lang="en-IN" sz="1400" u="none" strike="noStrike">
                           <a:effectLst/>
+                          <a:latin typeface="Calibri" panose="020F0502020204030204" pitchFamily="34" charset="0"/>
+                          <a:ea typeface="Calibri" panose="020F0502020204030204" pitchFamily="34" charset="0"/>
+                          <a:cs typeface="Calibri" panose="020F0502020204030204" pitchFamily="34" charset="0"/>
                         </a:rPr>
                         <a:t>Time in Queue</a:t>
                       </a:r>
-                      <a:endParaRPr lang="en-IN" sz="1100" b="0" i="0" u="none" strike="noStrike">
+                      <a:endParaRPr lang="en-IN" sz="1400" b="0" i="0" u="none" strike="noStrike">
                         <a:solidFill>
                           <a:srgbClr val="000000"/>
                         </a:solidFill>
                         <a:effectLst/>
                         <a:latin typeface="Calibri" panose="020F0502020204030204" pitchFamily="34" charset="0"/>
+                        <a:ea typeface="Calibri" panose="020F0502020204030204" pitchFamily="34" charset="0"/>
+                        <a:cs typeface="Calibri" panose="020F0502020204030204" pitchFamily="34" charset="0"/>
                       </a:endParaRPr>
                     </a:p>
                   </a:txBody>
@@ -7906,17 +7891,22 @@
                     <a:p>
                       <a:pPr algn="ctr" fontAlgn="ctr"/>
                       <a:r>
-                        <a:rPr lang="en-IN" sz="1100" u="none" strike="noStrike" dirty="0">
+                        <a:rPr lang="en-IN" sz="1400" u="none" strike="noStrike" dirty="0">
                           <a:effectLst/>
+                          <a:latin typeface="Calibri" panose="020F0502020204030204" pitchFamily="34" charset="0"/>
+                          <a:ea typeface="Calibri" panose="020F0502020204030204" pitchFamily="34" charset="0"/>
+                          <a:cs typeface="Calibri" panose="020F0502020204030204" pitchFamily="34" charset="0"/>
                         </a:rPr>
                         <a:t>Run Time</a:t>
                       </a:r>
-                      <a:endParaRPr lang="en-IN" sz="1100" b="0" i="0" u="none" strike="noStrike" dirty="0">
+                      <a:endParaRPr lang="en-IN" sz="1400" b="0" i="0" u="none" strike="noStrike" dirty="0">
                         <a:solidFill>
                           <a:srgbClr val="000000"/>
                         </a:solidFill>
                         <a:effectLst/>
                         <a:latin typeface="Calibri" panose="020F0502020204030204" pitchFamily="34" charset="0"/>
+                        <a:ea typeface="Calibri" panose="020F0502020204030204" pitchFamily="34" charset="0"/>
+                        <a:cs typeface="Calibri" panose="020F0502020204030204" pitchFamily="34" charset="0"/>
                       </a:endParaRPr>
                     </a:p>
                   </a:txBody>
@@ -7929,17 +7919,22 @@
                     <a:p>
                       <a:pPr algn="ctr" fontAlgn="ctr"/>
                       <a:r>
-                        <a:rPr lang="en-IN" sz="1100" u="none" strike="noStrike">
+                        <a:rPr lang="en-IN" sz="1400" u="none" strike="noStrike">
                           <a:effectLst/>
+                          <a:latin typeface="Calibri" panose="020F0502020204030204" pitchFamily="34" charset="0"/>
+                          <a:ea typeface="Calibri" panose="020F0502020204030204" pitchFamily="34" charset="0"/>
+                          <a:cs typeface="Calibri" panose="020F0502020204030204" pitchFamily="34" charset="0"/>
                         </a:rPr>
                         <a:t>Data Scanned</a:t>
                       </a:r>
-                      <a:endParaRPr lang="en-IN" sz="1100" b="0" i="0" u="none" strike="noStrike">
+                      <a:endParaRPr lang="en-IN" sz="1400" b="0" i="0" u="none" strike="noStrike">
                         <a:solidFill>
                           <a:srgbClr val="000000"/>
                         </a:solidFill>
                         <a:effectLst/>
                         <a:latin typeface="Calibri" panose="020F0502020204030204" pitchFamily="34" charset="0"/>
+                        <a:ea typeface="Calibri" panose="020F0502020204030204" pitchFamily="34" charset="0"/>
+                        <a:cs typeface="Calibri" panose="020F0502020204030204" pitchFamily="34" charset="0"/>
                       </a:endParaRPr>
                     </a:p>
                   </a:txBody>
@@ -7952,17 +7947,22 @@
                     <a:p>
                       <a:pPr algn="l" fontAlgn="b"/>
                       <a:r>
-                        <a:rPr lang="en-IN" sz="1100" u="none" strike="noStrike">
+                        <a:rPr lang="en-IN" sz="1400" u="none" strike="noStrike">
                           <a:effectLst/>
+                          <a:latin typeface="Calibri" panose="020F0502020204030204" pitchFamily="34" charset="0"/>
+                          <a:ea typeface="Calibri" panose="020F0502020204030204" pitchFamily="34" charset="0"/>
+                          <a:cs typeface="Calibri" panose="020F0502020204030204" pitchFamily="34" charset="0"/>
                         </a:rPr>
                         <a:t>Average Execution Time</a:t>
                       </a:r>
-                      <a:endParaRPr lang="en-IN" sz="1100" b="0" i="0" u="none" strike="noStrike">
+                      <a:endParaRPr lang="en-IN" sz="1400" b="0" i="0" u="none" strike="noStrike">
                         <a:solidFill>
                           <a:srgbClr val="000000"/>
                         </a:solidFill>
                         <a:effectLst/>
                         <a:latin typeface="Calibri" panose="020F0502020204030204" pitchFamily="34" charset="0"/>
+                        <a:ea typeface="Calibri" panose="020F0502020204030204" pitchFamily="34" charset="0"/>
+                        <a:cs typeface="Calibri" panose="020F0502020204030204" pitchFamily="34" charset="0"/>
                       </a:endParaRPr>
                     </a:p>
                   </a:txBody>
@@ -7974,7 +7974,7 @@
                   </a:ext>
                 </a:extLst>
               </a:tr>
-              <a:tr h="194556">
+              <a:tr h="439937">
                 <a:tc vMerge="1">
                   <a:txBody>
                     <a:bodyPr/>
@@ -7992,17 +7992,22 @@
                     <a:p>
                       <a:pPr algn="l" fontAlgn="ctr"/>
                       <a:r>
-                        <a:rPr lang="en-IN" sz="1100" u="none" strike="noStrike">
+                        <a:rPr lang="en-IN" sz="1400" u="none" strike="noStrike">
                           <a:effectLst/>
+                          <a:latin typeface="Calibri" panose="020F0502020204030204" pitchFamily="34" charset="0"/>
+                          <a:ea typeface="Calibri" panose="020F0502020204030204" pitchFamily="34" charset="0"/>
+                          <a:cs typeface="Calibri" panose="020F0502020204030204" pitchFamily="34" charset="0"/>
                         </a:rPr>
                         <a:t>First Execution</a:t>
                       </a:r>
-                      <a:endParaRPr lang="en-IN" sz="1100" b="0" i="0" u="none" strike="noStrike">
+                      <a:endParaRPr lang="en-IN" sz="1400" b="0" i="0" u="none" strike="noStrike">
                         <a:solidFill>
                           <a:srgbClr val="000000"/>
                         </a:solidFill>
                         <a:effectLst/>
                         <a:latin typeface="Calibri" panose="020F0502020204030204" pitchFamily="34" charset="0"/>
+                        <a:ea typeface="Calibri" panose="020F0502020204030204" pitchFamily="34" charset="0"/>
+                        <a:cs typeface="Calibri" panose="020F0502020204030204" pitchFamily="34" charset="0"/>
                       </a:endParaRPr>
                     </a:p>
                   </a:txBody>
@@ -8015,17 +8020,44 @@
                     <a:p>
                       <a:pPr algn="l" fontAlgn="ctr"/>
                       <a:r>
-                        <a:rPr lang="en-IN" sz="1100" u="none" strike="noStrike" dirty="0">
+                        <a:rPr lang="en-IN" sz="1400" b="0" i="0" u="none" strike="noStrike" dirty="0">
+                          <a:solidFill>
+                            <a:srgbClr val="000000"/>
+                          </a:solidFill>
                           <a:effectLst/>
+                          <a:latin typeface="Calibri" panose="020F0502020204030204" pitchFamily="34" charset="0"/>
+                          <a:ea typeface="Calibri" panose="020F0502020204030204" pitchFamily="34" charset="0"/>
+                          <a:cs typeface="Calibri" panose="020F0502020204030204" pitchFamily="34" charset="0"/>
                         </a:rPr>
-                        <a:t>78 ms</a:t>
+                        <a:t>108 ms</a:t>
                       </a:r>
-                      <a:endParaRPr lang="en-IN" sz="1100" b="0" i="0" u="none" strike="noStrike" dirty="0">
+                    </a:p>
+                  </a:txBody>
+                  <a:tcPr marL="7620" marR="7620" marT="7620" marB="0" anchor="ctr"/>
+                </a:tc>
+                <a:tc>
+                  <a:txBody>
+                    <a:bodyPr/>
+                    <a:lstStyle/>
+                    <a:p>
+                      <a:pPr algn="l" fontAlgn="ctr"/>
+                      <a:r>
+                        <a:rPr lang="en-IN" sz="1400" u="none" strike="noStrike" dirty="0">
+                          <a:effectLst/>
+                          <a:latin typeface="Calibri" panose="020F0502020204030204" pitchFamily="34" charset="0"/>
+                          <a:ea typeface="Calibri" panose="020F0502020204030204" pitchFamily="34" charset="0"/>
+                          <a:cs typeface="Calibri" panose="020F0502020204030204" pitchFamily="34" charset="0"/>
+                        </a:rPr>
+                        <a:t>456 ms</a:t>
+                      </a:r>
+                      <a:endParaRPr lang="en-IN" sz="1400" b="0" i="0" u="none" strike="noStrike" dirty="0">
                         <a:solidFill>
                           <a:srgbClr val="000000"/>
                         </a:solidFill>
                         <a:effectLst/>
                         <a:latin typeface="Calibri" panose="020F0502020204030204" pitchFamily="34" charset="0"/>
+                        <a:ea typeface="Calibri" panose="020F0502020204030204" pitchFamily="34" charset="0"/>
+                        <a:cs typeface="Calibri" panose="020F0502020204030204" pitchFamily="34" charset="0"/>
                       </a:endParaRPr>
                     </a:p>
                   </a:txBody>
@@ -8038,40 +8070,22 @@
                     <a:p>
                       <a:pPr algn="l" fontAlgn="ctr"/>
                       <a:r>
-                        <a:rPr lang="en-IN" sz="1100" u="none" strike="noStrike" dirty="0">
+                        <a:rPr lang="en-IN" sz="1400" u="none" strike="noStrike" dirty="0">
                           <a:effectLst/>
+                          <a:latin typeface="Calibri" panose="020F0502020204030204" pitchFamily="34" charset="0"/>
+                          <a:ea typeface="Calibri" panose="020F0502020204030204" pitchFamily="34" charset="0"/>
+                          <a:cs typeface="Calibri" panose="020F0502020204030204" pitchFamily="34" charset="0"/>
                         </a:rPr>
-                        <a:t>769 ms</a:t>
+                        <a:t>29.79 KB</a:t>
                       </a:r>
-                      <a:endParaRPr lang="en-IN" sz="1100" b="0" i="0" u="none" strike="noStrike" dirty="0">
+                      <a:endParaRPr lang="en-IN" sz="1400" b="0" i="0" u="none" strike="noStrike" dirty="0">
                         <a:solidFill>
                           <a:srgbClr val="000000"/>
                         </a:solidFill>
                         <a:effectLst/>
                         <a:latin typeface="Calibri" panose="020F0502020204030204" pitchFamily="34" charset="0"/>
-                      </a:endParaRPr>
-                    </a:p>
-                  </a:txBody>
-                  <a:tcPr marL="7620" marR="7620" marT="7620" marB="0" anchor="ctr"/>
-                </a:tc>
-                <a:tc>
-                  <a:txBody>
-                    <a:bodyPr/>
-                    <a:lstStyle/>
-                    <a:p>
-                      <a:pPr algn="l" fontAlgn="ctr"/>
-                      <a:r>
-                        <a:rPr lang="en-IN" sz="1100" u="none" strike="noStrike">
-                          <a:effectLst/>
-                        </a:rPr>
-                        <a:t>29.15 KB</a:t>
-                      </a:r>
-                      <a:endParaRPr lang="en-IN" sz="1100" b="0" i="0" u="none" strike="noStrike">
-                        <a:solidFill>
-                          <a:srgbClr val="000000"/>
-                        </a:solidFill>
-                        <a:effectLst/>
-                        <a:latin typeface="Calibri" panose="020F0502020204030204" pitchFamily="34" charset="0"/>
+                        <a:ea typeface="Calibri" panose="020F0502020204030204" pitchFamily="34" charset="0"/>
+                        <a:cs typeface="Calibri" panose="020F0502020204030204" pitchFamily="34" charset="0"/>
                       </a:endParaRPr>
                     </a:p>
                   </a:txBody>
@@ -8084,39 +8098,56 @@
                     <a:p>
                       <a:pPr algn="l" fontAlgn="ctr"/>
                       <a:r>
-                        <a:rPr lang="en-US" sz="1100" u="none" strike="noStrike">
+                        <a:rPr lang="en-US" sz="1400" u="none" strike="noStrike" dirty="0">
                           <a:effectLst/>
+                          <a:latin typeface="Calibri" panose="020F0502020204030204" pitchFamily="34" charset="0"/>
+                          <a:ea typeface="Calibri" panose="020F0502020204030204" pitchFamily="34" charset="0"/>
+                          <a:cs typeface="Calibri" panose="020F0502020204030204" pitchFamily="34" charset="0"/>
                         </a:rPr>
-                        <a:t>Average Run Time: 582.5 ms</a:t>
+                        <a:t>Average Run Time: 547.33 ms</a:t>
                       </a:r>
                       <a:br>
-                        <a:rPr lang="en-US" sz="1100" u="none" strike="noStrike">
+                        <a:rPr lang="en-US" sz="1400" u="none" strike="noStrike" dirty="0">
                           <a:effectLst/>
+                          <a:latin typeface="Calibri" panose="020F0502020204030204" pitchFamily="34" charset="0"/>
+                          <a:ea typeface="Calibri" panose="020F0502020204030204" pitchFamily="34" charset="0"/>
+                          <a:cs typeface="Calibri" panose="020F0502020204030204" pitchFamily="34" charset="0"/>
                         </a:rPr>
                       </a:br>
                       <a:r>
-                        <a:rPr lang="en-US" sz="1100" u="none" strike="noStrike">
+                        <a:rPr lang="en-US" sz="1400" u="none" strike="noStrike" dirty="0">
                           <a:effectLst/>
+                          <a:latin typeface="Calibri" panose="020F0502020204030204" pitchFamily="34" charset="0"/>
+                          <a:ea typeface="Calibri" panose="020F0502020204030204" pitchFamily="34" charset="0"/>
+                          <a:cs typeface="Calibri" panose="020F0502020204030204" pitchFamily="34" charset="0"/>
                         </a:rPr>
-                        <a:t>Average Time in Queue: 95 ms</a:t>
+                        <a:t>Average Time in Queue: 83 ms</a:t>
                       </a:r>
                       <a:br>
-                        <a:rPr lang="en-US" sz="1100" u="none" strike="noStrike">
+                        <a:rPr lang="en-US" sz="1400" u="none" strike="noStrike" dirty="0">
                           <a:effectLst/>
+                          <a:latin typeface="Calibri" panose="020F0502020204030204" pitchFamily="34" charset="0"/>
+                          <a:ea typeface="Calibri" panose="020F0502020204030204" pitchFamily="34" charset="0"/>
+                          <a:cs typeface="Calibri" panose="020F0502020204030204" pitchFamily="34" charset="0"/>
                         </a:rPr>
                       </a:br>
                       <a:r>
-                        <a:rPr lang="en-US" sz="1100" u="none" strike="noStrike">
+                        <a:rPr lang="en-US" sz="1400" u="none" strike="noStrike" dirty="0">
                           <a:effectLst/>
+                          <a:latin typeface="Calibri" panose="020F0502020204030204" pitchFamily="34" charset="0"/>
+                          <a:ea typeface="Calibri" panose="020F0502020204030204" pitchFamily="34" charset="0"/>
+                          <a:cs typeface="Calibri" panose="020F0502020204030204" pitchFamily="34" charset="0"/>
                         </a:rPr>
                         <a:t>Total Data Scanned: 58.3 KB</a:t>
                       </a:r>
-                      <a:endParaRPr lang="en-US" sz="1100" b="0" i="0" u="none" strike="noStrike">
+                      <a:endParaRPr lang="en-US" sz="1400" b="0" i="0" u="none" strike="noStrike" dirty="0">
                         <a:solidFill>
                           <a:srgbClr val="000000"/>
                         </a:solidFill>
                         <a:effectLst/>
                         <a:latin typeface="Calibri" panose="020F0502020204030204" pitchFamily="34" charset="0"/>
+                        <a:ea typeface="Calibri" panose="020F0502020204030204" pitchFamily="34" charset="0"/>
+                        <a:cs typeface="Calibri" panose="020F0502020204030204" pitchFamily="34" charset="0"/>
                       </a:endParaRPr>
                     </a:p>
                   </a:txBody>
@@ -8146,17 +8177,22 @@
                     <a:p>
                       <a:pPr algn="l" fontAlgn="ctr"/>
                       <a:r>
-                        <a:rPr lang="en-IN" sz="1100" u="none" strike="noStrike">
+                        <a:rPr lang="en-IN" sz="1400" u="none" strike="noStrike">
                           <a:effectLst/>
+                          <a:latin typeface="Calibri" panose="020F0502020204030204" pitchFamily="34" charset="0"/>
+                          <a:ea typeface="Calibri" panose="020F0502020204030204" pitchFamily="34" charset="0"/>
+                          <a:cs typeface="Calibri" panose="020F0502020204030204" pitchFamily="34" charset="0"/>
                         </a:rPr>
                         <a:t>Second Execution</a:t>
                       </a:r>
-                      <a:endParaRPr lang="en-IN" sz="1100" b="0" i="0" u="none" strike="noStrike">
+                      <a:endParaRPr lang="en-IN" sz="1400" b="0" i="0" u="none" strike="noStrike">
                         <a:solidFill>
                           <a:srgbClr val="000000"/>
                         </a:solidFill>
                         <a:effectLst/>
                         <a:latin typeface="Calibri" panose="020F0502020204030204" pitchFamily="34" charset="0"/>
+                        <a:ea typeface="Calibri" panose="020F0502020204030204" pitchFamily="34" charset="0"/>
+                        <a:cs typeface="Calibri" panose="020F0502020204030204" pitchFamily="34" charset="0"/>
                       </a:endParaRPr>
                     </a:p>
                   </a:txBody>
@@ -8169,17 +8205,44 @@
                     <a:p>
                       <a:pPr algn="l" fontAlgn="ctr"/>
                       <a:r>
-                        <a:rPr lang="en-IN" sz="1100" u="none" strike="noStrike" dirty="0">
+                        <a:rPr lang="en-IN" sz="1400" b="0" i="0" u="none" strike="noStrike" dirty="0">
+                          <a:solidFill>
+                            <a:srgbClr val="000000"/>
+                          </a:solidFill>
                           <a:effectLst/>
+                          <a:latin typeface="Calibri" panose="020F0502020204030204" pitchFamily="34" charset="0"/>
+                          <a:ea typeface="Calibri" panose="020F0502020204030204" pitchFamily="34" charset="0"/>
+                          <a:cs typeface="Calibri" panose="020F0502020204030204" pitchFamily="34" charset="0"/>
                         </a:rPr>
-                        <a:t>112 ms</a:t>
+                        <a:t>67 ms</a:t>
                       </a:r>
-                      <a:endParaRPr lang="en-IN" sz="1100" b="0" i="0" u="none" strike="noStrike" dirty="0">
+                    </a:p>
+                  </a:txBody>
+                  <a:tcPr marL="7620" marR="7620" marT="7620" marB="0" anchor="ctr"/>
+                </a:tc>
+                <a:tc>
+                  <a:txBody>
+                    <a:bodyPr/>
+                    <a:lstStyle/>
+                    <a:p>
+                      <a:pPr algn="l" fontAlgn="ctr"/>
+                      <a:r>
+                        <a:rPr lang="en-IN" sz="1400" u="none" strike="noStrike" dirty="0">
+                          <a:effectLst/>
+                          <a:latin typeface="Calibri" panose="020F0502020204030204" pitchFamily="34" charset="0"/>
+                          <a:ea typeface="Calibri" panose="020F0502020204030204" pitchFamily="34" charset="0"/>
+                          <a:cs typeface="Calibri" panose="020F0502020204030204" pitchFamily="34" charset="0"/>
+                        </a:rPr>
+                        <a:t>440 ms</a:t>
+                      </a:r>
+                      <a:endParaRPr lang="en-IN" sz="1400" b="0" i="0" u="none" strike="noStrike" dirty="0">
                         <a:solidFill>
                           <a:srgbClr val="000000"/>
                         </a:solidFill>
                         <a:effectLst/>
                         <a:latin typeface="Calibri" panose="020F0502020204030204" pitchFamily="34" charset="0"/>
+                        <a:ea typeface="Calibri" panose="020F0502020204030204" pitchFamily="34" charset="0"/>
+                        <a:cs typeface="Calibri" panose="020F0502020204030204" pitchFamily="34" charset="0"/>
                       </a:endParaRPr>
                     </a:p>
                   </a:txBody>
@@ -8192,40 +8255,22 @@
                     <a:p>
                       <a:pPr algn="l" fontAlgn="ctr"/>
                       <a:r>
-                        <a:rPr lang="en-IN" sz="1100" u="none" strike="noStrike" dirty="0">
+                        <a:rPr lang="en-IN" sz="1400" u="none" strike="noStrike" dirty="0">
                           <a:effectLst/>
+                          <a:latin typeface="Calibri" panose="020F0502020204030204" pitchFamily="34" charset="0"/>
+                          <a:ea typeface="Calibri" panose="020F0502020204030204" pitchFamily="34" charset="0"/>
+                          <a:cs typeface="Calibri" panose="020F0502020204030204" pitchFamily="34" charset="0"/>
                         </a:rPr>
-                        <a:t>396 ms</a:t>
+                        <a:t>29.79 KB</a:t>
                       </a:r>
-                      <a:endParaRPr lang="en-IN" sz="1100" b="0" i="0" u="none" strike="noStrike" dirty="0">
+                      <a:endParaRPr lang="en-IN" sz="1400" b="0" i="0" u="none" strike="noStrike" dirty="0">
                         <a:solidFill>
                           <a:srgbClr val="000000"/>
                         </a:solidFill>
                         <a:effectLst/>
                         <a:latin typeface="Calibri" panose="020F0502020204030204" pitchFamily="34" charset="0"/>
-                      </a:endParaRPr>
-                    </a:p>
-                  </a:txBody>
-                  <a:tcPr marL="7620" marR="7620" marT="7620" marB="0" anchor="ctr"/>
-                </a:tc>
-                <a:tc>
-                  <a:txBody>
-                    <a:bodyPr/>
-                    <a:lstStyle/>
-                    <a:p>
-                      <a:pPr algn="l" fontAlgn="ctr"/>
-                      <a:r>
-                        <a:rPr lang="en-IN" sz="1100" u="none" strike="noStrike">
-                          <a:effectLst/>
-                        </a:rPr>
-                        <a:t>29.15 KB</a:t>
-                      </a:r>
-                      <a:endParaRPr lang="en-IN" sz="1100" b="0" i="0" u="none" strike="noStrike">
-                        <a:solidFill>
-                          <a:srgbClr val="000000"/>
-                        </a:solidFill>
-                        <a:effectLst/>
-                        <a:latin typeface="Calibri" panose="020F0502020204030204" pitchFamily="34" charset="0"/>
+                        <a:ea typeface="Calibri" panose="020F0502020204030204" pitchFamily="34" charset="0"/>
+                        <a:cs typeface="Calibri" panose="020F0502020204030204" pitchFamily="34" charset="0"/>
                       </a:endParaRPr>
                     </a:p>
                   </a:txBody>
@@ -8265,17 +8310,22 @@
                     <a:p>
                       <a:pPr algn="l" fontAlgn="ctr"/>
                       <a:r>
-                        <a:rPr lang="en-IN" sz="1100" u="none" strike="noStrike">
+                        <a:rPr lang="en-IN" sz="1400" u="none" strike="noStrike">
                           <a:effectLst/>
+                          <a:latin typeface="Calibri" panose="020F0502020204030204" pitchFamily="34" charset="0"/>
+                          <a:ea typeface="Calibri" panose="020F0502020204030204" pitchFamily="34" charset="0"/>
+                          <a:cs typeface="Calibri" panose="020F0502020204030204" pitchFamily="34" charset="0"/>
                         </a:rPr>
                         <a:t>Third Execution</a:t>
                       </a:r>
-                      <a:endParaRPr lang="en-IN" sz="1100" b="0" i="0" u="none" strike="noStrike">
+                      <a:endParaRPr lang="en-IN" sz="1400" b="0" i="0" u="none" strike="noStrike">
                         <a:solidFill>
                           <a:srgbClr val="000000"/>
                         </a:solidFill>
                         <a:effectLst/>
                         <a:latin typeface="Calibri" panose="020F0502020204030204" pitchFamily="34" charset="0"/>
+                        <a:ea typeface="Calibri" panose="020F0502020204030204" pitchFamily="34" charset="0"/>
+                        <a:cs typeface="Calibri" panose="020F0502020204030204" pitchFamily="34" charset="0"/>
                       </a:endParaRPr>
                     </a:p>
                   </a:txBody>
@@ -8288,17 +8338,44 @@
                     <a:p>
                       <a:pPr algn="l" fontAlgn="b"/>
                       <a:r>
-                        <a:rPr lang="en-IN" sz="1100" u="none" strike="noStrike" dirty="0">
+                        <a:rPr lang="en-IN" sz="1400" b="0" i="0" u="none" strike="noStrike" dirty="0">
+                          <a:solidFill>
+                            <a:srgbClr val="000000"/>
+                          </a:solidFill>
                           <a:effectLst/>
+                          <a:latin typeface="Calibri" panose="020F0502020204030204" pitchFamily="34" charset="0"/>
+                          <a:ea typeface="Calibri" panose="020F0502020204030204" pitchFamily="34" charset="0"/>
+                          <a:cs typeface="Calibri" panose="020F0502020204030204" pitchFamily="34" charset="0"/>
                         </a:rPr>
                         <a:t>74 ms</a:t>
                       </a:r>
-                      <a:endParaRPr lang="en-IN" sz="1100" b="0" i="0" u="none" strike="noStrike" dirty="0">
+                    </a:p>
+                  </a:txBody>
+                  <a:tcPr marL="7620" marR="7620" marT="7620" marB="0" anchor="b"/>
+                </a:tc>
+                <a:tc>
+                  <a:txBody>
+                    <a:bodyPr/>
+                    <a:lstStyle/>
+                    <a:p>
+                      <a:pPr algn="l" fontAlgn="b"/>
+                      <a:r>
+                        <a:rPr lang="en-IN" sz="1400" u="none" strike="noStrike" dirty="0">
+                          <a:effectLst/>
+                          <a:latin typeface="Calibri" panose="020F0502020204030204" pitchFamily="34" charset="0"/>
+                          <a:ea typeface="Calibri" panose="020F0502020204030204" pitchFamily="34" charset="0"/>
+                          <a:cs typeface="Calibri" panose="020F0502020204030204" pitchFamily="34" charset="0"/>
+                        </a:rPr>
+                        <a:t>746 ms</a:t>
+                      </a:r>
+                      <a:endParaRPr lang="en-IN" sz="1400" b="0" i="0" u="none" strike="noStrike" dirty="0">
                         <a:solidFill>
                           <a:srgbClr val="000000"/>
                         </a:solidFill>
                         <a:effectLst/>
                         <a:latin typeface="Calibri" panose="020F0502020204030204" pitchFamily="34" charset="0"/>
+                        <a:ea typeface="Calibri" panose="020F0502020204030204" pitchFamily="34" charset="0"/>
+                        <a:cs typeface="Calibri" panose="020F0502020204030204" pitchFamily="34" charset="0"/>
                       </a:endParaRPr>
                     </a:p>
                   </a:txBody>
@@ -8311,40 +8388,22 @@
                     <a:p>
                       <a:pPr algn="l" fontAlgn="b"/>
                       <a:r>
-                        <a:rPr lang="en-IN" sz="1100" u="none" strike="noStrike" dirty="0">
+                        <a:rPr lang="en-IN" sz="1400" u="none" strike="noStrike" dirty="0">
                           <a:effectLst/>
+                          <a:latin typeface="Calibri" panose="020F0502020204030204" pitchFamily="34" charset="0"/>
+                          <a:ea typeface="Calibri" panose="020F0502020204030204" pitchFamily="34" charset="0"/>
+                          <a:cs typeface="Calibri" panose="020F0502020204030204" pitchFamily="34" charset="0"/>
                         </a:rPr>
-                        <a:t>423 ms</a:t>
+                        <a:t>29.79 KB</a:t>
                       </a:r>
-                      <a:endParaRPr lang="en-IN" sz="1100" b="0" i="0" u="none" strike="noStrike" dirty="0">
+                      <a:endParaRPr lang="en-IN" sz="1400" b="0" i="0" u="none" strike="noStrike" dirty="0">
                         <a:solidFill>
                           <a:srgbClr val="000000"/>
                         </a:solidFill>
                         <a:effectLst/>
                         <a:latin typeface="Calibri" panose="020F0502020204030204" pitchFamily="34" charset="0"/>
-                      </a:endParaRPr>
-                    </a:p>
-                  </a:txBody>
-                  <a:tcPr marL="7620" marR="7620" marT="7620" marB="0" anchor="b"/>
-                </a:tc>
-                <a:tc>
-                  <a:txBody>
-                    <a:bodyPr/>
-                    <a:lstStyle/>
-                    <a:p>
-                      <a:pPr algn="l" fontAlgn="b"/>
-                      <a:r>
-                        <a:rPr lang="en-IN" sz="1100" u="none" strike="noStrike" dirty="0">
-                          <a:effectLst/>
-                        </a:rPr>
-                        <a:t>29.15 KB</a:t>
-                      </a:r>
-                      <a:endParaRPr lang="en-IN" sz="1100" b="0" i="0" u="none" strike="noStrike" dirty="0">
-                        <a:solidFill>
-                          <a:srgbClr val="000000"/>
-                        </a:solidFill>
-                        <a:effectLst/>
-                        <a:latin typeface="Calibri" panose="020F0502020204030204" pitchFamily="34" charset="0"/>
+                        <a:ea typeface="Calibri" panose="020F0502020204030204" pitchFamily="34" charset="0"/>
+                        <a:cs typeface="Calibri" panose="020F0502020204030204" pitchFamily="34" charset="0"/>
                       </a:endParaRPr>
                     </a:p>
                   </a:txBody>
@@ -8523,7 +8582,7 @@
             <p:ph idx="1"/>
             <p:extLst>
               <p:ext uri="{D42A27DB-BD31-4B8C-83A1-F6EECF244321}">
-                <p14:modId xmlns:p14="http://schemas.microsoft.com/office/powerpoint/2010/main" val="1741300838"/>
+                <p14:modId xmlns:p14="http://schemas.microsoft.com/office/powerpoint/2010/main" val="634076723"/>
               </p:ext>
             </p:extLst>
           </p:nvPr>
@@ -8583,17 +8642,22 @@
                     <a:p>
                       <a:pPr algn="l" fontAlgn="b"/>
                       <a:r>
-                        <a:rPr lang="en-IN" sz="1100" u="none" strike="noStrike">
+                        <a:rPr lang="en-IN" sz="1400" u="none" strike="noStrike">
                           <a:effectLst/>
+                          <a:latin typeface="Calibri" panose="020F0502020204030204" pitchFamily="34" charset="0"/>
+                          <a:ea typeface="Calibri" panose="020F0502020204030204" pitchFamily="34" charset="0"/>
+                          <a:cs typeface="Calibri" panose="020F0502020204030204" pitchFamily="34" charset="0"/>
                         </a:rPr>
                         <a:t>Execution</a:t>
                       </a:r>
-                      <a:endParaRPr lang="en-IN" sz="1100" b="0" i="0" u="none" strike="noStrike">
+                      <a:endParaRPr lang="en-IN" sz="1400" b="0" i="0" u="none" strike="noStrike">
                         <a:solidFill>
                           <a:srgbClr val="000000"/>
                         </a:solidFill>
                         <a:effectLst/>
                         <a:latin typeface="Calibri" panose="020F0502020204030204" pitchFamily="34" charset="0"/>
+                        <a:ea typeface="Calibri" panose="020F0502020204030204" pitchFamily="34" charset="0"/>
+                        <a:cs typeface="Calibri" panose="020F0502020204030204" pitchFamily="34" charset="0"/>
                       </a:endParaRPr>
                     </a:p>
                   </a:txBody>
@@ -8606,17 +8670,22 @@
                     <a:p>
                       <a:pPr algn="l" fontAlgn="b"/>
                       <a:r>
-                        <a:rPr lang="en-IN" sz="1100" u="none" strike="noStrike">
+                        <a:rPr lang="en-IN" sz="1400" u="none" strike="noStrike">
                           <a:effectLst/>
+                          <a:latin typeface="Calibri" panose="020F0502020204030204" pitchFamily="34" charset="0"/>
+                          <a:ea typeface="Calibri" panose="020F0502020204030204" pitchFamily="34" charset="0"/>
+                          <a:cs typeface="Calibri" panose="020F0502020204030204" pitchFamily="34" charset="0"/>
                         </a:rPr>
                         <a:t>First Execution</a:t>
                       </a:r>
-                      <a:endParaRPr lang="en-IN" sz="1100" b="0" i="0" u="none" strike="noStrike">
+                      <a:endParaRPr lang="en-IN" sz="1400" b="0" i="0" u="none" strike="noStrike">
                         <a:solidFill>
                           <a:srgbClr val="000000"/>
                         </a:solidFill>
                         <a:effectLst/>
                         <a:latin typeface="Calibri" panose="020F0502020204030204" pitchFamily="34" charset="0"/>
+                        <a:ea typeface="Calibri" panose="020F0502020204030204" pitchFamily="34" charset="0"/>
+                        <a:cs typeface="Calibri" panose="020F0502020204030204" pitchFamily="34" charset="0"/>
                       </a:endParaRPr>
                     </a:p>
                   </a:txBody>
@@ -8629,17 +8698,22 @@
                     <a:p>
                       <a:pPr algn="l" fontAlgn="b"/>
                       <a:r>
-                        <a:rPr lang="en-IN" sz="1100" u="none" strike="noStrike">
+                        <a:rPr lang="en-IN" sz="1400" u="none" strike="noStrike">
                           <a:effectLst/>
+                          <a:latin typeface="Calibri" panose="020F0502020204030204" pitchFamily="34" charset="0"/>
+                          <a:ea typeface="Calibri" panose="020F0502020204030204" pitchFamily="34" charset="0"/>
+                          <a:cs typeface="Calibri" panose="020F0502020204030204" pitchFamily="34" charset="0"/>
                         </a:rPr>
                         <a:t>Second Execution</a:t>
                       </a:r>
-                      <a:endParaRPr lang="en-IN" sz="1100" b="0" i="0" u="none" strike="noStrike">
+                      <a:endParaRPr lang="en-IN" sz="1400" b="0" i="0" u="none" strike="noStrike">
                         <a:solidFill>
                           <a:srgbClr val="000000"/>
                         </a:solidFill>
                         <a:effectLst/>
                         <a:latin typeface="Calibri" panose="020F0502020204030204" pitchFamily="34" charset="0"/>
+                        <a:ea typeface="Calibri" panose="020F0502020204030204" pitchFamily="34" charset="0"/>
+                        <a:cs typeface="Calibri" panose="020F0502020204030204" pitchFamily="34" charset="0"/>
                       </a:endParaRPr>
                     </a:p>
                   </a:txBody>
@@ -8652,17 +8726,22 @@
                     <a:p>
                       <a:pPr algn="l" fontAlgn="b"/>
                       <a:r>
-                        <a:rPr lang="en-IN" sz="1100" u="none" strike="noStrike">
+                        <a:rPr lang="en-IN" sz="1400" u="none" strike="noStrike">
                           <a:effectLst/>
+                          <a:latin typeface="Calibri" panose="020F0502020204030204" pitchFamily="34" charset="0"/>
+                          <a:ea typeface="Calibri" panose="020F0502020204030204" pitchFamily="34" charset="0"/>
+                          <a:cs typeface="Calibri" panose="020F0502020204030204" pitchFamily="34" charset="0"/>
                         </a:rPr>
                         <a:t>Third Execution</a:t>
                       </a:r>
-                      <a:endParaRPr lang="en-IN" sz="1100" b="0" i="0" u="none" strike="noStrike">
+                      <a:endParaRPr lang="en-IN" sz="1400" b="0" i="0" u="none" strike="noStrike">
                         <a:solidFill>
                           <a:srgbClr val="000000"/>
                         </a:solidFill>
                         <a:effectLst/>
                         <a:latin typeface="Calibri" panose="020F0502020204030204" pitchFamily="34" charset="0"/>
+                        <a:ea typeface="Calibri" panose="020F0502020204030204" pitchFamily="34" charset="0"/>
+                        <a:cs typeface="Calibri" panose="020F0502020204030204" pitchFamily="34" charset="0"/>
                       </a:endParaRPr>
                     </a:p>
                   </a:txBody>
@@ -8675,17 +8754,22 @@
                     <a:p>
                       <a:pPr algn="l" fontAlgn="b"/>
                       <a:r>
-                        <a:rPr lang="en-IN" sz="1100" u="none" strike="noStrike">
+                        <a:rPr lang="en-IN" sz="1400" u="none" strike="noStrike">
                           <a:effectLst/>
+                          <a:latin typeface="Calibri" panose="020F0502020204030204" pitchFamily="34" charset="0"/>
+                          <a:ea typeface="Calibri" panose="020F0502020204030204" pitchFamily="34" charset="0"/>
+                          <a:cs typeface="Calibri" panose="020F0502020204030204" pitchFamily="34" charset="0"/>
                         </a:rPr>
                         <a:t>Average Execution Time</a:t>
                       </a:r>
-                      <a:endParaRPr lang="en-IN" sz="1100" b="0" i="0" u="none" strike="noStrike">
+                      <a:endParaRPr lang="en-IN" sz="1400" b="0" i="0" u="none" strike="noStrike">
                         <a:solidFill>
                           <a:srgbClr val="000000"/>
                         </a:solidFill>
                         <a:effectLst/>
                         <a:latin typeface="Calibri" panose="020F0502020204030204" pitchFamily="34" charset="0"/>
+                        <a:ea typeface="Calibri" panose="020F0502020204030204" pitchFamily="34" charset="0"/>
+                        <a:cs typeface="Calibri" panose="020F0502020204030204" pitchFamily="34" charset="0"/>
                       </a:endParaRPr>
                     </a:p>
                   </a:txBody>
@@ -8705,17 +8789,22 @@
                     <a:p>
                       <a:pPr algn="l" fontAlgn="b"/>
                       <a:r>
-                        <a:rPr lang="en-IN" sz="1100" u="none" strike="noStrike" dirty="0">
+                        <a:rPr lang="en-IN" sz="1400" u="none" strike="noStrike" dirty="0">
                           <a:effectLst/>
+                          <a:latin typeface="Calibri" panose="020F0502020204030204" pitchFamily="34" charset="0"/>
+                          <a:ea typeface="Calibri" panose="020F0502020204030204" pitchFamily="34" charset="0"/>
+                          <a:cs typeface="Calibri" panose="020F0502020204030204" pitchFamily="34" charset="0"/>
                         </a:rPr>
                         <a:t>AWS Glue</a:t>
                       </a:r>
-                      <a:endParaRPr lang="en-IN" sz="1100" b="0" i="0" u="none" strike="noStrike" dirty="0">
+                      <a:endParaRPr lang="en-IN" sz="1400" b="0" i="0" u="none" strike="noStrike" dirty="0">
                         <a:solidFill>
                           <a:srgbClr val="000000"/>
                         </a:solidFill>
                         <a:effectLst/>
                         <a:latin typeface="Calibri" panose="020F0502020204030204" pitchFamily="34" charset="0"/>
+                        <a:ea typeface="Calibri" panose="020F0502020204030204" pitchFamily="34" charset="0"/>
+                        <a:cs typeface="Calibri" panose="020F0502020204030204" pitchFamily="34" charset="0"/>
                       </a:endParaRPr>
                     </a:p>
                   </a:txBody>
@@ -8728,17 +8817,22 @@
                     <a:p>
                       <a:pPr algn="l" fontAlgn="b"/>
                       <a:r>
-                        <a:rPr lang="en-IN" sz="1100" u="none" strike="noStrike">
+                        <a:rPr lang="en-IN" sz="1400" u="none" strike="noStrike" dirty="0">
                           <a:effectLst/>
+                          <a:latin typeface="Calibri" panose="020F0502020204030204" pitchFamily="34" charset="0"/>
+                          <a:ea typeface="Calibri" panose="020F0502020204030204" pitchFamily="34" charset="0"/>
+                          <a:cs typeface="Calibri" panose="020F0502020204030204" pitchFamily="34" charset="0"/>
                         </a:rPr>
-                        <a:t>1 min 48 sec</a:t>
+                        <a:t>1 min 36 sec</a:t>
                       </a:r>
-                      <a:endParaRPr lang="en-IN" sz="1100" b="0" i="0" u="none" strike="noStrike">
+                      <a:endParaRPr lang="en-IN" sz="1400" b="0" i="0" u="none" strike="noStrike" dirty="0">
                         <a:solidFill>
                           <a:srgbClr val="000000"/>
                         </a:solidFill>
                         <a:effectLst/>
                         <a:latin typeface="Calibri" panose="020F0502020204030204" pitchFamily="34" charset="0"/>
+                        <a:ea typeface="Calibri" panose="020F0502020204030204" pitchFamily="34" charset="0"/>
+                        <a:cs typeface="Calibri" panose="020F0502020204030204" pitchFamily="34" charset="0"/>
                       </a:endParaRPr>
                     </a:p>
                   </a:txBody>
@@ -8751,17 +8845,22 @@
                     <a:p>
                       <a:pPr algn="l" fontAlgn="b"/>
                       <a:r>
-                        <a:rPr lang="en-IN" sz="1100" u="none" strike="noStrike">
+                        <a:rPr lang="en-IN" sz="1400" u="none" strike="noStrike" dirty="0">
                           <a:effectLst/>
+                          <a:latin typeface="Calibri" panose="020F0502020204030204" pitchFamily="34" charset="0"/>
+                          <a:ea typeface="Calibri" panose="020F0502020204030204" pitchFamily="34" charset="0"/>
+                          <a:cs typeface="Calibri" panose="020F0502020204030204" pitchFamily="34" charset="0"/>
                         </a:rPr>
-                        <a:t>1 min 42 sec</a:t>
+                        <a:t>1 min 27 sec</a:t>
                       </a:r>
-                      <a:endParaRPr lang="en-IN" sz="1100" b="0" i="0" u="none" strike="noStrike">
+                      <a:endParaRPr lang="en-IN" sz="1400" b="0" i="0" u="none" strike="noStrike" dirty="0">
                         <a:solidFill>
                           <a:srgbClr val="000000"/>
                         </a:solidFill>
                         <a:effectLst/>
                         <a:latin typeface="Calibri" panose="020F0502020204030204" pitchFamily="34" charset="0"/>
+                        <a:ea typeface="Calibri" panose="020F0502020204030204" pitchFamily="34" charset="0"/>
+                        <a:cs typeface="Calibri" panose="020F0502020204030204" pitchFamily="34" charset="0"/>
                       </a:endParaRPr>
                     </a:p>
                   </a:txBody>
@@ -8774,17 +8873,22 @@
                     <a:p>
                       <a:pPr algn="l" fontAlgn="b"/>
                       <a:r>
-                        <a:rPr lang="en-IN" sz="1100" u="none" strike="noStrike">
+                        <a:rPr lang="en-IN" sz="1400" u="none" strike="noStrike" dirty="0">
                           <a:effectLst/>
+                          <a:latin typeface="Calibri" panose="020F0502020204030204" pitchFamily="34" charset="0"/>
+                          <a:ea typeface="Calibri" panose="020F0502020204030204" pitchFamily="34" charset="0"/>
+                          <a:cs typeface="Calibri" panose="020F0502020204030204" pitchFamily="34" charset="0"/>
                         </a:rPr>
-                        <a:t>1 min 38 sec</a:t>
+                        <a:t>1 min 32 sec</a:t>
                       </a:r>
-                      <a:endParaRPr lang="en-IN" sz="1100" b="0" i="0" u="none" strike="noStrike">
+                      <a:endParaRPr lang="en-IN" sz="1400" b="0" i="0" u="none" strike="noStrike" dirty="0">
                         <a:solidFill>
                           <a:srgbClr val="000000"/>
                         </a:solidFill>
                         <a:effectLst/>
                         <a:latin typeface="Calibri" panose="020F0502020204030204" pitchFamily="34" charset="0"/>
+                        <a:ea typeface="Calibri" panose="020F0502020204030204" pitchFamily="34" charset="0"/>
+                        <a:cs typeface="Calibri" panose="020F0502020204030204" pitchFamily="34" charset="0"/>
                       </a:endParaRPr>
                     </a:p>
                   </a:txBody>
@@ -8797,17 +8901,22 @@
                     <a:p>
                       <a:pPr algn="l" fontAlgn="b"/>
                       <a:r>
-                        <a:rPr lang="en-IN" sz="1100" u="none" strike="noStrike">
+                        <a:rPr lang="en-IN" sz="1400" u="none" strike="noStrike" dirty="0">
                           <a:effectLst/>
+                          <a:latin typeface="Calibri" panose="020F0502020204030204" pitchFamily="34" charset="0"/>
+                          <a:ea typeface="Calibri" panose="020F0502020204030204" pitchFamily="34" charset="0"/>
+                          <a:cs typeface="Calibri" panose="020F0502020204030204" pitchFamily="34" charset="0"/>
                         </a:rPr>
-                        <a:t>1 min 42.67 sec</a:t>
+                        <a:t>1 min 31.67 sec</a:t>
                       </a:r>
-                      <a:endParaRPr lang="en-IN" sz="1100" b="0" i="0" u="none" strike="noStrike">
+                      <a:endParaRPr lang="en-IN" sz="1400" b="0" i="0" u="none" strike="noStrike" dirty="0">
                         <a:solidFill>
                           <a:srgbClr val="000000"/>
                         </a:solidFill>
                         <a:effectLst/>
                         <a:latin typeface="Calibri" panose="020F0502020204030204" pitchFamily="34" charset="0"/>
+                        <a:ea typeface="Calibri" panose="020F0502020204030204" pitchFamily="34" charset="0"/>
+                        <a:cs typeface="Calibri" panose="020F0502020204030204" pitchFamily="34" charset="0"/>
                       </a:endParaRPr>
                     </a:p>
                   </a:txBody>
@@ -8827,17 +8936,22 @@
                     <a:p>
                       <a:pPr algn="l" fontAlgn="b"/>
                       <a:r>
-                        <a:rPr lang="en-IN" sz="1100" u="none" strike="noStrike">
+                        <a:rPr lang="en-IN" sz="1400" u="none" strike="noStrike">
                           <a:effectLst/>
+                          <a:latin typeface="Calibri" panose="020F0502020204030204" pitchFamily="34" charset="0"/>
+                          <a:ea typeface="Calibri" panose="020F0502020204030204" pitchFamily="34" charset="0"/>
+                          <a:cs typeface="Calibri" panose="020F0502020204030204" pitchFamily="34" charset="0"/>
                         </a:rPr>
                         <a:t>AWS Glue Crawler</a:t>
                       </a:r>
-                      <a:endParaRPr lang="en-IN" sz="1100" b="0" i="0" u="none" strike="noStrike">
+                      <a:endParaRPr lang="en-IN" sz="1400" b="0" i="0" u="none" strike="noStrike">
                         <a:solidFill>
                           <a:srgbClr val="000000"/>
                         </a:solidFill>
                         <a:effectLst/>
                         <a:latin typeface="Calibri" panose="020F0502020204030204" pitchFamily="34" charset="0"/>
+                        <a:ea typeface="Calibri" panose="020F0502020204030204" pitchFamily="34" charset="0"/>
+                        <a:cs typeface="Calibri" panose="020F0502020204030204" pitchFamily="34" charset="0"/>
                       </a:endParaRPr>
                     </a:p>
                   </a:txBody>
@@ -8850,17 +8964,22 @@
                     <a:p>
                       <a:pPr algn="l" fontAlgn="b"/>
                       <a:r>
-                        <a:rPr lang="en-IN" sz="1100" u="none" strike="noStrike" dirty="0">
+                        <a:rPr lang="en-IN" sz="1400" u="none" strike="noStrike" dirty="0">
                           <a:effectLst/>
+                          <a:latin typeface="Calibri" panose="020F0502020204030204" pitchFamily="34" charset="0"/>
+                          <a:ea typeface="Calibri" panose="020F0502020204030204" pitchFamily="34" charset="0"/>
+                          <a:cs typeface="Calibri" panose="020F0502020204030204" pitchFamily="34" charset="0"/>
                         </a:rPr>
-                        <a:t>1 min 09 sec</a:t>
+                        <a:t>1 min 13 sec</a:t>
                       </a:r>
-                      <a:endParaRPr lang="en-IN" sz="1100" b="0" i="0" u="none" strike="noStrike" dirty="0">
+                      <a:endParaRPr lang="en-IN" sz="1400" b="0" i="0" u="none" strike="noStrike" dirty="0">
                         <a:solidFill>
                           <a:srgbClr val="000000"/>
                         </a:solidFill>
                         <a:effectLst/>
                         <a:latin typeface="Calibri" panose="020F0502020204030204" pitchFamily="34" charset="0"/>
+                        <a:ea typeface="Calibri" panose="020F0502020204030204" pitchFamily="34" charset="0"/>
+                        <a:cs typeface="Calibri" panose="020F0502020204030204" pitchFamily="34" charset="0"/>
                       </a:endParaRPr>
                     </a:p>
                   </a:txBody>
@@ -8873,17 +8992,22 @@
                     <a:p>
                       <a:pPr algn="l" fontAlgn="b"/>
                       <a:r>
-                        <a:rPr lang="en-IN" sz="1100" u="none" strike="noStrike">
+                        <a:rPr lang="en-IN" sz="1400" u="none" strike="noStrike" dirty="0">
                           <a:effectLst/>
+                          <a:latin typeface="Calibri" panose="020F0502020204030204" pitchFamily="34" charset="0"/>
+                          <a:ea typeface="Calibri" panose="020F0502020204030204" pitchFamily="34" charset="0"/>
+                          <a:cs typeface="Calibri" panose="020F0502020204030204" pitchFamily="34" charset="0"/>
                         </a:rPr>
-                        <a:t>1 min 16 sec</a:t>
+                        <a:t>1 min 07 sec</a:t>
                       </a:r>
-                      <a:endParaRPr lang="en-IN" sz="1100" b="0" i="0" u="none" strike="noStrike">
+                      <a:endParaRPr lang="en-IN" sz="1400" b="0" i="0" u="none" strike="noStrike" dirty="0">
                         <a:solidFill>
                           <a:srgbClr val="000000"/>
                         </a:solidFill>
                         <a:effectLst/>
                         <a:latin typeface="Calibri" panose="020F0502020204030204" pitchFamily="34" charset="0"/>
+                        <a:ea typeface="Calibri" panose="020F0502020204030204" pitchFamily="34" charset="0"/>
+                        <a:cs typeface="Calibri" panose="020F0502020204030204" pitchFamily="34" charset="0"/>
                       </a:endParaRPr>
                     </a:p>
                   </a:txBody>
@@ -8896,17 +9020,22 @@
                     <a:p>
                       <a:pPr algn="l" fontAlgn="b"/>
                       <a:r>
-                        <a:rPr lang="en-IN" sz="1100" u="none" strike="noStrike">
+                        <a:rPr lang="en-IN" sz="1400" u="none" strike="noStrike" dirty="0">
                           <a:effectLst/>
+                          <a:latin typeface="Calibri" panose="020F0502020204030204" pitchFamily="34" charset="0"/>
+                          <a:ea typeface="Calibri" panose="020F0502020204030204" pitchFamily="34" charset="0"/>
+                          <a:cs typeface="Calibri" panose="020F0502020204030204" pitchFamily="34" charset="0"/>
                         </a:rPr>
-                        <a:t>1 min 23 sec</a:t>
+                        <a:t>1 min 02 sec</a:t>
                       </a:r>
-                      <a:endParaRPr lang="en-IN" sz="1100" b="0" i="0" u="none" strike="noStrike">
+                      <a:endParaRPr lang="en-IN" sz="1400" b="0" i="0" u="none" strike="noStrike" dirty="0">
                         <a:solidFill>
                           <a:srgbClr val="000000"/>
                         </a:solidFill>
                         <a:effectLst/>
                         <a:latin typeface="Calibri" panose="020F0502020204030204" pitchFamily="34" charset="0"/>
+                        <a:ea typeface="Calibri" panose="020F0502020204030204" pitchFamily="34" charset="0"/>
+                        <a:cs typeface="Calibri" panose="020F0502020204030204" pitchFamily="34" charset="0"/>
                       </a:endParaRPr>
                     </a:p>
                   </a:txBody>
@@ -8919,17 +9048,22 @@
                     <a:p>
                       <a:pPr algn="l" fontAlgn="b"/>
                       <a:r>
-                        <a:rPr lang="en-IN" sz="1100" u="none" strike="noStrike" dirty="0">
+                        <a:rPr lang="en-IN" sz="1400" u="none" strike="noStrike" dirty="0">
                           <a:effectLst/>
+                          <a:latin typeface="Calibri" panose="020F0502020204030204" pitchFamily="34" charset="0"/>
+                          <a:ea typeface="Calibri" panose="020F0502020204030204" pitchFamily="34" charset="0"/>
+                          <a:cs typeface="Calibri" panose="020F0502020204030204" pitchFamily="34" charset="0"/>
                         </a:rPr>
-                        <a:t>1 min 16 sec</a:t>
+                        <a:t>1 min 7.33 sec</a:t>
                       </a:r>
-                      <a:endParaRPr lang="en-IN" sz="1100" b="0" i="0" u="none" strike="noStrike" dirty="0">
+                      <a:endParaRPr lang="en-IN" sz="1400" b="0" i="0" u="none" strike="noStrike" dirty="0">
                         <a:solidFill>
                           <a:srgbClr val="000000"/>
                         </a:solidFill>
                         <a:effectLst/>
                         <a:latin typeface="Calibri" panose="020F0502020204030204" pitchFamily="34" charset="0"/>
+                        <a:ea typeface="Calibri" panose="020F0502020204030204" pitchFamily="34" charset="0"/>
+                        <a:cs typeface="Calibri" panose="020F0502020204030204" pitchFamily="34" charset="0"/>
                       </a:endParaRPr>
                     </a:p>
                   </a:txBody>
@@ -8999,14 +9133,14 @@
           <p:nvPr>
             <p:extLst>
               <p:ext uri="{D42A27DB-BD31-4B8C-83A1-F6EECF244321}">
-                <p14:modId xmlns:p14="http://schemas.microsoft.com/office/powerpoint/2010/main" val="1671199070"/>
+                <p14:modId xmlns:p14="http://schemas.microsoft.com/office/powerpoint/2010/main" val="1358772575"/>
               </p:ext>
             </p:extLst>
           </p:nvPr>
         </p:nvGraphicFramePr>
         <p:xfrm>
           <a:off x="791852" y="3553905"/>
-          <a:ext cx="8276733" cy="1706252"/>
+          <a:ext cx="8804636" cy="1706252"/>
         </p:xfrm>
         <a:graphic>
           <a:graphicData uri="http://schemas.openxmlformats.org/drawingml/2006/table">
@@ -9015,42 +9149,42 @@
                 <a:tableStyleId>{5C22544A-7EE6-4342-B048-85BDC9FD1C3A}</a:tableStyleId>
               </a:tblPr>
               <a:tblGrid>
-                <a:gridCol w="1132741">
+                <a:gridCol w="1204989">
                   <a:extLst>
                     <a:ext uri="{9D8B030D-6E8A-4147-A177-3AD203B41FA5}">
                       <a16:colId xmlns:a16="http://schemas.microsoft.com/office/drawing/2014/main" val="1688817875"/>
                     </a:ext>
                   </a:extLst>
                 </a:gridCol>
-                <a:gridCol w="1132741">
+                <a:gridCol w="1204989">
                   <a:extLst>
                     <a:ext uri="{9D8B030D-6E8A-4147-A177-3AD203B41FA5}">
                       <a16:colId xmlns:a16="http://schemas.microsoft.com/office/drawing/2014/main" val="1743271368"/>
                     </a:ext>
                   </a:extLst>
                 </a:gridCol>
-                <a:gridCol w="1068381">
+                <a:gridCol w="1136524">
                   <a:extLst>
                     <a:ext uri="{9D8B030D-6E8A-4147-A177-3AD203B41FA5}">
                       <a16:colId xmlns:a16="http://schemas.microsoft.com/office/drawing/2014/main" val="1250884764"/>
                     </a:ext>
                   </a:extLst>
                 </a:gridCol>
-                <a:gridCol w="952532">
+                <a:gridCol w="1013286">
                   <a:extLst>
                     <a:ext uri="{9D8B030D-6E8A-4147-A177-3AD203B41FA5}">
                       <a16:colId xmlns:a16="http://schemas.microsoft.com/office/drawing/2014/main" val="536963613"/>
                     </a:ext>
                   </a:extLst>
                 </a:gridCol>
-                <a:gridCol w="1995169">
+                <a:gridCol w="2122424">
                   <a:extLst>
                     <a:ext uri="{9D8B030D-6E8A-4147-A177-3AD203B41FA5}">
                       <a16:colId xmlns:a16="http://schemas.microsoft.com/office/drawing/2014/main" val="4167909100"/>
                     </a:ext>
                   </a:extLst>
                 </a:gridCol>
-                <a:gridCol w="1995169">
+                <a:gridCol w="2122424">
                   <a:extLst>
                     <a:ext uri="{9D8B030D-6E8A-4147-A177-3AD203B41FA5}">
                       <a16:colId xmlns:a16="http://schemas.microsoft.com/office/drawing/2014/main" val="3087364274"/>
@@ -9066,17 +9200,22 @@
                     <a:p>
                       <a:pPr algn="ctr" fontAlgn="ctr"/>
                       <a:r>
-                        <a:rPr lang="en-IN" sz="1100" u="none" strike="noStrike">
+                        <a:rPr lang="en-IN" sz="1400" u="none" strike="noStrike">
                           <a:effectLst/>
+                          <a:latin typeface="Calibri" panose="020F0502020204030204" pitchFamily="34" charset="0"/>
+                          <a:ea typeface="Calibri" panose="020F0502020204030204" pitchFamily="34" charset="0"/>
+                          <a:cs typeface="Calibri" panose="020F0502020204030204" pitchFamily="34" charset="0"/>
                         </a:rPr>
                         <a:t>Amazon Athena</a:t>
                       </a:r>
-                      <a:endParaRPr lang="en-IN" sz="1100" b="0" i="0" u="none" strike="noStrike">
+                      <a:endParaRPr lang="en-IN" sz="1400" b="0" i="0" u="none" strike="noStrike">
                         <a:solidFill>
                           <a:srgbClr val="000000"/>
                         </a:solidFill>
                         <a:effectLst/>
                         <a:latin typeface="Calibri" panose="020F0502020204030204" pitchFamily="34" charset="0"/>
+                        <a:ea typeface="Calibri" panose="020F0502020204030204" pitchFamily="34" charset="0"/>
+                        <a:cs typeface="Calibri" panose="020F0502020204030204" pitchFamily="34" charset="0"/>
                       </a:endParaRPr>
                     </a:p>
                   </a:txBody>
@@ -9089,17 +9228,22 @@
                     <a:p>
                       <a:pPr algn="ctr" fontAlgn="ctr"/>
                       <a:r>
-                        <a:rPr lang="en-IN" sz="1100" u="none" strike="noStrike">
+                        <a:rPr lang="en-IN" sz="1400" u="none" strike="noStrike">
                           <a:effectLst/>
+                          <a:latin typeface="Calibri" panose="020F0502020204030204" pitchFamily="34" charset="0"/>
+                          <a:ea typeface="Calibri" panose="020F0502020204030204" pitchFamily="34" charset="0"/>
+                          <a:cs typeface="Calibri" panose="020F0502020204030204" pitchFamily="34" charset="0"/>
                         </a:rPr>
                         <a:t>Run</a:t>
                       </a:r>
-                      <a:endParaRPr lang="en-IN" sz="1100" b="0" i="0" u="none" strike="noStrike">
+                      <a:endParaRPr lang="en-IN" sz="1400" b="0" i="0" u="none" strike="noStrike">
                         <a:solidFill>
                           <a:srgbClr val="000000"/>
                         </a:solidFill>
                         <a:effectLst/>
                         <a:latin typeface="Calibri" panose="020F0502020204030204" pitchFamily="34" charset="0"/>
+                        <a:ea typeface="Calibri" panose="020F0502020204030204" pitchFamily="34" charset="0"/>
+                        <a:cs typeface="Calibri" panose="020F0502020204030204" pitchFamily="34" charset="0"/>
                       </a:endParaRPr>
                     </a:p>
                   </a:txBody>
@@ -9112,17 +9256,22 @@
                     <a:p>
                       <a:pPr algn="ctr" fontAlgn="ctr"/>
                       <a:r>
-                        <a:rPr lang="en-IN" sz="1100" u="none" strike="noStrike">
+                        <a:rPr lang="en-IN" sz="1400" u="none" strike="noStrike">
                           <a:effectLst/>
+                          <a:latin typeface="Calibri" panose="020F0502020204030204" pitchFamily="34" charset="0"/>
+                          <a:ea typeface="Calibri" panose="020F0502020204030204" pitchFamily="34" charset="0"/>
+                          <a:cs typeface="Calibri" panose="020F0502020204030204" pitchFamily="34" charset="0"/>
                         </a:rPr>
                         <a:t>Time in Queue</a:t>
                       </a:r>
-                      <a:endParaRPr lang="en-IN" sz="1100" b="0" i="0" u="none" strike="noStrike">
+                      <a:endParaRPr lang="en-IN" sz="1400" b="0" i="0" u="none" strike="noStrike">
                         <a:solidFill>
                           <a:srgbClr val="000000"/>
                         </a:solidFill>
                         <a:effectLst/>
                         <a:latin typeface="Calibri" panose="020F0502020204030204" pitchFamily="34" charset="0"/>
+                        <a:ea typeface="Calibri" panose="020F0502020204030204" pitchFamily="34" charset="0"/>
+                        <a:cs typeface="Calibri" panose="020F0502020204030204" pitchFamily="34" charset="0"/>
                       </a:endParaRPr>
                     </a:p>
                   </a:txBody>
@@ -9135,17 +9284,22 @@
                     <a:p>
                       <a:pPr algn="ctr" fontAlgn="ctr"/>
                       <a:r>
-                        <a:rPr lang="en-IN" sz="1100" u="none" strike="noStrike">
+                        <a:rPr lang="en-IN" sz="1400" u="none" strike="noStrike">
                           <a:effectLst/>
+                          <a:latin typeface="Calibri" panose="020F0502020204030204" pitchFamily="34" charset="0"/>
+                          <a:ea typeface="Calibri" panose="020F0502020204030204" pitchFamily="34" charset="0"/>
+                          <a:cs typeface="Calibri" panose="020F0502020204030204" pitchFamily="34" charset="0"/>
                         </a:rPr>
                         <a:t>Run Time</a:t>
                       </a:r>
-                      <a:endParaRPr lang="en-IN" sz="1100" b="0" i="0" u="none" strike="noStrike">
+                      <a:endParaRPr lang="en-IN" sz="1400" b="0" i="0" u="none" strike="noStrike">
                         <a:solidFill>
                           <a:srgbClr val="000000"/>
                         </a:solidFill>
                         <a:effectLst/>
                         <a:latin typeface="Calibri" panose="020F0502020204030204" pitchFamily="34" charset="0"/>
+                        <a:ea typeface="Calibri" panose="020F0502020204030204" pitchFamily="34" charset="0"/>
+                        <a:cs typeface="Calibri" panose="020F0502020204030204" pitchFamily="34" charset="0"/>
                       </a:endParaRPr>
                     </a:p>
                   </a:txBody>
@@ -9158,17 +9312,22 @@
                     <a:p>
                       <a:pPr algn="ctr" fontAlgn="ctr"/>
                       <a:r>
-                        <a:rPr lang="en-IN" sz="1100" u="none" strike="noStrike">
+                        <a:rPr lang="en-IN" sz="1400" u="none" strike="noStrike">
                           <a:effectLst/>
+                          <a:latin typeface="Calibri" panose="020F0502020204030204" pitchFamily="34" charset="0"/>
+                          <a:ea typeface="Calibri" panose="020F0502020204030204" pitchFamily="34" charset="0"/>
+                          <a:cs typeface="Calibri" panose="020F0502020204030204" pitchFamily="34" charset="0"/>
                         </a:rPr>
                         <a:t>Data Scanned</a:t>
                       </a:r>
-                      <a:endParaRPr lang="en-IN" sz="1100" b="0" i="0" u="none" strike="noStrike">
+                      <a:endParaRPr lang="en-IN" sz="1400" b="0" i="0" u="none" strike="noStrike">
                         <a:solidFill>
                           <a:srgbClr val="000000"/>
                         </a:solidFill>
                         <a:effectLst/>
                         <a:latin typeface="Calibri" panose="020F0502020204030204" pitchFamily="34" charset="0"/>
+                        <a:ea typeface="Calibri" panose="020F0502020204030204" pitchFamily="34" charset="0"/>
+                        <a:cs typeface="Calibri" panose="020F0502020204030204" pitchFamily="34" charset="0"/>
                       </a:endParaRPr>
                     </a:p>
                   </a:txBody>
@@ -9181,17 +9340,22 @@
                     <a:p>
                       <a:pPr algn="l" fontAlgn="b"/>
                       <a:r>
-                        <a:rPr lang="en-IN" sz="1100" u="none" strike="noStrike">
+                        <a:rPr lang="en-IN" sz="1400" u="none" strike="noStrike">
                           <a:effectLst/>
+                          <a:latin typeface="Calibri" panose="020F0502020204030204" pitchFamily="34" charset="0"/>
+                          <a:ea typeface="Calibri" panose="020F0502020204030204" pitchFamily="34" charset="0"/>
+                          <a:cs typeface="Calibri" panose="020F0502020204030204" pitchFamily="34" charset="0"/>
                         </a:rPr>
                         <a:t>Average Execution Time</a:t>
                       </a:r>
-                      <a:endParaRPr lang="en-IN" sz="1100" b="0" i="0" u="none" strike="noStrike">
+                      <a:endParaRPr lang="en-IN" sz="1400" b="0" i="0" u="none" strike="noStrike">
                         <a:solidFill>
                           <a:srgbClr val="000000"/>
                         </a:solidFill>
                         <a:effectLst/>
                         <a:latin typeface="Calibri" panose="020F0502020204030204" pitchFamily="34" charset="0"/>
+                        <a:ea typeface="Calibri" panose="020F0502020204030204" pitchFamily="34" charset="0"/>
+                        <a:cs typeface="Calibri" panose="020F0502020204030204" pitchFamily="34" charset="0"/>
                       </a:endParaRPr>
                     </a:p>
                   </a:txBody>
@@ -9221,17 +9385,22 @@
                     <a:p>
                       <a:pPr algn="l" fontAlgn="ctr"/>
                       <a:r>
-                        <a:rPr lang="en-IN" sz="1100" u="none" strike="noStrike">
+                        <a:rPr lang="en-IN" sz="1400" u="none" strike="noStrike">
                           <a:effectLst/>
+                          <a:latin typeface="Calibri" panose="020F0502020204030204" pitchFamily="34" charset="0"/>
+                          <a:ea typeface="Calibri" panose="020F0502020204030204" pitchFamily="34" charset="0"/>
+                          <a:cs typeface="Calibri" panose="020F0502020204030204" pitchFamily="34" charset="0"/>
                         </a:rPr>
                         <a:t>First Execution</a:t>
                       </a:r>
-                      <a:endParaRPr lang="en-IN" sz="1100" b="0" i="0" u="none" strike="noStrike">
+                      <a:endParaRPr lang="en-IN" sz="1400" b="0" i="0" u="none" strike="noStrike">
                         <a:solidFill>
                           <a:srgbClr val="000000"/>
                         </a:solidFill>
                         <a:effectLst/>
                         <a:latin typeface="Calibri" panose="020F0502020204030204" pitchFamily="34" charset="0"/>
+                        <a:ea typeface="Calibri" panose="020F0502020204030204" pitchFamily="34" charset="0"/>
+                        <a:cs typeface="Calibri" panose="020F0502020204030204" pitchFamily="34" charset="0"/>
                       </a:endParaRPr>
                     </a:p>
                   </a:txBody>
@@ -9244,17 +9413,22 @@
                     <a:p>
                       <a:pPr algn="l" fontAlgn="b"/>
                       <a:r>
-                        <a:rPr lang="en-IN" sz="1100" u="none" strike="noStrike">
+                        <a:rPr lang="en-IN" sz="1400" u="none" strike="noStrike" dirty="0">
                           <a:effectLst/>
+                          <a:latin typeface="Calibri" panose="020F0502020204030204" pitchFamily="34" charset="0"/>
+                          <a:ea typeface="Calibri" panose="020F0502020204030204" pitchFamily="34" charset="0"/>
+                          <a:cs typeface="Calibri" panose="020F0502020204030204" pitchFamily="34" charset="0"/>
                         </a:rPr>
-                        <a:t>105 ms</a:t>
+                        <a:t>108 ms</a:t>
                       </a:r>
-                      <a:endParaRPr lang="en-IN" sz="1100" b="0" i="0" u="none" strike="noStrike">
+                      <a:endParaRPr lang="en-IN" sz="1400" b="0" i="0" u="none" strike="noStrike" dirty="0">
                         <a:solidFill>
                           <a:srgbClr val="000000"/>
                         </a:solidFill>
                         <a:effectLst/>
                         <a:latin typeface="Calibri" panose="020F0502020204030204" pitchFamily="34" charset="0"/>
+                        <a:ea typeface="Calibri" panose="020F0502020204030204" pitchFamily="34" charset="0"/>
+                        <a:cs typeface="Calibri" panose="020F0502020204030204" pitchFamily="34" charset="0"/>
                       </a:endParaRPr>
                     </a:p>
                   </a:txBody>
@@ -9267,17 +9441,22 @@
                     <a:p>
                       <a:pPr algn="l" fontAlgn="b"/>
                       <a:r>
-                        <a:rPr lang="en-IN" sz="1100" u="none" strike="noStrike">
+                        <a:rPr lang="en-IN" sz="1400" u="none" strike="noStrike" dirty="0">
                           <a:effectLst/>
+                          <a:latin typeface="Calibri" panose="020F0502020204030204" pitchFamily="34" charset="0"/>
+                          <a:ea typeface="Calibri" panose="020F0502020204030204" pitchFamily="34" charset="0"/>
+                          <a:cs typeface="Calibri" panose="020F0502020204030204" pitchFamily="34" charset="0"/>
                         </a:rPr>
-                        <a:t>423 ms</a:t>
+                        <a:t>486 ms</a:t>
                       </a:r>
-                      <a:endParaRPr lang="en-IN" sz="1100" b="0" i="0" u="none" strike="noStrike">
+                      <a:endParaRPr lang="en-IN" sz="1400" b="0" i="0" u="none" strike="noStrike" dirty="0">
                         <a:solidFill>
                           <a:srgbClr val="000000"/>
                         </a:solidFill>
                         <a:effectLst/>
                         <a:latin typeface="Calibri" panose="020F0502020204030204" pitchFamily="34" charset="0"/>
+                        <a:ea typeface="Calibri" panose="020F0502020204030204" pitchFamily="34" charset="0"/>
+                        <a:cs typeface="Calibri" panose="020F0502020204030204" pitchFamily="34" charset="0"/>
                       </a:endParaRPr>
                     </a:p>
                   </a:txBody>
@@ -9290,17 +9469,22 @@
                     <a:p>
                       <a:pPr algn="l" fontAlgn="b"/>
                       <a:r>
-                        <a:rPr lang="en-IN" sz="1100" u="none" strike="noStrike">
+                        <a:rPr lang="en-IN" sz="1400" u="none" strike="noStrike" dirty="0">
                           <a:effectLst/>
+                          <a:latin typeface="Calibri" panose="020F0502020204030204" pitchFamily="34" charset="0"/>
+                          <a:ea typeface="Calibri" panose="020F0502020204030204" pitchFamily="34" charset="0"/>
+                          <a:cs typeface="Calibri" panose="020F0502020204030204" pitchFamily="34" charset="0"/>
                         </a:rPr>
-                        <a:t>41.26 KB</a:t>
+                        <a:t>42.65 KB</a:t>
                       </a:r>
-                      <a:endParaRPr lang="en-IN" sz="1100" b="0" i="0" u="none" strike="noStrike">
+                      <a:endParaRPr lang="en-IN" sz="1400" b="0" i="0" u="none" strike="noStrike" dirty="0">
                         <a:solidFill>
                           <a:srgbClr val="000000"/>
                         </a:solidFill>
                         <a:effectLst/>
                         <a:latin typeface="Calibri" panose="020F0502020204030204" pitchFamily="34" charset="0"/>
+                        <a:ea typeface="Calibri" panose="020F0502020204030204" pitchFamily="34" charset="0"/>
+                        <a:cs typeface="Calibri" panose="020F0502020204030204" pitchFamily="34" charset="0"/>
                       </a:endParaRPr>
                     </a:p>
                   </a:txBody>
@@ -9313,39 +9497,39 @@
                     <a:p>
                       <a:pPr algn="l" fontAlgn="ctr"/>
                       <a:r>
-                        <a:rPr lang="en-US" sz="1100" u="none" strike="noStrike">
+                        <a:rPr lang="en-US" sz="1400" u="none" strike="noStrike" dirty="0">
                           <a:effectLst/>
+                          <a:latin typeface="Calibri" panose="020F0502020204030204" pitchFamily="34" charset="0"/>
+                          <a:ea typeface="Calibri" panose="020F0502020204030204" pitchFamily="34" charset="0"/>
+                          <a:cs typeface="Calibri" panose="020F0502020204030204" pitchFamily="34" charset="0"/>
                         </a:rPr>
-                        <a:t>Average Run Time: 432 ms</a:t>
+                        <a:t>Average Run Time: 493.33 ms</a:t>
                       </a:r>
                       <a:br>
-                        <a:rPr lang="en-US" sz="1100" u="none" strike="noStrike">
+                        <a:rPr lang="en-US" sz="1400" u="none" strike="noStrike" dirty="0">
                           <a:effectLst/>
+                          <a:latin typeface="Calibri" panose="020F0502020204030204" pitchFamily="34" charset="0"/>
+                          <a:ea typeface="Calibri" panose="020F0502020204030204" pitchFamily="34" charset="0"/>
+                          <a:cs typeface="Calibri" panose="020F0502020204030204" pitchFamily="34" charset="0"/>
                         </a:rPr>
                       </a:br>
                       <a:r>
-                        <a:rPr lang="en-US" sz="1100" u="none" strike="noStrike">
+                        <a:rPr lang="en-US" sz="1400" u="none" strike="noStrike" dirty="0">
                           <a:effectLst/>
+                          <a:latin typeface="Calibri" panose="020F0502020204030204" pitchFamily="34" charset="0"/>
+                          <a:ea typeface="Calibri" panose="020F0502020204030204" pitchFamily="34" charset="0"/>
+                          <a:cs typeface="Calibri" panose="020F0502020204030204" pitchFamily="34" charset="0"/>
                         </a:rPr>
-                        <a:t>Average Time in Queue: 99 ms</a:t>
+                        <a:t>Average Time in Queue: 93.67 ms</a:t>
                       </a:r>
-                      <a:br>
-                        <a:rPr lang="en-US" sz="1100" u="none" strike="noStrike">
-                          <a:effectLst/>
-                        </a:rPr>
-                      </a:br>
-                      <a:r>
-                        <a:rPr lang="en-US" sz="1100" u="none" strike="noStrike">
-                          <a:effectLst/>
-                        </a:rPr>
-                        <a:t>Total Data Scanned: 123.78 KB</a:t>
-                      </a:r>
-                      <a:endParaRPr lang="en-US" sz="1100" b="0" i="0" u="none" strike="noStrike">
+                      <a:endParaRPr lang="en-US" sz="1400" b="0" i="0" u="none" strike="noStrike" dirty="0">
                         <a:solidFill>
                           <a:srgbClr val="000000"/>
                         </a:solidFill>
                         <a:effectLst/>
                         <a:latin typeface="Calibri" panose="020F0502020204030204" pitchFamily="34" charset="0"/>
+                        <a:ea typeface="Calibri" panose="020F0502020204030204" pitchFamily="34" charset="0"/>
+                        <a:cs typeface="Calibri" panose="020F0502020204030204" pitchFamily="34" charset="0"/>
                       </a:endParaRPr>
                     </a:p>
                   </a:txBody>
@@ -9375,17 +9559,22 @@
                     <a:p>
                       <a:pPr algn="l" fontAlgn="ctr"/>
                       <a:r>
-                        <a:rPr lang="en-IN" sz="1100" u="none" strike="noStrike">
+                        <a:rPr lang="en-IN" sz="1400" u="none" strike="noStrike">
                           <a:effectLst/>
+                          <a:latin typeface="Calibri" panose="020F0502020204030204" pitchFamily="34" charset="0"/>
+                          <a:ea typeface="Calibri" panose="020F0502020204030204" pitchFamily="34" charset="0"/>
+                          <a:cs typeface="Calibri" panose="020F0502020204030204" pitchFamily="34" charset="0"/>
                         </a:rPr>
                         <a:t>Second Execution</a:t>
                       </a:r>
-                      <a:endParaRPr lang="en-IN" sz="1100" b="0" i="0" u="none" strike="noStrike">
+                      <a:endParaRPr lang="en-IN" sz="1400" b="0" i="0" u="none" strike="noStrike">
                         <a:solidFill>
                           <a:srgbClr val="000000"/>
                         </a:solidFill>
                         <a:effectLst/>
                         <a:latin typeface="Calibri" panose="020F0502020204030204" pitchFamily="34" charset="0"/>
+                        <a:ea typeface="Calibri" panose="020F0502020204030204" pitchFamily="34" charset="0"/>
+                        <a:cs typeface="Calibri" panose="020F0502020204030204" pitchFamily="34" charset="0"/>
                       </a:endParaRPr>
                     </a:p>
                   </a:txBody>
@@ -9398,17 +9587,22 @@
                     <a:p>
                       <a:pPr algn="l" fontAlgn="b"/>
                       <a:r>
-                        <a:rPr lang="en-IN" sz="1100" u="none" strike="noStrike">
+                        <a:rPr lang="en-IN" sz="1400" u="none" strike="noStrike" dirty="0">
                           <a:effectLst/>
+                          <a:latin typeface="Calibri" panose="020F0502020204030204" pitchFamily="34" charset="0"/>
+                          <a:ea typeface="Calibri" panose="020F0502020204030204" pitchFamily="34" charset="0"/>
+                          <a:cs typeface="Calibri" panose="020F0502020204030204" pitchFamily="34" charset="0"/>
                         </a:rPr>
-                        <a:t>72 ms</a:t>
+                        <a:t>69 ms</a:t>
                       </a:r>
-                      <a:endParaRPr lang="en-IN" sz="1100" b="0" i="0" u="none" strike="noStrike">
+                      <a:endParaRPr lang="en-IN" sz="1400" b="0" i="0" u="none" strike="noStrike" dirty="0">
                         <a:solidFill>
                           <a:srgbClr val="000000"/>
                         </a:solidFill>
                         <a:effectLst/>
                         <a:latin typeface="Calibri" panose="020F0502020204030204" pitchFamily="34" charset="0"/>
+                        <a:ea typeface="Calibri" panose="020F0502020204030204" pitchFamily="34" charset="0"/>
+                        <a:cs typeface="Calibri" panose="020F0502020204030204" pitchFamily="34" charset="0"/>
                       </a:endParaRPr>
                     </a:p>
                   </a:txBody>
@@ -9421,17 +9615,22 @@
                     <a:p>
                       <a:pPr algn="l" fontAlgn="b"/>
                       <a:r>
-                        <a:rPr lang="en-IN" sz="1100" u="none" strike="noStrike" dirty="0">
+                        <a:rPr lang="en-IN" sz="1400" u="none" strike="noStrike" dirty="0">
                           <a:effectLst/>
+                          <a:latin typeface="Calibri" panose="020F0502020204030204" pitchFamily="34" charset="0"/>
+                          <a:ea typeface="Calibri" panose="020F0502020204030204" pitchFamily="34" charset="0"/>
+                          <a:cs typeface="Calibri" panose="020F0502020204030204" pitchFamily="34" charset="0"/>
                         </a:rPr>
-                        <a:t>446 ms</a:t>
+                        <a:t>502 ms</a:t>
                       </a:r>
-                      <a:endParaRPr lang="en-IN" sz="1100" b="0" i="0" u="none" strike="noStrike" dirty="0">
+                      <a:endParaRPr lang="en-IN" sz="1400" b="0" i="0" u="none" strike="noStrike" dirty="0">
                         <a:solidFill>
                           <a:srgbClr val="000000"/>
                         </a:solidFill>
                         <a:effectLst/>
                         <a:latin typeface="Calibri" panose="020F0502020204030204" pitchFamily="34" charset="0"/>
+                        <a:ea typeface="Calibri" panose="020F0502020204030204" pitchFamily="34" charset="0"/>
+                        <a:cs typeface="Calibri" panose="020F0502020204030204" pitchFamily="34" charset="0"/>
                       </a:endParaRPr>
                     </a:p>
                   </a:txBody>
@@ -9444,17 +9643,22 @@
                     <a:p>
                       <a:pPr algn="l" fontAlgn="b"/>
                       <a:r>
-                        <a:rPr lang="en-IN" sz="1100" u="none" strike="noStrike">
+                        <a:rPr lang="en-IN" sz="1400" u="none" strike="noStrike" dirty="0">
                           <a:effectLst/>
+                          <a:latin typeface="Calibri" panose="020F0502020204030204" pitchFamily="34" charset="0"/>
+                          <a:ea typeface="Calibri" panose="020F0502020204030204" pitchFamily="34" charset="0"/>
+                          <a:cs typeface="Calibri" panose="020F0502020204030204" pitchFamily="34" charset="0"/>
                         </a:rPr>
-                        <a:t>41.26 KB</a:t>
+                        <a:t>42.65 KB</a:t>
                       </a:r>
-                      <a:endParaRPr lang="en-IN" sz="1100" b="0" i="0" u="none" strike="noStrike">
+                      <a:endParaRPr lang="en-IN" sz="1400" b="0" i="0" u="none" strike="noStrike" dirty="0">
                         <a:solidFill>
                           <a:srgbClr val="000000"/>
                         </a:solidFill>
                         <a:effectLst/>
                         <a:latin typeface="Calibri" panose="020F0502020204030204" pitchFamily="34" charset="0"/>
+                        <a:ea typeface="Calibri" panose="020F0502020204030204" pitchFamily="34" charset="0"/>
+                        <a:cs typeface="Calibri" panose="020F0502020204030204" pitchFamily="34" charset="0"/>
                       </a:endParaRPr>
                     </a:p>
                   </a:txBody>
@@ -9494,17 +9698,22 @@
                     <a:p>
                       <a:pPr algn="l" fontAlgn="ctr"/>
                       <a:r>
-                        <a:rPr lang="en-IN" sz="1100" u="none" strike="noStrike">
+                        <a:rPr lang="en-IN" sz="1400" u="none" strike="noStrike">
                           <a:effectLst/>
+                          <a:latin typeface="Calibri" panose="020F0502020204030204" pitchFamily="34" charset="0"/>
+                          <a:ea typeface="Calibri" panose="020F0502020204030204" pitchFamily="34" charset="0"/>
+                          <a:cs typeface="Calibri" panose="020F0502020204030204" pitchFamily="34" charset="0"/>
                         </a:rPr>
                         <a:t>Third Execution</a:t>
                       </a:r>
-                      <a:endParaRPr lang="en-IN" sz="1100" b="0" i="0" u="none" strike="noStrike">
+                      <a:endParaRPr lang="en-IN" sz="1400" b="0" i="0" u="none" strike="noStrike">
                         <a:solidFill>
                           <a:srgbClr val="000000"/>
                         </a:solidFill>
                         <a:effectLst/>
                         <a:latin typeface="Calibri" panose="020F0502020204030204" pitchFamily="34" charset="0"/>
+                        <a:ea typeface="Calibri" panose="020F0502020204030204" pitchFamily="34" charset="0"/>
+                        <a:cs typeface="Calibri" panose="020F0502020204030204" pitchFamily="34" charset="0"/>
                       </a:endParaRPr>
                     </a:p>
                   </a:txBody>
@@ -9517,17 +9726,22 @@
                     <a:p>
                       <a:pPr algn="l" fontAlgn="b"/>
                       <a:r>
-                        <a:rPr lang="en-IN" sz="1100" u="none" strike="noStrike">
+                        <a:rPr lang="en-IN" sz="1400" u="none" strike="noStrike" dirty="0">
                           <a:effectLst/>
+                          <a:latin typeface="Calibri" panose="020F0502020204030204" pitchFamily="34" charset="0"/>
+                          <a:ea typeface="Calibri" panose="020F0502020204030204" pitchFamily="34" charset="0"/>
+                          <a:cs typeface="Calibri" panose="020F0502020204030204" pitchFamily="34" charset="0"/>
                         </a:rPr>
-                        <a:t>120 ms</a:t>
+                        <a:t>104 ms</a:t>
                       </a:r>
-                      <a:endParaRPr lang="en-IN" sz="1100" b="0" i="0" u="none" strike="noStrike">
+                      <a:endParaRPr lang="en-IN" sz="1400" b="0" i="0" u="none" strike="noStrike" dirty="0">
                         <a:solidFill>
                           <a:srgbClr val="000000"/>
                         </a:solidFill>
                         <a:effectLst/>
                         <a:latin typeface="Calibri" panose="020F0502020204030204" pitchFamily="34" charset="0"/>
+                        <a:ea typeface="Calibri" panose="020F0502020204030204" pitchFamily="34" charset="0"/>
+                        <a:cs typeface="Calibri" panose="020F0502020204030204" pitchFamily="34" charset="0"/>
                       </a:endParaRPr>
                     </a:p>
                   </a:txBody>
@@ -9540,17 +9754,22 @@
                     <a:p>
                       <a:pPr algn="l" fontAlgn="b"/>
                       <a:r>
-                        <a:rPr lang="en-IN" sz="1100" u="none" strike="noStrike">
+                        <a:rPr lang="en-IN" sz="1400" u="none" strike="noStrike" dirty="0">
                           <a:effectLst/>
+                          <a:latin typeface="Calibri" panose="020F0502020204030204" pitchFamily="34" charset="0"/>
+                          <a:ea typeface="Calibri" panose="020F0502020204030204" pitchFamily="34" charset="0"/>
+                          <a:cs typeface="Calibri" panose="020F0502020204030204" pitchFamily="34" charset="0"/>
                         </a:rPr>
-                        <a:t>427 ms</a:t>
+                        <a:t>492 ms</a:t>
                       </a:r>
-                      <a:endParaRPr lang="en-IN" sz="1100" b="0" i="0" u="none" strike="noStrike">
+                      <a:endParaRPr lang="en-IN" sz="1400" b="0" i="0" u="none" strike="noStrike" dirty="0">
                         <a:solidFill>
                           <a:srgbClr val="000000"/>
                         </a:solidFill>
                         <a:effectLst/>
                         <a:latin typeface="Calibri" panose="020F0502020204030204" pitchFamily="34" charset="0"/>
+                        <a:ea typeface="Calibri" panose="020F0502020204030204" pitchFamily="34" charset="0"/>
+                        <a:cs typeface="Calibri" panose="020F0502020204030204" pitchFamily="34" charset="0"/>
                       </a:endParaRPr>
                     </a:p>
                   </a:txBody>
@@ -9563,17 +9782,22 @@
                     <a:p>
                       <a:pPr algn="l" fontAlgn="b"/>
                       <a:r>
-                        <a:rPr lang="en-IN" sz="1100" u="none" strike="noStrike" dirty="0">
+                        <a:rPr lang="en-IN" sz="1400" u="none" strike="noStrike" dirty="0">
                           <a:effectLst/>
+                          <a:latin typeface="Calibri" panose="020F0502020204030204" pitchFamily="34" charset="0"/>
+                          <a:ea typeface="Calibri" panose="020F0502020204030204" pitchFamily="34" charset="0"/>
+                          <a:cs typeface="Calibri" panose="020F0502020204030204" pitchFamily="34" charset="0"/>
                         </a:rPr>
-                        <a:t>41.26 KB</a:t>
+                        <a:t>42.65 KB</a:t>
                       </a:r>
-                      <a:endParaRPr lang="en-IN" sz="1100" b="0" i="0" u="none" strike="noStrike" dirty="0">
+                      <a:endParaRPr lang="en-IN" sz="1400" b="0" i="0" u="none" strike="noStrike" dirty="0">
                         <a:solidFill>
                           <a:srgbClr val="000000"/>
                         </a:solidFill>
                         <a:effectLst/>
                         <a:latin typeface="Calibri" panose="020F0502020204030204" pitchFamily="34" charset="0"/>
+                        <a:ea typeface="Calibri" panose="020F0502020204030204" pitchFamily="34" charset="0"/>
+                        <a:cs typeface="Calibri" panose="020F0502020204030204" pitchFamily="34" charset="0"/>
                       </a:endParaRPr>
                     </a:p>
                   </a:txBody>
@@ -9771,6 +9995,84 @@
           </a:prstGeom>
         </p:spPr>
       </p:pic>
+      <p:sp>
+        <p:nvSpPr>
+          <p:cNvPr id="3" name="TextBox 2">
+            <a:extLst>
+              <a:ext uri="{FF2B5EF4-FFF2-40B4-BE49-F238E27FC236}">
+                <a16:creationId xmlns:a16="http://schemas.microsoft.com/office/drawing/2014/main" id="{8CEFA748-BA91-1D8D-343D-2F46D4A3AD18}"/>
+              </a:ext>
+            </a:extLst>
+          </p:cNvPr>
+          <p:cNvSpPr txBox="1"/>
+          <p:nvPr/>
+        </p:nvSpPr>
+        <p:spPr>
+          <a:xfrm>
+            <a:off x="6096000" y="1470581"/>
+            <a:ext cx="2819783" cy="307777"/>
+          </a:xfrm>
+          <a:prstGeom prst="rect">
+            <a:avLst/>
+          </a:prstGeom>
+          <a:noFill/>
+        </p:spPr>
+        <p:txBody>
+          <a:bodyPr wrap="square" rtlCol="0">
+            <a:spAutoFit/>
+          </a:bodyPr>
+          <a:lstStyle/>
+          <a:p>
+            <a:r>
+              <a:rPr lang="en-IN" sz="1400" dirty="0">
+                <a:latin typeface="Calibri" panose="020F0502020204030204" pitchFamily="34" charset="0"/>
+                <a:ea typeface="Calibri" panose="020F0502020204030204" pitchFamily="34" charset="0"/>
+                <a:cs typeface="Calibri" panose="020F0502020204030204" pitchFamily="34" charset="0"/>
+              </a:rPr>
+              <a:t>Glue CloudWatch Log</a:t>
+            </a:r>
+          </a:p>
+        </p:txBody>
+      </p:sp>
+      <p:sp>
+        <p:nvSpPr>
+          <p:cNvPr id="4" name="TextBox 3">
+            <a:extLst>
+              <a:ext uri="{FF2B5EF4-FFF2-40B4-BE49-F238E27FC236}">
+                <a16:creationId xmlns:a16="http://schemas.microsoft.com/office/drawing/2014/main" id="{390EAD7A-4DF5-B8F6-F168-9FF99EA3520F}"/>
+              </a:ext>
+            </a:extLst>
+          </p:cNvPr>
+          <p:cNvSpPr txBox="1"/>
+          <p:nvPr/>
+        </p:nvSpPr>
+        <p:spPr>
+          <a:xfrm>
+            <a:off x="876693" y="4458878"/>
+            <a:ext cx="1875934" cy="307777"/>
+          </a:xfrm>
+          <a:prstGeom prst="rect">
+            <a:avLst/>
+          </a:prstGeom>
+          <a:noFill/>
+        </p:spPr>
+        <p:txBody>
+          <a:bodyPr wrap="square" rtlCol="0">
+            <a:spAutoFit/>
+          </a:bodyPr>
+          <a:lstStyle/>
+          <a:p>
+            <a:r>
+              <a:rPr lang="en-IN" sz="1400" dirty="0">
+                <a:latin typeface="Calibri" panose="020F0502020204030204" pitchFamily="34" charset="0"/>
+                <a:ea typeface="Calibri" panose="020F0502020204030204" pitchFamily="34" charset="0"/>
+                <a:cs typeface="Calibri" panose="020F0502020204030204" pitchFamily="34" charset="0"/>
+              </a:rPr>
+              <a:t>SNS Email Notification</a:t>
+            </a:r>
+          </a:p>
+        </p:txBody>
+      </p:sp>
     </p:spTree>
     <p:extLst>
       <p:ext uri="{BB962C8B-B14F-4D97-AF65-F5344CB8AC3E}">
@@ -9903,7 +10205,7 @@
         </p:blipFill>
         <p:spPr>
           <a:xfrm>
-            <a:off x="712004" y="2130458"/>
+            <a:off x="578054" y="2274422"/>
             <a:ext cx="8695948" cy="3992446"/>
           </a:xfrm>
           <a:prstGeom prst="rect">
@@ -9911,6 +10213,50 @@
           </a:prstGeom>
         </p:spPr>
       </p:pic>
+      <p:sp>
+        <p:nvSpPr>
+          <p:cNvPr id="4" name="TextBox 3">
+            <a:extLst>
+              <a:ext uri="{FF2B5EF4-FFF2-40B4-BE49-F238E27FC236}">
+                <a16:creationId xmlns:a16="http://schemas.microsoft.com/office/drawing/2014/main" id="{352C72F0-03EB-D935-6D5C-2FCBAC47FD96}"/>
+              </a:ext>
+            </a:extLst>
+          </p:cNvPr>
+          <p:cNvSpPr txBox="1"/>
+          <p:nvPr/>
+        </p:nvSpPr>
+        <p:spPr>
+          <a:xfrm>
+            <a:off x="677333" y="1197204"/>
+            <a:ext cx="8457241" cy="1077218"/>
+          </a:xfrm>
+          <a:prstGeom prst="rect">
+            <a:avLst/>
+          </a:prstGeom>
+          <a:noFill/>
+        </p:spPr>
+        <p:txBody>
+          <a:bodyPr wrap="square" rtlCol="0">
+            <a:spAutoFit/>
+          </a:bodyPr>
+          <a:lstStyle/>
+          <a:p>
+            <a:r>
+              <a:rPr lang="en-US" sz="1600" dirty="0">
+                <a:latin typeface="Calibri" panose="020F0502020204030204" pitchFamily="34" charset="0"/>
+                <a:ea typeface="Calibri" panose="020F0502020204030204" pitchFamily="34" charset="0"/>
+                <a:cs typeface="Calibri" panose="020F0502020204030204" pitchFamily="34" charset="0"/>
+              </a:rPr>
+              <a:t>The query SELECT * FROM output; retrieves all records and columns from the specified dataset. The results are displayed in the Athena console, showing data rows along with column headers for easy analysis. Users can navigate through the results, export them to a CSV file, and view metadata such as execution time and data scanned. This interface simplifies data validation and downstream use.</a:t>
+            </a:r>
+            <a:endParaRPr lang="en-IN" sz="1600" dirty="0">
+              <a:latin typeface="Calibri" panose="020F0502020204030204" pitchFamily="34" charset="0"/>
+              <a:ea typeface="Calibri" panose="020F0502020204030204" pitchFamily="34" charset="0"/>
+              <a:cs typeface="Calibri" panose="020F0502020204030204" pitchFamily="34" charset="0"/>
+            </a:endParaRPr>
+          </a:p>
+        </p:txBody>
+      </p:sp>
     </p:spTree>
     <p:extLst>
       <p:ext uri="{BB962C8B-B14F-4D97-AF65-F5344CB8AC3E}">
@@ -10179,4 +10525,42 @@
     </a:ext>
   </a:extLst>
 </a:theme>
+</file>
+
+<file path=ppt/webextensions/taskpanes.xml><?xml version="1.0" encoding="utf-8"?>
+<wetp:taskpanes xmlns:wetp="http://schemas.microsoft.com/office/webextensions/taskpanes/2010/11">
+  <wetp:taskpane dockstate="right" visibility="0" width="438" row="3">
+    <wetp:webextensionref xmlns:r="http://schemas.openxmlformats.org/officeDocument/2006/relationships" r:id="rId1"/>
+  </wetp:taskpane>
+  <wetp:taskpane dockstate="right" visibility="0" width="438" row="5">
+    <wetp:webextensionref xmlns:r="http://schemas.openxmlformats.org/officeDocument/2006/relationships" r:id="rId2"/>
+  </wetp:taskpane>
+</wetp:taskpanes>
+</file>
+
+<file path=ppt/webextensions/webextension1.xml><?xml version="1.0" encoding="utf-8"?>
+<we:webextension xmlns:we="http://schemas.microsoft.com/office/webextensions/webextension/2010/11" id="{B6107234-BB0A-4EDE-8E21-51A6B2475244}">
+  <we:reference id="wa104380518" version="3.7.0.0" store="en-US" storeType="OMEX"/>
+  <we:alternateReferences>
+    <we:reference id="WA104380518" version="3.7.0.0" store="WA104380518" storeType="OMEX"/>
+  </we:alternateReferences>
+  <we:properties/>
+  <we:bindings/>
+  <we:snapshot xmlns:r="http://schemas.openxmlformats.org/officeDocument/2006/relationships"/>
+</we:webextension>
+</file>
+
+<file path=ppt/webextensions/webextension2.xml><?xml version="1.0" encoding="utf-8"?>
+<we:webextension xmlns:we="http://schemas.microsoft.com/office/webextensions/webextension/2010/11" id="{BC70ED85-3FE3-46D3-8ECE-BD72E0ABD94C}">
+  <we:reference id="wa104381786" version="1.0.2.0" store="en-US" storeType="OMEX"/>
+  <we:alternateReferences>
+    <we:reference id="WA104381786" version="1.0.2.0" store="WA104381786" storeType="OMEX"/>
+  </we:alternateReferences>
+  <we:properties>
+    <we:property name="Office.AutoShowTaskpaneWithDocument" value="false"/>
+    <we:property name="opro.docutize.rootState" value="{&quot;createdDdoVersion&quot;:&quot;1.11.4&quot;,&quot;updateDdoVersion&quot;:&quot;1.11.4&quot;,&quot;platform&quot;:&quot;live&quot;,&quot;docutizeAccessKey&quot;:null,&quot;lang&quot;:&quot;&quot;,&quot;useStream&quot;:&quot;false&quot;,&quot;usePixelSizeMode&quot;:&quot;v2.0.init&quot;,&quot;detailOutputMode&quot;:&quot;SAME_TAG&quot;,&quot;wordBandJudgeMode&quot;:&quot;MULTIPLE_LINES&quot;,&quot;wordRowCopyMode&quot;:&quot;v1.1&quot;,&quot;wordBrMode&quot;:&quot;paragraph&quot;,&quot;wordCrlfMode&quot;:&quot;line&quot;,&quot;imageNotFoundStr&quot;:&quot;n_a&quot;,&quot;tagUnmatchThen&quot;:&quot;not_do&quot;,&quot;otherSheetAddressFix&quot;:&quot;true&quot;,&quot;formulaFromTd&quot;:&quot;true&quot;,&quot;fieldAttrIn&quot;:&quot;ADDIN_SEQ&quot;,&quot;imageResize&quot;:&quot;true&quot;,&quot;imageShrink&quot;:&quot;true&quot;,&quot;separatorJoiner&quot;:&quot;,&quot;,&quot;separatorSandChar&quot;:&quot;\&quot;&quot;,&quot;textDatasetHeaderMode&quot;:&quot;DATA&quot;,&quot;readPassword&quot;:&quot;&quot;,&quot;writePassword&quot;:&quot;&quot;,&quot;errorSheet&quot;:&quot;true&quot;,&quot;overflowThen&quot;:&quot;error_sheet&quot;,&quot;cFormatCopy&quot;:&quot;update_range&quot;,&quot;savedBy&quot;:&quot;office&quot;,&quot;repeatTagOnBrowser&quot;:&quot;&quot;,&quot;imageReadDpi&quot;:&quot;true_always&quot;,&quot;cellNewLineChar&quot;:&quot;lf&quot;,&quot;repeatDefs&quot;:[],&quot;graphs&quot;:[],&quot;reports&quot;:[{&quot;reportName&quot;:&quot;&quot;,&quot;reportId&quot;:1,&quot;tables&quot;:[{&quot;type&quot;:&quot;page&quot;,&quot;objectType&quot;:&quot;&quot;,&quot;objectName&quot;:&quot;DataSet 1&quot;,&quot;tableId&quot;:1,&quot;fields&quot;:[],&quot;tableKey&quot;:0}]}]}"/>
+  </we:properties>
+  <we:bindings/>
+  <we:snapshot xmlns:r="http://schemas.openxmlformats.org/officeDocument/2006/relationships"/>
+</we:webextension>
 </file>
--- a/Data_Lake_Construction_and_Querying_With_PySpark.pptx
+++ b/Data_Lake_Construction_and_Querying_With_PySpark.pptx
@@ -15,7 +15,8 @@
     <p:sldId id="264" r:id="rId9"/>
     <p:sldId id="266" r:id="rId10"/>
     <p:sldId id="265" r:id="rId11"/>
-    <p:sldId id="257" r:id="rId12"/>
+    <p:sldId id="267" r:id="rId12"/>
+    <p:sldId id="257" r:id="rId13"/>
   </p:sldIdLst>
   <p:sldSz cx="12192000" cy="6858000"/>
   <p:notesSz cx="6858000" cy="9144000"/>
@@ -6056,7 +6057,7 @@
                 <a:ea typeface="Calibri" panose="020F0502020204030204" pitchFamily="34" charset="0"/>
                 <a:cs typeface="Calibri" panose="020F0502020204030204" pitchFamily="34" charset="0"/>
               </a:rPr>
-              <a:t>Total Estimated Monthly Cost</a:t>
+              <a:t>AWS Cost Metrics</a:t>
             </a:r>
           </a:p>
         </p:txBody>
@@ -6306,6 +6307,363 @@
       </p:grpSpPr>
       <p:sp>
         <p:nvSpPr>
+          <p:cNvPr id="2" name="Title 1">
+            <a:extLst>
+              <a:ext uri="{FF2B5EF4-FFF2-40B4-BE49-F238E27FC236}">
+                <a16:creationId xmlns:a16="http://schemas.microsoft.com/office/drawing/2014/main" id="{71E8FF9E-8370-43F5-2E4B-5B0A2D5D03D3}"/>
+              </a:ext>
+            </a:extLst>
+          </p:cNvPr>
+          <p:cNvSpPr>
+            <a:spLocks noGrp="1"/>
+          </p:cNvSpPr>
+          <p:nvPr>
+            <p:ph type="title"/>
+          </p:nvPr>
+        </p:nvSpPr>
+        <p:spPr>
+          <a:xfrm>
+            <a:off x="677334" y="609600"/>
+            <a:ext cx="8596668" cy="615885"/>
+          </a:xfrm>
+        </p:spPr>
+        <p:txBody>
+          <a:bodyPr>
+            <a:normAutofit/>
+          </a:bodyPr>
+          <a:lstStyle/>
+          <a:p>
+            <a:r>
+              <a:rPr lang="en-US" sz="3200" dirty="0">
+                <a:latin typeface="Calibri" panose="020F0502020204030204" pitchFamily="34" charset="0"/>
+                <a:ea typeface="Calibri" panose="020F0502020204030204" pitchFamily="34" charset="0"/>
+                <a:cs typeface="Calibri" panose="020F0502020204030204" pitchFamily="34" charset="0"/>
+              </a:rPr>
+              <a:t>Cost Optimization for AWS Services</a:t>
+            </a:r>
+          </a:p>
+        </p:txBody>
+      </p:sp>
+      <p:sp>
+        <p:nvSpPr>
+          <p:cNvPr id="3" name="Content Placeholder 2">
+            <a:extLst>
+              <a:ext uri="{FF2B5EF4-FFF2-40B4-BE49-F238E27FC236}">
+                <a16:creationId xmlns:a16="http://schemas.microsoft.com/office/drawing/2014/main" id="{F4753B2C-01E5-20D8-55BF-3F36040818FC}"/>
+              </a:ext>
+            </a:extLst>
+          </p:cNvPr>
+          <p:cNvSpPr>
+            <a:spLocks noGrp="1"/>
+          </p:cNvSpPr>
+          <p:nvPr>
+            <p:ph idx="1"/>
+          </p:nvPr>
+        </p:nvSpPr>
+        <p:spPr>
+          <a:xfrm>
+            <a:off x="677334" y="1310327"/>
+            <a:ext cx="8596668" cy="4731036"/>
+          </a:xfrm>
+        </p:spPr>
+        <p:txBody>
+          <a:bodyPr>
+            <a:normAutofit/>
+          </a:bodyPr>
+          <a:lstStyle/>
+          <a:p>
+            <a:pPr>
+              <a:buFont typeface="Arial" panose="020B0604020202020204" pitchFamily="34" charset="0"/>
+              <a:buChar char="•"/>
+            </a:pPr>
+            <a:r>
+              <a:rPr lang="en-US" sz="1600" b="1" dirty="0">
+                <a:latin typeface="Calibri" panose="020F0502020204030204" pitchFamily="34" charset="0"/>
+                <a:ea typeface="Calibri" panose="020F0502020204030204" pitchFamily="34" charset="0"/>
+                <a:cs typeface="Calibri" panose="020F0502020204030204" pitchFamily="34" charset="0"/>
+              </a:rPr>
+              <a:t>AWS Glue</a:t>
+            </a:r>
+            <a:r>
+              <a:rPr lang="en-US" sz="1600" dirty="0">
+                <a:latin typeface="Calibri" panose="020F0502020204030204" pitchFamily="34" charset="0"/>
+                <a:ea typeface="Calibri" panose="020F0502020204030204" pitchFamily="34" charset="0"/>
+                <a:cs typeface="Calibri" panose="020F0502020204030204" pitchFamily="34" charset="0"/>
+              </a:rPr>
+              <a:t>:</a:t>
+            </a:r>
+            <a:br>
+              <a:rPr lang="en-US" sz="1600" dirty="0">
+                <a:latin typeface="Calibri" panose="020F0502020204030204" pitchFamily="34" charset="0"/>
+                <a:ea typeface="Calibri" panose="020F0502020204030204" pitchFamily="34" charset="0"/>
+                <a:cs typeface="Calibri" panose="020F0502020204030204" pitchFamily="34" charset="0"/>
+              </a:rPr>
+            </a:br>
+            <a:r>
+              <a:rPr lang="en-US" sz="1600" dirty="0">
+                <a:latin typeface="Calibri" panose="020F0502020204030204" pitchFamily="34" charset="0"/>
+                <a:ea typeface="Calibri" panose="020F0502020204030204" pitchFamily="34" charset="0"/>
+                <a:cs typeface="Calibri" panose="020F0502020204030204" pitchFamily="34" charset="0"/>
+              </a:rPr>
+              <a:t>Reduce unnecessary transformations and use partitioned datasets to save on processing costs.</a:t>
+            </a:r>
+          </a:p>
+          <a:p>
+            <a:pPr>
+              <a:buFont typeface="Arial" panose="020B0604020202020204" pitchFamily="34" charset="0"/>
+              <a:buChar char="•"/>
+            </a:pPr>
+            <a:r>
+              <a:rPr lang="en-US" sz="1600" b="1" dirty="0">
+                <a:latin typeface="Calibri" panose="020F0502020204030204" pitchFamily="34" charset="0"/>
+                <a:ea typeface="Calibri" panose="020F0502020204030204" pitchFamily="34" charset="0"/>
+                <a:cs typeface="Calibri" panose="020F0502020204030204" pitchFamily="34" charset="0"/>
+              </a:rPr>
+              <a:t>Glue Crawlers</a:t>
+            </a:r>
+            <a:r>
+              <a:rPr lang="en-US" sz="1600" dirty="0">
+                <a:latin typeface="Calibri" panose="020F0502020204030204" pitchFamily="34" charset="0"/>
+                <a:ea typeface="Calibri" panose="020F0502020204030204" pitchFamily="34" charset="0"/>
+                <a:cs typeface="Calibri" panose="020F0502020204030204" pitchFamily="34" charset="0"/>
+              </a:rPr>
+              <a:t>:</a:t>
+            </a:r>
+            <a:br>
+              <a:rPr lang="en-US" sz="1600" dirty="0">
+                <a:latin typeface="Calibri" panose="020F0502020204030204" pitchFamily="34" charset="0"/>
+                <a:ea typeface="Calibri" panose="020F0502020204030204" pitchFamily="34" charset="0"/>
+                <a:cs typeface="Calibri" panose="020F0502020204030204" pitchFamily="34" charset="0"/>
+              </a:rPr>
+            </a:br>
+            <a:r>
+              <a:rPr lang="en-US" sz="1600" dirty="0">
+                <a:latin typeface="Calibri" panose="020F0502020204030204" pitchFamily="34" charset="0"/>
+                <a:ea typeface="Calibri" panose="020F0502020204030204" pitchFamily="34" charset="0"/>
+                <a:cs typeface="Calibri" panose="020F0502020204030204" pitchFamily="34" charset="0"/>
+              </a:rPr>
+              <a:t>Limit crawler runs and scan only relevant directories to reduce costs.</a:t>
+            </a:r>
+          </a:p>
+          <a:p>
+            <a:pPr>
+              <a:buFont typeface="Arial" panose="020B0604020202020204" pitchFamily="34" charset="0"/>
+              <a:buChar char="•"/>
+            </a:pPr>
+            <a:r>
+              <a:rPr lang="en-US" sz="1600" b="1" dirty="0">
+                <a:latin typeface="Calibri" panose="020F0502020204030204" pitchFamily="34" charset="0"/>
+                <a:ea typeface="Calibri" panose="020F0502020204030204" pitchFamily="34" charset="0"/>
+                <a:cs typeface="Calibri" panose="020F0502020204030204" pitchFamily="34" charset="0"/>
+              </a:rPr>
+              <a:t>Amazon Athena</a:t>
+            </a:r>
+            <a:r>
+              <a:rPr lang="en-US" sz="1600" dirty="0">
+                <a:latin typeface="Calibri" panose="020F0502020204030204" pitchFamily="34" charset="0"/>
+                <a:ea typeface="Calibri" panose="020F0502020204030204" pitchFamily="34" charset="0"/>
+                <a:cs typeface="Calibri" panose="020F0502020204030204" pitchFamily="34" charset="0"/>
+              </a:rPr>
+              <a:t>:</a:t>
+            </a:r>
+            <a:br>
+              <a:rPr lang="en-US" sz="1600" dirty="0">
+                <a:latin typeface="Calibri" panose="020F0502020204030204" pitchFamily="34" charset="0"/>
+                <a:ea typeface="Calibri" panose="020F0502020204030204" pitchFamily="34" charset="0"/>
+                <a:cs typeface="Calibri" panose="020F0502020204030204" pitchFamily="34" charset="0"/>
+              </a:rPr>
+            </a:br>
+            <a:r>
+              <a:rPr lang="en-US" sz="1600" dirty="0">
+                <a:latin typeface="Calibri" panose="020F0502020204030204" pitchFamily="34" charset="0"/>
+                <a:ea typeface="Calibri" panose="020F0502020204030204" pitchFamily="34" charset="0"/>
+                <a:cs typeface="Calibri" panose="020F0502020204030204" pitchFamily="34" charset="0"/>
+              </a:rPr>
+              <a:t>Query only partitioned data and optimize queries to minimize data scanned.</a:t>
+            </a:r>
+          </a:p>
+          <a:p>
+            <a:pPr>
+              <a:buFont typeface="Arial" panose="020B0604020202020204" pitchFamily="34" charset="0"/>
+              <a:buChar char="•"/>
+            </a:pPr>
+            <a:r>
+              <a:rPr lang="en-US" sz="1600" b="1" dirty="0">
+                <a:latin typeface="Calibri" panose="020F0502020204030204" pitchFamily="34" charset="0"/>
+                <a:ea typeface="Calibri" panose="020F0502020204030204" pitchFamily="34" charset="0"/>
+                <a:cs typeface="Calibri" panose="020F0502020204030204" pitchFamily="34" charset="0"/>
+              </a:rPr>
+              <a:t>AWS Lambda</a:t>
+            </a:r>
+            <a:r>
+              <a:rPr lang="en-US" sz="1600" dirty="0">
+                <a:latin typeface="Calibri" panose="020F0502020204030204" pitchFamily="34" charset="0"/>
+                <a:ea typeface="Calibri" panose="020F0502020204030204" pitchFamily="34" charset="0"/>
+                <a:cs typeface="Calibri" panose="020F0502020204030204" pitchFamily="34" charset="0"/>
+              </a:rPr>
+              <a:t>:</a:t>
+            </a:r>
+            <a:br>
+              <a:rPr lang="en-US" sz="1600" dirty="0">
+                <a:latin typeface="Calibri" panose="020F0502020204030204" pitchFamily="34" charset="0"/>
+                <a:ea typeface="Calibri" panose="020F0502020204030204" pitchFamily="34" charset="0"/>
+                <a:cs typeface="Calibri" panose="020F0502020204030204" pitchFamily="34" charset="0"/>
+              </a:rPr>
+            </a:br>
+            <a:r>
+              <a:rPr lang="en-US" sz="1600" dirty="0">
+                <a:latin typeface="Calibri" panose="020F0502020204030204" pitchFamily="34" charset="0"/>
+                <a:ea typeface="Calibri" panose="020F0502020204030204" pitchFamily="34" charset="0"/>
+                <a:cs typeface="Calibri" panose="020F0502020204030204" pitchFamily="34" charset="0"/>
+              </a:rPr>
+              <a:t>Consolidate functions, set appropriate memory limits, and manage execution time to reduce costs.</a:t>
+            </a:r>
+          </a:p>
+          <a:p>
+            <a:pPr>
+              <a:buFont typeface="Arial" panose="020B0604020202020204" pitchFamily="34" charset="0"/>
+              <a:buChar char="•"/>
+            </a:pPr>
+            <a:r>
+              <a:rPr lang="en-US" sz="1600" b="1" dirty="0">
+                <a:latin typeface="Calibri" panose="020F0502020204030204" pitchFamily="34" charset="0"/>
+                <a:ea typeface="Calibri" panose="020F0502020204030204" pitchFamily="34" charset="0"/>
+                <a:cs typeface="Calibri" panose="020F0502020204030204" pitchFamily="34" charset="0"/>
+              </a:rPr>
+              <a:t>Amazon S3</a:t>
+            </a:r>
+            <a:r>
+              <a:rPr lang="en-US" sz="1600" dirty="0">
+                <a:latin typeface="Calibri" panose="020F0502020204030204" pitchFamily="34" charset="0"/>
+                <a:ea typeface="Calibri" panose="020F0502020204030204" pitchFamily="34" charset="0"/>
+                <a:cs typeface="Calibri" panose="020F0502020204030204" pitchFamily="34" charset="0"/>
+              </a:rPr>
+              <a:t>:</a:t>
+            </a:r>
+            <a:br>
+              <a:rPr lang="en-US" sz="1600" dirty="0">
+                <a:latin typeface="Calibri" panose="020F0502020204030204" pitchFamily="34" charset="0"/>
+                <a:ea typeface="Calibri" panose="020F0502020204030204" pitchFamily="34" charset="0"/>
+                <a:cs typeface="Calibri" panose="020F0502020204030204" pitchFamily="34" charset="0"/>
+              </a:rPr>
+            </a:br>
+            <a:r>
+              <a:rPr lang="en-US" sz="1600" dirty="0">
+                <a:latin typeface="Calibri" panose="020F0502020204030204" pitchFamily="34" charset="0"/>
+                <a:ea typeface="Calibri" panose="020F0502020204030204" pitchFamily="34" charset="0"/>
+                <a:cs typeface="Calibri" panose="020F0502020204030204" pitchFamily="34" charset="0"/>
+              </a:rPr>
+              <a:t>Use appropriate storage classes, implement lifecycle policies, and clean up unused files.</a:t>
+            </a:r>
+          </a:p>
+          <a:p>
+            <a:pPr>
+              <a:buFont typeface="Arial" panose="020B0604020202020204" pitchFamily="34" charset="0"/>
+              <a:buChar char="•"/>
+            </a:pPr>
+            <a:r>
+              <a:rPr lang="en-US" sz="1600" b="1" dirty="0">
+                <a:latin typeface="Calibri" panose="020F0502020204030204" pitchFamily="34" charset="0"/>
+                <a:ea typeface="Calibri" panose="020F0502020204030204" pitchFamily="34" charset="0"/>
+                <a:cs typeface="Calibri" panose="020F0502020204030204" pitchFamily="34" charset="0"/>
+              </a:rPr>
+              <a:t>Amazon CloudWatch</a:t>
+            </a:r>
+            <a:r>
+              <a:rPr lang="en-US" sz="1600" dirty="0">
+                <a:latin typeface="Calibri" panose="020F0502020204030204" pitchFamily="34" charset="0"/>
+                <a:ea typeface="Calibri" panose="020F0502020204030204" pitchFamily="34" charset="0"/>
+                <a:cs typeface="Calibri" panose="020F0502020204030204" pitchFamily="34" charset="0"/>
+              </a:rPr>
+              <a:t>:</a:t>
+            </a:r>
+            <a:br>
+              <a:rPr lang="en-US" sz="1600" dirty="0">
+                <a:latin typeface="Calibri" panose="020F0502020204030204" pitchFamily="34" charset="0"/>
+                <a:ea typeface="Calibri" panose="020F0502020204030204" pitchFamily="34" charset="0"/>
+                <a:cs typeface="Calibri" panose="020F0502020204030204" pitchFamily="34" charset="0"/>
+              </a:rPr>
+            </a:br>
+            <a:r>
+              <a:rPr lang="en-US" sz="1600" dirty="0">
+                <a:latin typeface="Calibri" panose="020F0502020204030204" pitchFamily="34" charset="0"/>
+                <a:ea typeface="Calibri" panose="020F0502020204030204" pitchFamily="34" charset="0"/>
+                <a:cs typeface="Calibri" panose="020F0502020204030204" pitchFamily="34" charset="0"/>
+              </a:rPr>
+              <a:t>Set retention policies for logs and use custom metrics sparingly.</a:t>
+            </a:r>
+          </a:p>
+          <a:p>
+            <a:pPr>
+              <a:buFont typeface="Arial" panose="020B0604020202020204" pitchFamily="34" charset="0"/>
+              <a:buChar char="•"/>
+            </a:pPr>
+            <a:r>
+              <a:rPr lang="en-US" sz="1600" b="1" dirty="0">
+                <a:latin typeface="Calibri" panose="020F0502020204030204" pitchFamily="34" charset="0"/>
+                <a:ea typeface="Calibri" panose="020F0502020204030204" pitchFamily="34" charset="0"/>
+                <a:cs typeface="Calibri" panose="020F0502020204030204" pitchFamily="34" charset="0"/>
+              </a:rPr>
+              <a:t>Amazon SNS</a:t>
+            </a:r>
+            <a:r>
+              <a:rPr lang="en-US" sz="1600" dirty="0">
+                <a:latin typeface="Calibri" panose="020F0502020204030204" pitchFamily="34" charset="0"/>
+                <a:ea typeface="Calibri" panose="020F0502020204030204" pitchFamily="34" charset="0"/>
+                <a:cs typeface="Calibri" panose="020F0502020204030204" pitchFamily="34" charset="0"/>
+              </a:rPr>
+              <a:t>:</a:t>
+            </a:r>
+            <a:br>
+              <a:rPr lang="en-US" sz="1600" dirty="0">
+                <a:latin typeface="Calibri" panose="020F0502020204030204" pitchFamily="34" charset="0"/>
+                <a:ea typeface="Calibri" panose="020F0502020204030204" pitchFamily="34" charset="0"/>
+                <a:cs typeface="Calibri" panose="020F0502020204030204" pitchFamily="34" charset="0"/>
+              </a:rPr>
+            </a:br>
+            <a:r>
+              <a:rPr lang="en-US" sz="1600" dirty="0">
+                <a:latin typeface="Calibri" panose="020F0502020204030204" pitchFamily="34" charset="0"/>
+                <a:ea typeface="Calibri" panose="020F0502020204030204" pitchFamily="34" charset="0"/>
+                <a:cs typeface="Calibri" panose="020F0502020204030204" pitchFamily="34" charset="0"/>
+              </a:rPr>
+              <a:t>Limit SNS usage to essential notifications and batch publish messages when possible.</a:t>
+            </a:r>
+          </a:p>
+        </p:txBody>
+      </p:sp>
+    </p:spTree>
+    <p:extLst>
+      <p:ext uri="{BB962C8B-B14F-4D97-AF65-F5344CB8AC3E}">
+        <p14:creationId xmlns:p14="http://schemas.microsoft.com/office/powerpoint/2010/main" val="4256076594"/>
+      </p:ext>
+    </p:extLst>
+  </p:cSld>
+  <p:clrMapOvr>
+    <a:masterClrMapping/>
+  </p:clrMapOvr>
+</p:sld>
+</file>
+
+<file path=ppt/slides/slide12.xml><?xml version="1.0" encoding="utf-8"?>
+<p:sld xmlns:a="http://schemas.openxmlformats.org/drawingml/2006/main" xmlns:r="http://schemas.openxmlformats.org/officeDocument/2006/relationships" xmlns:p="http://schemas.openxmlformats.org/presentationml/2006/main">
+  <p:cSld>
+    <p:spTree>
+      <p:nvGrpSpPr>
+        <p:cNvPr id="1" name=""/>
+        <p:cNvGrpSpPr/>
+        <p:nvPr/>
+      </p:nvGrpSpPr>
+      <p:grpSpPr>
+        <a:xfrm>
+          <a:off x="0" y="0"/>
+          <a:ext cx="0" cy="0"/>
+          <a:chOff x="0" y="0"/>
+          <a:chExt cx="0" cy="0"/>
+        </a:xfrm>
+      </p:grpSpPr>
+      <p:sp>
+        <p:nvSpPr>
           <p:cNvPr id="4" name="Title 3">
             <a:extLst>
               <a:ext uri="{FF2B5EF4-FFF2-40B4-BE49-F238E27FC236}">
@@ -6419,7 +6777,12 @@
             <p:ph type="title"/>
           </p:nvPr>
         </p:nvSpPr>
-        <p:spPr/>
+        <p:spPr>
+          <a:xfrm>
+            <a:off x="677334" y="609600"/>
+            <a:ext cx="8596668" cy="663019"/>
+          </a:xfrm>
+        </p:spPr>
         <p:txBody>
           <a:bodyPr>
             <a:normAutofit/>
@@ -6489,7 +6852,15 @@
                 <a:ea typeface="Calibri" panose="020F0502020204030204" pitchFamily="34" charset="0"/>
                 <a:cs typeface="Calibri" panose="020F0502020204030204" pitchFamily="34" charset="0"/>
               </a:rPr>
-              <a:t>: Design and build a scalable Data Lake to store and query raw, structured, and unstructured data.</a:t>
+              <a:t>: </a:t>
+            </a:r>
+            <a:r>
+              <a:rPr lang="en-US" dirty="0">
+                <a:latin typeface="Calibri" panose="020F0502020204030204" pitchFamily="34" charset="0"/>
+                <a:ea typeface="Calibri" panose="020F0502020204030204" pitchFamily="34" charset="0"/>
+                <a:cs typeface="Calibri" panose="020F0502020204030204" pitchFamily="34" charset="0"/>
+              </a:rPr>
+              <a:t>To design and build a scalable Data Lake capable of storing and querying raw, structured, and unstructured data efficiently.</a:t>
             </a:r>
           </a:p>
           <a:p>
@@ -6600,116 +6971,139 @@
             </a:r>
           </a:p>
           <a:p>
-            <a:pPr marL="742950" lvl="1" indent="-285750">
-              <a:buFont typeface="Arial" panose="020B0604020202020204" pitchFamily="34" charset="0"/>
-              <a:buChar char="•"/>
+            <a:pPr marL="342900" lvl="0" indent="-342900">
+              <a:lnSpc>
+                <a:spcPct val="107000"/>
+              </a:lnSpc>
+              <a:buFont typeface="Symbol" panose="05050102010706020507" pitchFamily="18" charset="2"/>
+              <a:buChar char=""/>
             </a:pPr>
             <a:r>
               <a:rPr lang="en-IN" sz="1800" b="1" dirty="0">
-                <a:solidFill>
-                  <a:schemeClr val="tx1"/>
-                </a:solidFill>
+                <a:effectLst/>
                 <a:latin typeface="Calibri" panose="020F0502020204030204" pitchFamily="34" charset="0"/>
-                <a:ea typeface="Calibri" panose="020F0502020204030204" pitchFamily="34" charset="0"/>
+                <a:ea typeface="Times New Roman" panose="02020603050405020304" pitchFamily="18" charset="0"/>
                 <a:cs typeface="Calibri" panose="020F0502020204030204" pitchFamily="34" charset="0"/>
               </a:rPr>
-              <a:t>Data Ingestion</a:t>
+              <a:t>Data Ingestion:</a:t>
             </a:r>
             <a:r>
               <a:rPr lang="en-IN" sz="1800" dirty="0">
-                <a:solidFill>
-                  <a:schemeClr val="tx1"/>
-                </a:solidFill>
+                <a:effectLst/>
                 <a:latin typeface="Calibri" panose="020F0502020204030204" pitchFamily="34" charset="0"/>
-                <a:ea typeface="Calibri" panose="020F0502020204030204" pitchFamily="34" charset="0"/>
+                <a:ea typeface="Times New Roman" panose="02020603050405020304" pitchFamily="18" charset="0"/>
                 <a:cs typeface="Calibri" panose="020F0502020204030204" pitchFamily="34" charset="0"/>
               </a:rPr>
-              <a:t>: Store data from various sources (CSV and PARQUET) in raw format.</a:t>
-            </a:r>
-          </a:p>
-          <a:p>
-            <a:pPr marL="742950" lvl="1" indent="-285750">
-              <a:buFont typeface="Arial" panose="020B0604020202020204" pitchFamily="34" charset="0"/>
-              <a:buChar char="•"/>
+              <a:t> Collect and store data from various sources (e.g., CSV, JSON, logs) in its raw format.</a:t>
+            </a:r>
+            <a:endParaRPr lang="en-IN" sz="1800" dirty="0">
+              <a:effectLst/>
+              <a:latin typeface="Calibri" panose="020F0502020204030204" pitchFamily="34" charset="0"/>
+              <a:ea typeface="Times New Roman" panose="02020603050405020304" pitchFamily="18" charset="0"/>
+              <a:cs typeface="Times New Roman" panose="02020603050405020304" pitchFamily="18" charset="0"/>
+            </a:endParaRPr>
+          </a:p>
+          <a:p>
+            <a:pPr marL="342900" lvl="0" indent="-342900">
+              <a:lnSpc>
+                <a:spcPct val="107000"/>
+              </a:lnSpc>
+              <a:buFont typeface="Symbol" panose="05050102010706020507" pitchFamily="18" charset="2"/>
+              <a:buChar char=""/>
             </a:pPr>
             <a:r>
               <a:rPr lang="en-IN" sz="1800" b="1" dirty="0">
-                <a:solidFill>
-                  <a:schemeClr val="tx1"/>
-                </a:solidFill>
+                <a:effectLst/>
                 <a:latin typeface="Calibri" panose="020F0502020204030204" pitchFamily="34" charset="0"/>
-                <a:ea typeface="Calibri" panose="020F0502020204030204" pitchFamily="34" charset="0"/>
+                <a:ea typeface="Times New Roman" panose="02020603050405020304" pitchFamily="18" charset="0"/>
                 <a:cs typeface="Calibri" panose="020F0502020204030204" pitchFamily="34" charset="0"/>
               </a:rPr>
-              <a:t>Data Processing</a:t>
+              <a:t>Data Processing:</a:t>
             </a:r>
             <a:r>
               <a:rPr lang="en-IN" sz="1800" dirty="0">
-                <a:solidFill>
-                  <a:schemeClr val="tx1"/>
-                </a:solidFill>
+                <a:effectLst/>
                 <a:latin typeface="Calibri" panose="020F0502020204030204" pitchFamily="34" charset="0"/>
-                <a:ea typeface="Calibri" panose="020F0502020204030204" pitchFamily="34" charset="0"/>
+                <a:ea typeface="Times New Roman" panose="02020603050405020304" pitchFamily="18" charset="0"/>
                 <a:cs typeface="Calibri" panose="020F0502020204030204" pitchFamily="34" charset="0"/>
               </a:rPr>
-              <a:t>: Use PySpark to process and analyse the data.</a:t>
-            </a:r>
-          </a:p>
-          <a:p>
-            <a:pPr marL="742950" lvl="1" indent="-285750">
-              <a:buFont typeface="Arial" panose="020B0604020202020204" pitchFamily="34" charset="0"/>
-              <a:buChar char="•"/>
+              <a:t> Use PySpark to process and analyze the ingested data.</a:t>
+            </a:r>
+            <a:endParaRPr lang="en-IN" sz="1800" dirty="0">
+              <a:effectLst/>
+              <a:latin typeface="Calibri" panose="020F0502020204030204" pitchFamily="34" charset="0"/>
+              <a:ea typeface="Times New Roman" panose="02020603050405020304" pitchFamily="18" charset="0"/>
+              <a:cs typeface="Times New Roman" panose="02020603050405020304" pitchFamily="18" charset="0"/>
+            </a:endParaRPr>
+          </a:p>
+          <a:p>
+            <a:pPr marL="342900" lvl="0" indent="-342900">
+              <a:lnSpc>
+                <a:spcPct val="107000"/>
+              </a:lnSpc>
+              <a:buFont typeface="Symbol" panose="05050102010706020507" pitchFamily="18" charset="2"/>
+              <a:buChar char=""/>
             </a:pPr>
             <a:r>
               <a:rPr lang="en-IN" sz="1800" b="1" dirty="0">
-                <a:solidFill>
-                  <a:schemeClr val="tx1"/>
-                </a:solidFill>
+                <a:effectLst/>
                 <a:latin typeface="Calibri" panose="020F0502020204030204" pitchFamily="34" charset="0"/>
-                <a:ea typeface="Calibri" panose="020F0502020204030204" pitchFamily="34" charset="0"/>
+                <a:ea typeface="Times New Roman" panose="02020603050405020304" pitchFamily="18" charset="0"/>
                 <a:cs typeface="Calibri" panose="020F0502020204030204" pitchFamily="34" charset="0"/>
               </a:rPr>
-              <a:t>Data Storage</a:t>
+              <a:t>Data Storage:</a:t>
             </a:r>
             <a:r>
               <a:rPr lang="en-IN" sz="1800" dirty="0">
-                <a:solidFill>
-                  <a:schemeClr val="tx1"/>
-                </a:solidFill>
+                <a:effectLst/>
                 <a:latin typeface="Calibri" panose="020F0502020204030204" pitchFamily="34" charset="0"/>
-                <a:ea typeface="Calibri" panose="020F0502020204030204" pitchFamily="34" charset="0"/>
+                <a:ea typeface="Times New Roman" panose="02020603050405020304" pitchFamily="18" charset="0"/>
                 <a:cs typeface="Calibri" panose="020F0502020204030204" pitchFamily="34" charset="0"/>
               </a:rPr>
-              <a:t>: Store data in Amazon S3 Bucket.</a:t>
-            </a:r>
-          </a:p>
-          <a:p>
-            <a:pPr marL="742950" lvl="1" indent="-285750">
-              <a:buFont typeface="Arial" panose="020B0604020202020204" pitchFamily="34" charset="0"/>
-              <a:buChar char="•"/>
+              <a:t> Save data in a distributed file system such as HDFS, Amazon S3, or Delta Lake.</a:t>
+            </a:r>
+            <a:endParaRPr lang="en-IN" sz="1800" dirty="0">
+              <a:effectLst/>
+              <a:latin typeface="Calibri" panose="020F0502020204030204" pitchFamily="34" charset="0"/>
+              <a:ea typeface="Times New Roman" panose="02020603050405020304" pitchFamily="18" charset="0"/>
+              <a:cs typeface="Times New Roman" panose="02020603050405020304" pitchFamily="18" charset="0"/>
+            </a:endParaRPr>
+          </a:p>
+          <a:p>
+            <a:pPr marL="342900" lvl="0" indent="-342900">
+              <a:lnSpc>
+                <a:spcPct val="107000"/>
+              </a:lnSpc>
+              <a:spcAft>
+                <a:spcPts val="800"/>
+              </a:spcAft>
+              <a:buFont typeface="Symbol" panose="05050102010706020507" pitchFamily="18" charset="2"/>
+              <a:buChar char=""/>
             </a:pPr>
             <a:r>
               <a:rPr lang="en-IN" sz="1800" b="1" dirty="0">
-                <a:solidFill>
-                  <a:schemeClr val="tx1"/>
-                </a:solidFill>
+                <a:effectLst/>
                 <a:latin typeface="Calibri" panose="020F0502020204030204" pitchFamily="34" charset="0"/>
-                <a:ea typeface="Calibri" panose="020F0502020204030204" pitchFamily="34" charset="0"/>
+                <a:ea typeface="Times New Roman" panose="02020603050405020304" pitchFamily="18" charset="0"/>
                 <a:cs typeface="Calibri" panose="020F0502020204030204" pitchFamily="34" charset="0"/>
               </a:rPr>
-              <a:t>Querying and Reporting</a:t>
+              <a:t>Querying and Reporting:</a:t>
             </a:r>
             <a:r>
               <a:rPr lang="en-IN" sz="1800" dirty="0">
-                <a:solidFill>
-                  <a:schemeClr val="tx1"/>
-                </a:solidFill>
+                <a:effectLst/>
                 <a:latin typeface="Calibri" panose="020F0502020204030204" pitchFamily="34" charset="0"/>
-                <a:ea typeface="Calibri" panose="020F0502020204030204" pitchFamily="34" charset="0"/>
+                <a:ea typeface="Times New Roman" panose="02020603050405020304" pitchFamily="18" charset="0"/>
                 <a:cs typeface="Calibri" panose="020F0502020204030204" pitchFamily="34" charset="0"/>
               </a:rPr>
-              <a:t>: Implement querying using Spark SQL.</a:t>
-            </a:r>
+              <a:t> Enable querying capabilities using Spark SQL and tools like Amazon Athena for analytical insights.</a:t>
+            </a:r>
+            <a:endParaRPr lang="en-IN" sz="1800" dirty="0">
+              <a:effectLst/>
+              <a:latin typeface="Calibri" panose="020F0502020204030204" pitchFamily="34" charset="0"/>
+              <a:ea typeface="Times New Roman" panose="02020603050405020304" pitchFamily="18" charset="0"/>
+              <a:cs typeface="Times New Roman" panose="02020603050405020304" pitchFamily="18" charset="0"/>
+            </a:endParaRPr>
           </a:p>
           <a:p>
             <a:endParaRPr lang="en-IN" dirty="0">
@@ -6769,7 +7163,12 @@
             <p:ph type="title"/>
           </p:nvPr>
         </p:nvSpPr>
-        <p:spPr/>
+        <p:spPr>
+          <a:xfrm>
+            <a:off x="677334" y="609600"/>
+            <a:ext cx="8596668" cy="691299"/>
+          </a:xfrm>
+        </p:spPr>
         <p:txBody>
           <a:bodyPr>
             <a:normAutofit/>
@@ -6818,7 +7217,7 @@
               <a:buChar char="•"/>
             </a:pPr>
             <a:r>
-              <a:rPr lang="en-IN" b="1" dirty="0">
+              <a:rPr lang="en-US" b="1" dirty="0">
                 <a:latin typeface="Calibri" panose="020F0502020204030204" pitchFamily="34" charset="0"/>
                 <a:ea typeface="Calibri" panose="020F0502020204030204" pitchFamily="34" charset="0"/>
                 <a:cs typeface="Calibri" panose="020F0502020204030204" pitchFamily="34" charset="0"/>
@@ -6826,12 +7225,12 @@
               <a:t>Processing</a:t>
             </a:r>
             <a:r>
-              <a:rPr lang="en-IN" dirty="0">
+              <a:rPr lang="en-US" dirty="0">
                 <a:latin typeface="Calibri" panose="020F0502020204030204" pitchFamily="34" charset="0"/>
                 <a:ea typeface="Calibri" panose="020F0502020204030204" pitchFamily="34" charset="0"/>
                 <a:cs typeface="Calibri" panose="020F0502020204030204" pitchFamily="34" charset="0"/>
               </a:rPr>
-              <a:t>: PySpark</a:t>
+              <a:t>: PySpark (v3.3) – Handles data processing and transformations within the pipeline.</a:t>
             </a:r>
           </a:p>
           <a:p>
@@ -6840,7 +7239,7 @@
               <a:buChar char="•"/>
             </a:pPr>
             <a:r>
-              <a:rPr lang="en-IN" b="1" dirty="0">
+              <a:rPr lang="en-US" b="1" dirty="0">
                 <a:latin typeface="Calibri" panose="020F0502020204030204" pitchFamily="34" charset="0"/>
                 <a:ea typeface="Calibri" panose="020F0502020204030204" pitchFamily="34" charset="0"/>
                 <a:cs typeface="Calibri" panose="020F0502020204030204" pitchFamily="34" charset="0"/>
@@ -6848,12 +7247,12 @@
               <a:t>Storage</a:t>
             </a:r>
             <a:r>
-              <a:rPr lang="en-IN" dirty="0">
+              <a:rPr lang="en-US" dirty="0">
                 <a:latin typeface="Calibri" panose="020F0502020204030204" pitchFamily="34" charset="0"/>
                 <a:ea typeface="Calibri" panose="020F0502020204030204" pitchFamily="34" charset="0"/>
                 <a:cs typeface="Calibri" panose="020F0502020204030204" pitchFamily="34" charset="0"/>
               </a:rPr>
-              <a:t>: Amazon S3</a:t>
+              <a:t>: Amazon S3 – Provides scalable and durable storage for raw, processed, and structured data.</a:t>
             </a:r>
           </a:p>
           <a:p>
@@ -6862,7 +7261,7 @@
               <a:buChar char="•"/>
             </a:pPr>
             <a:r>
-              <a:rPr lang="en-IN" b="1" dirty="0">
+              <a:rPr lang="en-US" b="1" dirty="0">
                 <a:latin typeface="Calibri" panose="020F0502020204030204" pitchFamily="34" charset="0"/>
                 <a:ea typeface="Calibri" panose="020F0502020204030204" pitchFamily="34" charset="0"/>
                 <a:cs typeface="Calibri" panose="020F0502020204030204" pitchFamily="34" charset="0"/>
@@ -6870,12 +7269,12 @@
               <a:t>Querying</a:t>
             </a:r>
             <a:r>
-              <a:rPr lang="en-IN" dirty="0">
+              <a:rPr lang="en-US" dirty="0">
                 <a:latin typeface="Calibri" panose="020F0502020204030204" pitchFamily="34" charset="0"/>
                 <a:ea typeface="Calibri" panose="020F0502020204030204" pitchFamily="34" charset="0"/>
                 <a:cs typeface="Calibri" panose="020F0502020204030204" pitchFamily="34" charset="0"/>
               </a:rPr>
-              <a:t>: Spark SQL</a:t>
+              <a:t>: Spark SQL – Facilitates querying and analysis of data stored in the Data Lake.</a:t>
             </a:r>
           </a:p>
           <a:p>
@@ -6884,7 +7283,7 @@
               <a:buChar char="•"/>
             </a:pPr>
             <a:r>
-              <a:rPr lang="en-IN" b="1" dirty="0">
+              <a:rPr lang="en-US" b="1" dirty="0">
                 <a:latin typeface="Calibri" panose="020F0502020204030204" pitchFamily="34" charset="0"/>
                 <a:ea typeface="Calibri" panose="020F0502020204030204" pitchFamily="34" charset="0"/>
                 <a:cs typeface="Calibri" panose="020F0502020204030204" pitchFamily="34" charset="0"/>
@@ -6892,12 +7291,12 @@
               <a:t>Orchestration</a:t>
             </a:r>
             <a:r>
-              <a:rPr lang="en-IN" dirty="0">
+              <a:rPr lang="en-US" dirty="0">
                 <a:latin typeface="Calibri" panose="020F0502020204030204" pitchFamily="34" charset="0"/>
                 <a:ea typeface="Calibri" panose="020F0502020204030204" pitchFamily="34" charset="0"/>
                 <a:cs typeface="Calibri" panose="020F0502020204030204" pitchFamily="34" charset="0"/>
               </a:rPr>
-              <a:t>: AWS</a:t>
+              <a:t>: Amazon Web Services (AWS) – Integrates and manages workflows using services like AWS Glue and Apache Airflow.</a:t>
             </a:r>
           </a:p>
           <a:p>
@@ -6906,13 +7305,34 @@
               <a:buChar char="•"/>
             </a:pPr>
             <a:r>
-              <a:rPr lang="en-IN" dirty="0">
+              <a:rPr lang="en-US" b="1" dirty="0">
                 <a:latin typeface="Calibri" panose="020F0502020204030204" pitchFamily="34" charset="0"/>
                 <a:ea typeface="Calibri" panose="020F0502020204030204" pitchFamily="34" charset="0"/>
                 <a:cs typeface="Calibri" panose="020F0502020204030204" pitchFamily="34" charset="0"/>
               </a:rPr>
-              <a:t>Output View: Athena Table</a:t>
-            </a:r>
+              <a:t>Output View</a:t>
+            </a:r>
+            <a:r>
+              <a:rPr lang="en-US" dirty="0">
+                <a:latin typeface="Calibri" panose="020F0502020204030204" pitchFamily="34" charset="0"/>
+                <a:ea typeface="Calibri" panose="020F0502020204030204" pitchFamily="34" charset="0"/>
+                <a:cs typeface="Calibri" panose="020F0502020204030204" pitchFamily="34" charset="0"/>
+              </a:rPr>
+              <a:t>: Athena Table – Enables SQL-based querying and visualization of processed </a:t>
+            </a:r>
+            <a:r>
+              <a:rPr lang="en-US">
+                <a:latin typeface="Calibri" panose="020F0502020204030204" pitchFamily="34" charset="0"/>
+                <a:ea typeface="Calibri" panose="020F0502020204030204" pitchFamily="34" charset="0"/>
+                <a:cs typeface="Calibri" panose="020F0502020204030204" pitchFamily="34" charset="0"/>
+              </a:rPr>
+              <a:t>data.</a:t>
+            </a:r>
+            <a:endParaRPr lang="en-US" dirty="0">
+              <a:latin typeface="Calibri" panose="020F0502020204030204" pitchFamily="34" charset="0"/>
+              <a:ea typeface="Calibri" panose="020F0502020204030204" pitchFamily="34" charset="0"/>
+              <a:cs typeface="Calibri" panose="020F0502020204030204" pitchFamily="34" charset="0"/>
+            </a:endParaRPr>
           </a:p>
         </p:txBody>
       </p:sp>
@@ -6962,7 +7382,12 @@
             <p:ph type="title"/>
           </p:nvPr>
         </p:nvSpPr>
-        <p:spPr/>
+        <p:spPr>
+          <a:xfrm>
+            <a:off x="677334" y="609600"/>
+            <a:ext cx="8596668" cy="698064"/>
+          </a:xfrm>
+        </p:spPr>
         <p:txBody>
           <a:bodyPr/>
           <a:lstStyle/>
@@ -6978,12 +7403,51 @@
           </a:p>
         </p:txBody>
       </p:sp>
+      <p:sp>
+        <p:nvSpPr>
+          <p:cNvPr id="3" name="TextBox 2">
+            <a:extLst>
+              <a:ext uri="{FF2B5EF4-FFF2-40B4-BE49-F238E27FC236}">
+                <a16:creationId xmlns:a16="http://schemas.microsoft.com/office/drawing/2014/main" id="{55B0CB99-F7D1-AF64-2744-BB68FDC06080}"/>
+              </a:ext>
+            </a:extLst>
+          </p:cNvPr>
+          <p:cNvSpPr txBox="1"/>
+          <p:nvPr/>
+        </p:nvSpPr>
+        <p:spPr>
+          <a:xfrm>
+            <a:off x="904973" y="1564849"/>
+            <a:ext cx="4383464" cy="338554"/>
+          </a:xfrm>
+          <a:prstGeom prst="rect">
+            <a:avLst/>
+          </a:prstGeom>
+          <a:noFill/>
+        </p:spPr>
+        <p:txBody>
+          <a:bodyPr wrap="square" rtlCol="0">
+            <a:spAutoFit/>
+          </a:bodyPr>
+          <a:lstStyle/>
+          <a:p>
+            <a:r>
+              <a:rPr lang="en-IN" sz="1600" b="1" dirty="0">
+                <a:latin typeface="Calibri" panose="020F0502020204030204" pitchFamily="34" charset="0"/>
+                <a:ea typeface="Calibri" panose="020F0502020204030204" pitchFamily="34" charset="0"/>
+                <a:cs typeface="Calibri" panose="020F0502020204030204" pitchFamily="34" charset="0"/>
+              </a:rPr>
+              <a:t>Data Lake Architecture Overview</a:t>
+            </a:r>
+          </a:p>
+        </p:txBody>
+      </p:sp>
       <p:pic>
         <p:nvPicPr>
-          <p:cNvPr id="5" name="Content Placeholder 4">
+          <p:cNvPr id="8" name="Content Placeholder 7">
             <a:extLst>
               <a:ext uri="{FF2B5EF4-FFF2-40B4-BE49-F238E27FC236}">
-                <a16:creationId xmlns:a16="http://schemas.microsoft.com/office/drawing/2014/main" id="{08005397-E563-E6B8-CD50-7C7A36D19A9A}"/>
+                <a16:creationId xmlns:a16="http://schemas.microsoft.com/office/drawing/2014/main" id="{51056971-D426-63D9-3722-DF44EB2F87F8}"/>
               </a:ext>
             </a:extLst>
           </p:cNvPr>
@@ -7002,8 +7466,8 @@
         </p:blipFill>
         <p:spPr>
           <a:xfrm>
-            <a:off x="1376663" y="2160588"/>
-            <a:ext cx="7198711" cy="3881437"/>
+            <a:off x="1150070" y="1979629"/>
+            <a:ext cx="7720553" cy="4157220"/>
           </a:xfrm>
         </p:spPr>
       </p:pic>
@@ -7053,7 +7517,12 @@
             <p:ph type="title"/>
           </p:nvPr>
         </p:nvSpPr>
-        <p:spPr/>
+        <p:spPr>
+          <a:xfrm>
+            <a:off x="677334" y="609600"/>
+            <a:ext cx="8596668" cy="663019"/>
+          </a:xfrm>
+        </p:spPr>
         <p:txBody>
           <a:bodyPr>
             <a:normAutofit/>
@@ -7216,12 +7685,12 @@
         <p:spPr>
           <a:xfrm>
             <a:off x="677334" y="609600"/>
-            <a:ext cx="8596668" cy="719579"/>
+            <a:ext cx="8596668" cy="568755"/>
           </a:xfrm>
         </p:spPr>
         <p:txBody>
           <a:bodyPr>
-            <a:normAutofit/>
+            <a:normAutofit fontScale="90000"/>
           </a:bodyPr>
           <a:lstStyle/>
           <a:p>
@@ -7252,7 +7721,7 @@
             <p:ph idx="1"/>
             <p:extLst>
               <p:ext uri="{D42A27DB-BD31-4B8C-83A1-F6EECF244321}">
-                <p14:modId xmlns:p14="http://schemas.microsoft.com/office/powerpoint/2010/main" val="2423242492"/>
+                <p14:modId xmlns:p14="http://schemas.microsoft.com/office/powerpoint/2010/main" val="1899278604"/>
               </p:ext>
             </p:extLst>
           </p:nvPr>
@@ -7312,7 +7781,7 @@
                     <a:p>
                       <a:pPr algn="l" fontAlgn="b"/>
                       <a:r>
-                        <a:rPr lang="en-US" sz="1400" b="0" i="0" u="none" strike="noStrike" dirty="0">
+                        <a:rPr lang="en-US" sz="1400" b="1" i="0" u="none" strike="noStrike" dirty="0">
                           <a:solidFill>
                             <a:srgbClr val="000000"/>
                           </a:solidFill>
@@ -7324,7 +7793,7 @@
                         <a:t>S</a:t>
                       </a:r>
                       <a:r>
-                        <a:rPr lang="en-IN" sz="1400" b="0" i="0" u="none" strike="noStrike" dirty="0">
+                        <a:rPr lang="en-IN" sz="1400" b="1" i="0" u="none" strike="noStrike" dirty="0">
                           <a:solidFill>
                             <a:srgbClr val="000000"/>
                           </a:solidFill>
@@ -7346,7 +7815,7 @@
                     <a:p>
                       <a:pPr algn="l" fontAlgn="b"/>
                       <a:r>
-                        <a:rPr lang="en-IN" sz="1400" u="none" strike="noStrike" dirty="0">
+                        <a:rPr lang="en-IN" sz="1400" b="1" u="none" strike="noStrike" dirty="0">
                           <a:effectLst/>
                           <a:latin typeface="Calibri" panose="020F0502020204030204" pitchFamily="34" charset="0"/>
                           <a:ea typeface="Calibri" panose="020F0502020204030204" pitchFamily="34" charset="0"/>
@@ -7354,7 +7823,7 @@
                         </a:rPr>
                         <a:t>First Execution</a:t>
                       </a:r>
-                      <a:endParaRPr lang="en-IN" sz="1400" b="0" i="0" u="none" strike="noStrike" dirty="0">
+                      <a:endParaRPr lang="en-IN" sz="1400" b="1" i="0" u="none" strike="noStrike" dirty="0">
                         <a:solidFill>
                           <a:srgbClr val="000000"/>
                         </a:solidFill>
@@ -7374,7 +7843,7 @@
                     <a:p>
                       <a:pPr algn="l" fontAlgn="b"/>
                       <a:r>
-                        <a:rPr lang="en-IN" sz="1400" u="none" strike="noStrike">
+                        <a:rPr lang="en-IN" sz="1400" b="1" u="none" strike="noStrike" dirty="0">
                           <a:effectLst/>
                           <a:latin typeface="Calibri" panose="020F0502020204030204" pitchFamily="34" charset="0"/>
                           <a:ea typeface="Calibri" panose="020F0502020204030204" pitchFamily="34" charset="0"/>
@@ -7382,7 +7851,7 @@
                         </a:rPr>
                         <a:t>Second Execution</a:t>
                       </a:r>
-                      <a:endParaRPr lang="en-IN" sz="1400" b="0" i="0" u="none" strike="noStrike">
+                      <a:endParaRPr lang="en-IN" sz="1400" b="1" i="0" u="none" strike="noStrike" dirty="0">
                         <a:solidFill>
                           <a:srgbClr val="000000"/>
                         </a:solidFill>
@@ -7402,7 +7871,7 @@
                     <a:p>
                       <a:pPr algn="l" fontAlgn="b"/>
                       <a:r>
-                        <a:rPr lang="en-IN" sz="1400" u="none" strike="noStrike" dirty="0">
+                        <a:rPr lang="en-IN" sz="1400" b="1" u="none" strike="noStrike" dirty="0">
                           <a:effectLst/>
                           <a:latin typeface="Calibri" panose="020F0502020204030204" pitchFamily="34" charset="0"/>
                           <a:ea typeface="Calibri" panose="020F0502020204030204" pitchFamily="34" charset="0"/>
@@ -7410,7 +7879,7 @@
                         </a:rPr>
                         <a:t>Third Execution</a:t>
                       </a:r>
-                      <a:endParaRPr lang="en-IN" sz="1400" b="0" i="0" u="none" strike="noStrike" dirty="0">
+                      <a:endParaRPr lang="en-IN" sz="1400" b="1" i="0" u="none" strike="noStrike" dirty="0">
                         <a:solidFill>
                           <a:srgbClr val="000000"/>
                         </a:solidFill>
@@ -7430,7 +7899,7 @@
                     <a:p>
                       <a:pPr algn="l" fontAlgn="b"/>
                       <a:r>
-                        <a:rPr lang="en-IN" sz="1400" u="none" strike="noStrike" dirty="0">
+                        <a:rPr lang="en-IN" sz="1400" b="1" u="none" strike="noStrike" dirty="0">
                           <a:effectLst/>
                           <a:latin typeface="Calibri" panose="020F0502020204030204" pitchFamily="34" charset="0"/>
                           <a:ea typeface="Calibri" panose="020F0502020204030204" pitchFamily="34" charset="0"/>
@@ -7438,7 +7907,7 @@
                         </a:rPr>
                         <a:t>Average Execution Time</a:t>
                       </a:r>
-                      <a:endParaRPr lang="en-IN" sz="1400" b="0" i="0" u="none" strike="noStrike" dirty="0">
+                      <a:endParaRPr lang="en-IN" sz="1400" b="1" i="0" u="none" strike="noStrike" dirty="0">
                         <a:solidFill>
                           <a:srgbClr val="000000"/>
                         </a:solidFill>
@@ -7465,7 +7934,7 @@
                     <a:p>
                       <a:pPr algn="l" fontAlgn="b"/>
                       <a:r>
-                        <a:rPr lang="en-IN" sz="1400" u="none" strike="noStrike">
+                        <a:rPr lang="en-IN" sz="1400" b="1" u="none" strike="noStrike" dirty="0">
                           <a:effectLst/>
                           <a:latin typeface="Calibri" panose="020F0502020204030204" pitchFamily="34" charset="0"/>
                           <a:ea typeface="Calibri" panose="020F0502020204030204" pitchFamily="34" charset="0"/>
@@ -7473,7 +7942,7 @@
                         </a:rPr>
                         <a:t>AWS Glue</a:t>
                       </a:r>
-                      <a:endParaRPr lang="en-IN" sz="1400" b="0" i="0" u="none" strike="noStrike">
+                      <a:endParaRPr lang="en-IN" sz="1400" b="1" i="0" u="none" strike="noStrike" dirty="0">
                         <a:solidFill>
                           <a:srgbClr val="000000"/>
                         </a:solidFill>
@@ -7559,7 +8028,7 @@
                     <a:p>
                       <a:pPr algn="l" fontAlgn="b"/>
                       <a:r>
-                        <a:rPr lang="en-IN" sz="1400" b="0" i="0" u="none" strike="noStrike" dirty="0">
+                        <a:rPr lang="en-IN" sz="1400" b="1" i="0" u="none" strike="noStrike" dirty="0">
                           <a:solidFill>
                             <a:srgbClr val="000000"/>
                           </a:solidFill>
@@ -7588,7 +8057,7 @@
                     <a:p>
                       <a:pPr algn="l" fontAlgn="b"/>
                       <a:r>
-                        <a:rPr lang="en-IN" sz="1400" u="none" strike="noStrike">
+                        <a:rPr lang="en-IN" sz="1400" b="1" u="none" strike="noStrike" dirty="0">
                           <a:effectLst/>
                           <a:latin typeface="Calibri" panose="020F0502020204030204" pitchFamily="34" charset="0"/>
                           <a:ea typeface="Calibri" panose="020F0502020204030204" pitchFamily="34" charset="0"/>
@@ -7596,7 +8065,7 @@
                         </a:rPr>
                         <a:t>AWS Glue Crawler</a:t>
                       </a:r>
-                      <a:endParaRPr lang="en-IN" sz="1400" b="0" i="0" u="none" strike="noStrike">
+                      <a:endParaRPr lang="en-IN" sz="1400" b="1" i="0" u="none" strike="noStrike" dirty="0">
                         <a:solidFill>
                           <a:srgbClr val="000000"/>
                         </a:solidFill>
@@ -7694,7 +8163,7 @@
                     <a:p>
                       <a:pPr algn="l" fontAlgn="b"/>
                       <a:r>
-                        <a:rPr lang="en-IN" sz="1400" u="none" strike="noStrike" dirty="0">
+                        <a:rPr lang="en-IN" sz="1400" b="1" u="none" strike="noStrike" dirty="0">
                           <a:effectLst/>
                           <a:latin typeface="Calibri" panose="020F0502020204030204" pitchFamily="34" charset="0"/>
                           <a:ea typeface="Calibri" panose="020F0502020204030204" pitchFamily="34" charset="0"/>
@@ -7702,7 +8171,7 @@
                         </a:rPr>
                         <a:t>1 min 15.67 sec</a:t>
                       </a:r>
-                      <a:endParaRPr lang="en-IN" sz="1400" b="0" i="0" u="none" strike="noStrike" dirty="0">
+                      <a:endParaRPr lang="en-IN" sz="1400" b="1" i="0" u="none" strike="noStrike" dirty="0">
                         <a:solidFill>
                           <a:srgbClr val="000000"/>
                         </a:solidFill>
@@ -7740,14 +8209,14 @@
           <p:nvPr>
             <p:extLst>
               <p:ext uri="{D42A27DB-BD31-4B8C-83A1-F6EECF244321}">
-                <p14:modId xmlns:p14="http://schemas.microsoft.com/office/powerpoint/2010/main" val="1257151872"/>
+                <p14:modId xmlns:p14="http://schemas.microsoft.com/office/powerpoint/2010/main" val="3576350987"/>
               </p:ext>
             </p:extLst>
           </p:nvPr>
         </p:nvGraphicFramePr>
         <p:xfrm>
           <a:off x="791851" y="3429000"/>
-          <a:ext cx="9012024" cy="1708782"/>
+          <a:ext cx="9012024" cy="1737360"/>
         </p:xfrm>
         <a:graphic>
           <a:graphicData uri="http://schemas.openxmlformats.org/drawingml/2006/table">
@@ -7799,7 +8268,7 @@
                   </a:extLst>
                 </a:gridCol>
               </a:tblGrid>
-              <a:tr h="354271">
+              <a:tr h="434340">
                 <a:tc rowSpan="4">
                   <a:txBody>
                     <a:bodyPr/>
@@ -7807,7 +8276,7 @@
                     <a:p>
                       <a:pPr algn="ctr" fontAlgn="ctr"/>
                       <a:r>
-                        <a:rPr lang="en-IN" sz="1400" u="none" strike="noStrike">
+                        <a:rPr lang="en-IN" sz="1400" b="1" u="none" strike="noStrike" dirty="0">
                           <a:effectLst/>
                           <a:latin typeface="Calibri" panose="020F0502020204030204" pitchFamily="34" charset="0"/>
                           <a:ea typeface="Calibri" panose="020F0502020204030204" pitchFamily="34" charset="0"/>
@@ -7815,7 +8284,7 @@
                         </a:rPr>
                         <a:t>Amazon Athena</a:t>
                       </a:r>
-                      <a:endParaRPr lang="en-IN" sz="1400" b="0" i="0" u="none" strike="noStrike">
+                      <a:endParaRPr lang="en-IN" sz="1400" b="1" i="0" u="none" strike="noStrike" dirty="0">
                         <a:solidFill>
                           <a:srgbClr val="000000"/>
                         </a:solidFill>
@@ -7835,7 +8304,7 @@
                     <a:p>
                       <a:pPr algn="ctr" fontAlgn="ctr"/>
                       <a:r>
-                        <a:rPr lang="en-IN" sz="1400" u="none" strike="noStrike">
+                        <a:rPr lang="en-IN" sz="1400" b="1" u="none" strike="noStrike" dirty="0">
                           <a:effectLst/>
                           <a:latin typeface="Calibri" panose="020F0502020204030204" pitchFamily="34" charset="0"/>
                           <a:ea typeface="Calibri" panose="020F0502020204030204" pitchFamily="34" charset="0"/>
@@ -7843,7 +8312,7 @@
                         </a:rPr>
                         <a:t>Run</a:t>
                       </a:r>
-                      <a:endParaRPr lang="en-IN" sz="1400" b="0" i="0" u="none" strike="noStrike">
+                      <a:endParaRPr lang="en-IN" sz="1400" b="1" i="0" u="none" strike="noStrike" dirty="0">
                         <a:solidFill>
                           <a:srgbClr val="000000"/>
                         </a:solidFill>
@@ -7863,7 +8332,7 @@
                     <a:p>
                       <a:pPr algn="ctr" fontAlgn="ctr"/>
                       <a:r>
-                        <a:rPr lang="en-IN" sz="1400" u="none" strike="noStrike">
+                        <a:rPr lang="en-IN" sz="1400" b="1" u="none" strike="noStrike" dirty="0">
                           <a:effectLst/>
                           <a:latin typeface="Calibri" panose="020F0502020204030204" pitchFamily="34" charset="0"/>
                           <a:ea typeface="Calibri" panose="020F0502020204030204" pitchFamily="34" charset="0"/>
@@ -7871,7 +8340,7 @@
                         </a:rPr>
                         <a:t>Time in Queue</a:t>
                       </a:r>
-                      <a:endParaRPr lang="en-IN" sz="1400" b="0" i="0" u="none" strike="noStrike">
+                      <a:endParaRPr lang="en-IN" sz="1400" b="1" i="0" u="none" strike="noStrike" dirty="0">
                         <a:solidFill>
                           <a:srgbClr val="000000"/>
                         </a:solidFill>
@@ -7891,7 +8360,7 @@
                     <a:p>
                       <a:pPr algn="ctr" fontAlgn="ctr"/>
                       <a:r>
-                        <a:rPr lang="en-IN" sz="1400" u="none" strike="noStrike" dirty="0">
+                        <a:rPr lang="en-IN" sz="1400" b="1" u="none" strike="noStrike" dirty="0">
                           <a:effectLst/>
                           <a:latin typeface="Calibri" panose="020F0502020204030204" pitchFamily="34" charset="0"/>
                           <a:ea typeface="Calibri" panose="020F0502020204030204" pitchFamily="34" charset="0"/>
@@ -7899,7 +8368,7 @@
                         </a:rPr>
                         <a:t>Run Time</a:t>
                       </a:r>
-                      <a:endParaRPr lang="en-IN" sz="1400" b="0" i="0" u="none" strike="noStrike" dirty="0">
+                      <a:endParaRPr lang="en-IN" sz="1400" b="1" i="0" u="none" strike="noStrike" dirty="0">
                         <a:solidFill>
                           <a:srgbClr val="000000"/>
                         </a:solidFill>
@@ -7919,7 +8388,7 @@
                     <a:p>
                       <a:pPr algn="ctr" fontAlgn="ctr"/>
                       <a:r>
-                        <a:rPr lang="en-IN" sz="1400" u="none" strike="noStrike">
+                        <a:rPr lang="en-IN" sz="1400" b="1" u="none" strike="noStrike" dirty="0">
                           <a:effectLst/>
                           <a:latin typeface="Calibri" panose="020F0502020204030204" pitchFamily="34" charset="0"/>
                           <a:ea typeface="Calibri" panose="020F0502020204030204" pitchFamily="34" charset="0"/>
@@ -7927,7 +8396,7 @@
                         </a:rPr>
                         <a:t>Data Scanned</a:t>
                       </a:r>
-                      <a:endParaRPr lang="en-IN" sz="1400" b="0" i="0" u="none" strike="noStrike">
+                      <a:endParaRPr lang="en-IN" sz="1400" b="1" i="0" u="none" strike="noStrike" dirty="0">
                         <a:solidFill>
                           <a:srgbClr val="000000"/>
                         </a:solidFill>
@@ -7947,7 +8416,7 @@
                     <a:p>
                       <a:pPr algn="l" fontAlgn="b"/>
                       <a:r>
-                        <a:rPr lang="en-IN" sz="1400" u="none" strike="noStrike">
+                        <a:rPr lang="en-IN" sz="1400" b="1" u="none" strike="noStrike" dirty="0">
                           <a:effectLst/>
                           <a:latin typeface="Calibri" panose="020F0502020204030204" pitchFamily="34" charset="0"/>
                           <a:ea typeface="Calibri" panose="020F0502020204030204" pitchFamily="34" charset="0"/>
@@ -7955,7 +8424,7 @@
                         </a:rPr>
                         <a:t>Average Execution Time</a:t>
                       </a:r>
-                      <a:endParaRPr lang="en-IN" sz="1400" b="0" i="0" u="none" strike="noStrike">
+                      <a:endParaRPr lang="en-IN" sz="1400" b="1" i="0" u="none" strike="noStrike" dirty="0">
                         <a:solidFill>
                           <a:srgbClr val="000000"/>
                         </a:solidFill>
@@ -7974,7 +8443,7 @@
                   </a:ext>
                 </a:extLst>
               </a:tr>
-              <a:tr h="439937">
+              <a:tr h="434340">
                 <a:tc vMerge="1">
                   <a:txBody>
                     <a:bodyPr/>
@@ -8098,7 +8567,7 @@
                     <a:p>
                       <a:pPr algn="l" fontAlgn="ctr"/>
                       <a:r>
-                        <a:rPr lang="en-US" sz="1400" u="none" strike="noStrike" dirty="0">
+                        <a:rPr lang="en-US" sz="1400" b="1" u="none" strike="noStrike" dirty="0">
                           <a:effectLst/>
                           <a:latin typeface="Calibri" panose="020F0502020204030204" pitchFamily="34" charset="0"/>
                           <a:ea typeface="Calibri" panose="020F0502020204030204" pitchFamily="34" charset="0"/>
@@ -8107,7 +8576,7 @@
                         <a:t>Average Run Time: 547.33 ms</a:t>
                       </a:r>
                       <a:br>
-                        <a:rPr lang="en-US" sz="1400" u="none" strike="noStrike" dirty="0">
+                        <a:rPr lang="en-US" sz="1400" b="1" u="none" strike="noStrike" dirty="0">
                           <a:effectLst/>
                           <a:latin typeface="Calibri" panose="020F0502020204030204" pitchFamily="34" charset="0"/>
                           <a:ea typeface="Calibri" panose="020F0502020204030204" pitchFamily="34" charset="0"/>
@@ -8115,7 +8584,7 @@
                         </a:rPr>
                       </a:br>
                       <a:r>
-                        <a:rPr lang="en-US" sz="1400" u="none" strike="noStrike" dirty="0">
+                        <a:rPr lang="en-US" sz="1400" b="1" u="none" strike="noStrike" dirty="0">
                           <a:effectLst/>
                           <a:latin typeface="Calibri" panose="020F0502020204030204" pitchFamily="34" charset="0"/>
                           <a:ea typeface="Calibri" panose="020F0502020204030204" pitchFamily="34" charset="0"/>
@@ -8124,7 +8593,7 @@
                         <a:t>Average Time in Queue: 83 ms</a:t>
                       </a:r>
                       <a:br>
-                        <a:rPr lang="en-US" sz="1400" u="none" strike="noStrike" dirty="0">
+                        <a:rPr lang="en-US" sz="1400" b="1" u="none" strike="noStrike" dirty="0">
                           <a:effectLst/>
                           <a:latin typeface="Calibri" panose="020F0502020204030204" pitchFamily="34" charset="0"/>
                           <a:ea typeface="Calibri" panose="020F0502020204030204" pitchFamily="34" charset="0"/>
@@ -8132,7 +8601,7 @@
                         </a:rPr>
                       </a:br>
                       <a:r>
-                        <a:rPr lang="en-US" sz="1400" u="none" strike="noStrike" dirty="0">
+                        <a:rPr lang="en-US" sz="1400" b="1" u="none" strike="noStrike" dirty="0">
                           <a:effectLst/>
                           <a:latin typeface="Calibri" panose="020F0502020204030204" pitchFamily="34" charset="0"/>
                           <a:ea typeface="Calibri" panose="020F0502020204030204" pitchFamily="34" charset="0"/>
@@ -8140,7 +8609,7 @@
                         </a:rPr>
                         <a:t>Total Data Scanned: 58.3 KB</a:t>
                       </a:r>
-                      <a:endParaRPr lang="en-US" sz="1400" b="0" i="0" u="none" strike="noStrike" dirty="0">
+                      <a:endParaRPr lang="en-US" sz="1400" b="1" i="0" u="none" strike="noStrike" dirty="0">
                         <a:solidFill>
                           <a:srgbClr val="000000"/>
                         </a:solidFill>
@@ -8159,7 +8628,7 @@
                   </a:ext>
                 </a:extLst>
               </a:tr>
-              <a:tr h="377889">
+              <a:tr h="434340">
                 <a:tc vMerge="1">
                   <a:txBody>
                     <a:bodyPr/>
@@ -8292,7 +8761,7 @@
                   </a:ext>
                 </a:extLst>
               </a:tr>
-              <a:tr h="480234">
+              <a:tr h="434340">
                 <a:tc vMerge="1">
                   <a:txBody>
                     <a:bodyPr/>
@@ -8547,10 +9016,15 @@
             <p:ph type="title"/>
           </p:nvPr>
         </p:nvSpPr>
-        <p:spPr/>
+        <p:spPr>
+          <a:xfrm>
+            <a:off x="677334" y="609600"/>
+            <a:ext cx="8596668" cy="521619"/>
+          </a:xfrm>
+        </p:spPr>
         <p:txBody>
           <a:bodyPr>
-            <a:normAutofit/>
+            <a:normAutofit fontScale="90000"/>
           </a:bodyPr>
           <a:lstStyle/>
           <a:p>
@@ -8582,14 +9056,14 @@
             <p:ph idx="1"/>
             <p:extLst>
               <p:ext uri="{D42A27DB-BD31-4B8C-83A1-F6EECF244321}">
-                <p14:modId xmlns:p14="http://schemas.microsoft.com/office/powerpoint/2010/main" val="634076723"/>
+                <p14:modId xmlns:p14="http://schemas.microsoft.com/office/powerpoint/2010/main" val="3151371778"/>
               </p:ext>
             </p:extLst>
           </p:nvPr>
         </p:nvGraphicFramePr>
         <p:xfrm>
-          <a:off x="791853" y="1753387"/>
-          <a:ext cx="6990866" cy="1178350"/>
+          <a:off x="791852" y="1753387"/>
+          <a:ext cx="7805394" cy="1178350"/>
         </p:xfrm>
         <a:graphic>
           <a:graphicData uri="http://schemas.openxmlformats.org/drawingml/2006/table">
@@ -8598,35 +9072,35 @@
                 <a:tableStyleId>{5C22544A-7EE6-4342-B048-85BDC9FD1C3A}</a:tableStyleId>
               </a:tblPr>
               <a:tblGrid>
-                <a:gridCol w="1344397">
+                <a:gridCol w="1501037">
                   <a:extLst>
                     <a:ext uri="{9D8B030D-6E8A-4147-A177-3AD203B41FA5}">
                       <a16:colId xmlns:a16="http://schemas.microsoft.com/office/drawing/2014/main" val="3332452887"/>
                     </a:ext>
                   </a:extLst>
                 </a:gridCol>
-                <a:gridCol w="1391847">
+                <a:gridCol w="1554016">
                   <a:extLst>
                     <a:ext uri="{9D8B030D-6E8A-4147-A177-3AD203B41FA5}">
                       <a16:colId xmlns:a16="http://schemas.microsoft.com/office/drawing/2014/main" val="3324721340"/>
                     </a:ext>
                   </a:extLst>
                 </a:gridCol>
-                <a:gridCol w="1312764">
+                <a:gridCol w="1465719">
                   <a:extLst>
                     <a:ext uri="{9D8B030D-6E8A-4147-A177-3AD203B41FA5}">
                       <a16:colId xmlns:a16="http://schemas.microsoft.com/office/drawing/2014/main" val="2734792313"/>
                     </a:ext>
                   </a:extLst>
                 </a:gridCol>
-                <a:gridCol w="1170417">
+                <a:gridCol w="1306785">
                   <a:extLst>
                     <a:ext uri="{9D8B030D-6E8A-4147-A177-3AD203B41FA5}">
                       <a16:colId xmlns:a16="http://schemas.microsoft.com/office/drawing/2014/main" val="2301702541"/>
                     </a:ext>
                   </a:extLst>
                 </a:gridCol>
-                <a:gridCol w="1771441">
+                <a:gridCol w="1977837">
                   <a:extLst>
                     <a:ext uri="{9D8B030D-6E8A-4147-A177-3AD203B41FA5}">
                       <a16:colId xmlns:a16="http://schemas.microsoft.com/office/drawing/2014/main" val="725660783"/>
@@ -8642,7 +9116,7 @@
                     <a:p>
                       <a:pPr algn="l" fontAlgn="b"/>
                       <a:r>
-                        <a:rPr lang="en-IN" sz="1400" u="none" strike="noStrike">
+                        <a:rPr lang="en-IN" sz="1400" b="1" u="none" strike="noStrike" dirty="0">
                           <a:effectLst/>
                           <a:latin typeface="Calibri" panose="020F0502020204030204" pitchFamily="34" charset="0"/>
                           <a:ea typeface="Calibri" panose="020F0502020204030204" pitchFamily="34" charset="0"/>
@@ -8650,7 +9124,7 @@
                         </a:rPr>
                         <a:t>Execution</a:t>
                       </a:r>
-                      <a:endParaRPr lang="en-IN" sz="1400" b="0" i="0" u="none" strike="noStrike">
+                      <a:endParaRPr lang="en-IN" sz="1400" b="1" i="0" u="none" strike="noStrike" dirty="0">
                         <a:solidFill>
                           <a:srgbClr val="000000"/>
                         </a:solidFill>
@@ -8670,7 +9144,7 @@
                     <a:p>
                       <a:pPr algn="l" fontAlgn="b"/>
                       <a:r>
-                        <a:rPr lang="en-IN" sz="1400" u="none" strike="noStrike">
+                        <a:rPr lang="en-IN" sz="1400" b="1" u="none" strike="noStrike" dirty="0">
                           <a:effectLst/>
                           <a:latin typeface="Calibri" panose="020F0502020204030204" pitchFamily="34" charset="0"/>
                           <a:ea typeface="Calibri" panose="020F0502020204030204" pitchFamily="34" charset="0"/>
@@ -8678,7 +9152,7 @@
                         </a:rPr>
                         <a:t>First Execution</a:t>
                       </a:r>
-                      <a:endParaRPr lang="en-IN" sz="1400" b="0" i="0" u="none" strike="noStrike">
+                      <a:endParaRPr lang="en-IN" sz="1400" b="1" i="0" u="none" strike="noStrike" dirty="0">
                         <a:solidFill>
                           <a:srgbClr val="000000"/>
                         </a:solidFill>
@@ -8698,7 +9172,7 @@
                     <a:p>
                       <a:pPr algn="l" fontAlgn="b"/>
                       <a:r>
-                        <a:rPr lang="en-IN" sz="1400" u="none" strike="noStrike">
+                        <a:rPr lang="en-IN" sz="1400" b="1" u="none" strike="noStrike" dirty="0">
                           <a:effectLst/>
                           <a:latin typeface="Calibri" panose="020F0502020204030204" pitchFamily="34" charset="0"/>
                           <a:ea typeface="Calibri" panose="020F0502020204030204" pitchFamily="34" charset="0"/>
@@ -8706,7 +9180,7 @@
                         </a:rPr>
                         <a:t>Second Execution</a:t>
                       </a:r>
-                      <a:endParaRPr lang="en-IN" sz="1400" b="0" i="0" u="none" strike="noStrike">
+                      <a:endParaRPr lang="en-IN" sz="1400" b="1" i="0" u="none" strike="noStrike" dirty="0">
                         <a:solidFill>
                           <a:srgbClr val="000000"/>
                         </a:solidFill>
@@ -8726,7 +9200,7 @@
                     <a:p>
                       <a:pPr algn="l" fontAlgn="b"/>
                       <a:r>
-                        <a:rPr lang="en-IN" sz="1400" u="none" strike="noStrike">
+                        <a:rPr lang="en-IN" sz="1400" b="1" u="none" strike="noStrike" dirty="0">
                           <a:effectLst/>
                           <a:latin typeface="Calibri" panose="020F0502020204030204" pitchFamily="34" charset="0"/>
                           <a:ea typeface="Calibri" panose="020F0502020204030204" pitchFamily="34" charset="0"/>
@@ -8734,7 +9208,7 @@
                         </a:rPr>
                         <a:t>Third Execution</a:t>
                       </a:r>
-                      <a:endParaRPr lang="en-IN" sz="1400" b="0" i="0" u="none" strike="noStrike">
+                      <a:endParaRPr lang="en-IN" sz="1400" b="1" i="0" u="none" strike="noStrike" dirty="0">
                         <a:solidFill>
                           <a:srgbClr val="000000"/>
                         </a:solidFill>
@@ -8754,7 +9228,7 @@
                     <a:p>
                       <a:pPr algn="l" fontAlgn="b"/>
                       <a:r>
-                        <a:rPr lang="en-IN" sz="1400" u="none" strike="noStrike">
+                        <a:rPr lang="en-IN" sz="1400" b="1" u="none" strike="noStrike" dirty="0">
                           <a:effectLst/>
                           <a:latin typeface="Calibri" panose="020F0502020204030204" pitchFamily="34" charset="0"/>
                           <a:ea typeface="Calibri" panose="020F0502020204030204" pitchFamily="34" charset="0"/>
@@ -8762,7 +9236,7 @@
                         </a:rPr>
                         <a:t>Average Execution Time</a:t>
                       </a:r>
-                      <a:endParaRPr lang="en-IN" sz="1400" b="0" i="0" u="none" strike="noStrike">
+                      <a:endParaRPr lang="en-IN" sz="1400" b="1" i="0" u="none" strike="noStrike" dirty="0">
                         <a:solidFill>
                           <a:srgbClr val="000000"/>
                         </a:solidFill>
@@ -8789,7 +9263,7 @@
                     <a:p>
                       <a:pPr algn="l" fontAlgn="b"/>
                       <a:r>
-                        <a:rPr lang="en-IN" sz="1400" u="none" strike="noStrike" dirty="0">
+                        <a:rPr lang="en-IN" sz="1400" b="1" u="none" strike="noStrike" dirty="0">
                           <a:effectLst/>
                           <a:latin typeface="Calibri" panose="020F0502020204030204" pitchFamily="34" charset="0"/>
                           <a:ea typeface="Calibri" panose="020F0502020204030204" pitchFamily="34" charset="0"/>
@@ -8797,7 +9271,7 @@
                         </a:rPr>
                         <a:t>AWS Glue</a:t>
                       </a:r>
-                      <a:endParaRPr lang="en-IN" sz="1400" b="0" i="0" u="none" strike="noStrike" dirty="0">
+                      <a:endParaRPr lang="en-IN" sz="1400" b="1" i="0" u="none" strike="noStrike" dirty="0">
                         <a:solidFill>
                           <a:srgbClr val="000000"/>
                         </a:solidFill>
@@ -8901,7 +9375,7 @@
                     <a:p>
                       <a:pPr algn="l" fontAlgn="b"/>
                       <a:r>
-                        <a:rPr lang="en-IN" sz="1400" u="none" strike="noStrike" dirty="0">
+                        <a:rPr lang="en-IN" sz="1400" b="1" u="none" strike="noStrike" dirty="0">
                           <a:effectLst/>
                           <a:latin typeface="Calibri" panose="020F0502020204030204" pitchFamily="34" charset="0"/>
                           <a:ea typeface="Calibri" panose="020F0502020204030204" pitchFamily="34" charset="0"/>
@@ -8909,7 +9383,7 @@
                         </a:rPr>
                         <a:t>1 min 31.67 sec</a:t>
                       </a:r>
-                      <a:endParaRPr lang="en-IN" sz="1400" b="0" i="0" u="none" strike="noStrike" dirty="0">
+                      <a:endParaRPr lang="en-IN" sz="1400" b="1" i="0" u="none" strike="noStrike" dirty="0">
                         <a:solidFill>
                           <a:srgbClr val="000000"/>
                         </a:solidFill>
@@ -8936,7 +9410,7 @@
                     <a:p>
                       <a:pPr algn="l" fontAlgn="b"/>
                       <a:r>
-                        <a:rPr lang="en-IN" sz="1400" u="none" strike="noStrike">
+                        <a:rPr lang="en-IN" sz="1400" b="1" u="none" strike="noStrike" dirty="0">
                           <a:effectLst/>
                           <a:latin typeface="Calibri" panose="020F0502020204030204" pitchFamily="34" charset="0"/>
                           <a:ea typeface="Calibri" panose="020F0502020204030204" pitchFamily="34" charset="0"/>
@@ -8944,7 +9418,7 @@
                         </a:rPr>
                         <a:t>AWS Glue Crawler</a:t>
                       </a:r>
-                      <a:endParaRPr lang="en-IN" sz="1400" b="0" i="0" u="none" strike="noStrike">
+                      <a:endParaRPr lang="en-IN" sz="1400" b="1" i="0" u="none" strike="noStrike" dirty="0">
                         <a:solidFill>
                           <a:srgbClr val="000000"/>
                         </a:solidFill>
@@ -9048,7 +9522,7 @@
                     <a:p>
                       <a:pPr algn="l" fontAlgn="b"/>
                       <a:r>
-                        <a:rPr lang="en-IN" sz="1400" u="none" strike="noStrike" dirty="0">
+                        <a:rPr lang="en-IN" sz="1400" b="1" u="none" strike="noStrike" dirty="0">
                           <a:effectLst/>
                           <a:latin typeface="Calibri" panose="020F0502020204030204" pitchFamily="34" charset="0"/>
                           <a:ea typeface="Calibri" panose="020F0502020204030204" pitchFamily="34" charset="0"/>
@@ -9056,7 +9530,7 @@
                         </a:rPr>
                         <a:t>1 min 7.33 sec</a:t>
                       </a:r>
-                      <a:endParaRPr lang="en-IN" sz="1400" b="0" i="0" u="none" strike="noStrike" dirty="0">
+                      <a:endParaRPr lang="en-IN" sz="1400" b="1" i="0" u="none" strike="noStrike" dirty="0">
                         <a:solidFill>
                           <a:srgbClr val="000000"/>
                         </a:solidFill>
@@ -9133,7 +9607,7 @@
           <p:nvPr>
             <p:extLst>
               <p:ext uri="{D42A27DB-BD31-4B8C-83A1-F6EECF244321}">
-                <p14:modId xmlns:p14="http://schemas.microsoft.com/office/powerpoint/2010/main" val="1358772575"/>
+                <p14:modId xmlns:p14="http://schemas.microsoft.com/office/powerpoint/2010/main" val="804886424"/>
               </p:ext>
             </p:extLst>
           </p:nvPr>
@@ -9200,7 +9674,7 @@
                     <a:p>
                       <a:pPr algn="ctr" fontAlgn="ctr"/>
                       <a:r>
-                        <a:rPr lang="en-IN" sz="1400" u="none" strike="noStrike">
+                        <a:rPr lang="en-IN" sz="1400" b="1" u="none" strike="noStrike" dirty="0">
                           <a:effectLst/>
                           <a:latin typeface="Calibri" panose="020F0502020204030204" pitchFamily="34" charset="0"/>
                           <a:ea typeface="Calibri" panose="020F0502020204030204" pitchFamily="34" charset="0"/>
@@ -9208,7 +9682,7 @@
                         </a:rPr>
                         <a:t>Amazon Athena</a:t>
                       </a:r>
-                      <a:endParaRPr lang="en-IN" sz="1400" b="0" i="0" u="none" strike="noStrike">
+                      <a:endParaRPr lang="en-IN" sz="1400" b="1" i="0" u="none" strike="noStrike" dirty="0">
                         <a:solidFill>
                           <a:srgbClr val="000000"/>
                         </a:solidFill>
@@ -9228,7 +9702,7 @@
                     <a:p>
                       <a:pPr algn="ctr" fontAlgn="ctr"/>
                       <a:r>
-                        <a:rPr lang="en-IN" sz="1400" u="none" strike="noStrike">
+                        <a:rPr lang="en-IN" sz="1400" b="1" u="none" strike="noStrike" dirty="0">
                           <a:effectLst/>
                           <a:latin typeface="Calibri" panose="020F0502020204030204" pitchFamily="34" charset="0"/>
                           <a:ea typeface="Calibri" panose="020F0502020204030204" pitchFamily="34" charset="0"/>
@@ -9236,7 +9710,7 @@
                         </a:rPr>
                         <a:t>Run</a:t>
                       </a:r>
-                      <a:endParaRPr lang="en-IN" sz="1400" b="0" i="0" u="none" strike="noStrike">
+                      <a:endParaRPr lang="en-IN" sz="1400" b="1" i="0" u="none" strike="noStrike" dirty="0">
                         <a:solidFill>
                           <a:srgbClr val="000000"/>
                         </a:solidFill>
@@ -9256,7 +9730,7 @@
                     <a:p>
                       <a:pPr algn="ctr" fontAlgn="ctr"/>
                       <a:r>
-                        <a:rPr lang="en-IN" sz="1400" u="none" strike="noStrike">
+                        <a:rPr lang="en-IN" sz="1400" b="1" u="none" strike="noStrike" dirty="0">
                           <a:effectLst/>
                           <a:latin typeface="Calibri" panose="020F0502020204030204" pitchFamily="34" charset="0"/>
                           <a:ea typeface="Calibri" panose="020F0502020204030204" pitchFamily="34" charset="0"/>
@@ -9264,7 +9738,7 @@
                         </a:rPr>
                         <a:t>Time in Queue</a:t>
                       </a:r>
-                      <a:endParaRPr lang="en-IN" sz="1400" b="0" i="0" u="none" strike="noStrike">
+                      <a:endParaRPr lang="en-IN" sz="1400" b="1" i="0" u="none" strike="noStrike" dirty="0">
                         <a:solidFill>
                           <a:srgbClr val="000000"/>
                         </a:solidFill>
@@ -9284,7 +9758,7 @@
                     <a:p>
                       <a:pPr algn="ctr" fontAlgn="ctr"/>
                       <a:r>
-                        <a:rPr lang="en-IN" sz="1400" u="none" strike="noStrike">
+                        <a:rPr lang="en-IN" sz="1400" b="1" u="none" strike="noStrike" dirty="0">
                           <a:effectLst/>
                           <a:latin typeface="Calibri" panose="020F0502020204030204" pitchFamily="34" charset="0"/>
                           <a:ea typeface="Calibri" panose="020F0502020204030204" pitchFamily="34" charset="0"/>
@@ -9292,7 +9766,7 @@
                         </a:rPr>
                         <a:t>Run Time</a:t>
                       </a:r>
-                      <a:endParaRPr lang="en-IN" sz="1400" b="0" i="0" u="none" strike="noStrike">
+                      <a:endParaRPr lang="en-IN" sz="1400" b="1" i="0" u="none" strike="noStrike" dirty="0">
                         <a:solidFill>
                           <a:srgbClr val="000000"/>
                         </a:solidFill>
@@ -9312,7 +9786,7 @@
                     <a:p>
                       <a:pPr algn="ctr" fontAlgn="ctr"/>
                       <a:r>
-                        <a:rPr lang="en-IN" sz="1400" u="none" strike="noStrike">
+                        <a:rPr lang="en-IN" sz="1400" b="1" u="none" strike="noStrike" dirty="0">
                           <a:effectLst/>
                           <a:latin typeface="Calibri" panose="020F0502020204030204" pitchFamily="34" charset="0"/>
                           <a:ea typeface="Calibri" panose="020F0502020204030204" pitchFamily="34" charset="0"/>
@@ -9320,7 +9794,7 @@
                         </a:rPr>
                         <a:t>Data Scanned</a:t>
                       </a:r>
-                      <a:endParaRPr lang="en-IN" sz="1400" b="0" i="0" u="none" strike="noStrike">
+                      <a:endParaRPr lang="en-IN" sz="1400" b="1" i="0" u="none" strike="noStrike" dirty="0">
                         <a:solidFill>
                           <a:srgbClr val="000000"/>
                         </a:solidFill>
@@ -9340,7 +9814,7 @@
                     <a:p>
                       <a:pPr algn="l" fontAlgn="b"/>
                       <a:r>
-                        <a:rPr lang="en-IN" sz="1400" u="none" strike="noStrike">
+                        <a:rPr lang="en-IN" sz="1400" b="1" u="none" strike="noStrike" dirty="0">
                           <a:effectLst/>
                           <a:latin typeface="Calibri" panose="020F0502020204030204" pitchFamily="34" charset="0"/>
                           <a:ea typeface="Calibri" panose="020F0502020204030204" pitchFamily="34" charset="0"/>
@@ -9348,7 +9822,7 @@
                         </a:rPr>
                         <a:t>Average Execution Time</a:t>
                       </a:r>
-                      <a:endParaRPr lang="en-IN" sz="1400" b="0" i="0" u="none" strike="noStrike">
+                      <a:endParaRPr lang="en-IN" sz="1400" b="1" i="0" u="none" strike="noStrike" dirty="0">
                         <a:solidFill>
                           <a:srgbClr val="000000"/>
                         </a:solidFill>
@@ -9497,7 +9971,7 @@
                     <a:p>
                       <a:pPr algn="l" fontAlgn="ctr"/>
                       <a:r>
-                        <a:rPr lang="en-US" sz="1400" u="none" strike="noStrike" dirty="0">
+                        <a:rPr lang="en-US" sz="1400" b="1" u="none" strike="noStrike" dirty="0">
                           <a:effectLst/>
                           <a:latin typeface="Calibri" panose="020F0502020204030204" pitchFamily="34" charset="0"/>
                           <a:ea typeface="Calibri" panose="020F0502020204030204" pitchFamily="34" charset="0"/>
@@ -9506,7 +9980,7 @@
                         <a:t>Average Run Time: 493.33 ms</a:t>
                       </a:r>
                       <a:br>
-                        <a:rPr lang="en-US" sz="1400" u="none" strike="noStrike" dirty="0">
+                        <a:rPr lang="en-US" sz="1400" b="1" u="none" strike="noStrike" dirty="0">
                           <a:effectLst/>
                           <a:latin typeface="Calibri" panose="020F0502020204030204" pitchFamily="34" charset="0"/>
                           <a:ea typeface="Calibri" panose="020F0502020204030204" pitchFamily="34" charset="0"/>
@@ -9514,7 +9988,7 @@
                         </a:rPr>
                       </a:br>
                       <a:r>
-                        <a:rPr lang="en-US" sz="1400" u="none" strike="noStrike" dirty="0">
+                        <a:rPr lang="en-US" sz="1400" b="1" u="none" strike="noStrike" dirty="0">
                           <a:effectLst/>
                           <a:latin typeface="Calibri" panose="020F0502020204030204" pitchFamily="34" charset="0"/>
                           <a:ea typeface="Calibri" panose="020F0502020204030204" pitchFamily="34" charset="0"/>
@@ -9522,7 +9996,7 @@
                         </a:rPr>
                         <a:t>Average Time in Queue: 93.67 ms</a:t>
                       </a:r>
-                      <a:endParaRPr lang="en-US" sz="1400" b="0" i="0" u="none" strike="noStrike" dirty="0">
+                      <a:endParaRPr lang="en-US" sz="1400" b="1" i="0" u="none" strike="noStrike" dirty="0">
                         <a:solidFill>
                           <a:srgbClr val="000000"/>
                         </a:solidFill>
@@ -9911,12 +10385,12 @@
         <p:spPr>
           <a:xfrm>
             <a:off x="677334" y="367646"/>
-            <a:ext cx="8596668" cy="603315"/>
+            <a:ext cx="8596668" cy="537327"/>
           </a:xfrm>
         </p:spPr>
         <p:txBody>
           <a:bodyPr>
-            <a:normAutofit/>
+            <a:normAutofit fontScale="90000"/>
           </a:bodyPr>
           <a:lstStyle/>
           <a:p>

--- a/Data_Lake_Construction_and_Querying_With_PySpark.pptx
+++ b/Data_Lake_Construction_and_Querying_With_PySpark.pptx
@@ -6692,7 +6692,7 @@
           <a:p>
             <a:pPr algn="ctr"/>
             <a:r>
-              <a:rPr lang="en-IN" sz="4400" dirty="0">
+              <a:rPr lang="en-IN" sz="4800" dirty="0">
                 <a:latin typeface="Calibri" panose="020F0502020204030204" pitchFamily="34" charset="0"/>
                 <a:ea typeface="Calibri" panose="020F0502020204030204" pitchFamily="34" charset="0"/>
                 <a:cs typeface="Calibri" panose="020F0502020204030204" pitchFamily="34" charset="0"/>
@@ -6700,33 +6700,41 @@
               <a:t>			</a:t>
             </a:r>
             <a:br>
-              <a:rPr lang="en-IN" sz="4400" dirty="0">
+              <a:rPr lang="en-IN" sz="4800" dirty="0">
                 <a:latin typeface="Calibri" panose="020F0502020204030204" pitchFamily="34" charset="0"/>
                 <a:ea typeface="Calibri" panose="020F0502020204030204" pitchFamily="34" charset="0"/>
                 <a:cs typeface="Calibri" panose="020F0502020204030204" pitchFamily="34" charset="0"/>
               </a:rPr>
             </a:br>
             <a:br>
-              <a:rPr lang="en-IN" sz="4400" dirty="0">
+              <a:rPr lang="en-IN" sz="4800" dirty="0">
                 <a:latin typeface="Calibri" panose="020F0502020204030204" pitchFamily="34" charset="0"/>
                 <a:ea typeface="Calibri" panose="020F0502020204030204" pitchFamily="34" charset="0"/>
                 <a:cs typeface="Calibri" panose="020F0502020204030204" pitchFamily="34" charset="0"/>
               </a:rPr>
             </a:br>
             <a:br>
-              <a:rPr lang="en-IN" sz="4400" dirty="0">
+              <a:rPr lang="en-IN" sz="4800">
                 <a:latin typeface="Calibri" panose="020F0502020204030204" pitchFamily="34" charset="0"/>
                 <a:ea typeface="Calibri" panose="020F0502020204030204" pitchFamily="34" charset="0"/>
                 <a:cs typeface="Calibri" panose="020F0502020204030204" pitchFamily="34" charset="0"/>
               </a:rPr>
             </a:br>
             <a:r>
-              <a:rPr lang="en-IN" sz="4400" dirty="0">
+              <a:rPr lang="en-IN" sz="4800">
                 <a:latin typeface="Calibri" panose="020F0502020204030204" pitchFamily="34" charset="0"/>
                 <a:ea typeface="Calibri" panose="020F0502020204030204" pitchFamily="34" charset="0"/>
                 <a:cs typeface="Calibri" panose="020F0502020204030204" pitchFamily="34" charset="0"/>
               </a:rPr>
-              <a:t>THANK YOU</a:t>
+              <a:t>THANK </a:t>
+            </a:r>
+            <a:r>
+              <a:rPr lang="en-IN" sz="4800" dirty="0">
+                <a:latin typeface="Calibri" panose="020F0502020204030204" pitchFamily="34" charset="0"/>
+                <a:ea typeface="Calibri" panose="020F0502020204030204" pitchFamily="34" charset="0"/>
+                <a:cs typeface="Calibri" panose="020F0502020204030204" pitchFamily="34" charset="0"/>
+              </a:rPr>
+              <a:t>YOU</a:t>
             </a:r>
           </a:p>
         </p:txBody>
@@ -7385,11 +7393,13 @@
         <p:spPr>
           <a:xfrm>
             <a:off x="677334" y="609600"/>
-            <a:ext cx="8596668" cy="698064"/>
+            <a:ext cx="8596668" cy="568751"/>
           </a:xfrm>
         </p:spPr>
         <p:txBody>
-          <a:bodyPr/>
+          <a:bodyPr>
+            <a:normAutofit fontScale="90000"/>
+          </a:bodyPr>
           <a:lstStyle/>
           <a:p>
             <a:r>
@@ -7403,51 +7413,12 @@
           </a:p>
         </p:txBody>
       </p:sp>
-      <p:sp>
-        <p:nvSpPr>
-          <p:cNvPr id="3" name="TextBox 2">
+      <p:pic>
+        <p:nvPicPr>
+          <p:cNvPr id="10" name="Content Placeholder 9">
             <a:extLst>
               <a:ext uri="{FF2B5EF4-FFF2-40B4-BE49-F238E27FC236}">
-                <a16:creationId xmlns:a16="http://schemas.microsoft.com/office/drawing/2014/main" id="{55B0CB99-F7D1-AF64-2744-BB68FDC06080}"/>
-              </a:ext>
-            </a:extLst>
-          </p:cNvPr>
-          <p:cNvSpPr txBox="1"/>
-          <p:nvPr/>
-        </p:nvSpPr>
-        <p:spPr>
-          <a:xfrm>
-            <a:off x="904973" y="1564849"/>
-            <a:ext cx="4383464" cy="338554"/>
-          </a:xfrm>
-          <a:prstGeom prst="rect">
-            <a:avLst/>
-          </a:prstGeom>
-          <a:noFill/>
-        </p:spPr>
-        <p:txBody>
-          <a:bodyPr wrap="square" rtlCol="0">
-            <a:spAutoFit/>
-          </a:bodyPr>
-          <a:lstStyle/>
-          <a:p>
-            <a:r>
-              <a:rPr lang="en-IN" sz="1600" b="1" dirty="0">
-                <a:latin typeface="Calibri" panose="020F0502020204030204" pitchFamily="34" charset="0"/>
-                <a:ea typeface="Calibri" panose="020F0502020204030204" pitchFamily="34" charset="0"/>
-                <a:cs typeface="Calibri" panose="020F0502020204030204" pitchFamily="34" charset="0"/>
-              </a:rPr>
-              <a:t>Data Lake Architecture Overview</a:t>
-            </a:r>
-          </a:p>
-        </p:txBody>
-      </p:sp>
-      <p:pic>
-        <p:nvPicPr>
-          <p:cNvPr id="8" name="Content Placeholder 7">
-            <a:extLst>
-              <a:ext uri="{FF2B5EF4-FFF2-40B4-BE49-F238E27FC236}">
-                <a16:creationId xmlns:a16="http://schemas.microsoft.com/office/drawing/2014/main" id="{51056971-D426-63D9-3722-DF44EB2F87F8}"/>
+                <a16:creationId xmlns:a16="http://schemas.microsoft.com/office/drawing/2014/main" id="{BF1FDA1D-FEE3-80DD-6727-FFC31C53BCB3}"/>
               </a:ext>
             </a:extLst>
           </p:cNvPr>
@@ -7466,8 +7437,8 @@
         </p:blipFill>
         <p:spPr>
           <a:xfrm>
-            <a:off x="1150070" y="1979629"/>
-            <a:ext cx="7720553" cy="4157220"/>
+            <a:off x="677334" y="1422638"/>
+            <a:ext cx="8438386" cy="4214591"/>
           </a:xfrm>
         </p:spPr>
       </p:pic>

--- a/Data_Lake_Construction_and_Querying_With_PySpark.pptx
+++ b/Data_Lake_Construction_and_Querying_With_PySpark.pptx
@@ -7415,10 +7415,10 @@
       </p:sp>
       <p:pic>
         <p:nvPicPr>
-          <p:cNvPr id="10" name="Content Placeholder 9">
+          <p:cNvPr id="6" name="Content Placeholder 5">
             <a:extLst>
               <a:ext uri="{FF2B5EF4-FFF2-40B4-BE49-F238E27FC236}">
-                <a16:creationId xmlns:a16="http://schemas.microsoft.com/office/drawing/2014/main" id="{BF1FDA1D-FEE3-80DD-6727-FFC31C53BCB3}"/>
+                <a16:creationId xmlns:a16="http://schemas.microsoft.com/office/drawing/2014/main" id="{817AAFBC-D5BF-AC4B-7C13-5D808A15EE5F}"/>
               </a:ext>
             </a:extLst>
           </p:cNvPr>
@@ -7437,8 +7437,8 @@
         </p:blipFill>
         <p:spPr>
           <a:xfrm>
-            <a:off x="677334" y="1422638"/>
-            <a:ext cx="8438386" cy="4214591"/>
+            <a:off x="677333" y="1283895"/>
+            <a:ext cx="8721191" cy="4645565"/>
           </a:xfrm>
         </p:spPr>
       </p:pic>

--- a/Data_Lake_Construction_and_Querying_With_PySpark.pptx
+++ b/Data_Lake_Construction_and_Querying_With_PySpark.pptx
@@ -2,7 +2,7 @@
 <file path=ppt/presentation.xml><?xml version="1.0" encoding="utf-8"?>
 <p:presentation xmlns:a="http://schemas.openxmlformats.org/drawingml/2006/main" xmlns:r="http://schemas.openxmlformats.org/officeDocument/2006/relationships" xmlns:p="http://schemas.openxmlformats.org/presentationml/2006/main" saveSubsetFonts="1">
   <p:sldMasterIdLst>
-    <p:sldMasterId id="2147484060" r:id="rId1"/>
+    <p:sldMasterId id="2147484141" r:id="rId1"/>
   </p:sldMasterIdLst>
   <p:sldIdLst>
     <p:sldId id="256" r:id="rId2"/>
@@ -142,7 +142,7 @@
       </p:grpSpPr>
       <p:grpSp>
         <p:nvGrpSpPr>
-          <p:cNvPr id="16" name="Group 15"/>
+          <p:cNvPr id="7" name="Group 6"/>
           <p:cNvGrpSpPr/>
           <p:nvPr/>
         </p:nvGrpSpPr>
@@ -154,72 +154,9 @@
             <a:chExt cx="12192000" cy="6866467"/>
           </a:xfrm>
         </p:grpSpPr>
-        <p:sp>
-          <p:nvSpPr>
-            <p:cNvPr id="15" name="Freeform 14"/>
-            <p:cNvSpPr/>
-            <p:nvPr/>
-          </p:nvSpPr>
-          <p:spPr>
-            <a:xfrm>
-              <a:off x="0" y="-7862"/>
-              <a:ext cx="863600" cy="5698067"/>
-            </a:xfrm>
-            <a:custGeom>
-              <a:avLst/>
-              <a:gdLst/>
-              <a:ahLst/>
-              <a:cxnLst/>
-              <a:rect l="l" t="t" r="r" b="b"/>
-              <a:pathLst>
-                <a:path w="863600" h="5698067">
-                  <a:moveTo>
-                    <a:pt x="0" y="8467"/>
-                  </a:moveTo>
-                  <a:lnTo>
-                    <a:pt x="863600" y="0"/>
-                  </a:lnTo>
-                  <a:lnTo>
-                    <a:pt x="863600" y="16934"/>
-                  </a:lnTo>
-                  <a:lnTo>
-                    <a:pt x="0" y="5698067"/>
-                  </a:lnTo>
-                  <a:lnTo>
-                    <a:pt x="0" y="8467"/>
-                  </a:lnTo>
-                  <a:close/>
-                </a:path>
-              </a:pathLst>
-            </a:custGeom>
-            <a:solidFill>
-              <a:schemeClr val="accent1">
-                <a:alpha val="70000"/>
-              </a:schemeClr>
-            </a:solidFill>
-            <a:ln>
-              <a:noFill/>
-            </a:ln>
-            <a:effectLst/>
-          </p:spPr>
-          <p:style>
-            <a:lnRef idx="1">
-              <a:schemeClr val="accent1"/>
-            </a:lnRef>
-            <a:fillRef idx="3">
-              <a:schemeClr val="accent1"/>
-            </a:fillRef>
-            <a:effectRef idx="2">
-              <a:schemeClr val="accent1"/>
-            </a:effectRef>
-            <a:fontRef idx="minor">
-              <a:schemeClr val="lt1"/>
-            </a:fontRef>
-          </p:style>
-        </p:sp>
         <p:cxnSp>
           <p:nvCxnSpPr>
-            <p:cNvPr id="19" name="Straight Connector 18"/>
+            <p:cNvPr id="32" name="Straight Connector 31"/>
             <p:cNvCxnSpPr/>
             <p:nvPr/>
           </p:nvCxnSpPr>
@@ -233,8 +170,8 @@
             </a:prstGeom>
             <a:ln w="9525">
               <a:solidFill>
-                <a:schemeClr val="accent1">
-                  <a:alpha val="70000"/>
+                <a:schemeClr val="bg1">
+                  <a:lumMod val="75000"/>
                 </a:schemeClr>
               </a:solidFill>
             </a:ln>
@@ -256,7 +193,7 @@
         </p:cxnSp>
         <p:cxnSp>
           <p:nvCxnSpPr>
-            <p:cNvPr id="20" name="Straight Connector 19"/>
+            <p:cNvPr id="21" name="Straight Connector 20"/>
             <p:cNvCxnSpPr/>
             <p:nvPr/>
           </p:nvCxnSpPr>
@@ -270,8 +207,8 @@
             </a:prstGeom>
             <a:ln w="9525">
               <a:solidFill>
-                <a:schemeClr val="accent1">
-                  <a:alpha val="70000"/>
+                <a:schemeClr val="bg1">
+                  <a:lumMod val="85000"/>
                 </a:schemeClr>
               </a:solidFill>
             </a:ln>
@@ -293,7 +230,7 @@
         </p:cxnSp>
         <p:sp>
           <p:nvSpPr>
-            <p:cNvPr id="21" name="Rectangle 23"/>
+            <p:cNvPr id="24" name="Rectangle 23"/>
             <p:cNvSpPr/>
             <p:nvPr/>
           </p:nvSpPr>
@@ -331,7 +268,7 @@
             </a:custGeom>
             <a:solidFill>
               <a:schemeClr val="accent1">
-                <a:alpha val="36000"/>
+                <a:alpha val="30000"/>
               </a:schemeClr>
             </a:solidFill>
             <a:ln>
@@ -356,7 +293,7 @@
         </p:sp>
         <p:sp>
           <p:nvSpPr>
-            <p:cNvPr id="22" name="Rectangle 25"/>
+            <p:cNvPr id="26" name="Rectangle 25"/>
             <p:cNvSpPr/>
             <p:nvPr/>
           </p:nvSpPr>
@@ -419,7 +356,7 @@
         </p:sp>
         <p:sp>
           <p:nvSpPr>
-            <p:cNvPr id="23" name="Isosceles Triangle 22"/>
+            <p:cNvPr id="27" name="Isosceles Triangle 26"/>
             <p:cNvSpPr/>
             <p:nvPr/>
           </p:nvSpPr>
@@ -434,9 +371,8 @@
               </a:avLst>
             </a:prstGeom>
             <a:solidFill>
-              <a:schemeClr val="accent1">
-                <a:lumMod val="75000"/>
-                <a:alpha val="66000"/>
+              <a:schemeClr val="accent2">
+                <a:alpha val="72000"/>
               </a:schemeClr>
             </a:solidFill>
             <a:ln>
@@ -461,7 +397,7 @@
         </p:sp>
         <p:sp>
           <p:nvSpPr>
-            <p:cNvPr id="24" name="Rectangle 27"/>
+            <p:cNvPr id="28" name="Rectangle 27"/>
             <p:cNvSpPr/>
             <p:nvPr/>
           </p:nvSpPr>
@@ -498,9 +434,9 @@
               </a:pathLst>
             </a:custGeom>
             <a:solidFill>
-              <a:schemeClr val="accent1">
+              <a:schemeClr val="accent2">
                 <a:lumMod val="75000"/>
-                <a:alpha val="50000"/>
+                <a:alpha val="70000"/>
               </a:schemeClr>
             </a:solidFill>
             <a:ln>
@@ -525,7 +461,7 @@
         </p:sp>
         <p:sp>
           <p:nvSpPr>
-            <p:cNvPr id="25" name="Rectangle 28"/>
+            <p:cNvPr id="29" name="Rectangle 28"/>
             <p:cNvSpPr/>
             <p:nvPr/>
           </p:nvSpPr>
@@ -562,7 +498,9 @@
               </a:pathLst>
             </a:custGeom>
             <a:solidFill>
-              <a:schemeClr val="accent2">
+              <a:schemeClr val="accent1">
+                <a:lumMod val="60000"/>
+                <a:lumOff val="40000"/>
                 <a:alpha val="70000"/>
               </a:schemeClr>
             </a:solidFill>
@@ -588,7 +526,7 @@
         </p:sp>
         <p:sp>
           <p:nvSpPr>
-            <p:cNvPr id="26" name="Rectangle 29"/>
+            <p:cNvPr id="30" name="Rectangle 29"/>
             <p:cNvSpPr/>
             <p:nvPr/>
           </p:nvSpPr>
@@ -625,8 +563,48 @@
               </a:pathLst>
             </a:custGeom>
             <a:solidFill>
-              <a:schemeClr val="accent2">
-                <a:lumMod val="75000"/>
+              <a:schemeClr val="accent1">
+                <a:alpha val="65000"/>
+              </a:schemeClr>
+            </a:solidFill>
+            <a:ln>
+              <a:noFill/>
+            </a:ln>
+            <a:effectLst/>
+          </p:spPr>
+          <p:style>
+            <a:lnRef idx="1">
+              <a:schemeClr val="accent1"/>
+            </a:lnRef>
+            <a:fillRef idx="3">
+              <a:schemeClr val="accent1"/>
+            </a:fillRef>
+            <a:effectRef idx="2">
+              <a:schemeClr val="accent1"/>
+            </a:effectRef>
+            <a:fontRef idx="minor">
+              <a:schemeClr val="lt1"/>
+            </a:fontRef>
+          </p:style>
+        </p:sp>
+        <p:sp>
+          <p:nvSpPr>
+            <p:cNvPr id="31" name="Isosceles Triangle 30"/>
+            <p:cNvSpPr/>
+            <p:nvPr/>
+          </p:nvSpPr>
+          <p:spPr>
+            <a:xfrm>
+              <a:off x="10371666" y="3589867"/>
+              <a:ext cx="1817159" cy="3268133"/>
+            </a:xfrm>
+            <a:prstGeom prst="triangle">
+              <a:avLst>
+                <a:gd name="adj" fmla="val 100000"/>
+              </a:avLst>
+            </a:prstGeom>
+            <a:solidFill>
+              <a:schemeClr val="accent1">
                 <a:alpha val="80000"/>
               </a:schemeClr>
             </a:solidFill>
@@ -652,14 +630,14 @@
         </p:sp>
         <p:sp>
           <p:nvSpPr>
-            <p:cNvPr id="27" name="Isosceles Triangle 26"/>
+            <p:cNvPr id="19" name="Isosceles Triangle 18"/>
             <p:cNvSpPr/>
             <p:nvPr/>
           </p:nvSpPr>
           <p:spPr>
-            <a:xfrm>
-              <a:off x="10371666" y="3589867"/>
-              <a:ext cx="1817159" cy="3268133"/>
+            <a:xfrm rot="10800000">
+              <a:off x="0" y="0"/>
+              <a:ext cx="842596" cy="5666154"/>
             </a:xfrm>
             <a:prstGeom prst="triangle">
               <a:avLst>
@@ -668,8 +646,7 @@
             </a:prstGeom>
             <a:solidFill>
               <a:schemeClr val="accent1">
-                <a:lumMod val="75000"/>
-                <a:alpha val="66000"/>
+                <a:alpha val="85000"/>
               </a:schemeClr>
             </a:solidFill>
             <a:ln>
@@ -919,7 +896,7 @@
     </p:spTree>
     <p:extLst>
       <p:ext uri="{BB962C8B-B14F-4D97-AF65-F5344CB8AC3E}">
-        <p14:creationId xmlns:p14="http://schemas.microsoft.com/office/powerpoint/2010/main" val="2509076607"/>
+        <p14:creationId xmlns:p14="http://schemas.microsoft.com/office/powerpoint/2010/main" val="2351393815"/>
       </p:ext>
     </p:extLst>
   </p:cSld>
@@ -1170,7 +1147,7 @@
     </p:spTree>
     <p:extLst>
       <p:ext uri="{BB962C8B-B14F-4D97-AF65-F5344CB8AC3E}">
-        <p14:creationId xmlns:p14="http://schemas.microsoft.com/office/powerpoint/2010/main" val="3592283835"/>
+        <p14:creationId xmlns:p14="http://schemas.microsoft.com/office/powerpoint/2010/main" val="2580980422"/>
       </p:ext>
     </p:extLst>
   </p:cSld>
@@ -1483,7 +1460,7 @@
       </p:sp>
       <p:sp>
         <p:nvSpPr>
-          <p:cNvPr id="24" name="TextBox 23"/>
+          <p:cNvPr id="20" name="TextBox 19"/>
           <p:cNvSpPr txBox="1"/>
           <p:nvPr/>
         </p:nvSpPr>
@@ -1524,7 +1501,7 @@
       </p:sp>
       <p:sp>
         <p:nvSpPr>
-          <p:cNvPr id="25" name="TextBox 24"/>
+          <p:cNvPr id="22" name="TextBox 21"/>
           <p:cNvSpPr txBox="1"/>
           <p:nvPr/>
         </p:nvSpPr>
@@ -1555,18 +1532,26 @@
                     <a:lumOff val="40000"/>
                   </a:schemeClr>
                 </a:solidFill>
-                <a:effectLst/>
                 <a:latin typeface="Arial"/>
               </a:rPr>
               <a:t>”</a:t>
             </a:r>
+            <a:endParaRPr lang="en-US" dirty="0">
+              <a:solidFill>
+                <a:schemeClr val="accent1">
+                  <a:lumMod val="60000"/>
+                  <a:lumOff val="40000"/>
+                </a:schemeClr>
+              </a:solidFill>
+              <a:latin typeface="Arial"/>
+            </a:endParaRPr>
           </a:p>
         </p:txBody>
       </p:sp>
     </p:spTree>
     <p:extLst>
       <p:ext uri="{BB962C8B-B14F-4D97-AF65-F5344CB8AC3E}">
-        <p14:creationId xmlns:p14="http://schemas.microsoft.com/office/powerpoint/2010/main" val="939538719"/>
+        <p14:creationId xmlns:p14="http://schemas.microsoft.com/office/powerpoint/2010/main" val="2759826863"/>
       </p:ext>
     </p:extLst>
   </p:cSld>
@@ -1817,7 +1802,7 @@
     </p:spTree>
     <p:extLst>
       <p:ext uri="{BB962C8B-B14F-4D97-AF65-F5344CB8AC3E}">
-        <p14:creationId xmlns:p14="http://schemas.microsoft.com/office/powerpoint/2010/main" val="4280059498"/>
+        <p14:creationId xmlns:p14="http://schemas.microsoft.com/office/powerpoint/2010/main" val="2230089804"/>
       </p:ext>
     </p:extLst>
   </p:cSld>
@@ -2213,7 +2198,7 @@
     </p:spTree>
     <p:extLst>
       <p:ext uri="{BB962C8B-B14F-4D97-AF65-F5344CB8AC3E}">
-        <p14:creationId xmlns:p14="http://schemas.microsoft.com/office/powerpoint/2010/main" val="1693566192"/>
+        <p14:creationId xmlns:p14="http://schemas.microsoft.com/office/powerpoint/2010/main" val="202473381"/>
       </p:ext>
     </p:extLst>
   </p:cSld>
@@ -2524,7 +2509,7 @@
     </p:spTree>
     <p:extLst>
       <p:ext uri="{BB962C8B-B14F-4D97-AF65-F5344CB8AC3E}">
-        <p14:creationId xmlns:p14="http://schemas.microsoft.com/office/powerpoint/2010/main" val="3176422800"/>
+        <p14:creationId xmlns:p14="http://schemas.microsoft.com/office/powerpoint/2010/main" val="1071122941"/>
       </p:ext>
     </p:extLst>
   </p:cSld>
@@ -2694,7 +2679,7 @@
     </p:spTree>
     <p:extLst>
       <p:ext uri="{BB962C8B-B14F-4D97-AF65-F5344CB8AC3E}">
-        <p14:creationId xmlns:p14="http://schemas.microsoft.com/office/powerpoint/2010/main" val="2198090856"/>
+        <p14:creationId xmlns:p14="http://schemas.microsoft.com/office/powerpoint/2010/main" val="4125956698"/>
       </p:ext>
     </p:extLst>
   </p:cSld>
@@ -2874,7 +2859,7 @@
     </p:spTree>
     <p:extLst>
       <p:ext uri="{BB962C8B-B14F-4D97-AF65-F5344CB8AC3E}">
-        <p14:creationId xmlns:p14="http://schemas.microsoft.com/office/powerpoint/2010/main" val="480454271"/>
+        <p14:creationId xmlns:p14="http://schemas.microsoft.com/office/powerpoint/2010/main" val="2046743703"/>
       </p:ext>
     </p:extLst>
   </p:cSld>
@@ -2913,8 +2898,14 @@
         </p:nvSpPr>
         <p:spPr/>
         <p:txBody>
-          <a:bodyPr/>
-          <a:lstStyle/>
+          <a:bodyPr>
+            <a:normAutofit/>
+          </a:bodyPr>
+          <a:lstStyle>
+            <a:lvl1pPr>
+              <a:defRPr sz="3600"/>
+            </a:lvl1pPr>
+          </a:lstStyle>
           <a:p>
             <a:r>
               <a:rPr lang="en-US"/>
@@ -3044,7 +3035,7 @@
     </p:spTree>
     <p:extLst>
       <p:ext uri="{BB962C8B-B14F-4D97-AF65-F5344CB8AC3E}">
-        <p14:creationId xmlns:p14="http://schemas.microsoft.com/office/powerpoint/2010/main" val="1311315960"/>
+        <p14:creationId xmlns:p14="http://schemas.microsoft.com/office/powerpoint/2010/main" val="2885193920"/>
       </p:ext>
     </p:extLst>
   </p:cSld>
@@ -3291,7 +3282,7 @@
     </p:spTree>
     <p:extLst>
       <p:ext uri="{BB962C8B-B14F-4D97-AF65-F5344CB8AC3E}">
-        <p14:creationId xmlns:p14="http://schemas.microsoft.com/office/powerpoint/2010/main" val="835953698"/>
+        <p14:creationId xmlns:p14="http://schemas.microsoft.com/office/powerpoint/2010/main" val="340942347"/>
       </p:ext>
     </p:extLst>
   </p:cSld>
@@ -3523,7 +3514,7 @@
     </p:spTree>
     <p:extLst>
       <p:ext uri="{BB962C8B-B14F-4D97-AF65-F5344CB8AC3E}">
-        <p14:creationId xmlns:p14="http://schemas.microsoft.com/office/powerpoint/2010/main" val="4064461038"/>
+        <p14:creationId xmlns:p14="http://schemas.microsoft.com/office/powerpoint/2010/main" val="4016147149"/>
       </p:ext>
     </p:extLst>
   </p:cSld>
@@ -3897,7 +3888,7 @@
     </p:spTree>
     <p:extLst>
       <p:ext uri="{BB962C8B-B14F-4D97-AF65-F5344CB8AC3E}">
-        <p14:creationId xmlns:p14="http://schemas.microsoft.com/office/powerpoint/2010/main" val="4035094344"/>
+        <p14:creationId xmlns:p14="http://schemas.microsoft.com/office/powerpoint/2010/main" val="2975644792"/>
       </p:ext>
     </p:extLst>
   </p:cSld>
@@ -4020,7 +4011,7 @@
     </p:spTree>
     <p:extLst>
       <p:ext uri="{BB962C8B-B14F-4D97-AF65-F5344CB8AC3E}">
-        <p14:creationId xmlns:p14="http://schemas.microsoft.com/office/powerpoint/2010/main" val="1792504651"/>
+        <p14:creationId xmlns:p14="http://schemas.microsoft.com/office/powerpoint/2010/main" val="3776313417"/>
       </p:ext>
     </p:extLst>
   </p:cSld>
@@ -4115,7 +4106,7 @@
     </p:spTree>
     <p:extLst>
       <p:ext uri="{BB962C8B-B14F-4D97-AF65-F5344CB8AC3E}">
-        <p14:creationId xmlns:p14="http://schemas.microsoft.com/office/powerpoint/2010/main" val="604680291"/>
+        <p14:creationId xmlns:p14="http://schemas.microsoft.com/office/powerpoint/2010/main" val="2532672595"/>
       </p:ext>
     </p:extLst>
   </p:cSld>
@@ -4370,7 +4361,7 @@
     </p:spTree>
     <p:extLst>
       <p:ext uri="{BB962C8B-B14F-4D97-AF65-F5344CB8AC3E}">
-        <p14:creationId xmlns:p14="http://schemas.microsoft.com/office/powerpoint/2010/main" val="2754601109"/>
+        <p14:creationId xmlns:p14="http://schemas.microsoft.com/office/powerpoint/2010/main" val="1144683432"/>
       </p:ext>
     </p:extLst>
   </p:cSld>
@@ -4567,6 +4558,29 @@
       </p:sp>
       <p:sp>
         <p:nvSpPr>
+          <p:cNvPr id="5" name="Date Placeholder 4"/>
+          <p:cNvSpPr>
+            <a:spLocks noGrp="1"/>
+          </p:cNvSpPr>
+          <p:nvPr>
+            <p:ph type="dt" sz="half" idx="10"/>
+          </p:nvPr>
+        </p:nvSpPr>
+        <p:spPr/>
+        <p:txBody>
+          <a:bodyPr/>
+          <a:lstStyle/>
+          <a:p>
+            <a:fld id="{6C75944D-E021-42A1-842E-4A047290AC38}" type="datetimeFigureOut">
+              <a:rPr lang="en-IN" smtClean="0"/>
+              <a:t>27-11-2024</a:t>
+            </a:fld>
+            <a:endParaRPr lang="en-IN"/>
+          </a:p>
+        </p:txBody>
+      </p:sp>
+      <p:sp>
+        <p:nvSpPr>
           <p:cNvPr id="6" name="Footer Placeholder 5"/>
           <p:cNvSpPr>
             <a:spLocks noGrp="1"/>
@@ -4607,33 +4621,10 @@
           </a:p>
         </p:txBody>
       </p:sp>
-      <p:sp>
-        <p:nvSpPr>
-          <p:cNvPr id="5" name="Date Placeholder 4"/>
-          <p:cNvSpPr>
-            <a:spLocks noGrp="1"/>
-          </p:cNvSpPr>
-          <p:nvPr>
-            <p:ph type="dt" sz="half" idx="10"/>
-          </p:nvPr>
-        </p:nvSpPr>
-        <p:spPr/>
-        <p:txBody>
-          <a:bodyPr/>
-          <a:lstStyle/>
-          <a:p>
-            <a:fld id="{6C75944D-E021-42A1-842E-4A047290AC38}" type="datetimeFigureOut">
-              <a:rPr lang="en-IN" smtClean="0"/>
-              <a:t>27-11-2024</a:t>
-            </a:fld>
-            <a:endParaRPr lang="en-IN"/>
-          </a:p>
-        </p:txBody>
-      </p:sp>
     </p:spTree>
     <p:extLst>
       <p:ext uri="{BB962C8B-B14F-4D97-AF65-F5344CB8AC3E}">
-        <p14:creationId xmlns:p14="http://schemas.microsoft.com/office/powerpoint/2010/main" val="1705757320"/>
+        <p14:creationId xmlns:p14="http://schemas.microsoft.com/office/powerpoint/2010/main" val="3688252531"/>
       </p:ext>
     </p:extLst>
   </p:cSld>
@@ -4667,7 +4658,7 @@
       </p:grpSpPr>
       <p:grpSp>
         <p:nvGrpSpPr>
-          <p:cNvPr id="44" name="Group 43"/>
+          <p:cNvPr id="7" name="Group 6"/>
           <p:cNvGrpSpPr/>
           <p:nvPr/>
         </p:nvGrpSpPr>
@@ -4695,8 +4686,8 @@
             </a:prstGeom>
             <a:ln w="9525">
               <a:solidFill>
-                <a:schemeClr val="accent1">
-                  <a:alpha val="70000"/>
+                <a:schemeClr val="bg1">
+                  <a:lumMod val="75000"/>
                 </a:schemeClr>
               </a:solidFill>
             </a:ln>
@@ -4732,8 +4723,8 @@
             </a:prstGeom>
             <a:ln w="9525">
               <a:solidFill>
-                <a:schemeClr val="accent1">
-                  <a:alpha val="70000"/>
+                <a:schemeClr val="bg1">
+                  <a:lumMod val="85000"/>
                 </a:schemeClr>
               </a:solidFill>
             </a:ln>
@@ -4793,7 +4784,7 @@
             </a:custGeom>
             <a:solidFill>
               <a:schemeClr val="accent1">
-                <a:alpha val="36000"/>
+                <a:alpha val="30000"/>
               </a:schemeClr>
             </a:solidFill>
             <a:ln>
@@ -4896,9 +4887,8 @@
               </a:avLst>
             </a:prstGeom>
             <a:solidFill>
-              <a:schemeClr val="accent1">
-                <a:lumMod val="75000"/>
-                <a:alpha val="66000"/>
+              <a:schemeClr val="accent2">
+                <a:alpha val="72000"/>
               </a:schemeClr>
             </a:solidFill>
             <a:ln>
@@ -4960,9 +4950,9 @@
               </a:pathLst>
             </a:custGeom>
             <a:solidFill>
-              <a:schemeClr val="accent1">
+              <a:schemeClr val="accent2">
                 <a:lumMod val="75000"/>
-                <a:alpha val="50000"/>
+                <a:alpha val="70000"/>
               </a:schemeClr>
             </a:solidFill>
             <a:ln>
@@ -5024,7 +5014,9 @@
               </a:pathLst>
             </a:custGeom>
             <a:solidFill>
-              <a:schemeClr val="accent2">
+              <a:schemeClr val="accent1">
+                <a:lumMod val="60000"/>
+                <a:lumOff val="40000"/>
                 <a:alpha val="70000"/>
               </a:schemeClr>
             </a:solidFill>
@@ -5087,9 +5079,8 @@
               </a:pathLst>
             </a:custGeom>
             <a:solidFill>
-              <a:schemeClr val="accent2">
-                <a:lumMod val="75000"/>
-                <a:alpha val="80000"/>
+              <a:schemeClr val="accent1">
+                <a:alpha val="65000"/>
               </a:schemeClr>
             </a:solidFill>
             <a:ln>
@@ -5130,8 +5121,7 @@
             </a:prstGeom>
             <a:solidFill>
               <a:schemeClr val="accent1">
-                <a:lumMod val="75000"/>
-                <a:alpha val="66000"/>
+                <a:alpha val="80000"/>
               </a:schemeClr>
             </a:solidFill>
             <a:ln>
@@ -5156,7 +5146,7 @@
         </p:sp>
         <p:sp>
           <p:nvSpPr>
-            <p:cNvPr id="19" name="Isosceles Triangle 18"/>
+            <p:cNvPr id="29" name="Isosceles Triangle 28"/>
             <p:cNvSpPr/>
             <p:nvPr/>
           </p:nvSpPr>
@@ -5172,7 +5162,7 @@
             </a:prstGeom>
             <a:solidFill>
               <a:schemeClr val="accent1">
-                <a:alpha val="70000"/>
+                <a:alpha val="85000"/>
               </a:schemeClr>
             </a:solidFill>
             <a:ln>
@@ -5411,28 +5401,28 @@
     </p:spTree>
     <p:extLst>
       <p:ext uri="{BB962C8B-B14F-4D97-AF65-F5344CB8AC3E}">
-        <p14:creationId xmlns:p14="http://schemas.microsoft.com/office/powerpoint/2010/main" val="2750722551"/>
+        <p14:creationId xmlns:p14="http://schemas.microsoft.com/office/powerpoint/2010/main" val="3051368770"/>
       </p:ext>
     </p:extLst>
   </p:cSld>
   <p:clrMap bg1="lt1" tx1="dk1" bg2="lt2" tx2="dk2" accent1="accent1" accent2="accent2" accent3="accent3" accent4="accent4" accent5="accent5" accent6="accent6" hlink="hlink" folHlink="folHlink"/>
   <p:sldLayoutIdLst>
-    <p:sldLayoutId id="2147484061" r:id="rId1"/>
-    <p:sldLayoutId id="2147484062" r:id="rId2"/>
-    <p:sldLayoutId id="2147484063" r:id="rId3"/>
-    <p:sldLayoutId id="2147484064" r:id="rId4"/>
-    <p:sldLayoutId id="2147484065" r:id="rId5"/>
-    <p:sldLayoutId id="2147484066" r:id="rId6"/>
-    <p:sldLayoutId id="2147484067" r:id="rId7"/>
-    <p:sldLayoutId id="2147484068" r:id="rId8"/>
-    <p:sldLayoutId id="2147484069" r:id="rId9"/>
-    <p:sldLayoutId id="2147484070" r:id="rId10"/>
-    <p:sldLayoutId id="2147484071" r:id="rId11"/>
-    <p:sldLayoutId id="2147484072" r:id="rId12"/>
-    <p:sldLayoutId id="2147484073" r:id="rId13"/>
-    <p:sldLayoutId id="2147484074" r:id="rId14"/>
-    <p:sldLayoutId id="2147484075" r:id="rId15"/>
-    <p:sldLayoutId id="2147484076" r:id="rId16"/>
+    <p:sldLayoutId id="2147484142" r:id="rId1"/>
+    <p:sldLayoutId id="2147484143" r:id="rId2"/>
+    <p:sldLayoutId id="2147484144" r:id="rId3"/>
+    <p:sldLayoutId id="2147484145" r:id="rId4"/>
+    <p:sldLayoutId id="2147484146" r:id="rId5"/>
+    <p:sldLayoutId id="2147484147" r:id="rId6"/>
+    <p:sldLayoutId id="2147484148" r:id="rId7"/>
+    <p:sldLayoutId id="2147484149" r:id="rId8"/>
+    <p:sldLayoutId id="2147484150" r:id="rId9"/>
+    <p:sldLayoutId id="2147484151" r:id="rId10"/>
+    <p:sldLayoutId id="2147484152" r:id="rId11"/>
+    <p:sldLayoutId id="2147484153" r:id="rId12"/>
+    <p:sldLayoutId id="2147484154" r:id="rId13"/>
+    <p:sldLayoutId id="2147484155" r:id="rId14"/>
+    <p:sldLayoutId id="2147484156" r:id="rId15"/>
+    <p:sldLayoutId id="2147484157" r:id="rId16"/>
   </p:sldLayoutIdLst>
   <p:txStyles>
     <p:titleStyle>
@@ -6826,8 +6816,8 @@
         </p:nvSpPr>
         <p:spPr>
           <a:xfrm>
-            <a:off x="677334" y="1470581"/>
-            <a:ext cx="8596668" cy="4930219"/>
+            <a:off x="677334" y="1140643"/>
+            <a:ext cx="8596668" cy="5260157"/>
           </a:xfrm>
         </p:spPr>
         <p:txBody>
@@ -7217,7 +7207,9 @@
           </a:xfrm>
         </p:spPr>
         <p:txBody>
-          <a:bodyPr/>
+          <a:bodyPr>
+            <a:normAutofit/>
+          </a:bodyPr>
           <a:lstStyle/>
           <a:p>
             <a:pPr>
@@ -7437,8 +7429,8 @@
         </p:blipFill>
         <p:spPr>
           <a:xfrm>
-            <a:off x="677333" y="1283895"/>
-            <a:ext cx="8721191" cy="4645565"/>
+            <a:off x="1730561" y="2160588"/>
+            <a:ext cx="6490916" cy="3881437"/>
           </a:xfrm>
         </p:spPr>
       </p:pic>
@@ -10732,28 +10724,28 @@
         <a:srgbClr val="EBEBEB"/>
       </a:lt2>
       <a:accent1>
-        <a:srgbClr val="5FCBEF"/>
+        <a:srgbClr val="90C226"/>
       </a:accent1>
       <a:accent2>
-        <a:srgbClr val="2E83C3"/>
+        <a:srgbClr val="54A021"/>
       </a:accent2>
       <a:accent3>
-        <a:srgbClr val="42D0A2"/>
+        <a:srgbClr val="E6B91E"/>
       </a:accent3>
       <a:accent4>
-        <a:srgbClr val="2E946B"/>
+        <a:srgbClr val="E76618"/>
       </a:accent4>
       <a:accent5>
-        <a:srgbClr val="42B051"/>
+        <a:srgbClr val="C42F1A"/>
       </a:accent5>
       <a:accent6>
-        <a:srgbClr val="96D141"/>
+        <a:srgbClr val="918655"/>
       </a:accent6>
       <a:hlink>
-        <a:srgbClr val="3FCDE7"/>
+        <a:srgbClr val="99CA3C"/>
       </a:hlink>
       <a:folHlink>
-        <a:srgbClr val="A9D3E1"/>
+        <a:srgbClr val="B9D181"/>
       </a:folHlink>
     </a:clrScheme>
     <a:fontScheme name="Facet">
@@ -10966,7 +10958,7 @@
   <a:extraClrSchemeLst/>
   <a:extLst>
     <a:ext uri="{05A4C25C-085E-4340-85A3-A5531E510DB2}">
-      <thm15:themeFamily xmlns:thm15="http://schemas.microsoft.com/office/thememl/2012/main" name="Facet" id="{C0C680CD-088A-49FC-A102-D699147F32B2}" vid="{0B5AB586-D108-4FC1-8368-649FE654B894}"/>
+      <thm15:themeFamily xmlns:thm15="http://schemas.microsoft.com/office/thememl/2012/main" name="Facet" id="{C0C680CD-088A-49FC-A102-D699147F32B2}" vid="{CFBC31BA-B70F-4F30-BCAA-4F3011E16C4D}"/>
     </a:ext>
   </a:extLst>
 </a:theme>

--- a/Data_Lake_Construction_and_Querying_With_PySpark.pptx
+++ b/Data_Lake_Construction_and_Querying_With_PySpark.pptx
@@ -845,7 +845,7 @@
           <a:p>
             <a:fld id="{6C75944D-E021-42A1-842E-4A047290AC38}" type="datetimeFigureOut">
               <a:rPr lang="en-IN" smtClean="0"/>
-              <a:t>27-11-2024</a:t>
+              <a:t>28-11-2024</a:t>
             </a:fld>
             <a:endParaRPr lang="en-IN"/>
           </a:p>
@@ -1096,7 +1096,7 @@
           <a:p>
             <a:fld id="{6C75944D-E021-42A1-842E-4A047290AC38}" type="datetimeFigureOut">
               <a:rPr lang="en-IN" smtClean="0"/>
-              <a:t>27-11-2024</a:t>
+              <a:t>28-11-2024</a:t>
             </a:fld>
             <a:endParaRPr lang="en-IN"/>
           </a:p>
@@ -1410,7 +1410,7 @@
           <a:p>
             <a:fld id="{6C75944D-E021-42A1-842E-4A047290AC38}" type="datetimeFigureOut">
               <a:rPr lang="en-IN" smtClean="0"/>
-              <a:t>27-11-2024</a:t>
+              <a:t>28-11-2024</a:t>
             </a:fld>
             <a:endParaRPr lang="en-IN"/>
           </a:p>
@@ -1751,7 +1751,7 @@
           <a:p>
             <a:fld id="{6C75944D-E021-42A1-842E-4A047290AC38}" type="datetimeFigureOut">
               <a:rPr lang="en-IN" smtClean="0"/>
-              <a:t>27-11-2024</a:t>
+              <a:t>28-11-2024</a:t>
             </a:fld>
             <a:endParaRPr lang="en-IN"/>
           </a:p>
@@ -2065,7 +2065,7 @@
           <a:p>
             <a:fld id="{6C75944D-E021-42A1-842E-4A047290AC38}" type="datetimeFigureOut">
               <a:rPr lang="en-IN" smtClean="0"/>
-              <a:t>27-11-2024</a:t>
+              <a:t>28-11-2024</a:t>
             </a:fld>
             <a:endParaRPr lang="en-IN"/>
           </a:p>
@@ -2458,7 +2458,7 @@
           <a:p>
             <a:fld id="{6C75944D-E021-42A1-842E-4A047290AC38}" type="datetimeFigureOut">
               <a:rPr lang="en-IN" smtClean="0"/>
-              <a:t>27-11-2024</a:t>
+              <a:t>28-11-2024</a:t>
             </a:fld>
             <a:endParaRPr lang="en-IN"/>
           </a:p>
@@ -2628,7 +2628,7 @@
           <a:p>
             <a:fld id="{6C75944D-E021-42A1-842E-4A047290AC38}" type="datetimeFigureOut">
               <a:rPr lang="en-IN" smtClean="0"/>
-              <a:t>27-11-2024</a:t>
+              <a:t>28-11-2024</a:t>
             </a:fld>
             <a:endParaRPr lang="en-IN"/>
           </a:p>
@@ -2808,7 +2808,7 @@
           <a:p>
             <a:fld id="{6C75944D-E021-42A1-842E-4A047290AC38}" type="datetimeFigureOut">
               <a:rPr lang="en-IN" smtClean="0"/>
-              <a:t>27-11-2024</a:t>
+              <a:t>28-11-2024</a:t>
             </a:fld>
             <a:endParaRPr lang="en-IN"/>
           </a:p>
@@ -2984,7 +2984,7 @@
           <a:p>
             <a:fld id="{6C75944D-E021-42A1-842E-4A047290AC38}" type="datetimeFigureOut">
               <a:rPr lang="en-IN" smtClean="0"/>
-              <a:t>27-11-2024</a:t>
+              <a:t>28-11-2024</a:t>
             </a:fld>
             <a:endParaRPr lang="en-IN"/>
           </a:p>
@@ -3231,7 +3231,7 @@
           <a:p>
             <a:fld id="{6C75944D-E021-42A1-842E-4A047290AC38}" type="datetimeFigureOut">
               <a:rPr lang="en-IN" smtClean="0"/>
-              <a:t>27-11-2024</a:t>
+              <a:t>28-11-2024</a:t>
             </a:fld>
             <a:endParaRPr lang="en-IN"/>
           </a:p>
@@ -3463,7 +3463,7 @@
           <a:p>
             <a:fld id="{6C75944D-E021-42A1-842E-4A047290AC38}" type="datetimeFigureOut">
               <a:rPr lang="en-IN" smtClean="0"/>
-              <a:t>27-11-2024</a:t>
+              <a:t>28-11-2024</a:t>
             </a:fld>
             <a:endParaRPr lang="en-IN"/>
           </a:p>
@@ -3837,7 +3837,7 @@
           <a:p>
             <a:fld id="{6C75944D-E021-42A1-842E-4A047290AC38}" type="datetimeFigureOut">
               <a:rPr lang="en-IN" smtClean="0"/>
-              <a:t>27-11-2024</a:t>
+              <a:t>28-11-2024</a:t>
             </a:fld>
             <a:endParaRPr lang="en-IN"/>
           </a:p>
@@ -3960,7 +3960,7 @@
           <a:p>
             <a:fld id="{6C75944D-E021-42A1-842E-4A047290AC38}" type="datetimeFigureOut">
               <a:rPr lang="en-IN" smtClean="0"/>
-              <a:t>27-11-2024</a:t>
+              <a:t>28-11-2024</a:t>
             </a:fld>
             <a:endParaRPr lang="en-IN"/>
           </a:p>
@@ -4055,7 +4055,7 @@
           <a:p>
             <a:fld id="{6C75944D-E021-42A1-842E-4A047290AC38}" type="datetimeFigureOut">
               <a:rPr lang="en-IN" smtClean="0"/>
-              <a:t>27-11-2024</a:t>
+              <a:t>28-11-2024</a:t>
             </a:fld>
             <a:endParaRPr lang="en-IN"/>
           </a:p>
@@ -4310,7 +4310,7 @@
           <a:p>
             <a:fld id="{6C75944D-E021-42A1-842E-4A047290AC38}" type="datetimeFigureOut">
               <a:rPr lang="en-IN" smtClean="0"/>
-              <a:t>27-11-2024</a:t>
+              <a:t>28-11-2024</a:t>
             </a:fld>
             <a:endParaRPr lang="en-IN"/>
           </a:p>
@@ -4573,7 +4573,7 @@
           <a:p>
             <a:fld id="{6C75944D-E021-42A1-842E-4A047290AC38}" type="datetimeFigureOut">
               <a:rPr lang="en-IN" smtClean="0"/>
-              <a:t>27-11-2024</a:t>
+              <a:t>28-11-2024</a:t>
             </a:fld>
             <a:endParaRPr lang="en-IN"/>
           </a:p>
@@ -5316,7 +5316,7 @@
           <a:p>
             <a:fld id="{6C75944D-E021-42A1-842E-4A047290AC38}" type="datetimeFigureOut">
               <a:rPr lang="en-IN" smtClean="0"/>
-              <a:t>27-11-2024</a:t>
+              <a:t>28-11-2024</a:t>
             </a:fld>
             <a:endParaRPr lang="en-IN"/>
           </a:p>
@@ -6329,7 +6329,7 @@
                 <a:ea typeface="Calibri" panose="020F0502020204030204" pitchFamily="34" charset="0"/>
                 <a:cs typeface="Calibri" panose="020F0502020204030204" pitchFamily="34" charset="0"/>
               </a:rPr>
-              <a:t>Cost Optimization for AWS Services</a:t>
+              <a:t>Business Value</a:t>
             </a:r>
           </a:p>
         </p:txBody>
@@ -6362,17 +6362,13 @@
           </a:bodyPr>
           <a:lstStyle/>
           <a:p>
-            <a:pPr>
-              <a:buFont typeface="Arial" panose="020B0604020202020204" pitchFamily="34" charset="0"/>
-              <a:buChar char="•"/>
-            </a:pPr>
             <a:r>
               <a:rPr lang="en-US" sz="1600" b="1" dirty="0">
                 <a:latin typeface="Calibri" panose="020F0502020204030204" pitchFamily="34" charset="0"/>
                 <a:ea typeface="Calibri" panose="020F0502020204030204" pitchFamily="34" charset="0"/>
                 <a:cs typeface="Calibri" panose="020F0502020204030204" pitchFamily="34" charset="0"/>
               </a:rPr>
-              <a:t>AWS Glue</a:t>
+              <a:t>Faster Insights: </a:t>
             </a:r>
             <a:r>
               <a:rPr lang="en-US" sz="1600" dirty="0">
@@ -6380,28 +6376,48 @@
                 <a:ea typeface="Calibri" panose="020F0502020204030204" pitchFamily="34" charset="0"/>
                 <a:cs typeface="Calibri" panose="020F0502020204030204" pitchFamily="34" charset="0"/>
               </a:rPr>
-              <a:t>:</a:t>
-            </a:r>
-            <a:br>
+              <a:t>Reduce time-to-insight with scalable querying.</a:t>
+            </a:r>
+          </a:p>
+          <a:p>
+            <a:r>
+              <a:rPr lang="en-US" sz="1600" b="1" dirty="0">
+                <a:latin typeface="Calibri" panose="020F0502020204030204" pitchFamily="34" charset="0"/>
+                <a:ea typeface="Calibri" panose="020F0502020204030204" pitchFamily="34" charset="0"/>
+                <a:cs typeface="Calibri" panose="020F0502020204030204" pitchFamily="34" charset="0"/>
+              </a:rPr>
+              <a:t>Cost Efficiency: </a:t>
+            </a:r>
+            <a:r>
               <a:rPr lang="en-US" sz="1600" dirty="0">
                 <a:latin typeface="Calibri" panose="020F0502020204030204" pitchFamily="34" charset="0"/>
                 <a:ea typeface="Calibri" panose="020F0502020204030204" pitchFamily="34" charset="0"/>
                 <a:cs typeface="Calibri" panose="020F0502020204030204" pitchFamily="34" charset="0"/>
               </a:rPr>
-            </a:br>
+              <a:t>Estimated cost of ~$14.50/month for substantial storage and processing. </a:t>
+            </a:r>
+          </a:p>
+          <a:p>
+            <a:r>
+              <a:rPr lang="en-US" sz="1600" b="1" dirty="0">
+                <a:latin typeface="Calibri" panose="020F0502020204030204" pitchFamily="34" charset="0"/>
+                <a:ea typeface="Calibri" panose="020F0502020204030204" pitchFamily="34" charset="0"/>
+                <a:cs typeface="Calibri" panose="020F0502020204030204" pitchFamily="34" charset="0"/>
+              </a:rPr>
+              <a:t>Flexibility: </a:t>
+            </a:r>
             <a:r>
               <a:rPr lang="en-US" sz="1600" dirty="0">
                 <a:latin typeface="Calibri" panose="020F0502020204030204" pitchFamily="34" charset="0"/>
                 <a:ea typeface="Calibri" panose="020F0502020204030204" pitchFamily="34" charset="0"/>
                 <a:cs typeface="Calibri" panose="020F0502020204030204" pitchFamily="34" charset="0"/>
               </a:rPr>
-              <a:t>Reduce unnecessary transformations and use partitioned datasets to save on processing costs.</a:t>
-            </a:r>
-          </a:p>
-          <a:p>
-            <a:pPr>
-              <a:buFont typeface="Arial" panose="020B0604020202020204" pitchFamily="34" charset="0"/>
-              <a:buChar char="•"/>
+              <a:t>Supports structured, semi-structured, and unstructured data.</a:t>
+            </a:r>
+          </a:p>
+          <a:p>
+            <a:pPr marL="0" indent="0">
+              <a:buNone/>
             </a:pPr>
             <a:r>
               <a:rPr lang="en-US" sz="1600" b="1" dirty="0">
@@ -6409,7 +6425,7 @@
                 <a:ea typeface="Calibri" panose="020F0502020204030204" pitchFamily="34" charset="0"/>
                 <a:cs typeface="Calibri" panose="020F0502020204030204" pitchFamily="34" charset="0"/>
               </a:rPr>
-              <a:t>Glue Crawlers</a:t>
+              <a:t>Key Takeaways:</a:t>
             </a:r>
             <a:r>
               <a:rPr lang="en-US" sz="1600" dirty="0">
@@ -6417,22 +6433,51 @@
                 <a:ea typeface="Calibri" panose="020F0502020204030204" pitchFamily="34" charset="0"/>
                 <a:cs typeface="Calibri" panose="020F0502020204030204" pitchFamily="34" charset="0"/>
               </a:rPr>
-              <a:t>:</a:t>
-            </a:r>
-            <a:br>
+              <a:t> </a:t>
+            </a:r>
+          </a:p>
+          <a:p>
+            <a:pPr>
+              <a:buFont typeface="Arial" panose="020B0604020202020204" pitchFamily="34" charset="0"/>
+              <a:buChar char="•"/>
+            </a:pPr>
+            <a:r>
+              <a:rPr lang="en-US" sz="1600" b="1" dirty="0">
+                <a:latin typeface="Calibri" panose="020F0502020204030204" pitchFamily="34" charset="0"/>
+                <a:ea typeface="Calibri" panose="020F0502020204030204" pitchFamily="34" charset="0"/>
+                <a:cs typeface="Calibri" panose="020F0502020204030204" pitchFamily="34" charset="0"/>
+              </a:rPr>
+              <a:t>Scalable Data Lake: </a:t>
+            </a:r>
+            <a:r>
               <a:rPr lang="en-US" sz="1600" dirty="0">
                 <a:latin typeface="Calibri" panose="020F0502020204030204" pitchFamily="34" charset="0"/>
                 <a:ea typeface="Calibri" panose="020F0502020204030204" pitchFamily="34" charset="0"/>
                 <a:cs typeface="Calibri" panose="020F0502020204030204" pitchFamily="34" charset="0"/>
               </a:rPr>
-            </a:br>
+              <a:t>Successfully built a flexible and future-ready data lake on Amazon S3.</a:t>
+            </a:r>
+          </a:p>
+          <a:p>
+            <a:pPr>
+              <a:buFont typeface="Arial" panose="020B0604020202020204" pitchFamily="34" charset="0"/>
+              <a:buChar char="•"/>
+            </a:pPr>
+            <a:r>
+              <a:rPr lang="en-US" sz="1600" b="1" dirty="0">
+                <a:latin typeface="Calibri" panose="020F0502020204030204" pitchFamily="34" charset="0"/>
+                <a:ea typeface="Calibri" panose="020F0502020204030204" pitchFamily="34" charset="0"/>
+                <a:cs typeface="Calibri" panose="020F0502020204030204" pitchFamily="34" charset="0"/>
+              </a:rPr>
+              <a:t>Optimized Querying: </a:t>
+            </a:r>
             <a:r>
               <a:rPr lang="en-US" sz="1600" dirty="0">
                 <a:latin typeface="Calibri" panose="020F0502020204030204" pitchFamily="34" charset="0"/>
                 <a:ea typeface="Calibri" panose="020F0502020204030204" pitchFamily="34" charset="0"/>
                 <a:cs typeface="Calibri" panose="020F0502020204030204" pitchFamily="34" charset="0"/>
               </a:rPr>
-              <a:t>Limit crawler runs and scan only relevant directories to reduce costs.</a:t>
+              <a:t>Reduced query execution times with efficient formats like Parquet and tools like PySpark and Spark SQL.</a:t>
             </a:r>
           </a:p>
           <a:p>
@@ -6446,7 +6491,7 @@
                 <a:ea typeface="Calibri" panose="020F0502020204030204" pitchFamily="34" charset="0"/>
                 <a:cs typeface="Calibri" panose="020F0502020204030204" pitchFamily="34" charset="0"/>
               </a:rPr>
-              <a:t>Amazon Athena</a:t>
+              <a:t>Cost-Effective: </a:t>
             </a:r>
             <a:r>
               <a:rPr lang="en-US" sz="1600" dirty="0">
@@ -6454,22 +6499,51 @@
                 <a:ea typeface="Calibri" panose="020F0502020204030204" pitchFamily="34" charset="0"/>
                 <a:cs typeface="Calibri" panose="020F0502020204030204" pitchFamily="34" charset="0"/>
               </a:rPr>
-              <a:t>:</a:t>
-            </a:r>
-            <a:br>
+              <a:t>Delivered a high-performance solution with a low monthly cost of ~$14.50.</a:t>
+            </a:r>
+          </a:p>
+          <a:p>
+            <a:pPr>
+              <a:buFont typeface="Arial" panose="020B0604020202020204" pitchFamily="34" charset="0"/>
+              <a:buChar char="•"/>
+            </a:pPr>
+            <a:r>
+              <a:rPr lang="en-US" sz="1600" b="1" dirty="0">
+                <a:latin typeface="Calibri" panose="020F0502020204030204" pitchFamily="34" charset="0"/>
+                <a:ea typeface="Calibri" panose="020F0502020204030204" pitchFamily="34" charset="0"/>
+                <a:cs typeface="Calibri" panose="020F0502020204030204" pitchFamily="34" charset="0"/>
+              </a:rPr>
+              <a:t>Future-Ready Architecture: </a:t>
+            </a:r>
+            <a:r>
               <a:rPr lang="en-US" sz="1600" dirty="0">
                 <a:latin typeface="Calibri" panose="020F0502020204030204" pitchFamily="34" charset="0"/>
                 <a:ea typeface="Calibri" panose="020F0502020204030204" pitchFamily="34" charset="0"/>
                 <a:cs typeface="Calibri" panose="020F0502020204030204" pitchFamily="34" charset="0"/>
               </a:rPr>
-            </a:br>
+              <a:t>Built a flexible system that supports structured, semi-structured, and unstructured data, enabling seamless scaling and integration with additional data sources.</a:t>
+            </a:r>
+          </a:p>
+          <a:p>
+            <a:pPr>
+              <a:buFont typeface="Arial" panose="020B0604020202020204" pitchFamily="34" charset="0"/>
+              <a:buChar char="•"/>
+            </a:pPr>
+            <a:r>
+              <a:rPr lang="en-US" sz="1600" b="1" dirty="0">
+                <a:latin typeface="Calibri" panose="020F0502020204030204" pitchFamily="34" charset="0"/>
+                <a:ea typeface="Calibri" panose="020F0502020204030204" pitchFamily="34" charset="0"/>
+                <a:cs typeface="Calibri" panose="020F0502020204030204" pitchFamily="34" charset="0"/>
+              </a:rPr>
+              <a:t>Comprehensive Analytics: </a:t>
+            </a:r>
             <a:r>
               <a:rPr lang="en-US" sz="1600" dirty="0">
                 <a:latin typeface="Calibri" panose="020F0502020204030204" pitchFamily="34" charset="0"/>
                 <a:ea typeface="Calibri" panose="020F0502020204030204" pitchFamily="34" charset="0"/>
                 <a:cs typeface="Calibri" panose="020F0502020204030204" pitchFamily="34" charset="0"/>
               </a:rPr>
-              <a:t>Query only partitioned data and optimize queries to minimize data scanned.</a:t>
+              <a:t>Integrated with Amazon Athena for advanced analytics and reporting, providing business users with actionable insights on-demand.</a:t>
             </a:r>
           </a:p>
           <a:p>
@@ -6483,7 +6557,7 @@
                 <a:ea typeface="Calibri" panose="020F0502020204030204" pitchFamily="34" charset="0"/>
                 <a:cs typeface="Calibri" panose="020F0502020204030204" pitchFamily="34" charset="0"/>
               </a:rPr>
-              <a:t>AWS Lambda</a:t>
+              <a:t>Automation and Orchestration: </a:t>
             </a:r>
             <a:r>
               <a:rPr lang="en-US" sz="1600" dirty="0">
@@ -6491,133 +6565,7 @@
                 <a:ea typeface="Calibri" panose="020F0502020204030204" pitchFamily="34" charset="0"/>
                 <a:cs typeface="Calibri" panose="020F0502020204030204" pitchFamily="34" charset="0"/>
               </a:rPr>
-              <a:t>:</a:t>
-            </a:r>
-            <a:br>
-              <a:rPr lang="en-US" sz="1600" dirty="0">
-                <a:latin typeface="Calibri" panose="020F0502020204030204" pitchFamily="34" charset="0"/>
-                <a:ea typeface="Calibri" panose="020F0502020204030204" pitchFamily="34" charset="0"/>
-                <a:cs typeface="Calibri" panose="020F0502020204030204" pitchFamily="34" charset="0"/>
-              </a:rPr>
-            </a:br>
-            <a:r>
-              <a:rPr lang="en-US" sz="1600" dirty="0">
-                <a:latin typeface="Calibri" panose="020F0502020204030204" pitchFamily="34" charset="0"/>
-                <a:ea typeface="Calibri" panose="020F0502020204030204" pitchFamily="34" charset="0"/>
-                <a:cs typeface="Calibri" panose="020F0502020204030204" pitchFamily="34" charset="0"/>
-              </a:rPr>
-              <a:t>Consolidate functions, set appropriate memory limits, and manage execution time to reduce costs.</a:t>
-            </a:r>
-          </a:p>
-          <a:p>
-            <a:pPr>
-              <a:buFont typeface="Arial" panose="020B0604020202020204" pitchFamily="34" charset="0"/>
-              <a:buChar char="•"/>
-            </a:pPr>
-            <a:r>
-              <a:rPr lang="en-US" sz="1600" b="1" dirty="0">
-                <a:latin typeface="Calibri" panose="020F0502020204030204" pitchFamily="34" charset="0"/>
-                <a:ea typeface="Calibri" panose="020F0502020204030204" pitchFamily="34" charset="0"/>
-                <a:cs typeface="Calibri" panose="020F0502020204030204" pitchFamily="34" charset="0"/>
-              </a:rPr>
-              <a:t>Amazon S3</a:t>
-            </a:r>
-            <a:r>
-              <a:rPr lang="en-US" sz="1600" dirty="0">
-                <a:latin typeface="Calibri" panose="020F0502020204030204" pitchFamily="34" charset="0"/>
-                <a:ea typeface="Calibri" panose="020F0502020204030204" pitchFamily="34" charset="0"/>
-                <a:cs typeface="Calibri" panose="020F0502020204030204" pitchFamily="34" charset="0"/>
-              </a:rPr>
-              <a:t>:</a:t>
-            </a:r>
-            <a:br>
-              <a:rPr lang="en-US" sz="1600" dirty="0">
-                <a:latin typeface="Calibri" panose="020F0502020204030204" pitchFamily="34" charset="0"/>
-                <a:ea typeface="Calibri" panose="020F0502020204030204" pitchFamily="34" charset="0"/>
-                <a:cs typeface="Calibri" panose="020F0502020204030204" pitchFamily="34" charset="0"/>
-              </a:rPr>
-            </a:br>
-            <a:r>
-              <a:rPr lang="en-US" sz="1600" dirty="0">
-                <a:latin typeface="Calibri" panose="020F0502020204030204" pitchFamily="34" charset="0"/>
-                <a:ea typeface="Calibri" panose="020F0502020204030204" pitchFamily="34" charset="0"/>
-                <a:cs typeface="Calibri" panose="020F0502020204030204" pitchFamily="34" charset="0"/>
-              </a:rPr>
-              <a:t>Use appropriate storage classes, implement lifecycle policies, and clean up unused files.</a:t>
-            </a:r>
-          </a:p>
-          <a:p>
-            <a:pPr>
-              <a:buFont typeface="Arial" panose="020B0604020202020204" pitchFamily="34" charset="0"/>
-              <a:buChar char="•"/>
-            </a:pPr>
-            <a:r>
-              <a:rPr lang="en-US" sz="1600" b="1" dirty="0">
-                <a:latin typeface="Calibri" panose="020F0502020204030204" pitchFamily="34" charset="0"/>
-                <a:ea typeface="Calibri" panose="020F0502020204030204" pitchFamily="34" charset="0"/>
-                <a:cs typeface="Calibri" panose="020F0502020204030204" pitchFamily="34" charset="0"/>
-              </a:rPr>
-              <a:t>Amazon CloudWatch</a:t>
-            </a:r>
-            <a:r>
-              <a:rPr lang="en-US" sz="1600" dirty="0">
-                <a:latin typeface="Calibri" panose="020F0502020204030204" pitchFamily="34" charset="0"/>
-                <a:ea typeface="Calibri" panose="020F0502020204030204" pitchFamily="34" charset="0"/>
-                <a:cs typeface="Calibri" panose="020F0502020204030204" pitchFamily="34" charset="0"/>
-              </a:rPr>
-              <a:t>:</a:t>
-            </a:r>
-            <a:br>
-              <a:rPr lang="en-US" sz="1600" dirty="0">
-                <a:latin typeface="Calibri" panose="020F0502020204030204" pitchFamily="34" charset="0"/>
-                <a:ea typeface="Calibri" panose="020F0502020204030204" pitchFamily="34" charset="0"/>
-                <a:cs typeface="Calibri" panose="020F0502020204030204" pitchFamily="34" charset="0"/>
-              </a:rPr>
-            </a:br>
-            <a:r>
-              <a:rPr lang="en-US" sz="1600" dirty="0">
-                <a:latin typeface="Calibri" panose="020F0502020204030204" pitchFamily="34" charset="0"/>
-                <a:ea typeface="Calibri" panose="020F0502020204030204" pitchFamily="34" charset="0"/>
-                <a:cs typeface="Calibri" panose="020F0502020204030204" pitchFamily="34" charset="0"/>
-              </a:rPr>
-              <a:t>Set retention policies for logs and use custom metrics sparingly.</a:t>
-            </a:r>
-          </a:p>
-          <a:p>
-            <a:pPr>
-              <a:buFont typeface="Arial" panose="020B0604020202020204" pitchFamily="34" charset="0"/>
-              <a:buChar char="•"/>
-            </a:pPr>
-            <a:r>
-              <a:rPr lang="en-US" sz="1600" b="1" dirty="0">
-                <a:latin typeface="Calibri" panose="020F0502020204030204" pitchFamily="34" charset="0"/>
-                <a:ea typeface="Calibri" panose="020F0502020204030204" pitchFamily="34" charset="0"/>
-                <a:cs typeface="Calibri" panose="020F0502020204030204" pitchFamily="34" charset="0"/>
-              </a:rPr>
-              <a:t>Amazon SNS</a:t>
-            </a:r>
-            <a:r>
-              <a:rPr lang="en-US" sz="1600" dirty="0">
-                <a:latin typeface="Calibri" panose="020F0502020204030204" pitchFamily="34" charset="0"/>
-                <a:ea typeface="Calibri" panose="020F0502020204030204" pitchFamily="34" charset="0"/>
-                <a:cs typeface="Calibri" panose="020F0502020204030204" pitchFamily="34" charset="0"/>
-              </a:rPr>
-              <a:t>:</a:t>
-            </a:r>
-            <a:br>
-              <a:rPr lang="en-US" sz="1600" dirty="0">
-                <a:latin typeface="Calibri" panose="020F0502020204030204" pitchFamily="34" charset="0"/>
-                <a:ea typeface="Calibri" panose="020F0502020204030204" pitchFamily="34" charset="0"/>
-                <a:cs typeface="Calibri" panose="020F0502020204030204" pitchFamily="34" charset="0"/>
-              </a:rPr>
-            </a:br>
-            <a:r>
-              <a:rPr lang="en-US" sz="1600" dirty="0">
-                <a:latin typeface="Calibri" panose="020F0502020204030204" pitchFamily="34" charset="0"/>
-                <a:ea typeface="Calibri" panose="020F0502020204030204" pitchFamily="34" charset="0"/>
-                <a:cs typeface="Calibri" panose="020F0502020204030204" pitchFamily="34" charset="0"/>
-              </a:rPr>
-              <a:t>Limit SNS usage to essential notifications and batch publish messages when possible.</a:t>
+              <a:t>Used AWS Glue and other orchestration tools to automate data ingestion and processing pipelines, ensuring consistency and reliability in data operations.</a:t>
             </a:r>
           </a:p>
         </p:txBody>
@@ -7429,8 +7377,8 @@
         </p:blipFill>
         <p:spPr>
           <a:xfrm>
-            <a:off x="1730561" y="2160588"/>
-            <a:ext cx="6490916" cy="3881437"/>
+            <a:off x="806734" y="1293322"/>
+            <a:ext cx="8596668" cy="4777540"/>
           </a:xfrm>
         </p:spPr>
       </p:pic>

--- a/Data_Lake_Construction_and_Querying_With_PySpark.pptx
+++ b/Data_Lake_Construction_and_Querying_With_PySpark.pptx
@@ -16,7 +16,8 @@
     <p:sldId id="266" r:id="rId10"/>
     <p:sldId id="265" r:id="rId11"/>
     <p:sldId id="267" r:id="rId12"/>
-    <p:sldId id="257" r:id="rId13"/>
+    <p:sldId id="268" r:id="rId13"/>
+    <p:sldId id="257" r:id="rId14"/>
   </p:sldIdLst>
   <p:sldSz cx="12192000" cy="6858000"/>
   <p:notesSz cx="6858000" cy="9144000"/>
@@ -845,7 +846,7 @@
           <a:p>
             <a:fld id="{6C75944D-E021-42A1-842E-4A047290AC38}" type="datetimeFigureOut">
               <a:rPr lang="en-IN" smtClean="0"/>
-              <a:t>28-11-2024</a:t>
+              <a:t>29-11-2024</a:t>
             </a:fld>
             <a:endParaRPr lang="en-IN"/>
           </a:p>
@@ -1096,7 +1097,7 @@
           <a:p>
             <a:fld id="{6C75944D-E021-42A1-842E-4A047290AC38}" type="datetimeFigureOut">
               <a:rPr lang="en-IN" smtClean="0"/>
-              <a:t>28-11-2024</a:t>
+              <a:t>29-11-2024</a:t>
             </a:fld>
             <a:endParaRPr lang="en-IN"/>
           </a:p>
@@ -1410,7 +1411,7 @@
           <a:p>
             <a:fld id="{6C75944D-E021-42A1-842E-4A047290AC38}" type="datetimeFigureOut">
               <a:rPr lang="en-IN" smtClean="0"/>
-              <a:t>28-11-2024</a:t>
+              <a:t>29-11-2024</a:t>
             </a:fld>
             <a:endParaRPr lang="en-IN"/>
           </a:p>
@@ -1751,7 +1752,7 @@
           <a:p>
             <a:fld id="{6C75944D-E021-42A1-842E-4A047290AC38}" type="datetimeFigureOut">
               <a:rPr lang="en-IN" smtClean="0"/>
-              <a:t>28-11-2024</a:t>
+              <a:t>29-11-2024</a:t>
             </a:fld>
             <a:endParaRPr lang="en-IN"/>
           </a:p>
@@ -2065,7 +2066,7 @@
           <a:p>
             <a:fld id="{6C75944D-E021-42A1-842E-4A047290AC38}" type="datetimeFigureOut">
               <a:rPr lang="en-IN" smtClean="0"/>
-              <a:t>28-11-2024</a:t>
+              <a:t>29-11-2024</a:t>
             </a:fld>
             <a:endParaRPr lang="en-IN"/>
           </a:p>
@@ -2458,7 +2459,7 @@
           <a:p>
             <a:fld id="{6C75944D-E021-42A1-842E-4A047290AC38}" type="datetimeFigureOut">
               <a:rPr lang="en-IN" smtClean="0"/>
-              <a:t>28-11-2024</a:t>
+              <a:t>29-11-2024</a:t>
             </a:fld>
             <a:endParaRPr lang="en-IN"/>
           </a:p>
@@ -2628,7 +2629,7 @@
           <a:p>
             <a:fld id="{6C75944D-E021-42A1-842E-4A047290AC38}" type="datetimeFigureOut">
               <a:rPr lang="en-IN" smtClean="0"/>
-              <a:t>28-11-2024</a:t>
+              <a:t>29-11-2024</a:t>
             </a:fld>
             <a:endParaRPr lang="en-IN"/>
           </a:p>
@@ -2808,7 +2809,7 @@
           <a:p>
             <a:fld id="{6C75944D-E021-42A1-842E-4A047290AC38}" type="datetimeFigureOut">
               <a:rPr lang="en-IN" smtClean="0"/>
-              <a:t>28-11-2024</a:t>
+              <a:t>29-11-2024</a:t>
             </a:fld>
             <a:endParaRPr lang="en-IN"/>
           </a:p>
@@ -2984,7 +2985,7 @@
           <a:p>
             <a:fld id="{6C75944D-E021-42A1-842E-4A047290AC38}" type="datetimeFigureOut">
               <a:rPr lang="en-IN" smtClean="0"/>
-              <a:t>28-11-2024</a:t>
+              <a:t>29-11-2024</a:t>
             </a:fld>
             <a:endParaRPr lang="en-IN"/>
           </a:p>
@@ -3231,7 +3232,7 @@
           <a:p>
             <a:fld id="{6C75944D-E021-42A1-842E-4A047290AC38}" type="datetimeFigureOut">
               <a:rPr lang="en-IN" smtClean="0"/>
-              <a:t>28-11-2024</a:t>
+              <a:t>29-11-2024</a:t>
             </a:fld>
             <a:endParaRPr lang="en-IN"/>
           </a:p>
@@ -3463,7 +3464,7 @@
           <a:p>
             <a:fld id="{6C75944D-E021-42A1-842E-4A047290AC38}" type="datetimeFigureOut">
               <a:rPr lang="en-IN" smtClean="0"/>
-              <a:t>28-11-2024</a:t>
+              <a:t>29-11-2024</a:t>
             </a:fld>
             <a:endParaRPr lang="en-IN"/>
           </a:p>
@@ -3837,7 +3838,7 @@
           <a:p>
             <a:fld id="{6C75944D-E021-42A1-842E-4A047290AC38}" type="datetimeFigureOut">
               <a:rPr lang="en-IN" smtClean="0"/>
-              <a:t>28-11-2024</a:t>
+              <a:t>29-11-2024</a:t>
             </a:fld>
             <a:endParaRPr lang="en-IN"/>
           </a:p>
@@ -3960,7 +3961,7 @@
           <a:p>
             <a:fld id="{6C75944D-E021-42A1-842E-4A047290AC38}" type="datetimeFigureOut">
               <a:rPr lang="en-IN" smtClean="0"/>
-              <a:t>28-11-2024</a:t>
+              <a:t>29-11-2024</a:t>
             </a:fld>
             <a:endParaRPr lang="en-IN"/>
           </a:p>
@@ -4055,7 +4056,7 @@
           <a:p>
             <a:fld id="{6C75944D-E021-42A1-842E-4A047290AC38}" type="datetimeFigureOut">
               <a:rPr lang="en-IN" smtClean="0"/>
-              <a:t>28-11-2024</a:t>
+              <a:t>29-11-2024</a:t>
             </a:fld>
             <a:endParaRPr lang="en-IN"/>
           </a:p>
@@ -4310,7 +4311,7 @@
           <a:p>
             <a:fld id="{6C75944D-E021-42A1-842E-4A047290AC38}" type="datetimeFigureOut">
               <a:rPr lang="en-IN" smtClean="0"/>
-              <a:t>28-11-2024</a:t>
+              <a:t>29-11-2024</a:t>
             </a:fld>
             <a:endParaRPr lang="en-IN"/>
           </a:p>
@@ -4573,7 +4574,7 @@
           <a:p>
             <a:fld id="{6C75944D-E021-42A1-842E-4A047290AC38}" type="datetimeFigureOut">
               <a:rPr lang="en-IN" smtClean="0"/>
-              <a:t>28-11-2024</a:t>
+              <a:t>29-11-2024</a:t>
             </a:fld>
             <a:endParaRPr lang="en-IN"/>
           </a:p>
@@ -5316,7 +5317,7 @@
           <a:p>
             <a:fld id="{6C75944D-E021-42A1-842E-4A047290AC38}" type="datetimeFigureOut">
               <a:rPr lang="en-IN" smtClean="0"/>
-              <a:t>28-11-2024</a:t>
+              <a:t>29-11-2024</a:t>
             </a:fld>
             <a:endParaRPr lang="en-IN"/>
           </a:p>
@@ -6584,6 +6585,705 @@
 </file>
 
 <file path=ppt/slides/slide12.xml><?xml version="1.0" encoding="utf-8"?>
+<p:sld xmlns:a="http://schemas.openxmlformats.org/drawingml/2006/main" xmlns:r="http://schemas.openxmlformats.org/officeDocument/2006/relationships" xmlns:p="http://schemas.openxmlformats.org/presentationml/2006/main">
+  <p:cSld>
+    <p:spTree>
+      <p:nvGrpSpPr>
+        <p:cNvPr id="1" name=""/>
+        <p:cNvGrpSpPr/>
+        <p:nvPr/>
+      </p:nvGrpSpPr>
+      <p:grpSpPr>
+        <a:xfrm>
+          <a:off x="0" y="0"/>
+          <a:ext cx="0" cy="0"/>
+          <a:chOff x="0" y="0"/>
+          <a:chExt cx="0" cy="0"/>
+        </a:xfrm>
+      </p:grpSpPr>
+      <p:sp>
+        <p:nvSpPr>
+          <p:cNvPr id="2" name="Title 1">
+            <a:extLst>
+              <a:ext uri="{FF2B5EF4-FFF2-40B4-BE49-F238E27FC236}">
+                <a16:creationId xmlns:a16="http://schemas.microsoft.com/office/drawing/2014/main" id="{7608CFF5-80C5-B10F-580B-D52879B0402B}"/>
+              </a:ext>
+            </a:extLst>
+          </p:cNvPr>
+          <p:cNvSpPr>
+            <a:spLocks noGrp="1"/>
+          </p:cNvSpPr>
+          <p:nvPr>
+            <p:ph type="title"/>
+          </p:nvPr>
+        </p:nvSpPr>
+        <p:spPr>
+          <a:xfrm>
+            <a:off x="677334" y="609600"/>
+            <a:ext cx="8596668" cy="587604"/>
+          </a:xfrm>
+        </p:spPr>
+        <p:txBody>
+          <a:bodyPr>
+            <a:normAutofit/>
+          </a:bodyPr>
+          <a:lstStyle/>
+          <a:p>
+            <a:r>
+              <a:rPr lang="en-IN" sz="3200" dirty="0">
+                <a:latin typeface="Calibri" panose="020F0502020204030204" pitchFamily="34" charset="0"/>
+                <a:ea typeface="Calibri" panose="020F0502020204030204" pitchFamily="34" charset="0"/>
+                <a:cs typeface="Calibri" panose="020F0502020204030204" pitchFamily="34" charset="0"/>
+              </a:rPr>
+              <a:t>Challengers</a:t>
+            </a:r>
+          </a:p>
+        </p:txBody>
+      </p:sp>
+      <p:sp>
+        <p:nvSpPr>
+          <p:cNvPr id="4" name="Rectangle 1">
+            <a:extLst>
+              <a:ext uri="{FF2B5EF4-FFF2-40B4-BE49-F238E27FC236}">
+                <a16:creationId xmlns:a16="http://schemas.microsoft.com/office/drawing/2014/main" id="{118EB2BE-7BB2-952D-A1B5-9CA630753C6F}"/>
+              </a:ext>
+            </a:extLst>
+          </p:cNvPr>
+          <p:cNvSpPr>
+            <a:spLocks noGrp="1" noChangeArrowheads="1"/>
+          </p:cNvSpPr>
+          <p:nvPr>
+            <p:ph idx="1"/>
+          </p:nvPr>
+        </p:nvSpPr>
+        <p:spPr bwMode="auto">
+          <a:xfrm>
+            <a:off x="565609" y="1379513"/>
+            <a:ext cx="9832156" cy="4801314"/>
+          </a:xfrm>
+          <a:prstGeom prst="rect">
+            <a:avLst/>
+          </a:prstGeom>
+          <a:noFill/>
+          <a:ln>
+            <a:noFill/>
+          </a:ln>
+          <a:effectLst/>
+          <a:extLst>
+            <a:ext uri="{909E8E84-426E-40DD-AFC4-6F175D3DCCD1}">
+              <a14:hiddenFill xmlns:a14="http://schemas.microsoft.com/office/drawing/2010/main">
+                <a:solidFill>
+                  <a:schemeClr val="accent1"/>
+                </a:solidFill>
+              </a14:hiddenFill>
+            </a:ext>
+            <a:ext uri="{91240B29-F687-4F45-9708-019B960494DF}">
+              <a14:hiddenLine xmlns:a14="http://schemas.microsoft.com/office/drawing/2010/main" w="9525">
+                <a:solidFill>
+                  <a:schemeClr val="tx1"/>
+                </a:solidFill>
+                <a:miter lim="800000"/>
+                <a:headEnd/>
+                <a:tailEnd/>
+              </a14:hiddenLine>
+            </a:ext>
+            <a:ext uri="{AF507438-7753-43E0-B8FC-AC1667EBCBE1}">
+              <a14:hiddenEffects xmlns:a14="http://schemas.microsoft.com/office/drawing/2010/main">
+                <a:effectLst>
+                  <a:outerShdw dist="35921" dir="2700000" algn="ctr" rotWithShape="0">
+                    <a:schemeClr val="bg2"/>
+                  </a:outerShdw>
+                </a:effectLst>
+              </a14:hiddenEffects>
+            </a:ext>
+          </a:extLst>
+        </p:spPr>
+        <p:txBody>
+          <a:bodyPr vert="horz" wrap="square" lIns="91440" tIns="45720" rIns="91440" bIns="45720" numCol="1" anchor="ctr" anchorCtr="0" compatLnSpc="1">
+            <a:prstTxWarp prst="textNoShape">
+              <a:avLst/>
+            </a:prstTxWarp>
+            <a:spAutoFit/>
+          </a:bodyPr>
+          <a:lstStyle/>
+          <a:p>
+            <a:pPr marR="0" lvl="0" algn="l" defTabSz="914400" rtl="0" eaLnBrk="0" fontAlgn="base" latinLnBrk="0" hangingPunct="0">
+              <a:lnSpc>
+                <a:spcPct val="100000"/>
+              </a:lnSpc>
+              <a:spcBef>
+                <a:spcPct val="0"/>
+              </a:spcBef>
+              <a:spcAft>
+                <a:spcPct val="0"/>
+              </a:spcAft>
+              <a:buClrTx/>
+              <a:buSzTx/>
+              <a:buFont typeface="+mj-lt"/>
+              <a:buAutoNum type="arabicPeriod"/>
+              <a:tabLst/>
+            </a:pPr>
+            <a:r>
+              <a:rPr kumimoji="0" lang="en-US" altLang="en-US" sz="1800" b="1" i="0" u="none" strike="noStrike" cap="none" normalizeH="0" baseline="0" dirty="0">
+                <a:ln>
+                  <a:noFill/>
+                </a:ln>
+                <a:solidFill>
+                  <a:schemeClr val="tx1"/>
+                </a:solidFill>
+                <a:effectLst/>
+                <a:latin typeface="Calibri" panose="020F0502020204030204" pitchFamily="34" charset="0"/>
+                <a:ea typeface="Calibri" panose="020F0502020204030204" pitchFamily="34" charset="0"/>
+                <a:cs typeface="Calibri" panose="020F0502020204030204" pitchFamily="34" charset="0"/>
+              </a:rPr>
+              <a:t>Performance</a:t>
+            </a:r>
+            <a:endParaRPr kumimoji="0" lang="en-US" altLang="en-US" sz="1800" b="0" i="0" u="none" strike="noStrike" cap="none" normalizeH="0" baseline="0" dirty="0">
+              <a:ln>
+                <a:noFill/>
+              </a:ln>
+              <a:solidFill>
+                <a:schemeClr val="tx1"/>
+              </a:solidFill>
+              <a:effectLst/>
+              <a:latin typeface="Calibri" panose="020F0502020204030204" pitchFamily="34" charset="0"/>
+              <a:ea typeface="Calibri" panose="020F0502020204030204" pitchFamily="34" charset="0"/>
+              <a:cs typeface="Calibri" panose="020F0502020204030204" pitchFamily="34" charset="0"/>
+            </a:endParaRPr>
+          </a:p>
+          <a:p>
+            <a:pPr defTabSz="914400" eaLnBrk="0" fontAlgn="base" hangingPunct="0">
+              <a:spcBef>
+                <a:spcPct val="0"/>
+              </a:spcBef>
+              <a:spcAft>
+                <a:spcPct val="0"/>
+              </a:spcAft>
+              <a:buClrTx/>
+              <a:buSzTx/>
+              <a:buFont typeface="Arial" panose="020B0604020202020204" pitchFamily="34" charset="0"/>
+              <a:buChar char="•"/>
+            </a:pPr>
+            <a:r>
+              <a:rPr kumimoji="0" lang="en-US" altLang="en-US" sz="1800" b="0" i="0" u="none" strike="noStrike" cap="none" normalizeH="0" baseline="0" dirty="0">
+                <a:ln>
+                  <a:noFill/>
+                </a:ln>
+                <a:solidFill>
+                  <a:schemeClr val="tx1"/>
+                </a:solidFill>
+                <a:effectLst/>
+                <a:latin typeface="Calibri" panose="020F0502020204030204" pitchFamily="34" charset="0"/>
+                <a:ea typeface="Calibri" panose="020F0502020204030204" pitchFamily="34" charset="0"/>
+                <a:cs typeface="Calibri" panose="020F0502020204030204" pitchFamily="34" charset="0"/>
+              </a:rPr>
+              <a:t>Optimizing AWS Glue and Spark SQL queries to handle large-scale data efficiently.</a:t>
+            </a:r>
+          </a:p>
+          <a:p>
+            <a:pPr defTabSz="914400" eaLnBrk="0" fontAlgn="base" hangingPunct="0">
+              <a:spcBef>
+                <a:spcPct val="0"/>
+              </a:spcBef>
+              <a:spcAft>
+                <a:spcPct val="0"/>
+              </a:spcAft>
+              <a:buClrTx/>
+              <a:buSzTx/>
+              <a:buFont typeface="Arial" panose="020B0604020202020204" pitchFamily="34" charset="0"/>
+              <a:buChar char="•"/>
+            </a:pPr>
+            <a:r>
+              <a:rPr kumimoji="0" lang="en-US" altLang="en-US" sz="1800" b="0" i="0" u="none" strike="noStrike" cap="none" normalizeH="0" baseline="0" dirty="0">
+                <a:ln>
+                  <a:noFill/>
+                </a:ln>
+                <a:solidFill>
+                  <a:schemeClr val="tx1"/>
+                </a:solidFill>
+                <a:effectLst/>
+                <a:latin typeface="Calibri" panose="020F0502020204030204" pitchFamily="34" charset="0"/>
+                <a:ea typeface="Calibri" panose="020F0502020204030204" pitchFamily="34" charset="0"/>
+                <a:cs typeface="Calibri" panose="020F0502020204030204" pitchFamily="34" charset="0"/>
+              </a:rPr>
+              <a:t>Ensuring low query execution times despite complex transformations.</a:t>
+            </a:r>
+          </a:p>
+          <a:p>
+            <a:pPr marL="0" indent="0" defTabSz="914400" eaLnBrk="0" fontAlgn="base" hangingPunct="0">
+              <a:spcBef>
+                <a:spcPct val="0"/>
+              </a:spcBef>
+              <a:spcAft>
+                <a:spcPct val="0"/>
+              </a:spcAft>
+              <a:buClrTx/>
+              <a:buSzTx/>
+              <a:buNone/>
+            </a:pPr>
+            <a:endParaRPr kumimoji="0" lang="en-US" altLang="en-US" sz="1800" b="0" i="0" u="none" strike="noStrike" cap="none" normalizeH="0" baseline="0" dirty="0">
+              <a:ln>
+                <a:noFill/>
+              </a:ln>
+              <a:solidFill>
+                <a:schemeClr val="tx1"/>
+              </a:solidFill>
+              <a:effectLst/>
+              <a:latin typeface="Calibri" panose="020F0502020204030204" pitchFamily="34" charset="0"/>
+              <a:ea typeface="Calibri" panose="020F0502020204030204" pitchFamily="34" charset="0"/>
+              <a:cs typeface="Calibri" panose="020F0502020204030204" pitchFamily="34" charset="0"/>
+            </a:endParaRPr>
+          </a:p>
+          <a:p>
+            <a:pPr marL="0" marR="0" lvl="0" indent="0" algn="l" defTabSz="914400" rtl="0" eaLnBrk="0" fontAlgn="base" latinLnBrk="0" hangingPunct="0">
+              <a:lnSpc>
+                <a:spcPct val="100000"/>
+              </a:lnSpc>
+              <a:spcBef>
+                <a:spcPct val="0"/>
+              </a:spcBef>
+              <a:spcAft>
+                <a:spcPct val="0"/>
+              </a:spcAft>
+              <a:buClrTx/>
+              <a:buSzTx/>
+              <a:buNone/>
+              <a:tabLst/>
+            </a:pPr>
+            <a:r>
+              <a:rPr kumimoji="0" lang="en-US" altLang="en-US" sz="1800" b="1" i="0" u="none" strike="noStrike" cap="none" normalizeH="0" baseline="0" dirty="0">
+                <a:ln>
+                  <a:noFill/>
+                </a:ln>
+                <a:solidFill>
+                  <a:schemeClr val="tx1"/>
+                </a:solidFill>
+                <a:effectLst/>
+                <a:latin typeface="Calibri" panose="020F0502020204030204" pitchFamily="34" charset="0"/>
+                <a:ea typeface="Calibri" panose="020F0502020204030204" pitchFamily="34" charset="0"/>
+                <a:cs typeface="Calibri" panose="020F0502020204030204" pitchFamily="34" charset="0"/>
+              </a:rPr>
+              <a:t>2.   Cost Optimization</a:t>
+            </a:r>
+            <a:endParaRPr kumimoji="0" lang="en-US" altLang="en-US" sz="1800" b="0" i="0" u="none" strike="noStrike" cap="none" normalizeH="0" baseline="0" dirty="0">
+              <a:ln>
+                <a:noFill/>
+              </a:ln>
+              <a:solidFill>
+                <a:schemeClr val="tx1"/>
+              </a:solidFill>
+              <a:effectLst/>
+              <a:latin typeface="Calibri" panose="020F0502020204030204" pitchFamily="34" charset="0"/>
+              <a:ea typeface="Calibri" panose="020F0502020204030204" pitchFamily="34" charset="0"/>
+              <a:cs typeface="Calibri" panose="020F0502020204030204" pitchFamily="34" charset="0"/>
+            </a:endParaRPr>
+          </a:p>
+          <a:p>
+            <a:pPr defTabSz="914400" eaLnBrk="0" fontAlgn="base" hangingPunct="0">
+              <a:spcBef>
+                <a:spcPct val="0"/>
+              </a:spcBef>
+              <a:spcAft>
+                <a:spcPct val="0"/>
+              </a:spcAft>
+              <a:buClrTx/>
+              <a:buSzTx/>
+              <a:buFont typeface="Arial" panose="020B0604020202020204" pitchFamily="34" charset="0"/>
+              <a:buChar char="•"/>
+            </a:pPr>
+            <a:r>
+              <a:rPr kumimoji="0" lang="en-US" altLang="en-US" sz="1800" b="0" i="0" u="none" strike="noStrike" cap="none" normalizeH="0" baseline="0" dirty="0">
+                <a:ln>
+                  <a:noFill/>
+                </a:ln>
+                <a:solidFill>
+                  <a:schemeClr val="tx1"/>
+                </a:solidFill>
+                <a:effectLst/>
+                <a:latin typeface="Calibri" panose="020F0502020204030204" pitchFamily="34" charset="0"/>
+                <a:ea typeface="Calibri" panose="020F0502020204030204" pitchFamily="34" charset="0"/>
+                <a:cs typeface="Calibri" panose="020F0502020204030204" pitchFamily="34" charset="0"/>
+              </a:rPr>
+              <a:t>Balancing performance and cost, maintaining a low operational budget (~$14.50/month).</a:t>
+            </a:r>
+          </a:p>
+          <a:p>
+            <a:pPr marL="0" indent="0" defTabSz="914400" eaLnBrk="0" fontAlgn="base" hangingPunct="0">
+              <a:spcBef>
+                <a:spcPct val="0"/>
+              </a:spcBef>
+              <a:spcAft>
+                <a:spcPct val="0"/>
+              </a:spcAft>
+              <a:buClrTx/>
+              <a:buSzTx/>
+              <a:buNone/>
+            </a:pPr>
+            <a:endParaRPr kumimoji="0" lang="en-US" altLang="en-US" sz="1800" b="0" i="0" u="none" strike="noStrike" cap="none" normalizeH="0" baseline="0" dirty="0">
+              <a:ln>
+                <a:noFill/>
+              </a:ln>
+              <a:solidFill>
+                <a:schemeClr val="tx1"/>
+              </a:solidFill>
+              <a:effectLst/>
+              <a:latin typeface="Calibri" panose="020F0502020204030204" pitchFamily="34" charset="0"/>
+              <a:ea typeface="Calibri" panose="020F0502020204030204" pitchFamily="34" charset="0"/>
+              <a:cs typeface="Calibri" panose="020F0502020204030204" pitchFamily="34" charset="0"/>
+            </a:endParaRPr>
+          </a:p>
+          <a:p>
+            <a:pPr marL="0" marR="0" lvl="0" indent="0" algn="l" defTabSz="914400" rtl="0" eaLnBrk="0" fontAlgn="base" latinLnBrk="0" hangingPunct="0">
+              <a:lnSpc>
+                <a:spcPct val="100000"/>
+              </a:lnSpc>
+              <a:spcBef>
+                <a:spcPct val="0"/>
+              </a:spcBef>
+              <a:spcAft>
+                <a:spcPct val="0"/>
+              </a:spcAft>
+              <a:buClrTx/>
+              <a:buSzTx/>
+              <a:buNone/>
+              <a:tabLst/>
+            </a:pPr>
+            <a:r>
+              <a:rPr kumimoji="0" lang="en-US" altLang="en-US" sz="1800" b="1" i="0" u="none" strike="noStrike" cap="none" normalizeH="0" baseline="0" dirty="0">
+                <a:ln>
+                  <a:noFill/>
+                </a:ln>
+                <a:solidFill>
+                  <a:schemeClr val="tx1"/>
+                </a:solidFill>
+                <a:effectLst/>
+                <a:latin typeface="Calibri" panose="020F0502020204030204" pitchFamily="34" charset="0"/>
+                <a:ea typeface="Calibri" panose="020F0502020204030204" pitchFamily="34" charset="0"/>
+                <a:cs typeface="Calibri" panose="020F0502020204030204" pitchFamily="34" charset="0"/>
+              </a:rPr>
+              <a:t>3.   Scalable Architecture</a:t>
+            </a:r>
+            <a:endParaRPr kumimoji="0" lang="en-US" altLang="en-US" sz="1800" b="0" i="0" u="none" strike="noStrike" cap="none" normalizeH="0" baseline="0" dirty="0">
+              <a:ln>
+                <a:noFill/>
+              </a:ln>
+              <a:solidFill>
+                <a:schemeClr val="tx1"/>
+              </a:solidFill>
+              <a:effectLst/>
+              <a:latin typeface="Calibri" panose="020F0502020204030204" pitchFamily="34" charset="0"/>
+              <a:ea typeface="Calibri" panose="020F0502020204030204" pitchFamily="34" charset="0"/>
+              <a:cs typeface="Calibri" panose="020F0502020204030204" pitchFamily="34" charset="0"/>
+            </a:endParaRPr>
+          </a:p>
+          <a:p>
+            <a:pPr defTabSz="914400" eaLnBrk="0" fontAlgn="base" hangingPunct="0">
+              <a:spcBef>
+                <a:spcPct val="0"/>
+              </a:spcBef>
+              <a:spcAft>
+                <a:spcPct val="0"/>
+              </a:spcAft>
+              <a:buClrTx/>
+              <a:buSzTx/>
+              <a:buFont typeface="Arial" panose="020B0604020202020204" pitchFamily="34" charset="0"/>
+              <a:buChar char="•"/>
+            </a:pPr>
+            <a:r>
+              <a:rPr kumimoji="0" lang="en-US" altLang="en-US" sz="1800" b="0" i="0" u="none" strike="noStrike" cap="none" normalizeH="0" baseline="0" dirty="0">
+                <a:ln>
+                  <a:noFill/>
+                </a:ln>
+                <a:solidFill>
+                  <a:schemeClr val="tx1"/>
+                </a:solidFill>
+                <a:effectLst/>
+                <a:latin typeface="Calibri" panose="020F0502020204030204" pitchFamily="34" charset="0"/>
+                <a:ea typeface="Calibri" panose="020F0502020204030204" pitchFamily="34" charset="0"/>
+                <a:cs typeface="Calibri" panose="020F0502020204030204" pitchFamily="34" charset="0"/>
+              </a:rPr>
+              <a:t>Designing a data lake that supports future data sources and higher data volumes.</a:t>
+            </a:r>
+          </a:p>
+          <a:p>
+            <a:pPr marL="0" marR="0" lvl="0" indent="0" algn="l" defTabSz="914400" rtl="0" eaLnBrk="0" fontAlgn="base" latinLnBrk="0" hangingPunct="0">
+              <a:lnSpc>
+                <a:spcPct val="100000"/>
+              </a:lnSpc>
+              <a:spcBef>
+                <a:spcPct val="0"/>
+              </a:spcBef>
+              <a:spcAft>
+                <a:spcPct val="0"/>
+              </a:spcAft>
+              <a:buClrTx/>
+              <a:buSzTx/>
+              <a:buNone/>
+              <a:tabLst/>
+            </a:pPr>
+            <a:endParaRPr kumimoji="0" lang="en-US" altLang="en-US" sz="1800" b="0" i="0" u="none" strike="noStrike" cap="none" normalizeH="0" baseline="0" dirty="0">
+              <a:ln>
+                <a:noFill/>
+              </a:ln>
+              <a:solidFill>
+                <a:schemeClr val="tx1"/>
+              </a:solidFill>
+              <a:effectLst/>
+              <a:latin typeface="Calibri" panose="020F0502020204030204" pitchFamily="34" charset="0"/>
+              <a:ea typeface="Calibri" panose="020F0502020204030204" pitchFamily="34" charset="0"/>
+              <a:cs typeface="Calibri" panose="020F0502020204030204" pitchFamily="34" charset="0"/>
+            </a:endParaRPr>
+          </a:p>
+          <a:p>
+            <a:pPr marL="0" marR="0" lvl="0" indent="0" algn="l" defTabSz="914400" rtl="0" eaLnBrk="0" fontAlgn="base" latinLnBrk="0" hangingPunct="0">
+              <a:lnSpc>
+                <a:spcPct val="100000"/>
+              </a:lnSpc>
+              <a:spcBef>
+                <a:spcPct val="0"/>
+              </a:spcBef>
+              <a:spcAft>
+                <a:spcPct val="0"/>
+              </a:spcAft>
+              <a:buClrTx/>
+              <a:buSzTx/>
+              <a:buNone/>
+              <a:tabLst/>
+            </a:pPr>
+            <a:r>
+              <a:rPr kumimoji="0" lang="en-US" altLang="en-US" sz="1800" b="1" i="0" u="none" strike="noStrike" cap="none" normalizeH="0" baseline="0" dirty="0">
+                <a:ln>
+                  <a:noFill/>
+                </a:ln>
+                <a:solidFill>
+                  <a:schemeClr val="tx1"/>
+                </a:solidFill>
+                <a:effectLst/>
+                <a:latin typeface="Calibri" panose="020F0502020204030204" pitchFamily="34" charset="0"/>
+                <a:ea typeface="Calibri" panose="020F0502020204030204" pitchFamily="34" charset="0"/>
+                <a:cs typeface="Calibri" panose="020F0502020204030204" pitchFamily="34" charset="0"/>
+              </a:rPr>
+              <a:t>4.   Automation Challenges</a:t>
+            </a:r>
+            <a:endParaRPr kumimoji="0" lang="en-US" altLang="en-US" sz="1800" b="0" i="0" u="none" strike="noStrike" cap="none" normalizeH="0" baseline="0" dirty="0">
+              <a:ln>
+                <a:noFill/>
+              </a:ln>
+              <a:solidFill>
+                <a:schemeClr val="tx1"/>
+              </a:solidFill>
+              <a:effectLst/>
+              <a:latin typeface="Calibri" panose="020F0502020204030204" pitchFamily="34" charset="0"/>
+              <a:ea typeface="Calibri" panose="020F0502020204030204" pitchFamily="34" charset="0"/>
+              <a:cs typeface="Calibri" panose="020F0502020204030204" pitchFamily="34" charset="0"/>
+            </a:endParaRPr>
+          </a:p>
+          <a:p>
+            <a:pPr defTabSz="914400" eaLnBrk="0" fontAlgn="base" hangingPunct="0">
+              <a:spcBef>
+                <a:spcPct val="0"/>
+              </a:spcBef>
+              <a:spcAft>
+                <a:spcPct val="0"/>
+              </a:spcAft>
+              <a:buClrTx/>
+              <a:buSzTx/>
+              <a:buFont typeface="Arial" panose="020B0604020202020204" pitchFamily="34" charset="0"/>
+              <a:buChar char="•"/>
+            </a:pPr>
+            <a:r>
+              <a:rPr kumimoji="0" lang="en-US" altLang="en-US" sz="1800" b="0" i="0" u="none" strike="noStrike" cap="none" normalizeH="0" baseline="0" dirty="0">
+                <a:ln>
+                  <a:noFill/>
+                </a:ln>
+                <a:solidFill>
+                  <a:schemeClr val="tx1"/>
+                </a:solidFill>
+                <a:effectLst/>
+                <a:latin typeface="Calibri" panose="020F0502020204030204" pitchFamily="34" charset="0"/>
+                <a:ea typeface="Calibri" panose="020F0502020204030204" pitchFamily="34" charset="0"/>
+                <a:cs typeface="Calibri" panose="020F0502020204030204" pitchFamily="34" charset="0"/>
+              </a:rPr>
+              <a:t>Configuring AWS Glue, Crawler, and CloudWatch for reliable automation.</a:t>
+            </a:r>
+          </a:p>
+          <a:p>
+            <a:pPr defTabSz="914400" eaLnBrk="0" fontAlgn="base" hangingPunct="0">
+              <a:spcBef>
+                <a:spcPct val="0"/>
+              </a:spcBef>
+              <a:spcAft>
+                <a:spcPct val="0"/>
+              </a:spcAft>
+              <a:buClrTx/>
+              <a:buSzTx/>
+              <a:buFont typeface="Arial" panose="020B0604020202020204" pitchFamily="34" charset="0"/>
+              <a:buChar char="•"/>
+            </a:pPr>
+            <a:r>
+              <a:rPr kumimoji="0" lang="en-US" altLang="en-US" sz="1800" b="0" i="0" u="none" strike="noStrike" cap="none" normalizeH="0" baseline="0" dirty="0">
+                <a:ln>
+                  <a:noFill/>
+                </a:ln>
+                <a:solidFill>
+                  <a:schemeClr val="tx1"/>
+                </a:solidFill>
+                <a:effectLst/>
+                <a:latin typeface="Calibri" panose="020F0502020204030204" pitchFamily="34" charset="0"/>
+                <a:ea typeface="Calibri" panose="020F0502020204030204" pitchFamily="34" charset="0"/>
+                <a:cs typeface="Calibri" panose="020F0502020204030204" pitchFamily="34" charset="0"/>
+              </a:rPr>
+              <a:t>Managing dependencies in data workflows with minimal manual intervention.</a:t>
+            </a:r>
+          </a:p>
+          <a:p>
+            <a:pPr marL="0" marR="0" lvl="0" indent="0" algn="l" defTabSz="914400" rtl="0" eaLnBrk="0" fontAlgn="base" latinLnBrk="0" hangingPunct="0">
+              <a:lnSpc>
+                <a:spcPct val="100000"/>
+              </a:lnSpc>
+              <a:spcBef>
+                <a:spcPct val="0"/>
+              </a:spcBef>
+              <a:spcAft>
+                <a:spcPct val="0"/>
+              </a:spcAft>
+              <a:buClrTx/>
+              <a:buSzTx/>
+              <a:buNone/>
+              <a:tabLst/>
+            </a:pPr>
+            <a:endParaRPr kumimoji="0" lang="en-US" altLang="en-US" sz="1800" b="0" i="0" u="none" strike="noStrike" cap="none" normalizeH="0" baseline="0" dirty="0">
+              <a:ln>
+                <a:noFill/>
+              </a:ln>
+              <a:solidFill>
+                <a:schemeClr val="tx1"/>
+              </a:solidFill>
+              <a:effectLst/>
+              <a:latin typeface="Calibri" panose="020F0502020204030204" pitchFamily="34" charset="0"/>
+              <a:ea typeface="Calibri" panose="020F0502020204030204" pitchFamily="34" charset="0"/>
+              <a:cs typeface="Calibri" panose="020F0502020204030204" pitchFamily="34" charset="0"/>
+            </a:endParaRPr>
+          </a:p>
+          <a:p>
+            <a:pPr marL="0" marR="0" lvl="0" indent="0" algn="l" defTabSz="914400" rtl="0" eaLnBrk="0" fontAlgn="base" latinLnBrk="0" hangingPunct="0">
+              <a:lnSpc>
+                <a:spcPct val="100000"/>
+              </a:lnSpc>
+              <a:spcBef>
+                <a:spcPct val="0"/>
+              </a:spcBef>
+              <a:spcAft>
+                <a:spcPct val="0"/>
+              </a:spcAft>
+              <a:buClrTx/>
+              <a:buSzTx/>
+              <a:buNone/>
+              <a:tabLst/>
+            </a:pPr>
+            <a:r>
+              <a:rPr kumimoji="0" lang="en-US" altLang="en-US" sz="1800" b="1" i="0" u="none" strike="noStrike" cap="none" normalizeH="0" baseline="0" dirty="0">
+                <a:ln>
+                  <a:noFill/>
+                </a:ln>
+                <a:solidFill>
+                  <a:schemeClr val="tx1"/>
+                </a:solidFill>
+                <a:effectLst/>
+                <a:latin typeface="Calibri" panose="020F0502020204030204" pitchFamily="34" charset="0"/>
+                <a:ea typeface="Calibri" panose="020F0502020204030204" pitchFamily="34" charset="0"/>
+                <a:cs typeface="Calibri" panose="020F0502020204030204" pitchFamily="34" charset="0"/>
+              </a:rPr>
+              <a:t>5.   Data Visibility and Validation</a:t>
+            </a:r>
+            <a:endParaRPr kumimoji="0" lang="en-US" altLang="en-US" sz="1800" b="0" i="0" u="none" strike="noStrike" cap="none" normalizeH="0" baseline="0" dirty="0">
+              <a:ln>
+                <a:noFill/>
+              </a:ln>
+              <a:solidFill>
+                <a:schemeClr val="tx1"/>
+              </a:solidFill>
+              <a:effectLst/>
+              <a:latin typeface="Calibri" panose="020F0502020204030204" pitchFamily="34" charset="0"/>
+              <a:ea typeface="Calibri" panose="020F0502020204030204" pitchFamily="34" charset="0"/>
+              <a:cs typeface="Calibri" panose="020F0502020204030204" pitchFamily="34" charset="0"/>
+            </a:endParaRPr>
+          </a:p>
+          <a:p>
+            <a:pPr defTabSz="914400" eaLnBrk="0" fontAlgn="base" hangingPunct="0">
+              <a:spcBef>
+                <a:spcPct val="0"/>
+              </a:spcBef>
+              <a:spcAft>
+                <a:spcPct val="0"/>
+              </a:spcAft>
+              <a:buClrTx/>
+              <a:buSzTx/>
+              <a:buFont typeface="Arial" panose="020B0604020202020204" pitchFamily="34" charset="0"/>
+              <a:buChar char="•"/>
+            </a:pPr>
+            <a:r>
+              <a:rPr kumimoji="0" lang="en-US" altLang="en-US" sz="1800" b="0" i="0" u="none" strike="noStrike" cap="none" normalizeH="0" baseline="0" dirty="0">
+                <a:ln>
+                  <a:noFill/>
+                </a:ln>
+                <a:solidFill>
+                  <a:schemeClr val="tx1"/>
+                </a:solidFill>
+                <a:effectLst/>
+                <a:latin typeface="Calibri" panose="020F0502020204030204" pitchFamily="34" charset="0"/>
+                <a:ea typeface="Calibri" panose="020F0502020204030204" pitchFamily="34" charset="0"/>
+                <a:cs typeface="Calibri" panose="020F0502020204030204" pitchFamily="34" charset="0"/>
+              </a:rPr>
+              <a:t>Ensuring accurate querying and reporting in Athena while validating transformed datasets.</a:t>
+            </a:r>
+          </a:p>
+          <a:p>
+            <a:pPr marL="0" marR="0" lvl="0" indent="0" algn="l" defTabSz="914400" rtl="0" eaLnBrk="0" fontAlgn="base" latinLnBrk="0" hangingPunct="0">
+              <a:lnSpc>
+                <a:spcPct val="100000"/>
+              </a:lnSpc>
+              <a:spcBef>
+                <a:spcPct val="0"/>
+              </a:spcBef>
+              <a:spcAft>
+                <a:spcPct val="0"/>
+              </a:spcAft>
+              <a:buClrTx/>
+              <a:buSzTx/>
+              <a:buFontTx/>
+              <a:buNone/>
+              <a:tabLst/>
+            </a:pPr>
+            <a:endParaRPr kumimoji="0" lang="en-US" altLang="en-US" sz="1800" b="0" i="0" u="none" strike="noStrike" cap="none" normalizeH="0" baseline="0" dirty="0">
+              <a:ln>
+                <a:noFill/>
+              </a:ln>
+              <a:solidFill>
+                <a:schemeClr val="tx1"/>
+              </a:solidFill>
+              <a:effectLst/>
+              <a:latin typeface="Calibri" panose="020F0502020204030204" pitchFamily="34" charset="0"/>
+              <a:ea typeface="Calibri" panose="020F0502020204030204" pitchFamily="34" charset="0"/>
+              <a:cs typeface="Calibri" panose="020F0502020204030204" pitchFamily="34" charset="0"/>
+            </a:endParaRPr>
+          </a:p>
+        </p:txBody>
+      </p:sp>
+    </p:spTree>
+    <p:extLst>
+      <p:ext uri="{BB962C8B-B14F-4D97-AF65-F5344CB8AC3E}">
+        <p14:creationId xmlns:p14="http://schemas.microsoft.com/office/powerpoint/2010/main" val="583997314"/>
+      </p:ext>
+    </p:extLst>
+  </p:cSld>
+  <p:clrMapOvr>
+    <a:masterClrMapping/>
+  </p:clrMapOvr>
+</p:sld>
+</file>
+
+<file path=ppt/slides/slide13.xml><?xml version="1.0" encoding="utf-8"?>
 <p:sld xmlns:a="http://schemas.openxmlformats.org/drawingml/2006/main" xmlns:r="http://schemas.openxmlformats.org/officeDocument/2006/relationships" xmlns:p="http://schemas.openxmlformats.org/presentationml/2006/main">
   <p:cSld>
     <p:spTree>

--- a/Data_Lake_Construction_and_Querying_With_PySpark.pptx
+++ b/Data_Lake_Construction_and_Querying_With_PySpark.pptx
@@ -846,7 +846,7 @@
           <a:p>
             <a:fld id="{6C75944D-E021-42A1-842E-4A047290AC38}" type="datetimeFigureOut">
               <a:rPr lang="en-IN" smtClean="0"/>
-              <a:t>29-11-2024</a:t>
+              <a:t>04-12-2024</a:t>
             </a:fld>
             <a:endParaRPr lang="en-IN"/>
           </a:p>
@@ -1097,7 +1097,7 @@
           <a:p>
             <a:fld id="{6C75944D-E021-42A1-842E-4A047290AC38}" type="datetimeFigureOut">
               <a:rPr lang="en-IN" smtClean="0"/>
-              <a:t>29-11-2024</a:t>
+              <a:t>04-12-2024</a:t>
             </a:fld>
             <a:endParaRPr lang="en-IN"/>
           </a:p>
@@ -1411,7 +1411,7 @@
           <a:p>
             <a:fld id="{6C75944D-E021-42A1-842E-4A047290AC38}" type="datetimeFigureOut">
               <a:rPr lang="en-IN" smtClean="0"/>
-              <a:t>29-11-2024</a:t>
+              <a:t>04-12-2024</a:t>
             </a:fld>
             <a:endParaRPr lang="en-IN"/>
           </a:p>
@@ -1752,7 +1752,7 @@
           <a:p>
             <a:fld id="{6C75944D-E021-42A1-842E-4A047290AC38}" type="datetimeFigureOut">
               <a:rPr lang="en-IN" smtClean="0"/>
-              <a:t>29-11-2024</a:t>
+              <a:t>04-12-2024</a:t>
             </a:fld>
             <a:endParaRPr lang="en-IN"/>
           </a:p>
@@ -2066,7 +2066,7 @@
           <a:p>
             <a:fld id="{6C75944D-E021-42A1-842E-4A047290AC38}" type="datetimeFigureOut">
               <a:rPr lang="en-IN" smtClean="0"/>
-              <a:t>29-11-2024</a:t>
+              <a:t>04-12-2024</a:t>
             </a:fld>
             <a:endParaRPr lang="en-IN"/>
           </a:p>
@@ -2459,7 +2459,7 @@
           <a:p>
             <a:fld id="{6C75944D-E021-42A1-842E-4A047290AC38}" type="datetimeFigureOut">
               <a:rPr lang="en-IN" smtClean="0"/>
-              <a:t>29-11-2024</a:t>
+              <a:t>04-12-2024</a:t>
             </a:fld>
             <a:endParaRPr lang="en-IN"/>
           </a:p>
@@ -2629,7 +2629,7 @@
           <a:p>
             <a:fld id="{6C75944D-E021-42A1-842E-4A047290AC38}" type="datetimeFigureOut">
               <a:rPr lang="en-IN" smtClean="0"/>
-              <a:t>29-11-2024</a:t>
+              <a:t>04-12-2024</a:t>
             </a:fld>
             <a:endParaRPr lang="en-IN"/>
           </a:p>
@@ -2809,7 +2809,7 @@
           <a:p>
             <a:fld id="{6C75944D-E021-42A1-842E-4A047290AC38}" type="datetimeFigureOut">
               <a:rPr lang="en-IN" smtClean="0"/>
-              <a:t>29-11-2024</a:t>
+              <a:t>04-12-2024</a:t>
             </a:fld>
             <a:endParaRPr lang="en-IN"/>
           </a:p>
@@ -2985,7 +2985,7 @@
           <a:p>
             <a:fld id="{6C75944D-E021-42A1-842E-4A047290AC38}" type="datetimeFigureOut">
               <a:rPr lang="en-IN" smtClean="0"/>
-              <a:t>29-11-2024</a:t>
+              <a:t>04-12-2024</a:t>
             </a:fld>
             <a:endParaRPr lang="en-IN"/>
           </a:p>
@@ -3232,7 +3232,7 @@
           <a:p>
             <a:fld id="{6C75944D-E021-42A1-842E-4A047290AC38}" type="datetimeFigureOut">
               <a:rPr lang="en-IN" smtClean="0"/>
-              <a:t>29-11-2024</a:t>
+              <a:t>04-12-2024</a:t>
             </a:fld>
             <a:endParaRPr lang="en-IN"/>
           </a:p>
@@ -3464,7 +3464,7 @@
           <a:p>
             <a:fld id="{6C75944D-E021-42A1-842E-4A047290AC38}" type="datetimeFigureOut">
               <a:rPr lang="en-IN" smtClean="0"/>
-              <a:t>29-11-2024</a:t>
+              <a:t>04-12-2024</a:t>
             </a:fld>
             <a:endParaRPr lang="en-IN"/>
           </a:p>
@@ -3838,7 +3838,7 @@
           <a:p>
             <a:fld id="{6C75944D-E021-42A1-842E-4A047290AC38}" type="datetimeFigureOut">
               <a:rPr lang="en-IN" smtClean="0"/>
-              <a:t>29-11-2024</a:t>
+              <a:t>04-12-2024</a:t>
             </a:fld>
             <a:endParaRPr lang="en-IN"/>
           </a:p>
@@ -3961,7 +3961,7 @@
           <a:p>
             <a:fld id="{6C75944D-E021-42A1-842E-4A047290AC38}" type="datetimeFigureOut">
               <a:rPr lang="en-IN" smtClean="0"/>
-              <a:t>29-11-2024</a:t>
+              <a:t>04-12-2024</a:t>
             </a:fld>
             <a:endParaRPr lang="en-IN"/>
           </a:p>
@@ -4056,7 +4056,7 @@
           <a:p>
             <a:fld id="{6C75944D-E021-42A1-842E-4A047290AC38}" type="datetimeFigureOut">
               <a:rPr lang="en-IN" smtClean="0"/>
-              <a:t>29-11-2024</a:t>
+              <a:t>04-12-2024</a:t>
             </a:fld>
             <a:endParaRPr lang="en-IN"/>
           </a:p>
@@ -4311,7 +4311,7 @@
           <a:p>
             <a:fld id="{6C75944D-E021-42A1-842E-4A047290AC38}" type="datetimeFigureOut">
               <a:rPr lang="en-IN" smtClean="0"/>
-              <a:t>29-11-2024</a:t>
+              <a:t>04-12-2024</a:t>
             </a:fld>
             <a:endParaRPr lang="en-IN"/>
           </a:p>
@@ -4574,7 +4574,7 @@
           <a:p>
             <a:fld id="{6C75944D-E021-42A1-842E-4A047290AC38}" type="datetimeFigureOut">
               <a:rPr lang="en-IN" smtClean="0"/>
-              <a:t>29-11-2024</a:t>
+              <a:t>04-12-2024</a:t>
             </a:fld>
             <a:endParaRPr lang="en-IN"/>
           </a:p>
@@ -5317,7 +5317,7 @@
           <a:p>
             <a:fld id="{6C75944D-E021-42A1-842E-4A047290AC38}" type="datetimeFigureOut">
               <a:rPr lang="en-IN" smtClean="0"/>
-              <a:t>29-11-2024</a:t>
+              <a:t>04-12-2024</a:t>
             </a:fld>
             <a:endParaRPr lang="en-IN"/>
           </a:p>
@@ -5897,15 +5897,40 @@
         </p:nvSpPr>
         <p:spPr>
           <a:xfrm>
-            <a:off x="1507067" y="3091993"/>
-            <a:ext cx="7766936" cy="2055740"/>
+            <a:off x="1507067" y="2865748"/>
+            <a:ext cx="7766936" cy="2281985"/>
           </a:xfrm>
         </p:spPr>
         <p:txBody>
           <a:bodyPr>
-            <a:normAutofit/>
+            <a:normAutofit lnSpcReduction="10000"/>
           </a:bodyPr>
           <a:lstStyle/>
+          <a:p>
+            <a:pPr lvl="5" algn="l"/>
+            <a:r>
+              <a:rPr lang="en-US" sz="2400" b="1" dirty="0">
+                <a:solidFill>
+                  <a:schemeClr val="tx1"/>
+                </a:solidFill>
+                <a:latin typeface="Calibri" panose="020F0502020204030204" pitchFamily="34" charset="0"/>
+                <a:ea typeface="Calibri" panose="020F0502020204030204" pitchFamily="34" charset="0"/>
+                <a:cs typeface="Calibri" panose="020F0502020204030204" pitchFamily="34" charset="0"/>
+              </a:rPr>
+              <a:t>Team Name: </a:t>
+            </a:r>
+            <a:r>
+              <a:rPr lang="en-US" sz="2400" dirty="0">
+                <a:solidFill>
+                  <a:schemeClr val="tx1"/>
+                </a:solidFill>
+                <a:latin typeface="Calibri" panose="020F0502020204030204" pitchFamily="34" charset="0"/>
+                <a:ea typeface="Calibri" panose="020F0502020204030204" pitchFamily="34" charset="0"/>
+                <a:cs typeface="Calibri" panose="020F0502020204030204" pitchFamily="34" charset="0"/>
+              </a:rPr>
+              <a:t>PySpark Pioneers</a:t>
+            </a:r>
+          </a:p>
           <a:p>
             <a:pPr lvl="5" algn="l"/>
             <a:r>
@@ -6421,7 +6446,7 @@
               <a:buNone/>
             </a:pPr>
             <a:r>
-              <a:rPr lang="en-US" sz="1600" b="1" dirty="0">
+              <a:rPr lang="en-US" sz="2000" b="1" dirty="0">
                 <a:latin typeface="Calibri" panose="020F0502020204030204" pitchFamily="34" charset="0"/>
                 <a:ea typeface="Calibri" panose="020F0502020204030204" pitchFamily="34" charset="0"/>
                 <a:cs typeface="Calibri" panose="020F0502020204030204" pitchFamily="34" charset="0"/>
@@ -6429,7 +6454,7 @@
               <a:t>Key Takeaways:</a:t>
             </a:r>
             <a:r>
-              <a:rPr lang="en-US" sz="1600" dirty="0">
+              <a:rPr lang="en-US" sz="2000" dirty="0">
                 <a:latin typeface="Calibri" panose="020F0502020204030204" pitchFamily="34" charset="0"/>
                 <a:ea typeface="Calibri" panose="020F0502020204030204" pitchFamily="34" charset="0"/>
                 <a:cs typeface="Calibri" panose="020F0502020204030204" pitchFamily="34" charset="0"/>
@@ -6630,13 +6655,18 @@
           <a:lstStyle/>
           <a:p>
             <a:r>
-              <a:rPr lang="en-IN" sz="3200" dirty="0">
+              <a:rPr lang="en-IN" sz="3200">
                 <a:latin typeface="Calibri" panose="020F0502020204030204" pitchFamily="34" charset="0"/>
                 <a:ea typeface="Calibri" panose="020F0502020204030204" pitchFamily="34" charset="0"/>
                 <a:cs typeface="Calibri" panose="020F0502020204030204" pitchFamily="34" charset="0"/>
               </a:rPr>
-              <a:t>Challengers</a:t>
-            </a:r>
+              <a:t>Challenges</a:t>
+            </a:r>
+            <a:endParaRPr lang="en-IN" sz="3200" dirty="0">
+              <a:latin typeface="Calibri" panose="020F0502020204030204" pitchFamily="34" charset="0"/>
+              <a:ea typeface="Calibri" panose="020F0502020204030204" pitchFamily="34" charset="0"/>
+              <a:cs typeface="Calibri" panose="020F0502020204030204" pitchFamily="34" charset="0"/>
+            </a:endParaRPr>
           </a:p>
         </p:txBody>
       </p:sp>
